--- a/Presentation2/The Lomb-Scargle Algorithm-v2.pptx
+++ b/Presentation2/The Lomb-Scargle Algorithm-v2.pptx
@@ -8,17 +8,17 @@
     <p:sldId id="256" r:id="rId2"/>
     <p:sldId id="257" r:id="rId3"/>
     <p:sldId id="258" r:id="rId4"/>
-    <p:sldId id="260" r:id="rId5"/>
-    <p:sldId id="259" r:id="rId6"/>
-    <p:sldId id="262" r:id="rId7"/>
-    <p:sldId id="263" r:id="rId8"/>
-    <p:sldId id="264" r:id="rId9"/>
-    <p:sldId id="265" r:id="rId10"/>
-    <p:sldId id="267" r:id="rId11"/>
-    <p:sldId id="261" r:id="rId12"/>
-    <p:sldId id="268" r:id="rId13"/>
-    <p:sldId id="266" r:id="rId14"/>
-    <p:sldId id="269" r:id="rId15"/>
+    <p:sldId id="269" r:id="rId5"/>
+    <p:sldId id="260" r:id="rId6"/>
+    <p:sldId id="259" r:id="rId7"/>
+    <p:sldId id="262" r:id="rId8"/>
+    <p:sldId id="263" r:id="rId9"/>
+    <p:sldId id="264" r:id="rId10"/>
+    <p:sldId id="265" r:id="rId11"/>
+    <p:sldId id="267" r:id="rId12"/>
+    <p:sldId id="261" r:id="rId13"/>
+    <p:sldId id="268" r:id="rId14"/>
+    <p:sldId id="266" r:id="rId15"/>
     <p:sldId id="270" r:id="rId16"/>
   </p:sldIdLst>
   <p:sldSz cx="12192000" cy="6858000"/>
@@ -275,7 +275,7 @@
           <a:p>
             <a:fld id="{9EB1C19C-B5D7-48B6-AE04-3DE84387D732}" type="datetimeFigureOut">
               <a:rPr lang="en-CA" smtClean="0"/>
-              <a:t>2018-02-23</a:t>
+              <a:t>2018-02-26</a:t>
             </a:fld>
             <a:endParaRPr lang="en-CA"/>
           </a:p>
@@ -475,7 +475,7 @@
           <a:p>
             <a:fld id="{9EB1C19C-B5D7-48B6-AE04-3DE84387D732}" type="datetimeFigureOut">
               <a:rPr lang="en-CA" smtClean="0"/>
-              <a:t>2018-02-23</a:t>
+              <a:t>2018-02-26</a:t>
             </a:fld>
             <a:endParaRPr lang="en-CA"/>
           </a:p>
@@ -685,7 +685,7 @@
           <a:p>
             <a:fld id="{9EB1C19C-B5D7-48B6-AE04-3DE84387D732}" type="datetimeFigureOut">
               <a:rPr lang="en-CA" smtClean="0"/>
-              <a:t>2018-02-23</a:t>
+              <a:t>2018-02-26</a:t>
             </a:fld>
             <a:endParaRPr lang="en-CA"/>
           </a:p>
@@ -885,7 +885,7 @@
           <a:p>
             <a:fld id="{9EB1C19C-B5D7-48B6-AE04-3DE84387D732}" type="datetimeFigureOut">
               <a:rPr lang="en-CA" smtClean="0"/>
-              <a:t>2018-02-23</a:t>
+              <a:t>2018-02-26</a:t>
             </a:fld>
             <a:endParaRPr lang="en-CA"/>
           </a:p>
@@ -1161,7 +1161,7 @@
           <a:p>
             <a:fld id="{9EB1C19C-B5D7-48B6-AE04-3DE84387D732}" type="datetimeFigureOut">
               <a:rPr lang="en-CA" smtClean="0"/>
-              <a:t>2018-02-23</a:t>
+              <a:t>2018-02-26</a:t>
             </a:fld>
             <a:endParaRPr lang="en-CA"/>
           </a:p>
@@ -1429,7 +1429,7 @@
           <a:p>
             <a:fld id="{9EB1C19C-B5D7-48B6-AE04-3DE84387D732}" type="datetimeFigureOut">
               <a:rPr lang="en-CA" smtClean="0"/>
-              <a:t>2018-02-23</a:t>
+              <a:t>2018-02-26</a:t>
             </a:fld>
             <a:endParaRPr lang="en-CA"/>
           </a:p>
@@ -1844,7 +1844,7 @@
           <a:p>
             <a:fld id="{9EB1C19C-B5D7-48B6-AE04-3DE84387D732}" type="datetimeFigureOut">
               <a:rPr lang="en-CA" smtClean="0"/>
-              <a:t>2018-02-23</a:t>
+              <a:t>2018-02-26</a:t>
             </a:fld>
             <a:endParaRPr lang="en-CA"/>
           </a:p>
@@ -1986,7 +1986,7 @@
           <a:p>
             <a:fld id="{9EB1C19C-B5D7-48B6-AE04-3DE84387D732}" type="datetimeFigureOut">
               <a:rPr lang="en-CA" smtClean="0"/>
-              <a:t>2018-02-23</a:t>
+              <a:t>2018-02-26</a:t>
             </a:fld>
             <a:endParaRPr lang="en-CA"/>
           </a:p>
@@ -2099,7 +2099,7 @@
           <a:p>
             <a:fld id="{9EB1C19C-B5D7-48B6-AE04-3DE84387D732}" type="datetimeFigureOut">
               <a:rPr lang="en-CA" smtClean="0"/>
-              <a:t>2018-02-23</a:t>
+              <a:t>2018-02-26</a:t>
             </a:fld>
             <a:endParaRPr lang="en-CA"/>
           </a:p>
@@ -2412,7 +2412,7 @@
           <a:p>
             <a:fld id="{9EB1C19C-B5D7-48B6-AE04-3DE84387D732}" type="datetimeFigureOut">
               <a:rPr lang="en-CA" smtClean="0"/>
-              <a:t>2018-02-23</a:t>
+              <a:t>2018-02-26</a:t>
             </a:fld>
             <a:endParaRPr lang="en-CA"/>
           </a:p>
@@ -2701,7 +2701,7 @@
           <a:p>
             <a:fld id="{9EB1C19C-B5D7-48B6-AE04-3DE84387D732}" type="datetimeFigureOut">
               <a:rPr lang="en-CA" smtClean="0"/>
-              <a:t>2018-02-23</a:t>
+              <a:t>2018-02-26</a:t>
             </a:fld>
             <a:endParaRPr lang="en-CA"/>
           </a:p>
@@ -2944,7 +2944,7 @@
           <a:p>
             <a:fld id="{9EB1C19C-B5D7-48B6-AE04-3DE84387D732}" type="datetimeFigureOut">
               <a:rPr lang="en-CA" smtClean="0"/>
-              <a:t>2018-02-23</a:t>
+              <a:t>2018-02-26</a:t>
             </a:fld>
             <a:endParaRPr lang="en-CA"/>
           </a:p>
@@ -3460,6 +3460,169 @@
           <p:cNvPr id="2" name="Title 1">
             <a:extLst>
               <a:ext uri="{FF2B5EF4-FFF2-40B4-BE49-F238E27FC236}">
+                <a16:creationId xmlns:a16="http://schemas.microsoft.com/office/drawing/2014/main" id="{585B2769-5CB8-4EDB-9E3A-728A6E4E91D0}"/>
+              </a:ext>
+            </a:extLst>
+          </p:cNvPr>
+          <p:cNvSpPr>
+            <a:spLocks noGrp="1"/>
+          </p:cNvSpPr>
+          <p:nvPr>
+            <p:ph type="title"/>
+          </p:nvPr>
+        </p:nvSpPr>
+        <p:spPr/>
+        <p:txBody>
+          <a:bodyPr/>
+          <a:lstStyle/>
+          <a:p>
+            <a:r>
+              <a:rPr lang="en-CA" dirty="0"/>
+              <a:t>Error</a:t>
+            </a:r>
+          </a:p>
+        </p:txBody>
+      </p:sp>
+      <p:sp>
+        <p:nvSpPr>
+          <p:cNvPr id="3" name="Content Placeholder 2">
+            <a:extLst>
+              <a:ext uri="{FF2B5EF4-FFF2-40B4-BE49-F238E27FC236}">
+                <a16:creationId xmlns:a16="http://schemas.microsoft.com/office/drawing/2014/main" id="{586B245F-E02D-4746-8A47-A5E31B333BCA}"/>
+              </a:ext>
+            </a:extLst>
+          </p:cNvPr>
+          <p:cNvSpPr>
+            <a:spLocks noGrp="1"/>
+          </p:cNvSpPr>
+          <p:nvPr>
+            <p:ph idx="1"/>
+          </p:nvPr>
+        </p:nvSpPr>
+        <p:spPr/>
+        <p:txBody>
+          <a:bodyPr/>
+          <a:lstStyle/>
+          <a:p>
+            <a:r>
+              <a:rPr lang="en-CA" dirty="0"/>
+              <a:t>The previous equations rely on some approximations, namely:</a:t>
+            </a:r>
+          </a:p>
+          <a:p>
+            <a:endParaRPr lang="en-CA" dirty="0"/>
+          </a:p>
+          <a:p>
+            <a:endParaRPr lang="en-CA" dirty="0"/>
+          </a:p>
+          <a:p>
+            <a:endParaRPr lang="en-CA" dirty="0"/>
+          </a:p>
+          <a:p>
+            <a:r>
+              <a:rPr lang="en-CA" dirty="0"/>
+              <a:t>This error is </a:t>
+            </a:r>
+            <a:r>
+              <a:rPr lang="en-CA" dirty="0">
+                <a:latin typeface="Cambria Math" panose="02040503050406030204" pitchFamily="18" charset="0"/>
+                <a:ea typeface="Cambria Math" panose="02040503050406030204" pitchFamily="18" charset="0"/>
+              </a:rPr>
+              <a:t>χ</a:t>
+            </a:r>
+            <a:r>
+              <a:rPr lang="en-CA" baseline="30000" dirty="0">
+                <a:latin typeface="Cambria Math" panose="02040503050406030204" pitchFamily="18" charset="0"/>
+                <a:ea typeface="Cambria Math" panose="02040503050406030204" pitchFamily="18" charset="0"/>
+              </a:rPr>
+              <a:t>2</a:t>
+            </a:r>
+            <a:r>
+              <a:rPr lang="en-CA" dirty="0">
+                <a:latin typeface="Cambria Math" panose="02040503050406030204" pitchFamily="18" charset="0"/>
+                <a:ea typeface="Cambria Math" panose="02040503050406030204" pitchFamily="18" charset="0"/>
+              </a:rPr>
+              <a:t> distributed, meaning we can calculate the likelihood that a peak is due to periodic behavior.</a:t>
+            </a:r>
+            <a:endParaRPr lang="en-CA" dirty="0"/>
+          </a:p>
+        </p:txBody>
+      </p:sp>
+      <p:pic>
+        <p:nvPicPr>
+          <p:cNvPr id="5" name="Picture 4">
+            <a:extLst>
+              <a:ext uri="{FF2B5EF4-FFF2-40B4-BE49-F238E27FC236}">
+                <a16:creationId xmlns:a16="http://schemas.microsoft.com/office/drawing/2014/main" id="{32A419D9-87AE-463A-B1F2-8E4B4CC5B87C}"/>
+              </a:ext>
+            </a:extLst>
+          </p:cNvPr>
+          <p:cNvPicPr>
+            <a:picLocks noChangeAspect="1"/>
+          </p:cNvPicPr>
+          <p:nvPr>
+            <p:custDataLst>
+              <p:tags r:id="rId1"/>
+            </p:custDataLst>
+          </p:nvPr>
+        </p:nvPicPr>
+        <p:blipFill>
+          <a:blip r:embed="rId3">
+            <a:extLst>
+              <a:ext uri="{28A0092B-C50C-407E-A947-70E740481C1C}">
+                <a14:useLocalDpi xmlns:a14="http://schemas.microsoft.com/office/drawing/2010/main" val="0"/>
+              </a:ext>
+            </a:extLst>
+          </a:blip>
+          <a:stretch>
+            <a:fillRect/>
+          </a:stretch>
+        </p:blipFill>
+        <p:spPr>
+          <a:xfrm>
+            <a:off x="3040000" y="2604168"/>
+            <a:ext cx="6112000" cy="1030400"/>
+          </a:xfrm>
+          <a:prstGeom prst="rect">
+            <a:avLst/>
+          </a:prstGeom>
+        </p:spPr>
+      </p:pic>
+    </p:spTree>
+    <p:extLst>
+      <p:ext uri="{BB962C8B-B14F-4D97-AF65-F5344CB8AC3E}">
+        <p14:creationId xmlns:p14="http://schemas.microsoft.com/office/powerpoint/2010/main" val="4183939768"/>
+      </p:ext>
+    </p:extLst>
+  </p:cSld>
+  <p:clrMapOvr>
+    <a:masterClrMapping/>
+  </p:clrMapOvr>
+</p:sld>
+</file>
+
+<file path=ppt/slides/slide11.xml><?xml version="1.0" encoding="utf-8"?>
+<p:sld xmlns:a="http://schemas.openxmlformats.org/drawingml/2006/main" xmlns:r="http://schemas.openxmlformats.org/officeDocument/2006/relationships" xmlns:p="http://schemas.openxmlformats.org/presentationml/2006/main">
+  <p:cSld>
+    <p:spTree>
+      <p:nvGrpSpPr>
+        <p:cNvPr id="1" name=""/>
+        <p:cNvGrpSpPr/>
+        <p:nvPr/>
+      </p:nvGrpSpPr>
+      <p:grpSpPr>
+        <a:xfrm>
+          <a:off x="0" y="0"/>
+          <a:ext cx="0" cy="0"/>
+          <a:chOff x="0" y="0"/>
+          <a:chExt cx="0" cy="0"/>
+        </a:xfrm>
+      </p:grpSpPr>
+      <p:sp>
+        <p:nvSpPr>
+          <p:cNvPr id="2" name="Title 1">
+            <a:extLst>
+              <a:ext uri="{FF2B5EF4-FFF2-40B4-BE49-F238E27FC236}">
                 <a16:creationId xmlns:a16="http://schemas.microsoft.com/office/drawing/2014/main" id="{9DBFBAB5-EF2C-411E-B879-E9219A8676C7}"/>
               </a:ext>
             </a:extLst>
@@ -3521,7 +3684,7 @@
 </p:sld>
 </file>
 
-<file path=ppt/slides/slide11.xml><?xml version="1.0" encoding="utf-8"?>
+<file path=ppt/slides/slide12.xml><?xml version="1.0" encoding="utf-8"?>
 <p:sld xmlns:a="http://schemas.openxmlformats.org/drawingml/2006/main" xmlns:r="http://schemas.openxmlformats.org/officeDocument/2006/relationships" xmlns:p="http://schemas.openxmlformats.org/presentationml/2006/main">
   <p:cSld>
     <p:spTree>
@@ -3867,93 +4030,6 @@
 </p:sld>
 </file>
 
-<file path=ppt/slides/slide12.xml><?xml version="1.0" encoding="utf-8"?>
-<p:sld xmlns:a="http://schemas.openxmlformats.org/drawingml/2006/main" xmlns:r="http://schemas.openxmlformats.org/officeDocument/2006/relationships" xmlns:p="http://schemas.openxmlformats.org/presentationml/2006/main">
-  <p:cSld>
-    <p:spTree>
-      <p:nvGrpSpPr>
-        <p:cNvPr id="1" name=""/>
-        <p:cNvGrpSpPr/>
-        <p:nvPr/>
-      </p:nvGrpSpPr>
-      <p:grpSpPr>
-        <a:xfrm>
-          <a:off x="0" y="0"/>
-          <a:ext cx="0" cy="0"/>
-          <a:chOff x="0" y="0"/>
-          <a:chExt cx="0" cy="0"/>
-        </a:xfrm>
-      </p:grpSpPr>
-      <p:sp>
-        <p:nvSpPr>
-          <p:cNvPr id="2" name="Title 1">
-            <a:extLst>
-              <a:ext uri="{FF2B5EF4-FFF2-40B4-BE49-F238E27FC236}">
-                <a16:creationId xmlns:a16="http://schemas.microsoft.com/office/drawing/2014/main" id="{952DED55-1B6F-41E0-A47A-E2BF10242882}"/>
-              </a:ext>
-            </a:extLst>
-          </p:cNvPr>
-          <p:cNvSpPr>
-            <a:spLocks noGrp="1"/>
-          </p:cNvSpPr>
-          <p:nvPr>
-            <p:ph type="title"/>
-          </p:nvPr>
-        </p:nvSpPr>
-        <p:spPr/>
-        <p:txBody>
-          <a:bodyPr/>
-          <a:lstStyle/>
-          <a:p>
-            <a:r>
-              <a:rPr lang="en-CA" dirty="0" err="1"/>
-              <a:t>Astropy</a:t>
-            </a:r>
-            <a:r>
-              <a:rPr lang="en-CA" dirty="0"/>
-              <a:t> Example</a:t>
-            </a:r>
-          </a:p>
-        </p:txBody>
-      </p:sp>
-      <p:sp>
-        <p:nvSpPr>
-          <p:cNvPr id="3" name="Content Placeholder 2">
-            <a:extLst>
-              <a:ext uri="{FF2B5EF4-FFF2-40B4-BE49-F238E27FC236}">
-                <a16:creationId xmlns:a16="http://schemas.microsoft.com/office/drawing/2014/main" id="{2D95193E-86D9-46BC-BD11-A01CB083C5D2}"/>
-              </a:ext>
-            </a:extLst>
-          </p:cNvPr>
-          <p:cNvSpPr>
-            <a:spLocks noGrp="1"/>
-          </p:cNvSpPr>
-          <p:nvPr>
-            <p:ph idx="1"/>
-          </p:nvPr>
-        </p:nvSpPr>
-        <p:spPr/>
-        <p:txBody>
-          <a:bodyPr/>
-          <a:lstStyle/>
-          <a:p>
-            <a:endParaRPr lang="en-CA" dirty="0"/>
-          </a:p>
-        </p:txBody>
-      </p:sp>
-    </p:spTree>
-    <p:extLst>
-      <p:ext uri="{BB962C8B-B14F-4D97-AF65-F5344CB8AC3E}">
-        <p14:creationId xmlns:p14="http://schemas.microsoft.com/office/powerpoint/2010/main" val="1121226968"/>
-      </p:ext>
-    </p:extLst>
-  </p:cSld>
-  <p:clrMapOvr>
-    <a:masterClrMapping/>
-  </p:clrMapOvr>
-</p:sld>
-</file>
-
 <file path=ppt/slides/slide13.xml><?xml version="1.0" encoding="utf-8"?>
 <p:sld xmlns:a="http://schemas.openxmlformats.org/drawingml/2006/main" xmlns:r="http://schemas.openxmlformats.org/officeDocument/2006/relationships" xmlns:p="http://schemas.openxmlformats.org/presentationml/2006/main">
   <p:cSld>
@@ -3976,7 +4052,7 @@
           <p:cNvPr id="2" name="Title 1">
             <a:extLst>
               <a:ext uri="{FF2B5EF4-FFF2-40B4-BE49-F238E27FC236}">
-                <a16:creationId xmlns:a16="http://schemas.microsoft.com/office/drawing/2014/main" id="{079DCC7C-AF2F-4297-AC5B-CA1A1D2814FF}"/>
+                <a16:creationId xmlns:a16="http://schemas.microsoft.com/office/drawing/2014/main" id="{952DED55-1B6F-41E0-A47A-E2BF10242882}"/>
               </a:ext>
             </a:extLst>
           </p:cNvPr>
@@ -3987,19 +4063,18 @@
             <p:ph type="title"/>
           </p:nvPr>
         </p:nvSpPr>
-        <p:spPr>
-          <a:xfrm>
-            <a:off x="838200" y="365125"/>
-            <a:ext cx="10515600" cy="1325563"/>
-          </a:xfrm>
-        </p:spPr>
-        <p:txBody>
-          <a:bodyPr/>
-          <a:lstStyle/>
-          <a:p>
+        <p:spPr/>
+        <p:txBody>
+          <a:bodyPr/>
+          <a:lstStyle/>
+          <a:p>
+            <a:r>
+              <a:rPr lang="en-CA" dirty="0" err="1"/>
+              <a:t>Astropy</a:t>
+            </a:r>
             <a:r>
               <a:rPr lang="en-CA" dirty="0"/>
-              <a:t>Comparison - Summary</a:t>
+              <a:t> Example</a:t>
             </a:r>
           </a:p>
         </p:txBody>
@@ -4009,7 +4084,7 @@
           <p:cNvPr id="3" name="Content Placeholder 2">
             <a:extLst>
               <a:ext uri="{FF2B5EF4-FFF2-40B4-BE49-F238E27FC236}">
-                <a16:creationId xmlns:a16="http://schemas.microsoft.com/office/drawing/2014/main" id="{3BEC23C5-5292-485A-839B-B1D87C787CA2}"/>
+                <a16:creationId xmlns:a16="http://schemas.microsoft.com/office/drawing/2014/main" id="{2D95193E-86D9-46BC-BD11-A01CB083C5D2}"/>
               </a:ext>
             </a:extLst>
           </p:cNvPr>
@@ -4025,141 +4100,14 @@
           <a:bodyPr/>
           <a:lstStyle/>
           <a:p>
-            <a:r>
-              <a:rPr lang="en-CA" dirty="0"/>
-              <a:t>Between…</a:t>
-            </a:r>
-          </a:p>
-        </p:txBody>
-      </p:sp>
-      <p:sp>
-        <p:nvSpPr>
-          <p:cNvPr id="4" name="AutoShape 2" descr="data:image/png;base64,iVBORw0KGgoAAAANSUhEUgAAAf4AAAFyCAYAAAAUHbiGAAAABHNCSVQICAgIfAhkiAAAAAlwSFlzAAALEgAACxIB0t1+/AAAIABJREFUeJzs3Xd4FMUbwPHvpZBOSKMKJKEMHSIgHQEFG01BigWVKlItYBcs2BUQ5UcRpApItVJEQKTXEOrQIZSEJEB6u7v9/XEHBgxwQBrk/TyPj7myM+/OHffu7M7OmAzDQAghhBCFg1N+ByCEEEKIvCOJXwghhChEJPELIYQQhYgkfiGEEKIQkcQvhBBCFCKS+IUQQohCxCW/AxB3H6WUMzAE6I7tO1YE+BV4T2udkZ+xZaWUmgzM0Vqvyqf62wCTgSjgfq11WpbXrECg1vp8LtR7HOiitd7iwHsbAh8DAdg6CpHAa1rrfTkdVzZ133Qb2PftCa31jhyo/3mgk9a63e2WdRsx1Ad6aq37O/o+pVQ94HWt9ZN5EqS440jiF7nhf4Av0EprnaiU8gRmA98DPfI1siy01n3yOYRuwCSt9ag8rtcATDd6k1LKDfgNeFBrHW5/7mlgqVIqWGtdECcBKYgx3Y7qwD038z6t9TZAkr64Jkn8IkcppUKAp4CSWuskAK11ilLqRaCR/T2+wHdAbWw/1EuBt7TWFqVUGvA10BYoCgzD9iNWEzgDtLOXZwU+Bx4EvOzbL1ZKeWE78KgE+AOJwFNa64NKqTVAHFDF/p7OwDhgCfAt0ATIAI4CL2itk5VSHYH3AGcgAXhFa71VKTUSCAZKAuWBGKCr1vrsVe3hat+fVoAF2Ay8DPQHOgCpSilfrfVwB9s32/K01kn23u5s4DFsPfQR9n2qC2QC7bPE96JS6jvAHfhKa/1DNtV5YjuA87n0hNZ6tlIqHttvR6ZSqifwij2WWOA5bJ/TaKCBfVsT0FtrvUEpNQ3b5xKK7SzQV8A0++M4IBrYrbV+/6r97mVvMyf7+wZqrfUN2uq2vktXleULjAVqAK7AX8Cwm/zOVgXGYPtsnIFvtNY/KKVaAKOAI/by3YABwGHgA6CoUmoK0Nu+/RXtCpy86n0zgXFa65oO/Fv7BGgNlAbGaq3HKqVKAjPscQL8rrV+73ptLe4sco1f5LR7gb2Xkv4lWutorfUS+8NvgBitdU2gHrYfpdfsrxUBzmitawHjsZ0lGAJUw5aE2mcpNklrXQ/oAkxVSgUCDwPntdaNtNYK2AoMtL/fsL9WXWv9rf2xATTGdqq9lr28o0BNpdSlA4QntNa1sR0A/KyUupQImwKdtdZVgQtAv2za4x1sBwe17PvpBHyhtf4C+AX42tGkf73ysuyfm9a6DvAqMAkYY38cCTxvf58JSLbva2vgU6VUtasr0lpfAIYDy5RSR5RSM5RSLwB/aa0zlVK1gU+Bh+zt8wvwNnAftgO/hlrr6tiSyBtZinbXWtfQWr+J7cBrt9a6GrZk2Yireu1KqfuxnSlqprW+176/ixxoq9v9LmU1Gthmf8+9QBC2Ax6H6lFKuQALgDfsZbQAXlNKNbCXcR/wpX3/pgAjtdangHeBf7TWvYCG2bVrNu/L6kb/1mK01k2xHQR/aj/L0wc4orWuCzQDKmX5zou7gCR+kdMs3Ph79TC2Hjb2a/4TgEeyvL7Q/v+j2JLCWftp5WPYeouXXCpjN7AbaK61XgjMUEoNUkqNxfYD65Vlm3+yiScCsCilNiulPgAWaq03YetVr9RaH7fXsxo4h60HbQCrsxzg7Lwqtqz7OkFrbbHvw7ir9vWGp9xvsrysbRdlbxuw9Sb97H8bwET7Pp0FlgMPZFeZ1no0UBwYDJwFXgd2KqWK2rdZprU+bX/vWK11f3vbvauU6q+U+gLoxL+fgQGsy1LFI9gOUNBaR2FLjlmZsJ3BqAhsUErtBD4D/JRSxa7bUv9tj5v6LnHlAUhboJ+9/m1AfWy9c0frqYztrMZUexlrsJ1tqWPf7oTWOsL+d9bv0uXvh9Z6I9du12t9j270b+3nLHW6YTvLsxTopJT6HdvB7Bta68RrlC/uQHKqX+S0rUBVpZR31l6/UqoMtmTTGduBQdYfKmeu/C6mZ/k78zp1WbL87QSYlVL9sfVYxmE77R2H7ZT8JVeciQDQWsfbe6+NsSWzeUqpb+x1X/2D6oTtVC9AWpbnr3XdPLt9dc3mfY66UXmOtp31qjIzlVLv828v+BdgBdDYfnbid+B3pdRb2BJj66vLt/cWy2O7zDIG+BLbZZQDwDNZ3pqc5W8zVx4oZo0ra3wztdZv2OsxAWW11hevs3+X3PJ3KZsYOl+6vGA/6Mh6YHCjepyAi1rrsEtP2E+pX8TWk0/N8t5sv0tKqce4frtm50b/1lIBtNaGUgrApLXeZr9k9yC2g98tSqmO9gMPcRcokD1+pdQDSqlJSqlZSqla+R2PcJy99zcbW8/GB8DeOxwPxGrbyPXl2K5hXkoWfYE/b6G6HvYy7gUUsBZoA0yzX7M+iC2ROWfZ5uofVJP9B/UvYKP92vIMbKfSVwFt7D+CKKVaYRtAtSm7cq4R43Js19NdlFJO2PZ7xQ22uV6Z1yvvRmWZsvz9PIBSqhy2H/iVWusRWusw+38jsI1beFsp1TxLOWWw9TIjgNXAg/YEBrZr8F/Yy/tVaz0R2A48zr+fwdX79DvQyx5LANCRKxOqYd+/7lnq6ePgPt+MrN+lKsDfV8W6HHhFKWVSShUBFgMv3UT5GkizD45EKVUW2AWEXXcr2wHIpQO767Vr1vdldbP/1kxKqU+Bd7XWPwNDgb3YDubEXaJAJn7AQ2vdF9uRbZv8DkbctJeAffx7anYTsAfbQCSwnTYurpTajS2B7Mc2uAn++6N/vVHaDZRS24GpQDd7D/BLbKdktwHzsPWMKl5VJlc9Xortx22PUmortuvMI7XW++37ssge68fYBmolZhPbtWL9CNvteuH2Nrl0q6Mj+3dcKZWY5b9Hb1De1a4VnwG4KaV2YEu8A7XWh6/eWGt9EFsi/lApdUwptReYC/TRWh/SWu/BNpBtmVIqHNu/1X7YTiffb//s/8CWaILtPfWr9/lloIpSKgLbaf4TQErW+LXWK7Cd3v9TKbULWy/38eu02432PztZv0tdtdbxV20zmH8PeCKwfZ8/d7QerXUmtsGcve37sBxbct2YZbvsYt+ArX0Wco12zeZ9V8ftyL+1rLGPBurYt9mK7fLFnKv3Sdy5TAV1WV776OxxwHCtdWx+xyMKFvtI7JJa63P5HYu4dfZLMzu11pvsPdK12OZ7WJ6HMch3SRQqeX6N3z6K9VOtdUv7qcrx2E6rpmO75eeIfUTt59h+ACTpi+wUzCNWcbP2AeOUbdKnIsBPeZn07eS7JAqVPO3xK6WGYztNl6S1bqyUegJoq7XuaT8geFNr3VEpNR0IBM4DS+wjtYUQQghxm/K6x38YeALbBBNguw96GYDWerOyTTWJ1vq5PI5LCCGEKBTydHCf1noRV94m44NtNrRLLPbT/0IIIYTIBfl9H38CWaYDBZy01tndx3tNhmEYJtPNzoEihBBC3NFuOfHld+JfD7QD5ivbKmARN3j/f5hMJmJiZFKp3BYU5CPtnMukjXOftHHukzbOG0FBtz6Lcn4l/ksjChcDrZVS6+2PX8ineIQQQohCIc8Tv33e88b2vw1ss30JIYQQIg/IQDohhBCiEJHEL4QQQhQikviFEEKIQkQSvxBCCFGISOIXQgghChFJ/Pno0KGDTJv2fY6U1b79Q7e1/aBB/UhIiM+RWG7GlCkTWbJElmIQQoi8kt8T+BRqlSpVplKlyjlSVk5MXpgfSzTLrItCCJG37vrE/9Oqw2w9kLPLbNevUpwurSpe8/WTJ0/wySfv4+zsgmEYjBjxEUFBxRk9+nP279+H2ZxJr1798PT04uefF/H++x/z3HPdKVu2LNHRUVSsWJnhw9/mpZd6M3z424SEhLJx43o2bFhHp05dWLjwJ1599fVs6z548ABjxnyJk5MTRYq48frrb2O1WnnvvTcpUaIkUVFneeCBNhw7doSDBzWNGjWhX78BAHzzzVfExMTg7u7OW2+NtMf+JoZhYBgWhgwZTqVKlZk27XvWrVuLxWKmY8fOdOjwBBMmfIvW+4mPj6dixUq89dYIpkyZyJ49EaSlpfLGG++xevVK1q5dQ7FifqSnp9G794tXxD5hwrdERIRjtVrp2vUpWrZ8MOc+NCGEEEAhSPz5Ydu2LVSrVpP+/QcRERFOUlIS+/fvIz4+nsmTp5OYmMi8ebOpW7f+5W2ios7w9dfjCAgI5J13Xmft2jW0a9eRpUt/46WXBvP777/w3HM9CQ4OuWbSB/jss1G8+eZ7VKxYiXXr/mbcuNEMHDiUs2fPMHbseNLS0njyyfYsWbIMNzc3OndudznxP/zwY9Sv35DFixcwc+YP1KtXH1/fYrzzzvvEx0cTHX2BgwcPsHnzRiZPno7FYmHixO9ITk6iaNGijB79HVarlR49uhIbG4PJZCIkJJTBg1/l0KGDbN68gSlTZpKRkcFzz3W7Iu6NG9dz9uwZxo//nvT0dF588QXq12+It7d37nxIQghRSN31ib9Lq4rX7Z3nhrZtOzB79nRefXUw3t5e9Os3gMjIE9SoUQsAHx8fevd+kR07tl3eJjg4lICAQABq1apNZOQJOnfuRq9ez9C9+7PExsZQqZK6Yd1xcbFUrFjJXk4YEyZ8C0Dp0mXw9PTC2dkFf/8AfHxs8zxnPdMeFlYPgOrVa7Bx4zoGDhxKZGQkb775Kp6e7nTr9hyRkSepVq06JpMJFxcXBgwYgtls5sKFC4wc+TYeHp6kpKRgNtsWYSxXrjwAJ04co2pV23Zubm4oVfWKuI8dO4LWBxg0qB8AFouFqKizl/dFCCFEzpDBfbngn3/+pnbtMMaOHU+LFg8wa9Z0goNDOHBgLwBJSUm89trgK65vnzp1kqSkJAB2746gQoWKuLu7ExZWj7Fjv+Shhx51qO7AwCCOHDkMQHj4DsqWtSVeR66l79kTYd9uJxUqVGLnzu0EBATy9dff8uKLLzJp0neUKxeM1gcwDAOz2cwrrwxi06b1nDsXxciRo+jb9yUyMtKzjBew1RsaWoH9+/dhGAYZGRkcOqSvqLtcuWDuvbcu48ZNZPTo72jZ8kFKly7j0D4LIYRw3F3f488PVapUZdSokbi6umKxWBgy5FUqVVJs27aFl17qjcVioWfPvsC/CblIETc++ug9zp8/T61adWjUqCkA7dt35KWXejNs2JsAHD9+7BrX+G3lvP7624we/TmGYeDi4sIbb7yLYRhXJf7s/16xYilTpkzEx6co77wzErPZzIgRb7FkyQKcnODZZ3tSqVJlGjRoTP/+vbBarTz+eGeqVavB9OlTGDz4Rfz9A6hWrQaxsTFX7F9oaEUaNWpC377PU6xYMVxcXHBxcbn8nqZNm7Nz53YGDOhDamoKzZu3xNPTMyc+DiGEEFmY8mMkdw4z7oYlIHv06MqMGfP+8/yBA/tYuPAn3n57ZN4HlcXtLrV54cIF1qz5i8cf70xGRgY9enTlm28mULx4iRyM8s4my5nmPmnj3CdtnDeCgnxu+ZYo6fEXENmdil+4cB6///4LH374WT5ElLOKFSvG/v17+eOPXwAT7dp1lKQvhBD5QHr8wiFyFJ/7pI1zn7Rx7pM2zhu30+OXwX1CCCFEISKJXwghhChEJPELIYQQhYgkfiGEEKIQkcSfz6Kjo1i//h+H3z9q1EgefrglmZmZl5/T+gDNmtVn587t7NixjREj3nKorD/++PXyzH634uzZMwwf/vItb5/TbmbfhRCisJLEn8+2b9/K7t27bmqbwMAgNm1af/nxihVLKVPmHkwm002tdne3rYx3t+2PEELkhrv+Pv5Fh39j57ndOVpmWPGaPFGx7TVfT05O4rPPRpGUlEhsbAxPPPEkHTt2ZtGi+Sxb9jtOTk5UqVKNwYNfYdasaWRkZFCjRi3mzp2Fv38AiYkJfP75GD755APOnj2NxWKla9eneeCB1phMJh58sA0rVy6nWbMWWK1WDh3SVKlS7brL6s6bN5syZcrStGnzbF+fM2cWq1atwNnZhdq1w+jffxBTpkzkzJlTXLwYT0pKIu3bd2LNmr+IjDzJ22+/T0BAANHRUbz22mASEhJo2rQ5PXr0vGYMH3/8PqdPnyI9PZ0nn+zGQw89yvr1/zBt2mQMAypXVgwb9hZr1vzF4sULMJvNmEwmPv74C44cOcz//jeOIkWK0L7943h7+zBlykS8vb3x8fGhQoVKhIXVvVzXqlUr+emnH3FycqJWrTq8+OJABz5ZIURBkpSRjJerpxzU57C7PvHnh9OnT/HAA224//6WxMbGMHBgPzp27MzSpb/y6qtvUqVKVZYsWYBhGDz77AucPHmCpk2bM2/ebFq3fohmzVqwcOE8/Pz8ee+9D0lJSaFnz2eoV8+2ml/VqtVZs2YVaWlp7N69i3vvrcexY0evG1PXrk9f87UjRw6zevVKJkz4AWdnZ95+exgbNqyzL6jjzldffcjixXPYuHE9n302mj/++JW//lpOly5PkZaWyqhRX+Dq6sqAAb1p3LhZtgvrpKQks2vXTiZNmgbAli2bMJvNjBnzBZMnz6BYsWL8+ONMzp2L5tSpSL74Ygxubu588cXHbN68iaCgIDIzMy+vCti9+xNMnDgNPz8/Pvjg3SvqSkhIYOrUSUyZMhM3Nzc+/PA9tm7dTP36DW7ykxRC5Jd/Tm9krl7Mc9W6cV/Je/M7nLvKXZ/4n6jY9rq989zg5+fPTz/NYe3aVXh6emOx2Faqe/PNEcydO4szZ05To0Yt+zr3xhU99XLlggE4ceI49erZEpWnpychISGcPn3q8vuaNbuftWvXsH37Fp57rhcTJ353y/GePHmc6tVr4uzsDEDt2mEcO3YEgMqVqwBQtGhRQkJCAfD29iEjIwOwHYS4ubkBUKVKdSIjT2Sb+D09vRg8+FU++2wUycnJPPTQIyQkxOPj40OxYsUAeOqpZwEoVsyPjz4aiYeHBydP/ruq4aWV/i5evICXlxd+fn4A1KpVh/Pn4y7Xdfp0JBcvXuC11wYDkJKSwpkzp2+5fYQQeWtbdDjz9BJ8XL2p4BuS3+HcdeQafy6YO3c2NWrU5N13P6RlywcuJ/Zff13Ca6+9ybffTuLgQc2ePRE4OTlhtVovb3vplFb58iHs2rUTsPWWjxw5TKlS/65W17r1Qyxb9jvnz8fd9ip25csHs2/fHiwWC4ZhEB6+8/KqfpdcfYByyeHDh8jIyMBsNrN3724qVMh+CeS4uFi03s/HH3/B55+PZvz4byha1JfExCQSEhIAGDv2K8LDdzB16iQ++OATXn/9Hdzc3C7Xe6lt/Pz8SUlJ4eLFiwDs3XvlpZxSpcpQvHgJxowZz7hxE3n88c6XDx6EEAXb3jjN9H1zcXN2Y0CdXgR4+OV3SHedu77Hnx+aNGnGmDFfsHbtGkJCQvH09CQzM5MKFSowYEBvPD29CAoqTvXqNfHy8mLGjKkoVeWK61gdOjzBZ599xEsv9SY9PZ2ePfte7uGaTCbKlQsmPv4i7dp1uLyNyWTCMAy2bt1M7949Lj8/YsRHbNjwT7bX+E0mE6GhFWnV6kH69++FYVipVSuM5s1bcPjwwcsxZR04aPuf7W9vb2/eeONVEhMTePjhRy+fsbhaQEAg58/H0b9/T5ycnHnqqWdxcXHh1VdfZ/jwoTg5OVG5chXq1LmXmjVr06/fC/j5+VG2bHni4mIpVar05fqdnJx4+eXhDBs2GC8vbwzDoGzZcpfjLFasGN26Pc3AgX2wWKyUKlWa1q0fuvUPVAiRJ47GH2fy7hk4m5zoX/sFyvrI0ty5QebqFw4paPNvz5w5jW7dnsbV1ZUPP3yX++5rxEMPPZrfYd2WgtbGdyNp49x3q218Oukso3dMIN2STt+aPajhX4WUA/vxqFARJ/vlRPEvWZ1PFBjr1q1l3rzZ/3n+ySe707x5ixyrx9PTk379nsfNzZ3SpUvzwANtcqxsIUTeikmJ49vw70k1p/JctW7U8K9C9A9TSNi4nhLP98K3abP8DvGuIj1+4RDpKeU+aePcJ22c+262jePTE/h6+3hi087zZKUO3F+mEVE/fE/ixg24h4RS5uXXcPb0zMWI70zS4xdCCHHHSclM4dvw74lNO8+jwQ/akv7UySRu2oh7aChlhkrSzw2S+IUQQuS5dEsG43f9wJnkKO6/pzGPlGtF1JRJJG7ehHtoBVtP38Mjv8O8K0niF0IIkafMVjOTd8/gWMIJ6pcIo1PoY0RP/Z7ELZtwr1CRMkNflaSfiyTxCyGEyDNWw8qMffPYf/4gNQKq8EzlTpyb+j2JWzbjXqEi97z8Kk7ukvRzU4GewEcp1UopNTm/48htP/+8CLPZnGvlt2+fc/ewjxo1kgMH9v/n+Y0b1zNkyEsMGdKffv1eYMWKZTlWZ1adO7e7YmVCIcSdwzAM5h1cwvZzu6jgG0zPqt05N8We9CtWkqSfRwpsj18pVQGoA7jndyy5bdasaTzySO5NK5yT61tca7GML7/8hBkz5uLl5U1KSgrPP9+d++5reHk63tyuXwhR8P12dDnrTm+ijHcp+lXvQdzUqSRt24pHpcqUGfKyJP08UmATv9b6CPC1Umrm7ZQTM38uidu25lBUNj716hP0ZLdrvp6ensaHH44gLi6W4sVLsGvXTpYsWcrOnduZNu17rFYrqampjBjxEbt27SAuLo6RI99m+PC3ee+9NzAMg4yMDF577U28vb0ZNco2b31cXCyNGzejZ8++PPVUJyZPnoGPjw+LFy8gNTWFKlWqERERzvPP977hPpw9e4ZPPvng8nTBQ4cOo2LFSnTt2pGaNWsTGXmSunXrk5ycxL59e6lcuSLDhtkWw5k16wcSExMxDIPXX3+HMmXuwdvbh59+mkOLFg8QHBzC7NkLcHV15cKFC4waNYLk5CQMA955532KFCnCV199SkZGBnFxsfTp059mzVrw7LNdKFeuPC4urrzyynBGjnybzMxMypUrz44d25g7d/Hl+KOjo/jii49JT0/Hzc2N4cPfpnjxErf5yQohcsuqk2tZdmIVQR4BDKj5AvE/TCNp+zY8KivKDH4ZJ/e7vo9XYORL4ldKNQA+1Vq3VEo5AeOBWkA60Nue9O9YP/+8mDJl7uGjjz7j5MnjPPtsVwCOHz/Gu+9+SGBgIDNn/sDq1Svp0aMn06dP5f33P2br1s34+hbjnXfe5/jxY6SlpeLt7U10dBQzZ/6Eq6srL73Um+bNW9C69cOsXLmcxx/vzIoVS/n44y/x8/Pj3nvrORTjd9+NoUuXp2jatDmHDh3k008/5PvvZxAVdZZx4ybi7x/Ao48+wOTJ03n55WC6detIUlISAPfd14j27R9n48b1jB8/llGjvmD06G+ZN+9HRo58m4sXz9OhQyd69uzL9OlTaNasBR06PMGePRHs27cXf39/unV7hrCwuuzZE8GUKRNp1qwFaWlpPP98HypVqsw333zF/fe3pGPHzmzdupmtW7dcjt0wDL77biydO3ejYcPGbNu2hQkTvuW99z7M+Q9TCHHbNp3dxsLDv+FbpCgDa/YkedqsGyb9lDQzf22PpEnNUvgXlYOCnJTniV8pNRx4BkiyP9URKKK1bmw/IPjK/lyOCHqy23V757nh5MnjNGjQCLCttnfpdHdgYCBjxnyBp6cnMTHnqFWrzhXbNWrUhFOnInnzzVdxcXGhR49emEwmqlWrgbv9H0a1ajWIjDzJY491YOTIt6hdOwx/f//L8/g76sSJ49SpY1vqslKlypw7Fw2Ar2+xyz1nDw93ypcPBsDHx4eMjHSAy9tVr16T8ePHkpiYSFTUWfr3H0T//oOIjY3h7beHo1RVIiNP0q6d7eOsUaMWNWrU4ujRI8yYMZXffvsZk8mExWK5HNelFfhOnDjBo4+2B7C305UTTR09epiZM39g9uzpGIaBq6vrTe2/ECJv7IrZy+wDC/By8WRAjefJmD6XpJ3b8VBVbEk/m+l4MzItfLNgFwdPxRPo60GjGiXzIfK7V34M7jsMPMGlVV6gKbAMQGu9Gbiiy6q1fjZPo8sBISEV2LPHtmLc6dOnLq8i9/nnH/P22yN5660RBAYGXT7NbjKZsFot7Ny5nYCAQL7++lt69OjJpEm2pXaPHDmE2WzGYrGwf/9eQkMrUrJkSby9vZkxYypt2978cVL58iGEh+8A4NAhTUBAgD2WG297aTW8Xbt2ULFiZTIzMxgx4i0uXDgPgL9/AP7+ARQp4kpwcDD79+8BIDx8BxMmfMuUKRN4+OHHePfdDwgLq3vF6oROTravZGhoBfbs2XVFfVfGH0z//oMYN24ir7wynAceaH3TbSCEyF0HLxxh6t7ZuDi58GL1HjB7kS3pV6l6zaRvtlj535I9HDwVT/0qxWlQTS7h5bQ87/FrrRcppYKzPOUDJGR5bFFKOWmtrdyh2rbtwMcfj2TgwL6UKFGSIkVsX+42bR5hwIDeBAYGUa5cMHFxsQDUrh3GsGFD+eijzxgx4i2WLFmAxWLhhRf62Es0MXz4yyQkxPPgg20ICQkFoF27xxk79ktGjPgIgB07tmV7jT8+Pv6K1fq6d3+GgQOH8tlnHzF37izMZjNvvPHe5br+9e/fWQfVbd++laVLf8PFxYU333wPf/8Ahgx5jeHDh+Ls7ILFYqFJk2bUr9+QSpWq8Mkn77N8+VKcnJx444132bt3N999N4b58+dSvXoNEhOzfvw2zzzzHB9++B6rVq0kMDAIFxeXK2IZMGAoX375KRkZ6aSnpzN06LCb+oyEELnrZMIpJkZMwzAM+lZ7Grc5v5IcvtOW9AcNzTbpWw2DH/7Yz64jcVQP8adPu2o4OcmA3pyWL3P12xP/HK11I6XUV8AmrfV8+2uRWuuyN1FcgVtsYOfOnaSkpNCkSROOHz9O3759WbFixS2VderUKT766CMmTJjwn9eWLVvGoUOHGDRo0O2GXOD8/fff+Pv7U7NmTTbA78ZoAAAgAElEQVRs2MCkSZOYNm1afoclhHDA6YQo3lv1FUkZyQyt9zy+P/7Fha3b8K1di6pvv4FzNknfMAwmLdnNb+uOUaW8Hx/2a4y7W4Edf14Q3NFz9a8H2gHzlVINgYibLaCgLbrh6enH559/yejRYzGbzQwZMuyWY7xwIYWMDPN/tp848TvCw7fz2Wdj8mT/83pxEy8vf0aO/ABnZ2esVgtDhw4vcJ9zTpMFZHKftHHuM3lm8sGqsSSmJ/FUhY54/LCMCxG78KxWnaB+AzmfkAFk/Ge7n9cd47d1xygT5MVLHWuQmJCKfFLXFhTkc8vb5meP/0f7gD4T/47qB3hBa33wJoqT1fnygPxg5j5p49wnbZy7EjOS+GbXRM4kRtOhfBuq/76b5IhdeFavQekBg3EqUiTb7VZui+THlYcI9HXnrWfrUsz7v2cExJXuuNX5tNbHgcb2vw2gf37EIYQQImekmtMYv2sKZxKjaV26KdV/iyB5d8QNk/7GvVH8uPIQvl5FeK1bHUn6eaAgnOoXQghxB8u0ZDIpYjonE0/zQNkG1Pv9EMl7duNZoyalBwzCyTX7pB9+OJYpv+3H082FV7vWobifLMGbFwr0XP1CCCEKNovVwtS9P3Lw4hHC/KrSZMVJUvbsxqtmresmfX3yAv9bsgcXZxNDn6zNPcW98zjywkt6/EIIIW6J1bDy44GFRMTupapPCA+tjiV+3168atWmVP+BOF1jYq0TUYl8szACq9VgcOdaVLzHN48jL9wk8RcAP/+8iMcea3/Fveo5qX37h/jll+U5UtaoUSPp1KkrVapUveL5jRvXM3fubMAgLS2NTp260qbNwzlSZ1adO7djzpxF15ypr3PndpQsWeryvANFixZl1KgvbqqOhQvn0alT19uOVYi7mWEYLD78O5uithHiUYb2axNI3b8fv/p1Cej54jWTftT5FL7+KZy0dAv9OlSnZmhAHkcuJPEXALI63+3Xn/X10aO/u60pfGfMmCqJX4gbWH5iNasi/6FMkUA6r08l7cABvGrXocrrw4i7mJbtNucT0vhq7k4SUzLp8ZDivqoyK19+uOsT/4ZVRzh64FyOlhlapTiNW1W45uuyOl/+rs6X3S2qCxfOY+3aNaSmplKsWDE+/vhLzpw5zSefvI+zswuGYTBixEcsXfobCQkJfP31Z7zyyus39b0QorD45/RGfj26jEDnonTfaCZDH8SrThilXxxg7+n/N/EnpmTw1bxw4hLSeaJ5KC3CyuR94AIoBIk/P8jqfPm3Op9hGLzyysDLZwaeeqoHDRs2JiEhgTFjxmMymXjllUHs37+XQ4cOUq1aTfr3H0RERDhJSUk891wvFi36SZK+ENewPTqceXoJviYPemyGzIMH8Qq7l9L9XsJ0jcuVqelmxszfxdm4FNrUL8tjjcrncdQiq7s+8TduVeG6vfPcIKvz5d/qfNc61e/i4sLIkW/h4eFJTEw0FouFtm07MHv2dF59dTDe3l706zfgptpQiMLmwPlDTN83Dy+rKz23OWM5fBjvsLqU6tf/mkk/02zh20W7OXY2kaY1S9G1VcUbXrITuUtu58sFsjpffqzO1+aa8R4+fIh//vmb99//hKFDh2EYBlarlX/++ZvatcMYO3Y8LVo8wKxZ0wHIh8kshSjwIhPPMHn3DFzNVnptccZ6+CjedetdN+lbrFYm/rKP/ScuEFYpkOceUZL0C4C7vsefH2R1vvxcne+/Pyply5bFw8ODAQP64OtbjMqVqxAXF0u1ajUYNWokrq6uWCwWhgx5FYDg4BA+/PA93n33g+w/YCEKmbjUC/xv1xQsaan03eoGx0/Ykn6fF6+Z9A3DYPoyzY6DMVQt78eLHarj7CR9zYIgX+bqz2EFbq7+PXsiSE1NoX79hkRGnmTYsCFXDEy7GWfPnmH06C/4/PPR/3lt9eqVHD16hF69+t1uyDeU13Ocb9y4Hj8/P6pUqcbWrZuZNWs6Y8eOz7P684PMI5/7pI1vXnJmCl9vH8/5i1H03OSE26lzeNerT6ne/bJN+kFBPpw7l8BPqw+zfEskwSV9GNY9DA9ZaS9H3XFz9d/tSpcuw8iRbzN16mTMZvNtDRQzmUzZnn7Pujrf3ah06TJ88smVq/MJIfJWpiWTiRHTuXghiufWm3GLuohPg0aU7Nkbk7PzNbf7Y9MJlm+JpFSAJy93qS1Jv4CRHr9wiPSUcp+0ce6TNnac1bAydc9sDkTu4um1aXjFJlG0aXNK9Hge03VO2W87HMf4BbsIKOrGm8/Uxb+oex5GXXhIj18IIUSOMQyDRYd+4+CJcJ5ak4zXxTR8W7aiePdnrpv0t+yPZuIve/HxdOXVbmGS9AsoSfxCCCGu8FfkWrbpv+m6OhHvhAz82jxM4JNdrzsif8/ROCb/ug/3Ii680qUOJf1lpb2CShK/EEKIy7ZFh7Nq5890WZWAd7IZ/7btCOjwxHWT/uFT8Xy7eDdOTibe7dWAkkXd8jBicbPk3gohhBAAHLxwhF83zebJlfF4J5sJeLwTgR07XTfpnzqXxJj5uzCbDfp3qEHNCoF5GLG4FdLjF0IIwemks8xfO5mOf8bhlWYlqEt3/No8dN1tzl1M5at54aSkm+nTthp1KknSvxNI4hdCiELuQtpF5v41nrYrovFINyj+dA+KtWx13W0uJqXz1dydxCdn0P3BSjSqUTKPohW3SxK/EEIUYimZqcxdMY42y05RJNOgxPM98W3a/LrbJKdl8tW8cGIuptG+STCt65XNo2hFTpDEL4QQhVSm1cz85eNo9sdRXC1QsndffBs2vu426RkWxszfxemYZB649x46NA3Jo2hFTpHEL4QQhZDVsPLLsvHU+3UfzoaJUv36U7Tefdfdxmyx8t3i3Rw5nUDD6iXo3rqSLLpzB5LEL4QQhdDK5VOoumQHJkyU7D+AomH1rvt+wzCYvvQAe46dp1aFAHo+WhUnSfp3JEn8QghRyGxcMYuyi9ZjmEwUHzCQYrXq3nCbX9YfZ/2eKEJK+dC/Qw1cnOVu8DuVfHJCCFGIRPz5E37zV2J1MuE/8CUCHEj66yLO8vO6YwT6ujO4c23cilx7gR5R8EniF0KIQuLQikW4zfuDTBcT3gP6UbJm/Rtus/f4eaYvO4CXuwsvd6mNr1eRPIhU5CZJ/EIIUQicXL4E46dfSCtiwqX/C5Sv2fCG20SeS+K7RbsxmWBQp1qUCvDKg0hFbpPEL4QQd7kzS5eQNn8JKe4mMvp0o2qt69+nD3AhMZ0x83eRlmGhd9tqVC5bLA8iFXlBEr8QQtzFon9dTNLCJSR5OBH3fHvqh11/Gl6A1HQzY+bv4kJiOk+2qMB9VUvkQaQir0jiF0KIu5BhGJxbvID4n38mwdOJY0+3pFXdjjfczmyxMn7JHiLPJdEyrAwPNyiXB9GKvCS38wkhxF3GMAxi5s/j4oplXPR2Zl/n+vRo8PQNJ9sxDIOZyzV77ffqPyUT9NyVJPELIcRdxLBaiZk7m4ur/uJ8UWe2ta9O30Y9cTLd+ATvbxuO80/EWcqX9OHFDtVxdpKTwncjSfxCCHGXMKxWomdOI+GftcQWc2btoxUY2LgfRZxvfAvehj1nWfzPMQKKujO0cy3ci0h6uFsVyE9WKdUY6Gt/OERrHZ+f8QghREFnWCxETf2exM0bifZ3YWXrMgxq1A/vIje+BW//8fP88McBPN1cGNqlNr7ebnkQscgvBfU8Th9siX8K0DWfYxFCiALNMJs5O+l/JG7eSFSgK7+1Lk6vBn0I9Ai44banY5L4dvEe+736NSkTKPfq3+0KauJ31lpnAGeBUvkdjBBCFFTWtDTOjB9H0vZtnC3hxpJWfvS4twflit5zw20vJKYzev4uUtPN9Hy0KqqcXx5ELPJbnp/qV0o1AD7VWrdUSjkB44FaQDrQW2t9BEhRShUBSgNReR2jEELcCTJiznHm22/IOH2KM2U8WdzEi241nqR6QJUbbpuWYWbsgl2cT0in0/2hNKxeMg8iFgVBniZ+pdRw4Bkgyf5UR6CI1rqx/YDgK/tzk4CJ9vj65WWMQghxJ0jZv48zE77DmpzMkeqB/FHTxCMV2tCo9I3n37dYrfxvyV5ORidxf53SPNqwfB5ELAqKvO7xHwaeAGbaHzcFlgForTcrperZ/94BvJDHsQkhRIFnGAYXV64gZv48MJnYfn851pVJo0npBjwS/KBD289cfpDdR+OoGRrAM20qy736hUyeXuPXWi8CzFme8gESsjy22E//CyGEuIo1M4PoH74nZt4cnLy9Wd021J7076ObetyhBP7HphOs3XWGciW85V79Qiq/b+dLwJb8L3HSWltvtpCgIJ8bv0ncNmnn3CdtnPvu1DZOj4vjwNdfkHToEB4VQljc2BNtiaF1hWb0qtvNoQl61uw4xcK/jxJYzIMP+jUmwNcjV2K9U9u4sMjvxL8eaAfMV0o1BCJupZCYmMQcDUr8V1CQj7RzLpM2zn13ahunHjnMmfHjsMTH49HgPmZVS+FU+jmal2lMh3JtiYtNvmEZ+uQFxs4Lx8PNhSGdamLNMOdKW9ypbXynuZ2Dq/xK/Ib9/4uB1kqp9fbHcl1fCCGyiF+3lnOzZmBYLHh3eoIpfgeJSjlHi3ua0LlSe4dO75+JTWbcwt0YBgx8vAZlgrzzIHJRUOV54tdaHwca2/82gP55HYMQQhR0htlMzE9zuLjqL5w8vfDt9TwTUv8mOuUcrco244mKbR1K+vFJ6Yz+aRcp6WZ6t61K1WD/3A9eFGj5fapfCCHEVSyJiZyZ8B2p+gBFytyDd58X+O7UQs6lxPJgufvpWOFRh5J+WoaZMQsiiEtI4/FmITSuIfOhCUn8QghRoKSdPMGZ777BHBeHd1hd3J/pwjf7phGTGkeb8i1pH/qwQ0nfYrUy8ee9nIhKpFmtUrRtHJz7wYs7giR+IYQoIBK3biHqh+8xMjII6PA4PNCUseGTiU07z8PlW9E29CGHkr5hGPz45yF2HYmjeog/zz6k5F59cZkkfiGEyGeG1UrckkWc/+M3TG7ulB4wiPQqIYzdOZG4tAs8Gvwgj4a0djh5L9tyktU7T1O2uDcvdayBi7Pcqy/+JYlfCCHykSUlhajvJ5IcsQvXoOKUHjiERH8PxuyYwIX0izwW0ppHQ1o7XN6W/dHMX30EPx83hj5ZGw83+ZkXV5JvhBBC5JOMqLOc/nYsmVFReFarTqm+/TnvlM5Ye9JvF/owDwe3cri8g5EX+f63fXi4OfPyk7Xx83HLxejFnUoSvxBC5IOkiF1ETZ6ANTUVvzYPE9jpSWLSzzN25yQupsfTocIjtCnf0uHyzsYlM25hBIYBLz1ek3uKy736InuS+IUQIg8ZhsGFZX8Qu2gBJmdnSvbqS9FGjYlOPsfYnZOIz0jg8YqP8WC5+x0uMz45g9E/7SI5zUyvx6pSXe7VF9chiV8IIfKINT2d6OlTSdyyGRc/f0oPGIR7cAhRydGM3TmJhIxEOlVsS6tyzR0uMyXNzDcLdhEbn0aHpiE0qSn36ovrk8QvhBB5IDMuljPfjSP95AncK1aidP8BuPgW42xyNGN3TiQxI4knK3WgRdkmDpeZlJrJ1/PCOR6VSNNapWjfJDj3dkDcNSTxCyFELkvRBzj7v++wJCXi2/x+ij/1LCYXF84kRTF250SSMpPpWrkjze9p7HCZiSkZfDU3nJPnkmhaqxTPP1xF7tUXDpHEL4QQucQwDOLXrOLc3B8BKP50D3xbtMRkMnEq8QzjwieTlJlMN/UEzco0dLjc+OQMvpyzk9OxybQMK8PTbSrjJEn/jhB9JoGoU/HUqFsG53yaX0ESvxBC5ALDbObcjzOJX/s3zj4+lOo/EM/KCoDIxNOM2zmZFHMqT1XpRJPSDRwu90JiOl/O3cnZuBQerHcP3R+oJD39O0DCxVQ2/32Uw/tjMJkgVAXh4+ueL7FI4hdCiByWEXOOqMkTSTt6BLdy5Sk9YDCuAQEAnEw4xbjwyaSa03i6Smcala7vcLnnE9L4fM5Ozl1I5ZEG5ejcooIk/QIuPS2T7RtOsnv7KawWg+KlfGjcqkK+JX2QxC+EEDnGMAwSN23g3OyZWNPS8GnQkBI9XsDJzTaRzomESMaFf0+aOY1nq3ahQam6DpcdczGVL+bsJDY+jbaNg3m8WYgk/QLMYrGyd8cZtq0/TnqaGZ+ibjRoEUrFqsXz/XOTxC+EEDnAkpLMuVkzSNyyGSd3d0r26oNPw8aXf+SPxZ/k2/DvSbek06NaV+4rea/DZUdfSOGLOTs5n5BOx2YhtG8Sklu7IW6TYRgcOxjLpjVHib+QShE3Zxq2DKVm3TK4uDjnd3iAJH4hhLhtKQc1Ud9Pwnw+DvcKFSnZuy9Fgopffv1o/Am+C/+edEsGz1frRr2SYQ6XfTYumc/n7CQ+KYMnW1TgkYblc2MXRA6IPpPAhlVHiDoVj5OTiZp1y1C3SXk8PIvkd2hXkMQvhBC3yDCbifv1Z87/8RsA/u06ENC2PSbnf3t2hy8eY/yuKWRazbxQ/SnqlqjtcPmnYpL4cs5OElIy6fZAJdrUL5vj+yBun23g3jEO7z8HQEjlQBq2CKWYv2c+R5Y9SfxCCHELMqKjOTt5AunHj+ESGEip3v3wqFjpivccunCU8RFTMVvN9Kz+NGHFazpc/snoRL6cG05SaibPtqlMy3vvyeldELcpPS2THRtPErHNNnAvqKRt4F7pcsXyO7TrksQvhBA3wTAMEtav49ycWRjp6fg0akzxp57F2cPjivcdvHCE/+2aisWw0rvGM9QOquFwHcfOJvD1vHBS0sw8/0gVmtcundO7IW6DxWJl784zbFtnG7jnXdSNBveHUqla/g/cc4QkfiGEcJAlKYnomdNI2r4NJw8PSvR5kaIN/jvxzoHzh5gQMQ2rYaVPzWepGVjN4ToOn45n9E/hpGVY6NW2Ko1ryNz7BUW2A/dahFKzXsEZuOcISfxCCOGAlAP7iZoyCfOFC3hUqkzJ3n1xDQj8z/v2xx1k4u5pGIZB35o9qBFY1eE69MkLjFkQQWamlX7tq3Nf1RI5uQviNkSfSWDjqiOcPRWPyQQ17i1DvaYFb+CeIyTxCyHEdRhmM7FLFnFh+VIwmQjo+AT+j7bF5PTf6Vb3xO5n8p6ZAPSt9TzVA5TD9ew7fp5vFkZgsRj071iduqr4jTcSuS7hYiqb1x7j8D7bwL3gSgE0bFEBv4CCOXDPEZL4hRDiGjKiznJ20gTST57ANag4Jfu8iEdoaLbv3R27j+93z8RkMtGv1vNU9a/scD17jsYxbtFuDMNgwBM1qVPxv2cSRN66NHBv97ZTWCwGQSW9adyqYoEfuOcISfxCCHEVwzCIX/s3MfN+xMjIoGjTZhTv9jRO7tlPs7orZg9T9szG2eTEi7VeQPlXdLiu8EOxjF+yG5PJxOBOtagRGpBTuyFugcViZd9O24x7aal33sA9R0jiF0KILCyJiURNn0py+E6cPL0o2bMPPvWuPZ/+jnMR/LD3R1ycXHip1gtU8qvgcF3b9Tkm/LwXZ2cTQzrVomqwf07sgrgFhmFw/FAsG1fbBu65FnGmwf0h1Kp3Dy6ud87APUdI4hdCCLvkvXuImjoZS3w8HlWqUrJnH1z9r52Mt0eHM23fXFydXHipdi8qFnN8Kt3N+6KZ/Os+XF2dGNq5FqqcX07sgrgF0WcS2Lj6CGcjLw3cK03dJsF4et15A/ccccPEr5QKBdoClQArcAj4VWt9IpdjE0KIPGHNzCRu0QIu/LkcnJ0J7NQFv4ceznYA3yVbo3Yyfd9c3JzdGFCnF6G+jk+lu373Wab+sR/3Is683KUOFcv45sRuiJt08XwKm/8+xlEdA0BwxQAatgzFL8ArnyPLXddM/Eqp0sBoIBhYhy3hZwKhwE9KqePAq1rrU7kepRBC5JL006c5O3kCGacicS1RklJ9XsQ9OPi622w+u52Z+3/C3cWdgXV6EVy0nMP1rd11hulLD+Dh5sKr3eoQUqrobe6BuFkpSelsW3+CfeFnMAwoXtqHRi0K/ox7OeV6Pf5PgPe11vuye1EpVRv4FHgmNwITQojcZBgG8av/Imb+PIzMTHzvb0FQl+6Xl9C9lg1ntvLjgQV4uLgzqE4fyhV1fCrd1TtOMXPFQbw9XHmtWx3KlfC53d0QNyEj3Uz45kh2bY3EnGnF19+DBs1DCVWBd83APUdcM/FrrZ+73oZa611I0hdC3IHMCQlET5tCcsQunLy9KdW3P95hN14md93pTczRi/By9WRQnb6U9XF8Kt0/t0Yy569DFPV05bXuYdwT5H07uyBuwuWR+htOkJaSiYeXK41bVaBKrVI4O1/7cs7dypFr/A2ApsC3wK/AvcCLWusFuRybEELkuOTdEURN/R5LYgKe1apTsmdvXIrdeGDd2lMbmHdwCd6uXgwO60sZb8en0l266QTz1xzB17sIw7uHUeouv4ZcUBiGweH959iy9hgJF9NwLeLMfc2CqVX/HlyLFN6x7Y7s+TfAcKATkIot8S8CJPELIe4YlqQkDs//kejlKzC5uBDUpTvFHmx93QF8l6yOXMeCQ7/g4+rN4LC+lPYu6XC9v6w/xpJ/juHn48bw7mGUKKBLtd5tTh2/wKY1R4iJSsLJyUTNumWo2+TOnGI3pzmS+J201n8rpWYDC7XWJ5VSuX5To1KqFdBda90nt+sSQty9DKuV+H/+JnbRAqzJyRQpXYaSvfviXs6xUfirTq5l4eHfKFrEhyFhfSnp5dj8+YZhsPifY/y24TiBvu4M6x5GUDGPG28obktsdCKb1hwl8tgFACpWK859zULw9ZO2v8SRxJ+ilHoNeAAYpJQaAiTmZlBKqQpAHSD7abKEEMIBqYcPce7HWaSfPIGTuzvBLzyHa4NmmFwcO83754k1LDnyB75FijIkrC8lvBybP98wDBasOcLSzScpXsyDYd3DCPCVn7PclHAxlS3/HOPQXtuc+vcE+9GwRShBJWUA5dUc+fY/DfQEntBan1dKlQSeys2gtNZHgK+VUjNzsx4hxN3JHH+R2AXzSdi4HoCijZoQ2OlJSlUqS0yMY/2WZcdX8evRZRRz82VIWD+Kezo2f75hGMxbdZgVWyMp6e/JsO5h+Plc/04BcetSUzLYseEke3aexmoxCCzhTcMWoZQNkVkQr+V69/HfDxj2h38Drkqp5sAybPfy39T9+/ZBgp9qrVsqpZyA8UAtIB3orbU+opT6EKgI9NdaX7zpvRFCFGqG2czFVSuJ+2UJ1rQ03MqWo/hTz+JRqdJNlfPHsT/5/dif+LkVY+i9/Qj0cGz+fMMwmLPyECu3n6JUgCfDu4fh6y1JPzdkZlqI2HqK8M0nyUi34OPrzn3NQ+6qOfVzy/V6/MOwJf5SQGVgFWAGWgARQCtHK1FKDcd261+S/amOQBGtdWP7AcFXQEet9bs3uwNCCAGQvG8vMXNmk3H2DE5eXhR/pge+zVs4NHjvEsMw+P3YCpYe/4sAd3+GhPUlwMOxnqPVMJj950FW7zhNmSAvhnULo+hdOuVrfrJarRyIiGLruuOkJGXg7uFCkwcqUj2sNM4uhe/WvFtxvfv42wIopZYDtbTWx+2PSwGzbrKew8ATwKVT902xnTlAa71ZKVXvGjE8e5P1CCEKmcy4WGJ+mkvS9m1gMuF7f0sCH++Es/fN3SdvGAa/HF3GihOrCfQIYEhYX/zdHZs/32oYzFquWRN+hnuCvHmtex2KyujxHHVpEZ1Nfx/jYlwKLq5O1G1cntr3lcXNvfDemncrHGmtcpeSvl0UUOZmKtFaL1JKBWd5ygdIyPLYopRy0lpbb6bcS4KCZPBGXpB2zn3Sxo6zZmRwevHPnFqwCGtGBj5VFKH9euMdGnrd7bJrY8MwmB2xmBUnVlPKuzjvtRxKgKeDSd9q8O38cNaEnyG0tC8f9GtU6E/v5/T3+OSx86z8bR+njl/A5GSibqPyNG9TGZ+iMmDyVjiS+LcopWYBcwEn4Flg9W3Wm4At+V9yy0kfcHiwjrh1QUE+0s65TNrYMYZhkLwrnJi5P5IZG4Ozry8ln30On4aNSTWZSL1OG2bXxoZhsPDwr6yOXEcJz+IMrN0Ha7ILMck3/iysVoMflu5n/e4oypfwYeiTtchIzSAmNeO29/NOlZPf4/OxyWxec5Tjh+MACKkcSIP7Q/AL8CItPZO0mMwcqedOdDsHV44k/r7AQKAftmv+fwL/u+UabdYD7YD5SqmG2MYMCCHEdWVERXFu7mxS9uwGZ2f82jyMf7sOOHvc2j3ahmEw/9DP/H1qAyW9SjC4Tl983Rz7QbVaDab8vp+Ne6MIKeXDK13r4OXuektxiCtlpJvZuu44u7edwjCg1D2+NGwZSklZxTBH3DDxa63TlVLfA/OBS0MlSwMnb6G+S3cJLAZaK6XW2x+/cAtlCSEKCWtaGnG//WJbNtdiwbNqdYK6P41bacfnyv9PmYaVnw7+zD+nN1LaqySDw/riU8SxcQEWq5Upv+1n075oKpQuystd6uAp15lvm2EYHDsYy7qVh0lOTMfXz4PGrSpQvmKAjNTPQY7M1f8W8AZwnn8TN0DIzVRkHyfQ2P63AfS/me2FEIWPYRgkbtlMzPy5WC5exCUggKAu3fG+t+5tJQKrYWXOgUVsOLuFMt6lGFynL95FHJs/32yxMvnXfWw9cI6KZXx5uUttPNwk6d+uxPg0/llxiBNH4nByNlG3SXnubVQOF5dcnyi20HHk29obqKD1/9m78+io6nzf+++aUpV5LAJkIEzZgUAS5kFFUUBRQQZBbJzH4+lu7T7H7vWs9Tz3nHPPveuevt3afXq023ZotRUHZBIFFWcQmUMGkk0CJCQkIfNc897PHxURbSQVMlSG72stVlJVe+/6ZpPKp367foNa19/FCCHE10HyQr8AACAASURBVFwVFdRu+juOkyoGs5m4FbcRd9PN3S6b2x1N13i1aDNf1RwmJTKJH+c8TLglsPnzvT6Nv+wo5Ihax+TkaH6yTkK/t3w+jbzDlRzeW4bXozE2NYZFN6YTGy9rGvSXQH5jy4Gm/i5ECCEAfB0dNGzfQvMnH4OuEz5jJqPW34nFbu/1sTVN45WiNzlYc5RxkSn8KOdBwnoQ+n/eXsjRk3UoKTE8sS4L2whe4a0v1Jxr4bPdJ2ms68AWZmHRjemkZybKZf1+FshvbSmwV1GUj/HPsgegq6r6n/1XlhBipNE1jda9X1C/ZTO+9jYsiaMZdedGwqdN75Pjd3ocvPTlaxysyWV8VCo/zHmQUHNgnQI9Xo1nthWQW1rPlHGxPL42C2uIXIK+Ui6nh68+Pc2J3GoApmSPYf51E7CFSufIgRBI8J/r+vf15/vyVkwI0accp0/5F9MpO4PBaiPh9vXELlkW8GI63TndUs6Lha/R6GxicswEHs26j1BzYGPAPV4ff9xaQN6pBqamxfLjtVlYLRL6V0LXdUpO1PLlR6U4Oj3E2cNZdGM6Y5Klt/5ACqRX/38oijIKmNe1/Zeqqp7v98qEEMOer7OD+s1v0fL5pwBEzluAfd16zDGBTZ7THU3X+KD8U9498wG6rnN75s0ssl+DyRhYcHu8Pn6/JZ+C041MGx/Hj9ZMJ0RC/4o0N3by+fsnOVfejNlsZP51E8iak4zJJNPsDrRAevXfCLwAHMDf2v+LoigPqqr6Tn8XJ4QYvtqOHqH21VfwtTQTkpTMqI13E5au9Nnxm10tvHziDdSmUmKs0dw3dQML03MCnlzG7fHx+7fzKCxrImtiPD9cPQ2L9DDvMa/Xx7GvKji6vxzNp5M6MY5rlk4mKubK5l4QvRfIdbT/A1ytquoZAEVRJuAfhy/BL4ToMW9LM7Wv/Z32I4cxmM3Er1pD3E0399llfYCC+iJeKXqTdk8H0xOmcNeU9URYAhuuB+Dy+Pjd5jyKypvImZTAY6umYZEFYHqssqyJzz84SUujg/CIEK5aMpkJSoJ03guyQF5p5q9DH0BV1dOKosj/mhCiR3Rdp3XfF9S9+TpaZyehk9NJvOc+QsZc+SQ83+XRvOw4tYuPK77AbDCxbvJtXJu8sEdB43R7+d3mPIrPNjNjsj/0zXI5ukc6O9zs//gUJwvPYzDA9NlJzL1mPCEy9HFQCOR/oUJRlJ8Az+O/1P8g/iF+QggREHdtLedffhFHcRFGm41RG+8h+tqeLZnbndrOOl4ofI2KtnMkhtm5P3MjKZE9e1PhcHn57VvHOVnZwizFzqMrMyX0e0DXdY7sL+fDd07gdnmxj47g2psU7KNl8anBJJDgfxD4PfD/4l+k52P88/cLIcRl6T4fTXs+oGH7VnS3m/CsbEbddQ+WuPg+fZ4D1Ud44+RWXD43C8bMYV36bVhNPVsW1+Hy8pu3jlNa2cKcjFE8vGKqhH4PNNS28/n7J6k514olxMTVSyaROTMJo1EuEA82gfTqP68oyi9UVV2vKEoMMEtV1eoBqE0IMYS5Ks5S89KLuMrOYIqMxH7fA0TOmdenn+86vU7eOLmNgzVHsZms3D/1TmaPntHj43Q6vfzmzVxOVbUyb2oiD906BVMfXo0YzjxuH4f3lZF3qBJN05maPYZZV6cRETmylyYezALp1f8LYBawFAgF/oeiKItUVf33/i5OCDH0aB43je/soPH9XeDzEblgIaPW34kpso/XaG+t5MXC16h11DMuMoX7M3+APaznVxI6nR6efiOXM9VtLMgczYO3TJFWaoDKSuvZ+0EJba0uIqNtXLNsMrPnp8ny0oNcIJf6VwBZAKqqViuKsgTIBST4hRDf0nlS5fzLL+KpqcEcF0/iPfcSPi2rT59D13U+qfiCbad24dN9LE29jlsnLMNs7HnHsXaHP/TLa9q4avpo7l8uoR+I9lYne/eUcuZkPUajgRkLUpm1cBwWmeNgSAjklWICwoCv38JZAa3fKhJCDDk+h4P6zW/S8tknYDAQc8NSElavxWgLbHa8QLW523ml6E0KG4qJtERwz9Q7mBp/ZWP/2x0ennr9GGfPt3NN1hjuXZ6BUYaZXZbPq1Fw9ByH9pbhcfsYnRzNtTemE2cPfKikCL5Agv8vwBFFUXbg79W/HPhDv1YlhBgy2nOPUfvqy3ibmggZO5bEex8gdOKkPn8etbGUl05sosXdRkbsZO6ZuoFo65V9fNDa6eapTblU1rVzbc5Y7r5RkdC/DJ9Xozi/mqP7z9Le6sJqM3PdcoWMrNEyJn8ICqRz328URdkHXAN4gI2qqh7r98qEEIOat7WVuk1/p+3QQTCZiF+5itjlt2C09O1CKz7Nx7tnPuSD8k8wGAysmngzN6Quwmi4ss53rR1ufvX6Mc7VdbB4ZhIbl6ZL6H8Pn0+jOK+Go/vLaW91YTYbyZ6bzIz5qYSG9WzUhBg8Av1QbDIQB/wXsAaQ4BdihNJ1nbb9X1L7xmtoHR3YJkwk8d4HsCYl9flzNTgaebFwE2day4m3xXF/5g8YH516xcdranPyy03HqKrv4IZZyfxgyWRpsV6Cz6eh5tdw5MuLAn9OMjnzUwkLl8Af6gLp1f9/gWRgJvAUcL+iKDmqqv5LfxcnhBhcPPV1nH/lJToLCzBYrdg3bCTm+hv6dCKerx2tzeO14s04vE5mjcrmzow1AS+jeylNbS5+/fxBquo7WDo7hQ03TJLQ/w6fT0MtqOHovnLaWl2YzEay5iQzY14KYREyPG+4CKTFfyP+0D+iqmqToihLgXxAgl+IEULXNJo/+pD6rW+ju92EZU4j8Z77sMQn9PlzuX1uNpe8w76qA4QYLWzMWMeCMbN7FdL1zQ5+uekY9S1ObpqXyrrrJkroX8Tn0zhZcJ4jX5bT1uLEZDIwfXYSM+anEi6BP+wEEvy+79y2XuI+IcQw5TpXyfmXXsB5+jTG8HAS776XyPk9m/8+UFXtNbxQ+CrVHedJihjDA5kbGR0+qlfHrGns5FebjtHU5uIHN2ZwQ84YCf0ulwz8WV2BLxPwDFuBBP9bwOtAnKIoPwXuBjb1a1VCiKDTPB4a39tJ43s7/RPxzJ2PfcMPMEdF9flz6brO3qqveLvkHTyal2uTr2L1xJuxmHrXUbCyrp2nXs+ltcPNusUTuXOZIpPLAJr2TeC3Nn8T+DnzU2XGvREgkF79v1AU5SbgLJAC/Juqqjv7vTIhRFDouk7niULqXn8Nd3UV5tg4Rt11DxHZOf3yfJ2eTl4tfpvcunzCzWHcn7mRbHtmr49bXtPG02/k0u7wsHFpOjfMSu6Daoc2TdM4WVjLkX1ltDY7MZoMTJs5lhkLxkngjyCBdO6zAtWqqj6pKMpG4DpFUY7IfP1CDD+O0hLqt76NQy0GIHrx9SSsWYcp9Mo71V2Ox+fhj8dfoKz1LJNixnPf1DuJtcX0+ril51r4zZvHcbq83L88g2uy+27p36FI0zRKCms58mU5LU0OjCYDmTPHMnN+KhFRfTvJkhj8ArnU/3egWFEUG/AfwMvAS8CyfqxLCDGAnGfLadj6Nh35eQCETcsiYfUabOPS+u05dV1nk7qFstazzEmcwT1T77jisfkXKypv4neb8/B4NR5eOZX5U0f3QbVDk6bplJ44z+F9XYFvNDB1xlhmLZDAH8kCCf7xqqquUxTll8DzXZf+D/V3YUKI/ueqqqJh+xbajxwGIDRdIWH17YROntzvz/1J5V4O1BxhXGQKGzNu75PQzz/dwB+25KPrOv+8ehoz0+19UOnQo2k6pUW1HN5XRktjV+DnjGHmgnFERkvgj3QBzdWvKEoCsApYqyjKGPxz9wshhihPXR0N72yjdf+XoOtY08aTsHotYVMzB6THe3FjCVtKdhIVEskjWff0uhMfwBG1jj9vL8BoNPD42iymTej5Sn1D3deBf2RfGc0S+OJ7BBL8vwIOAO+oqpqvKIqKrMwnxJDkbW6i4d13aPn8M/D5CElKJmHVasJzZg7YELe6zgaeL/g7JoORh6ffQ4w1utfH/Kqwhud2FmExG3ni9iwyxsX2QaVDh6bpnCqu5ci+cpoaOjEaDUzJHsPMBalExfRP/wwxdH1v8CuKYlNV1amq6mvAaxc9NFVVVd/F2/R3kUKI3vG1tdG4+12aP/4I3ePBYh9F/KrVRM6Z1y+z7n0fp9fJX/L/RqfXwV0Z65gQPa7Xx/z8eBUv7SrGZjXz0/XZTErq/RuJoULXdU6r9Rzae4am+k4MBsjIGs2sheMk8MX3ulyL/1VFUXYDr6uqemHgq6qqPkVRovCP51+K/yMAIcQg5HM4aPpgN80fvo/mdGKOjSNuxUqiF16Nwdzz9et7Q9M1Xj7xBtUd57ku+SoWjJ3T62N+dKSSVz88SUSohX+9I4dxo69stb6hRtd1yk81cOjzMupr2/2BP300s66SwBfdu9wrfz3wGHBIUZQWoBLwAuOABOC3wO39XqEQosc0l4vmjz+icfe7aB0dmCKjsK9aQ/S112G0BGeRlV1n9nC8vpD02EmsmXRr74/3VTlvfXqKqPAQntyQQ7I9og+qHNx0XaeyrImDX5yhtsrfHpucOYrZV6UREyddr0Rgvjf4uy7n/0FRlD8C2fhX6PMBp4A8VVX1gSlRCBEozeOh5YvPaHz3HXwtLRjDwohfvZbYG5ZitAWvc1dubT7vle0h3hbHg9M2YjKarvhYuq6zfe8ZduwrIzbSys/unMHoERB6VRXNHPz8DNUVLQBMUBKYc/V44uzhQa5MDDWBzNynA7ld/4QQg5Du89G6/0sa3tmGt6EBg9VK3C0riL3xJkxhwQ2Gc+3VvFT0BiGmEB7NupcIy5XXo+s6b31yit0Hz2KPsfGzDTNIGOaXts9XtXLoizNUnGkCYNzEeOZck4Z9hHysIfrewH7IJ4ToU7qm0X74EPU7tuKpqcFgNhOz9Ebilt/SL3Pq91S7p4O/5L2E2+fmoWl3kxQx5oqPpek6r354kk+OnmNMfBhPbphB7DCeZrb+fDuHvjhDWWkDAMlpscy5Jo3RI6jzougfgy74FUW5AbgD/1wBv1RVNS/IJQkx6Oi6TkfecRq2vY2rogJMJqIXXUfcrSuxxMUFuzwAfJqP5wtepcHZyPK0JcwYNf2Kj6VpOi/uKmJffg3J9gie3JBDVHhw+ir0t6b6Dg7tLeNUcR0Ao5OjmXtNGkkjbIii6D8BBb+iKFcD04C/AXNVVf28H2sKVVX1EUVRcvBPCyzBL8RFOouLqN+yGefpU2AwEDl/AfErVxMyqnfL1/a1raXvcrKplKyETG4ev+SKj+P1aTy38wQHi2pJGx3Jv9yRQ0Ro7yf8GWxamhwc3ltGyYnz6DrYR0cyd9F4UsbHyjLCok8FskjPT/AP2RsLvA08qyjK86qq/qo/ClJVdaeiKOHA48DP++M5hBiKHKdKadi2hc6iEwBEzJhF/KrVWJMG36pz+6sO8UnlXsaEJ3JvL+bg93g1/ry9gGMl9UxKjuYnt2cTZht0Fyp7pa3FyZEvyynOq0bXId4ezpxF40mbFC+BL/pFIK+g+4B5wFeqqtYpijIbOIR/Rr+AKIoyD/iFqqqLFUUxAn8CsgAX8JCqqqcURflfwCTgCeAX+Jf/re/RTyPEMOQsK6Nh+5ZvFtDJnEbC6rXY0sYHubJLO91SzuvqFsLMoTw6/T5s5isbTeDy+PjDlnwKzzQyZVwsj6/Nwhpy5aMBBpuOdhdHvzzLieNVaD6dmPgw5lydxsQMuwS+6FeBBL9PVVWXoihf33biH88fEEVRfg7cBbR33bUKCFFVdWHXG4KngVWqqv6Pru1fwj9PwH8pirJNVdW3A30uIYYTV2UFDdu30X7sCOBfQCd+1RrC0pVu9gyeZlcLf81/GZ+u8cC0jdjDrmy+fIfLy28353GyopmsifH8cPU0LObhEfqOTjfHvqqg4Og5fF6NqBgbs69OY/LURIxGCXzR/wIJ/s8URXkaiFAUZRXwCPBxD56jFFgDvNJ1+2pgN4Cqqge6riBcoKrqvT04thDDjru6ioYd22g7fAh0HduEif7AnzJ1ULcEPT4Pz+a9TKu7jbWTbmVKXPoVHafT6eHXbx7ndFUrsxU7j6zMxGwauGmF+4vL6eH4wUryDlficfsIj7Qy+6pxKNNHYxoGP58YOgIJ/p8BDwPHgXuA94A/B/oEqqpuURQl7aK7IoHWi277FEUxqqqqBXrM77LbZTzrQJDz3L8c1TU0vfEWdZ99DppG+MQJpP5gA7GzBm4BnSul6zp/PPAS5W0VLEqbx/qZN19RzS3tLv73K0c4XdXK4lnJPHHHjD4PxYH+PXY5vRz44jT7Pz2Fy+klPNLKDTdPYeb8VMyW4XEV47vkb8XgFsgEPj5FUV4Ddl1091jg7BU+Zyv+8P9ar0IfoK6urfuNRK/Y7ZFynvuJp6GBxnd30LpvL3rXinnxt60mYsZMfAYD9fXt3R8kyD4++zmflx9gXGQKa8atvKKam9tdPPV6LlX1HVybM5aNSybT2NjRp3UO5O+xx+Oj8Og5jn11FqfDiy3UzILFE8icmYTFYqKpuXNA6hho8rdiYPTmzVUgvfqfwt/ib/zOQ1fas2gfsAJ4S1GU+chwPTFC+ZfI3UnrF5+he72EJo0l+paVRM6eO6Ar5vVWUeNJtpS+S1RIJI9k3YPF1POhdg0tTn71+jFqmxwsmZ3MnTdMHvRXOb6P0+Gh8Og58o6cw9npIcRqYu41aUyfnUyIdXiNSBBDUyC/hauAJFVVe9vs+Hpu/63AUkVR9nXdvr+XxxViSPG2ttK0612aP/24a4lcO/ErVjHh1qXUNw6tVmBtZz0vFLyKyWDk4en3EGPt+axytU2d/GrTMRpaXdyyYBxrFk0YkqHf2uwg71AlRXnVeD0aIVYTMxemkjM3Batt+M07IIauQIL/OGDjm175PaaqahmwsOt7Hf+qf0KMKL72dpo+2E3TRx+iu1yY4+KIu/WbJXINpqH1ea/T6+Qv+S/R6XVwV8Y6JkSP6/Exqhs6+OWmY7S0u1m9aAIrFqb1faH9rK6mjdyDFZwqqkXXITzSytxrkpmSPUZa+GJQCuS38hWgRFGUAr4Zxqerqnp9/5UlxPDh6+ykec8HNH34PprDgSk6hri164i+5lqMlqHZEtR0jZdOvEFNx3muS76KBWPn9PgYFbXtPPX6Mdo6PWy4fhLL5qb2Q6X94+vlcXMPVFBZ5l88J84eTs68FCZNGSW99MWgFkjw/zf+SXUu7swnS/IK0Q3N6aT54z007t6F1tmBKSIS+/oNRF93PcaQoT3P/Htn9pBXX0h67CTWTLq1x/uX1bTy9Ou5dDi93L0sncUzB9/sg5eiaRqlRXUcP1BBfa3/ImjSuBhy5qWQMj5uSH5EIUaeQIK/WVXVl/u9EiGGCc3tpuXTj2nc9S6+tjaMYeEkrLmdmOuXYLRd2Sx2g8mx2nx2le0h3hbHg9M2YjL27COK0soWfvNWLk63jwdunsLVWVe+Yt9A8bi9FB2vIe9QBW2tLgwGmDTFTs68VFkeVww5gQT/XkVR3sY/nM/TdZ8ubwaE+DbN46H1i89oeHcnvpZmjDYbcStuI3bpjZjCwoJdXp84117Ny0VvEGIK4dGse4mwhPdo/+LyJn67OQ+PV+ORFZnMm5rYT5X2jc4ONwVHzlFw9Bwupxez2ci0mWPJnptCVExosMsT4ooEEvwRQBtwVddtA/5L/RL8QgC610vrl/to2LkDb2MDhpAQYpffQtyNyzFFRAS7vD7T7u7gL3l/w+1z8/C0u0mK6FlLveB0A7/fko+m6Ty2ahqzFHs/Vdp7zY2dHD9YgZpfg8+nYws1M/vqNKbNHEto2ND+mEaIQCbwuW8A6hBiyNE1jbbDB2nYugVPXS0Gi4XYpTcSu/wWzFFRwS6vT/k0H88X/J0GZxM3py0hZ9T0Hu1/rKSOZ7YVAAZ+vHY6WRMT+qfQXjpf1cqxr85y5qR/fbCoGBvZc1NQpo/GMkxn2RMjz/cGv6Io76qqeouiKGcu8bCuquqEfqxLiEGts+gEdZvfxFVeBiYT0YuvJ/6WFZhjYoNdWr94u3QnJ5tPkZ2QyfLxS3q076HiWp7dUYjJZODxtVlMTYvrpyqvjK7rlJ9qIPdABdUVLQDYR0eSMy+FCUoCxiE0mZIQgbhci//hrq/X4b+8fzHp1S9GJFfFWeo2v0lnYQEAkXPnE796DSH2UUGurP98WXWQzyr3MSY8kXum3oHREHgQ7i+o4bl3T2C1mPjJumzSU2L6sdKe8Xk1Sk6cJ/dgBU31/omTUifEkTMvhbGpMdJDXwxb3xv8qqpWdX37a1VV1178mKIoHwE39GdhQgwmnoYGGrZtofWrL0HXCc2Ygv32O7ClpQW7tH51uqWM19WthJlDeXT6fdjMgY9K+Cz3HC/vVgm1mvmXO3KYMHZwfPzhcno5cbyK/EOVdLS7MRoNpE9LJGduCvGjhk+fDCG+z+Uu9W8FcoCx37ncb+bKF+gRYkjxtbfTuGsnzR/tQfd6CUlOwX77OsIypw/7FmGTs5ln819G0zUenHYX9rD4gPfdc7iC1/aUEBFq4ckNOaQmBn/IW0NtO0f3lXP0wFk8bh+WEBPZc5LJmpNMRNTQH2YpRKAud6n/PiAW+B3wY7653O8Favq3LCGCS/O4af5oD43v7UTr7MQcF0/C6jVEzlswpBbQuVJun4dn81+mzd3O2skryIibHPC+u74q561PTxEdHsKTG3JIsgevFe1yeiktOk9xXg211f4V48LCQ5i5IJXMGWNlDn0xIl3uUn8L0AKsHLhyhAguXdNo3f8lDdu34G1s9E++s+4OYq6/AaNlZAzj8vg8PF/wd862VTJv9CwWJ18d0H66rrNjXxnb954hNtLKz++cQWLcwM9foOs6VWebKc6r4bRah9erYTDAuIlxzLtmAjH2MJlSV4xosoKEEPjDorMgn7rNb+I+V4nBbCb2ppuJW34LpvCeTVIzlLl8bp7Ne4niphKmxKVzp7ImoI80dF1n82en2PXVWRKibfzszhnYB3iCm/Y2F2p+DcV51bQ2OwGIjg0lI2s0yrTRhEdaZa14IZDgFwJn2RnqNr+Jo7gIDAaiFl5F/G1rsMQH/pn2cODwOnnm+AucailjesJUHpx2FxZj938idF1n054S9hypJDEujJ9tyCFugD4z9/k0ykoaKM6vpuJ0I7oOZrOR9GmJTMkaw5iU6GHfF0OInpLgFyOWu7aWhq2baTt0EICwaVnY167DmpIS5MoGXoenkz/kPsfZtkpmjcrm3qkbApqDX9N1Xnlf5bPcKpISwnlyQw7REdZ+r7exroOivGpOFpzH6fDPJD5qTCRTsscwMWMUVpv8aRPi+8irQ4w43rZWGt/ZQfNnn4DPhzVtPPbb1xOWMSXYpQVFm7ud3+f+lXPt1cwfPZuNU24PaKy+T9N44d1i9hfWkJoYwb/ekUNkP05n63Z5KS2qpeh49YWOerZQC1lzksnIGk18EDsRCjGUSPCLEUNzuWj68H2adr+H5nRisdtJWH07EbPnjIie+pfS7Grhd8ee5XxnHYuSFrIufWVAoe/1aTz7zgkOF9cyYWwUP12fTXg/9JDXdZ3qihaK8qo5XfxNR73UiXFkTB9D2uR46agnRA9J8IthT/f5aNn7BQ07tuFracYUEYn9zrXEXLsYg3nkvgQaHI387tiz1DsbWZJ6Lasm3hzQ5+Eer8aftxdwrKSe9ORonliXTai1b89je5uLkwU1FOfV0NLkAPzz5mdkjUGZlijj7oXohZH7V08Me7qu05F7lPq3N+OuqcYQEkLcrSuIvfFmTKEje0nV8511/O7YszS7Wrh5/FJuTlsSUOi7PD7+uCWfgjONTE2L5cdrsrCG9M3iNT6fRnlpA8V51Zy9uKNeZiIZWaNlGl0h+ogEvxiWHCUl1L39Js7SEjAaiV50HfErV2GOGTxzxQdLVXsNv8t9ljZ3O6sm3szScdcFtJ/T7eV3m/MoPttM1sR4frh6GhZz70Jf13XqatooLapFLTiPs/ObjnoZWaOZNCVROuoJ0cfkFSWGDV3T6MjPo+n9XThOqgCEz5iJfc3thIwZG+TqBoezrZX8Ifc5OrydrE9fxbXJCwPar9Pp5b/fOk7puRZmKXYeXZmJ+Qo/W+/scFNxppGK041UnGm60CvfFmoma3ZXRz2ZM1+IfiPBL4Y8zeOh7cBXNH2wC3eVf22psMxpxN96G6GTA59qdrg73VLGH3NfwOVzsTFjHQvHzglov3aHh1+/kUtZTRvzpyby4K1TMPWgM6SmaZw/18rZrrCvq2m/8Fh4RAgZWaMZNzGecRPjMZmlo54Q/U2CXwxZvs4OWj77lKY9H+JraQaTicgFC4lbtnxEjsW/HLWxlD/n/w2v5uW+zDuZnZgT0H6tHW6eej2Xyrp2rs4aw303ZWA0dv85e3ur80LQV5Y14Xb5ADAaDSSNiyFlQhyp4+OIs4fL5/ZCDDAJfjHkeBobaP7wA1q++AzN6cRosxG77CZilizFEjeyZtsLRGFDMX/Nfxld13lo2t1k2zMD2q+pzcVTrx+juqGTxTOT2Lg0HeP3hLTPq1Fd2cLZ041UnGmksa7jwmOR0TYmT00kZUIcSakxhPTxCAAhRM/IK1AMGa6KChrff88/057PhykmhoRbVhJ97bWYwkbOfPo9kVubzwuFr2E0GHg06z6mxisB7dfQ4uRXm45R2+zgxrkprF886R9a5q3NDs6ebuTsqUbOnW3C69EAMJmN/hZ917/o2FBp1QsxiEjwi0FN13UcxUU07n6PzsICAELGjiV22XIi583HaJFlVb/PoZpjvFz0Bhajmcey7mdy7MSA9jvf2MmvXj9GY6uLFQvTWHXNeAwGAx6Pj6qzzVScbuTs6cYLF2iADwAAH5ZJREFU4+sBYuLDSB0fR8qEOMamRGO29M0QPyFE35PgF4OS7vPRdvgQTe/vwnW2HIDQdIXYm5YTPi1rxM60F6h9VQfYVLwFm9nGD7MfYHz0uID2q6xt56k3cmntcLNm0XiuSh9F3qFKzp5upLqiGZ9PB8ASYiJtcjypE+JJGR9L1ACvxCeEuHIS/GJQ0ZxOWvZ+TtOH7+NtaACDgYjZc4i7cTm28ROCXd6Q8EnFXjaX7CDCEs6Pch4iJTIpoP1OVTbz5zePY3P7mD0mmqbcGl7/vPzC4/GjwkmdEEfK+DhGJ0fLVLlCDFES/GJQ8LY00/zRHpo//QStswNDSAjRi68ndulNhIwaFezyhoz3yz5mx+ndRIVE8viMRxgTnnjJ7XRdp6PNxfmqVs6fa6WsrImmug78b62MtFW3YbWZmZhhvxD24ZH9v+qeEKL/SfCLoHLXVNP4/i7a9n+J7vViiogkfuUqYhbfgCkyMtjlDRm6rrPzzAfsLvuIWGsMj894hFFhCRce97h91NW0+YO+qpXaqlY62t3f7A840RmXFse0zEQSx0YSExcmnfKEGIYk+EVQOEpKaHz/PTpyjwFgsY8idtlNRC28CqNVWpY9oes6W0p38nHFFySExvPj7IcxOawUl1ZzvrqN2nOtNNS1o+vf7BMWEcL49AS8FhMfFdXgNBh4bM10siYmfP8TCSGGBQl+MWB0TaM99xhN7+/CeaoUANv4CcTeuJyImbOkw94V0HSNTQXbySspZYIrhwkobP/qBG6X98I2JrORxKQoEsdE+b+OjSI80spXhed5/t0iLGYjj9+exZRxsUH8SYQQA0WCX/Q7XdNoP3yI+h1b8dTUABCelU3sTTcTOjldLif3gM+n0VjXwfmqVmrOtVBaVoXeEUsa/ul3a2gjOjaUtEnxjBobSeLYKOJHRfxDR7xPj53jlfdVQq1mfro+m4lJ0cH4cYQQQTDogl9RlFnAjwAD8HNVVWuDXJK4Qrqu05F/nIatb+OqqACTiairriH2xpuwjg2sp/lI5HH7aG1x0NrspK3ZSWuz//uv7/N5tQvb+kw6elw7M9PTSU72h31oWMhlj7/7wFne/KSUyDAL/3pHDqmJ0pdCiJFk0AU/YAV+AiwDFgDbg1uOuBKdxUXUb33bf0nfYCBy3gLiV64iJPHSvcxHEk3z96hva7ko1JsddHZ4aKxvx9HhueR+IVYTsfFhJCSGU6wXUMIJUkaP4rHs+7GZbd0+r67rbN97hh37yoiNtPLkhhzGxMuMh0KMNIMu+FVV/VJRlAXAk8D6YNcjesZ55jT1W9+m80Qh4F8WN2HVGqxJyUGubGC5nN5/aKm3dd1ua3Giafo/7GM0GoiIshKfFkFUjI2omNBvfbXaLLh8bp7Ne4niphKmxKXzyPR7CDFdvoUP/tB/4+NSPjhUgT3GxpMbZmCXSXeEGJEGJPgVRZkH/EJV1cWKohiBPwFZgAt4SFXVU4qi/CcwGfg1cBhYDvw78MRA1Ch6x3WukvptW+g4dhSAsKmZxK9aS+iE4TXpjq7reNw+HJ1uHB0eHJ1uOjvcXa33b1rwLqf3kvvbwiwkjI7wh3n0t8M9bXw8DY0dl9wPwOF18szxFzjVUkZWQiYPTNuIxdj9S1jTdF75QOWz3CrGxIfx5IYZxMqYfCFGrH4PfkVRfg7cBXy9CPcqIERV1YVdbwieBlapqvpvXdsvBl4A3MBf+rs+0Tvu8+dp2LGNtoNfga5jmziJhNVrCcuYEuzSAubzaTg7PXR2uHF0er4V6t/c7vq+w31h2tpLMZmNREXbGJ0URVRMKJHfCncblpDvf8kZLzMTXru7gz8ef46zbeeYNSqbe6duwGTsfj58n6bx/LtFfFV4ntTECP7ljhyiuukDIIQY3gaixV8KrAFe6bp9NbAbQFXVA4qizL54Y1VVPwE+GYC6RC94Ghtp3LmDln1fgM+HNSWV+NVrCJ+e3W+99HVdR9f9Xy++zYX7Ab7Zxunwfn+IX3Tf97XOL2YyGwkLsxA/KoLQsBBCwy3+r2EWQsNDugLeRlh4SJ///E3OZv6Q+xw1nbUsHDOHOzPWYjR0P/TR49X48/YCjpXUMzEpip+uyybMJosaCTHS9Xvwq6q6RVGUtIvuigRaL7rtUxTFqKqqxhWy26VX8kCw2yPxtLRQuXkL1bvex+fxYho7joQVt2FTpuJwemkpa8Hh+KZ1fCFsu0LW59X8gQ3o2qWDXNe6Hr846L+/kX1lDBAWHkJUTCjhESGER1gJj7R+8/13bltCTAMy7PC7v8s1bbX89qs/U9fZyK3KEu7OXhNQHU63l//z4kGOldSTNSmB/++BeYRaB12XnqCQvxf9T87x4BaMvwSt+MP/a70KfYC6urbeVTTCaZqGy+nF6fDgcnhxOj04HV5cDg9Op/8+zeOl4fQ5HM1teAxWPKnr8Rm6Wo8ftcBH+y/7HGaLEVuoBZPZiMGAP7y6vhq4+PY/PobB8M39fLONwXDRY3x9+5vHrDaLv0V+cQu966st1ILR2H2AejWNllZHt9v1Bbs98lu/y+faq/l97l9pc7ezYsKN3Dj2eurr2y9zBL9Op5ffbj5OSWULOZMSeGxVJu2tDrrfc/j77jkWfU/O8cDozZurYAT/PmAF8JaiKPOBvCDUMKiVFtWiFtR8q0V88fdaVwtY07q+6vq3Wsff2u/CVx1du+j7i7a93GfW32bBaInCZjUREx2BNdSCLdSCLdSM1fadr6EWbDYL1lAzNps/8EXgzrSU86fjL9DpdbAu/TauS74qoP3aHR6efiOX8po25k4ZxUO3TsUsq+gJIS4ykMH/dbpsBZYqirKv6/b9A1jDkHCuvImzpxov+ZjBAAaj4UKr1t9qNWA0+h80ft0CNvpby0aTAYPhm1b21/f7j+G/z2wx/UNoWy1GfKdVnIf3YWptJNRmJuH664hfulTm0u9nxY0l/CX/Jbyal3um3MG8MbMC2q+53cXTr+dyrr6Dq7PGcN9NGQFd1RBCjCyGrz9fHcL04XZZSdd1vB4Ng/Hry9bfvtTdr8/t89G6/0sa3tmGt6EBg9VK7NJlTL5zHU2OXn0iI7pht0ey58R+Xih4FYAHpm0k2z4toH3rWxw89XoutU0OlsxKZsOSyRhlKuR/IJeh+5+c44Fht0de8QtcevsMQgaDAUtI90O1+pKuabQfPUz9ti14amowmM3ELL2RuOW3YI6KwhwRDg55Mfenz858xXMFf8dsNPPo9HvJiJsc0H7nGzv51evHaGx1cevCcay+ZoKsfyCE+F4S/COcfz79vK759M+C0Uj0ouuIu3Ullri4YJc3YnxasY+3SrYTag7lh9kPMD56XED7Vda289QbubR2uLn9uoncPD+w/YQQI5cE/wil6zqdRSdo2L71ovn05xO/crXMpz+AdF1nd9nH7DzzPjG2KP4560GSIsYEtO+Z6lZ+/UYuHU4vG5emc8OskTUtshDiykjwj0CdxUU0bN+Ko+QkAOE5M/zz6SenBLmykUXXdbaU7uTjii+Is8XyH9f/BJMzsPnz1bNN/HZzHi6PjwdvmcJV0wN7syCEEBL8I0inWuwP/JMqAOFZ2cSvXI0tLS24hY1Amq6xqfhtvqw+RGLYKH6c8xCjI0dR5+y+H0XB6Qb+sCUfn6bz2G3TmJ0xagAqFkIMFxL8I0DnSZWGHdtwFBcBED49i/iVq7CNH14L6AwVXs3L3068zrHaPFIik/hh9oNEhkQEtO8RtZY/by/EaDTw47XTyZqY0M/VCiGGGwn+YcxRWkLD9m10FvmXyA3LnEb8basJnTAxyJWNXC6fm7/mv0xR40kmxYznn7LuI9Qc2OX9L/KqeGmXisVi5Im1WWSMi+3naoUQw5EE/zDkOFVKw45tdBYWAF1L5N62mtCJk4Jc2cjW6XHwTN6LnG4pIzM+g4em3U2IqftFc3RdZ/veM+zYV0a4zcxP1mUzMSl6ACoWQgxHEvzDiOP0aRp2bKWzIB+A0IwpJNy2mtDJ6UGuTLS52/lD7nNUtlcxa1Q290y9A7Ox+5ef16fxt13FfFlQgz3Gxk/X5zA6LmwAKhZCDFcS/MOAs6yMhh1b6cg7DkCokkH8basJS1eCXJkAaHQ28fvcv1LbWc9VY+exQVkd0LK6nU4vf9yaT1F5E+PHRPHE7VlEhYcMQMVCiOFMgn8Ic54tp2H7VjqO5wIQmq4Qv3IVYRlTglyZ+Nr5zjp+f+yvNLmaWZp6HbdNXB7QrHqNrU5+89ZxztV1MGNyAo+szMRqGdjZHIUQw5ME/xDkqjhL/Y5tdBw7CoBt0mT/Jf2MKTJV6yBS0VbFH3Ofo83Tzm0TlrMsbXFA+50938Z/v3Wc5nY3N8xM5s4lk2WxHSFEn5HgH0JclRU07NhG+9EjANgmTvK38KdmSuAPMqeay3gm7wUcXid3pK9iUfLCgPYrONPAn7YW4HT7WL94EjfOTZH/WyFEn5LgHwJc5yr9gX/kMAC28ROIv20VYZnTJRQGoaKGkzyb/xJe3ce9Uzcwd/TMgPbbc7CcP7yVh8Fg4LFV05gjE/MIIfqBBP8g5qqqovGdbbQdPgS6jjVtPPErVxE+PUsCf5A6VpvPi4WvYTAYeGT6PUxPmNrtPt8drvfjtVmkp8QMQLVCiJFIgn8Q8jTUU79lM20HD/gDP3Uc8betJjwrWwJ/ENtfdYhXizcTYrLwT1n3kR7b/bwJXp/GS7uK2VdQQ2JcGI+vnc6Y+PABqFYIMVJJ8A9CtZtepSP3GNaUVH8LP2eGBP4g93HFF7xd8g7h5jD+OecB0qJSu92n0+nlT9vyOVHWxPgxkfzPRxfidXoGoFohxEgmwT8I2W+/g5jFNxA2ZSoGY/fjvUXw6LrOe2c+5L2yPUSHRPKjnIcZGzG62/0aW53891vHqazrIGdSAo+uzCQ20kadBL8Qop9J8A9CIaNHEzK6+/AQweXTfLxxciv7qg4Sb4vj8RkPkxAa3+1+Z8+38dvNeTS1ubh+ZhI/WJIuw/WEEANGgl+IK+DwOni+4FWKGk+SHDGWx7LvJ8ba/fz5hWca+ePWfBmuJ4QIGgl+IXqo0dnEM8dfpKqjhmnxGdyfuRGb2drtfl/kVfHybhWDwcA/3ZbJ3CmJA1CtEEJ8mwS/ED1wtrWSZ/JepNXdxqKkhdw+eQUm4+Wn0pXhekKIwUSCX4gA5dUV8mLha3g0L2snr2Bx8tXdXqb3+jRe2l3MvvwaEqJt/HR9tgzXE0IElQS/EAH4pGIvb5e8g9lo5uHpd5Ntn9btPg6Xf3W9r4frPX57NtGyup4QIsgk+IW4DE3X2FzyDp9V7iMyJILHsu5nXFRKt/v5h+vlUVnXfmG4njVEVtcTQgSfBL8Q38Plc/Ni4avk1xcxJjyRx7IeID40ttv9Kmrb+e+3jtPU5mLxzCQ2ynA9IcQgIsEvxCW0uFp5Ju9FKtrOkRE7mYem30WoObTb/WS4nhBisJPgF+I7zrVX88zxF2lyNbNgzBzuVNZ023MfYG9eNS/tLsZgQIbrCSEGLQl+IS5S1HCS5wpewelzsXLCTSwbt7jbFruu6+zYV8b2vWdkuJ4QYtCT4Beiy75zB3j95FaMBiP3Z/6A2Yk53e7j8Wq88r7K3vxqGa4nhBgSJPjFiKfpGjtO7ebDs58Sbgnj0en3MTEmrdv9KuvaeXbHCSrr2kkbHckT62S4nhBi8JPgFyOa2+fh5aI3OFabx6jQBB7LfoBRYQmX3UfTdT46XMlbn57C69NYlD2WO2+YLMP1hBBDwqAMfkVREoGdqqrOCXYtYvhqc7fzl7yXONNazsTo8TySdQ8Rlstfpm9qc/HCe0UUnmkkItTC/cszmZFuH6CKhRCi9wZl8AM/A8qCXYQYvmo6annm+AvUOxuZnZjDXVPWYzFe/uVwRK3lb7uK6XB6mT4hngduziA6ovvFeYQQYjAZdMGvKMpjwN+Bfw12LWJ4Kmk6xbP5L9PpdbA87QZuGb/ssj33HS4vm/aUsDe/GovZyF3L0lk8I0nG5wshhqQBCX5FUeYBv1BVdbGiKEbgT0AW4AIeUlX1lKIo/wlMBkZ1PTZXUZS1qqq+PRA1ipHhQPURXi3ejI7OXVPWs2DM7MtuX1rZwl93FlLX7GRcYiQPr5jK2ATptS+EGLr6PfgVRfk5cBfQ3nXXKiBEVdWFXW8IngZWqar6b9/Z72UJfdFXdF3nvTMf8l7ZHkLNNh6edg9K3KTv3d7r03hnXxk795eBDjfPH8eqa8ZjNhkHrGYhhOgPA9HiLwXWAK903b4a2A2gquoBRVEu2eRSVfWeAahNjAAezctrxZs5WHOUeFss/5z9AKPDv39WvfONnTz7zgnOVLcSH2XloVunoqR2P0e/EEIMBf0e/KqqblEUJe2iuyKB1otu+xRFMaqqqvV3LWLk6fR08mz+y5Q0n2ZcVAr/lHUfUSGRl9xW13U+P17Fpo9KcHs0FmQmsnGpQpht0HWFEUKIKxaMv2it+MP/a70Ofbv90n/IRd8aauf5fHsdvzn0DFVt55mXPIMfzbsPq/nSE+y0tLv4/Zu5HCisITzUwhN3zGDRjOQBrnjoneOhSM5x/5NzPLgFI/j3ASuAtxRFmQ/k9faAdXVtvS5KXJ7dHjmkzvOZlnL+nPc32j0d3JC6iFUTb6a1yYW/P+m35Z2q54X3imntcJORGsNDt04lLso24D/vUDvHQ5Gc4/4n53hg9ObN1UAGv971dSuwVFGUfV237x/AGsQw59G87Cn/lN1lH6Ghs0FZzTVJCy65rcvj461PSvn46DlMRgPrF09i2dwUjDJMTwgxjA1I8KuqWgYs7PpeBx4biOcVI0tJ0yk2qVs431lHdEgkd01Zz9R45ZLblte08ew7hVQ3dJKUEM7DK6aSmiiXJ4UQw5/0WhJDXru7g62n3uWr6sMYMHBt8kJWTLiRUHPoP2yraTq7DpSz7Ysz+DSdJbOTuf3aiYRYZJ59IcTIIMEvhixd1zlQc4QtpTvp8HSSHDGWOzPWkBaVesnt65sdPLfzBCcrW4iOCOHBW6YwbXz8AFcthBDBJcEvhqTzHbVsUrdQ0nyaEKOFNZNu5brkqzAZ/7Hlrus6XxWe5+8fqjhcPmal27l3eQYRoZYgVC6EEMElwS+GFI/Pwwfln/BB+Sd4dR/TE6awPn0VcbZLT7DT4fTwyvsqB4tqsYaYeODmKVw1fbTMsy+EGLEk+MWQcbKplE3qFmo764mxRrMu/TayEzK/N8SLypt4bucJmtpcTEyK4uFbpzIqNmyAqxZCiMFFgl8Mem3udraWvsuBmiMYMLA4+WpunbAMm9l2ye1bO928t7+cDw9VYDAYWHXNeG5ZMA6TUebZF0IICX4xaOm6zv7qw2wrfZcObycpkUncqaxhXFTKJbc/V9fOh4cr2F94Ho9XY1RsKI+syGTC2KgBrlwIIQYvCX4xKNV0nGeTuoXS5jNYTSHcPnkli5IW/EPnPU3XKTjdyIeHzlJY1gSAPcbGktkpLMoaizVEhukJIcTFJPjFoOL2eXi//GM+LP8Un+4j2z6NdZNXEmuL+dZ2Lo+P/QU1fHi4guqGTgCUlBiWzUkhe1ICRqN03hNCiEuR4BeDRnFjCa+rW6hzNBBrjWF9+m1k2TO/tU1Tm4uPj1by6bFzdDi9mIwGFmSOZtmcFMaNlpn3hBCiOxL8Iuja3O28XfIOh84fw4CB61Ou4Zbxy7CZrRe2Katp5cNDFRwsqsWn6USEWrh14Tiun5lMTIT1MkcXQghxMQl+ETSarrG/+hDbSt+j0+tgXGQKd2asISUyyf+4pnOspJ4PD53lZGULAGMTwlk6O5kFmaNlml0hhLgCEvwiKKraa9ikbuF0Sxk2k5V16bexKGkBRoMRh8vL3rxq9hypoK7ZCcC08XEsm5NC5vg4mXxHCCF6QYJfDCi3z8Ousj3sOfsZmq4xwz6d29NXEmONpr7ZwZ4jlXyRV4XD5cNiNrIoeyxL56SQlBAe7NKFEGJYkOAXA8KjeTnRUMyWkp3UOxuJtcZwh7KKafFTKD3XwquH8jl6sg5dh+iIEG6aN47rcsYSGRYS7NKFEGJYkeAX/abV3UZhfTEFDUUUNZ7E5XNjNBhZknoty1JvIL+0mf/97mHOVLcBkJoYwbI5KcydkojZJLPsCSFEf5DgF31G13Uq26soqC8iv6GI8taKC4/ZQ+OZljCF7NgZnCzx8W/vH6GpzYUBmDE5gWVzUkhPiZHP74UQop9J8ItecfvcqE2l5NcXUdhQTLPL3/veaDCSHjORydHpxGgpdLRYKVfbeFo9hdujYQ0xsWRWMjfMTiZRFs4RQogBI8EveqzR2URB1yX8k02leDQvAKGmUNKsUwh1jaWzLpayQjfH293A2Qv7xkdZueHqFBZljyHMZgnSTyCEECOXBL/olqZrnKw/zRenjlBQX8S5juoLj9l8MRhbR9FWE4ejLZpGvr5U305clJWsifEk2yNItoeTbI9gbEK4TKcrhBBBJMEvLsnhdZBbU8SR6kJOtZfg1v3j6XXNiNaagK95FFqzHYc7FFuIifH2CJInhpM8KoJkewRJ9nDCpUUvhBCDjgS/wOvTqGns5ERVBYWNxZxzn8ZhrgWDDoDutuJrTkZvGYXdnEJKQjTJGREXWvLx0TbplCeEEEOEBP8g5vVpeLz+f26v76LvNTwen//rRY+7vRrersfdXh8ej4bHp+H2aHi832zv9vpwaZ246MBt6MBhrsUQXYsx1L/KHRYwOGKI0VIYHz6ZjKRUsq4fjc2oYzHLNLlCCDGUSfAPQm99WsoHByvwafoV7K2DxYUhxHmJfy4MEU4MFicG4zfHNgFG3UyieQJTYzNYkJrFmOi4bx3Vbo+krq6tdz+YEEKIoJPgH4TsMaGMHxOFxWzEYjYSYjZiMZswmwGzE5/Zgc/kwGPwt9hddODU2nHo7XT62tG59BsGAwaiQiKJtdmJsUYTa40mxhZNUvgYJsVOwGKUXwchhBju5C/9IDQ13Yonto1mVwvNrhaaXC00O1todbf5Q10HvN/ex2gwEh0SRWJEKjHW6IuCPcb/1RpNVEgkJqNcqhdCiJFMgn8Q2nbqPY7XFVy4bTKYiLFGMyE6jVhb9LeCPdYWQ4w1msiQCIwGmeZWCCHE5UnwD0LrJq9k/uhZ/nC3xRBuCZNQF0II0Sck+AehWFsMsbaYYJchhBBiGJJmpBBCCDGCSPALIYQQI4gEvxBCCDGCSPALIYQQI8ig69ynKEo28HvgFPCSqqqfBrciIYQQYvgYjC3+uUA1/ilqCoNcixBCCDGsDMbg3ws8BPwSeDLItQghhBDDyoBc6lcUZR7wC1VVFyuKYgT+BGQBLuAhVVVPKYryn8BkYAf+Fn/zQNUnhBBCjBT9HqyKovwcuAto77prFRCiqurCrjcETwOrVFX9t67tF+D/jN8D/M/+rk8IIYQYSQaiRV0KrAFe6bp9NbAbQFXVA4qizL54Y1VV9wP7B6AuIYQQYsTp98/4VVXdwrfXkosEWi+67eu6/C+EEEKIfhaMz9Bb8Yf/14yqqmq9OJ7Bbo/sfivRa3Ke+5+c4/4n57j/yTke3ILR0t4H3AygKMp8IC8INQghhBAj0kC2+PWur1uBpYqi7Ou6ff8A1iCEEEKMaAZd17vfSgghhBDDgnSqE0IIIUYQCX4hhBBiBJHgF0IIIUaQYTclrqIoC4FHum4+oapqSzDrGc4URbkeuFNV1YeDXctwpCjKDcAdQBjwS1VVZQRMH1MUZRbwI8AA/FxV1doglzQsKYqSCOxUVXVOsGsZjnq6qu1wbPE/jD/4n8f/R1P0A0VRJgI5gC3YtQxjoaqqPgI8BSwLdjHDlBX4CfAusCDItQxLiqIYgJ8BZUEuZTjr0aq2wzH4TaqquvGfhDHBLma4UlX1lKqqvw52HcOZqqo7FUUJBx4H/hbkcoYlVVW/BKbiXwk0N8jlDFf/BPwdcAa7kGGsR6vaDqlL/YGs8gd0KooSAowFaoJX7dAV4HkWvRDgipUJ+F/I/6aqan0Qyx2SAjzHc4DDwHLg34EnglbwEBTg34olXffNVRRlraqqbwev4qEnwHOcQw9WtR0yLf6uVf7+iv/SHFy0yh/w/+Bf5Q/gWeAv+C/5v/Ld44jL68F5FleoB+f4aSAR+C9FUdYOeKFDWA/OcQTwAvAr4NWBrnMoC/Qcq6q6VlXVx4ADEvo904Pf4zL8n/H/X+B33R13KLX4A1rlT1XVo8hsgL3R09UU7x7Y8oaFQH+X7w1OecNCoOf4E/7/9u7epoEgCAPoIBHSAAki20aQ6IKMCqANaIBOcEARRJcR0QAhEhCBLENwZ93ceZn3Qkejz5Y/7fpnIp5WmbB/U98rrpYd718Y+zqetNW2mxO/LX/LkHM+GeeTcT4Z58vKuOcnZe4tf/xNzvlknE/G+WScb5aMey5+W/6WIed8Ms4n43wyzjdLxj19xv/Nlr9lyDmfjPPJOJ+M882ase18AFBIz1f9AMBEih8AClH8AFCI4geAQhQ/ABSi+AGgEMUPAIUofgAoRPEDo7XWzltrH621i53HX1prZ2vNBYyn+IGp3iPiobV2svWYvwCFTih+YKrXiHiMiLu1BwGmU/zAPm4j4nL3yh84fIofmGwYhreIuI7fV/7AgVP8wF6GYdhExCYi7teeBRjveO0BgK7dRMRzRJyuPQgwjhM/MNXPN/i3rvwdIqATR5+ffoUDAFU48QNAIYofAApR/ABQiOIHgEIUPwAUovgBoBDFDwCFKH4AKOQLtDBXtdpBW+cAAAAASUVORK5CYII=">
-            <a:extLst>
-              <a:ext uri="{FF2B5EF4-FFF2-40B4-BE49-F238E27FC236}">
-                <a16:creationId xmlns:a16="http://schemas.microsoft.com/office/drawing/2014/main" id="{A1AEAF1C-618E-4AE8-9A17-200D184EAAA2}"/>
-              </a:ext>
-            </a:extLst>
-          </p:cNvPr>
-          <p:cNvSpPr>
-            <a:spLocks noChangeAspect="1" noChangeArrowheads="1"/>
-          </p:cNvSpPr>
-          <p:nvPr/>
-        </p:nvSpPr>
-        <p:spPr bwMode="auto">
-          <a:xfrm>
-            <a:off x="5943600" y="3276600"/>
-            <a:ext cx="304800" cy="304800"/>
-          </a:xfrm>
-          <a:prstGeom prst="rect">
-            <a:avLst/>
-          </a:prstGeom>
-          <a:noFill/>
-          <a:extLst>
-            <a:ext uri="{909E8E84-426E-40DD-AFC4-6F175D3DCCD1}">
-              <a14:hiddenFill xmlns:a14="http://schemas.microsoft.com/office/drawing/2010/main">
-                <a:solidFill>
-                  <a:srgbClr val="FFFFFF"/>
-                </a:solidFill>
-              </a14:hiddenFill>
-            </a:ext>
-          </a:extLst>
-        </p:spPr>
-        <p:txBody>
-          <a:bodyPr vert="horz" wrap="square" lIns="91440" tIns="45720" rIns="91440" bIns="45720" numCol="1" anchor="t" anchorCtr="0" compatLnSpc="1">
-            <a:prstTxWarp prst="textNoShape">
-              <a:avLst/>
-            </a:prstTxWarp>
-          </a:bodyPr>
-          <a:lstStyle/>
-          <a:p>
-            <a:endParaRPr lang="en-CA"/>
-          </a:p>
-        </p:txBody>
-      </p:sp>
-      <p:pic>
-        <p:nvPicPr>
-          <p:cNvPr id="8" name="Picture 7">
-            <a:extLst>
-              <a:ext uri="{FF2B5EF4-FFF2-40B4-BE49-F238E27FC236}">
-                <a16:creationId xmlns:a16="http://schemas.microsoft.com/office/drawing/2014/main" id="{14AFB3E8-36F1-4C69-A69B-50865952F7AC}"/>
-              </a:ext>
-            </a:extLst>
-          </p:cNvPr>
-          <p:cNvPicPr>
-            <a:picLocks noChangeAspect="1"/>
-          </p:cNvPicPr>
-          <p:nvPr/>
-        </p:nvPicPr>
-        <p:blipFill>
-          <a:blip r:embed="rId2">
-            <a:extLst>
-              <a:ext uri="{28A0092B-C50C-407E-A947-70E740481C1C}">
-                <a14:useLocalDpi xmlns:a14="http://schemas.microsoft.com/office/drawing/2010/main" val="0"/>
-              </a:ext>
-            </a:extLst>
-          </a:blip>
-          <a:stretch>
-            <a:fillRect/>
-          </a:stretch>
-        </p:blipFill>
-        <p:spPr>
-          <a:xfrm>
-            <a:off x="4887047" y="1609571"/>
-            <a:ext cx="6478476" cy="4700071"/>
-          </a:xfrm>
-          <a:prstGeom prst="rect">
-            <a:avLst/>
-          </a:prstGeom>
-        </p:spPr>
-      </p:pic>
-      <p:sp>
-        <p:nvSpPr>
-          <p:cNvPr id="9" name="TextBox 8">
-            <a:extLst>
-              <a:ext uri="{FF2B5EF4-FFF2-40B4-BE49-F238E27FC236}">
-                <a16:creationId xmlns:a16="http://schemas.microsoft.com/office/drawing/2014/main" id="{49DB4B17-3EB2-437E-84B9-4E330D0FC024}"/>
-              </a:ext>
-            </a:extLst>
-          </p:cNvPr>
-          <p:cNvSpPr txBox="1"/>
-          <p:nvPr/>
-        </p:nvSpPr>
-        <p:spPr>
-          <a:xfrm>
-            <a:off x="5372100" y="6176963"/>
-            <a:ext cx="5715000" cy="369332"/>
-          </a:xfrm>
-          <a:prstGeom prst="rect">
-            <a:avLst/>
-          </a:prstGeom>
-          <a:noFill/>
-        </p:spPr>
-        <p:txBody>
-          <a:bodyPr wrap="square" rtlCol="0">
-            <a:spAutoFit/>
-          </a:bodyPr>
-          <a:lstStyle/>
-          <a:p>
-            <a:r>
-              <a:rPr lang="en-CA" dirty="0"/>
-              <a:t>Source: J. </a:t>
-            </a:r>
-            <a:r>
-              <a:rPr lang="en-CA" dirty="0" err="1"/>
-              <a:t>Vanderplas</a:t>
-            </a:r>
-            <a:r>
-              <a:rPr lang="en-CA" dirty="0"/>
-              <a:t> 2015.</a:t>
-            </a:r>
+            <a:endParaRPr lang="en-CA" dirty="0"/>
           </a:p>
         </p:txBody>
       </p:sp>
     </p:spTree>
     <p:extLst>
       <p:ext uri="{BB962C8B-B14F-4D97-AF65-F5344CB8AC3E}">
-        <p14:creationId xmlns:p14="http://schemas.microsoft.com/office/powerpoint/2010/main" val="2926353494"/>
+        <p14:creationId xmlns:p14="http://schemas.microsoft.com/office/powerpoint/2010/main" val="1121226968"/>
       </p:ext>
     </p:extLst>
   </p:cSld>
@@ -4191,7 +4139,7 @@
           <p:cNvPr id="2" name="Title 1">
             <a:extLst>
               <a:ext uri="{FF2B5EF4-FFF2-40B4-BE49-F238E27FC236}">
-                <a16:creationId xmlns:a16="http://schemas.microsoft.com/office/drawing/2014/main" id="{3FEAED91-3C72-407B-A14B-9E5A6C1CD9C0}"/>
+                <a16:creationId xmlns:a16="http://schemas.microsoft.com/office/drawing/2014/main" id="{079DCC7C-AF2F-4297-AC5B-CA1A1D2814FF}"/>
               </a:ext>
             </a:extLst>
           </p:cNvPr>
@@ -4202,14 +4150,19 @@
             <p:ph type="title"/>
           </p:nvPr>
         </p:nvSpPr>
-        <p:spPr/>
+        <p:spPr>
+          <a:xfrm>
+            <a:off x="838200" y="365125"/>
+            <a:ext cx="10515600" cy="1325563"/>
+          </a:xfrm>
+        </p:spPr>
         <p:txBody>
           <a:bodyPr/>
           <a:lstStyle/>
           <a:p>
             <a:r>
               <a:rPr lang="en-CA" dirty="0"/>
-              <a:t>What is a Periodogram?</a:t>
+              <a:t>Comparison - Summary</a:t>
             </a:r>
           </a:p>
         </p:txBody>
@@ -4219,7 +4172,7 @@
           <p:cNvPr id="3" name="Content Placeholder 2">
             <a:extLst>
               <a:ext uri="{FF2B5EF4-FFF2-40B4-BE49-F238E27FC236}">
-                <a16:creationId xmlns:a16="http://schemas.microsoft.com/office/drawing/2014/main" id="{D6E44B8D-EC6C-4067-8CAA-9BC11D594D24}"/>
+                <a16:creationId xmlns:a16="http://schemas.microsoft.com/office/drawing/2014/main" id="{3BEC23C5-5292-485A-839B-B1D87C787CA2}"/>
               </a:ext>
             </a:extLst>
           </p:cNvPr>
@@ -4232,132 +4185,144 @@
         </p:nvSpPr>
         <p:spPr/>
         <p:txBody>
-          <a:bodyPr>
-            <a:normAutofit lnSpcReduction="10000"/>
+          <a:bodyPr/>
+          <a:lstStyle/>
+          <a:p>
+            <a:r>
+              <a:rPr lang="en-CA" dirty="0"/>
+              <a:t>Between…</a:t>
+            </a:r>
+          </a:p>
+        </p:txBody>
+      </p:sp>
+      <p:sp>
+        <p:nvSpPr>
+          <p:cNvPr id="4" name="AutoShape 2" descr="data:image/png;base64,iVBORw0KGgoAAAANSUhEUgAAAf4AAAFyCAYAAAAUHbiGAAAABHNCSVQICAgIfAhkiAAAAAlwSFlzAAALEgAACxIB0t1+/AAAIABJREFUeJzs3Xd4FMUbwPHvpZBOSKMKJKEMHSIgHQEFG01BigWVKlItYBcs2BUQ5UcRpApItVJEQKTXEOrQIZSEJEB6u7v9/XEHBgxwQBrk/TyPj7myM+/OHffu7M7OmAzDQAghhBCFg1N+ByCEEEKIvCOJXwghhChEJPELIYQQhYgkfiGEEKIQkcQvhBBCFCKS+IUQQohCxCW/AxB3H6WUMzAE6I7tO1YE+BV4T2udkZ+xZaWUmgzM0Vqvyqf62wCTgSjgfq11WpbXrECg1vp8LtR7HOiitd7iwHsbAh8DAdg6CpHAa1rrfTkdVzZ133Qb2PftCa31jhyo/3mgk9a63e2WdRsx1Ad6aq37O/o+pVQ94HWt9ZN5EqS440jiF7nhf4Av0EprnaiU8gRmA98DPfI1siy01n3yOYRuwCSt9ag8rtcATDd6k1LKDfgNeFBrHW5/7mlgqVIqWGtdECcBKYgx3Y7qwD038z6t9TZAkr64Jkn8IkcppUKAp4CSWuskAK11ilLqRaCR/T2+wHdAbWw/1EuBt7TWFqVUGvA10BYoCgzD9iNWEzgDtLOXZwU+Bx4EvOzbL1ZKeWE78KgE+AOJwFNa64NKqTVAHFDF/p7OwDhgCfAt0ATIAI4CL2itk5VSHYH3AGcgAXhFa71VKTUSCAZKAuWBGKCr1vrsVe3hat+fVoAF2Ay8DPQHOgCpSilfrfVwB9s32/K01kn23u5s4DFsPfQR9n2qC2QC7bPE96JS6jvAHfhKa/1DNtV5YjuA87n0hNZ6tlIqHttvR6ZSqifwij2WWOA5bJ/TaKCBfVsT0FtrvUEpNQ3b5xKK7SzQV8A0++M4IBrYrbV+/6r97mVvMyf7+wZqrfUN2uq2vktXleULjAVqAK7AX8Cwm/zOVgXGYPtsnIFvtNY/KKVaAKOAI/by3YABwGHgA6CoUmoK0Nu+/RXtCpy86n0zgXFa65oO/Fv7BGgNlAbGaq3HKqVKAjPscQL8rrV+73ptLe4sco1f5LR7gb2Xkv4lWutorfUS+8NvgBitdU2gHrYfpdfsrxUBzmitawHjsZ0lGAJUw5aE2mcpNklrXQ/oAkxVSgUCDwPntdaNtNYK2AoMtL/fsL9WXWv9rf2xATTGdqq9lr28o0BNpdSlA4QntNa1sR0A/KyUupQImwKdtdZVgQtAv2za4x1sBwe17PvpBHyhtf4C+AX42tGkf73ysuyfm9a6DvAqMAkYY38cCTxvf58JSLbva2vgU6VUtasr0lpfAIYDy5RSR5RSM5RSLwB/aa0zlVK1gU+Bh+zt8wvwNnAftgO/hlrr6tiSyBtZinbXWtfQWr+J7cBrt9a6GrZk2Yireu1KqfuxnSlqprW+176/ixxoq9v9LmU1Gthmf8+9QBC2Ax6H6lFKuQALgDfsZbQAXlNKNbCXcR/wpX3/pgAjtdangHeBf7TWvYCG2bVrNu/L6kb/1mK01k2xHQR/aj/L0wc4orWuCzQDKmX5zou7gCR+kdMs3Ph79TC2Hjb2a/4TgEeyvL7Q/v+j2JLCWftp5WPYeouXXCpjN7AbaK61XgjMUEoNUkqNxfYD65Vlm3+yiScCsCilNiulPgAWaq03YetVr9RaH7fXsxo4h60HbQCrsxzg7Lwqtqz7OkFrbbHvw7ir9vWGp9xvsrysbRdlbxuw9Sb97H8bwET7Pp0FlgMPZFeZ1no0UBwYDJwFXgd2KqWK2rdZprU+bX/vWK11f3vbvauU6q+U+gLoxL+fgQGsy1LFI9gOUNBaR2FLjlmZsJ3BqAhsUErtBD4D/JRSxa7bUv9tj5v6LnHlAUhboJ+9/m1AfWy9c0frqYztrMZUexlrsJ1tqWPf7oTWOsL+d9bv0uXvh9Z6I9du12t9j270b+3nLHW6YTvLsxTopJT6HdvB7Bta68RrlC/uQHKqX+S0rUBVpZR31l6/UqoMtmTTGduBQdYfKmeu/C6mZ/k78zp1WbL87QSYlVL9sfVYxmE77R2H7ZT8JVeciQDQWsfbe6+NsSWzeUqpb+x1X/2D6oTtVC9AWpbnr3XdPLt9dc3mfY66UXmOtp31qjIzlVLv828v+BdgBdDYfnbid+B3pdRb2BJj66vLt/cWy2O7zDIG+BLbZZQDwDNZ3pqc5W8zVx4oZo0ra3wztdZv2OsxAWW11hevs3+X3PJ3KZsYOl+6vGA/6Mh6YHCjepyAi1rrsEtP2E+pX8TWk0/N8t5sv0tKqce4frtm50b/1lIBtNaGUgrApLXeZr9k9yC2g98tSqmO9gMPcRcokD1+pdQDSqlJSqlZSqla+R2PcJy99zcbW8/GB8DeOxwPxGrbyPXl2K5hXkoWfYE/b6G6HvYy7gUUsBZoA0yzX7M+iC2ROWfZ5uofVJP9B/UvYKP92vIMbKfSVwFt7D+CKKVaYRtAtSm7cq4R43Js19NdlFJO2PZ7xQ22uV6Z1yvvRmWZsvz9PIBSqhy2H/iVWusRWusw+38jsI1beFsp1TxLOWWw9TIjgNXAg/YEBrZr8F/Yy/tVaz0R2A48zr+fwdX79DvQyx5LANCRKxOqYd+/7lnq6ePgPt+MrN+lKsDfV8W6HHhFKWVSShUBFgMv3UT5GkizD45EKVUW2AWEXXcr2wHIpQO767Vr1vdldbP/1kxKqU+Bd7XWPwNDgb3YDubEXaJAJn7AQ2vdF9uRbZv8DkbctJeAffx7anYTsAfbQCSwnTYurpTajS2B7Mc2uAn++6N/vVHaDZRS24GpQDd7D/BLbKdktwHzsPWMKl5VJlc9Xortx22PUmortuvMI7XW++37ssge68fYBmolZhPbtWL9CNvteuH2Nrl0q6Mj+3dcKZWY5b9Hb1De1a4VnwG4KaV2YEu8A7XWh6/eWGt9EFsi/lApdUwptReYC/TRWh/SWu/BNpBtmVIqHNu/1X7YTiffb//s/8CWaILtPfWr9/lloIpSKgLbaf4TQErW+LXWK7Cd3v9TKbULWy/38eu02432PztZv0tdtdbxV20zmH8PeCKwfZ8/d7QerXUmtsGcve37sBxbct2YZbvsYt+ArX0Wco12zeZ9V8ftyL+1rLGPBurYt9mK7fLFnKv3Sdy5TAV1WV776OxxwHCtdWx+xyMKFvtI7JJa63P5HYu4dfZLMzu11pvsPdK12OZ7WJ6HMch3SRQqeX6N3z6K9VOtdUv7qcrx2E6rpmO75eeIfUTt59h+ACTpi+wUzCNWcbP2AeOUbdKnIsBPeZn07eS7JAqVPO3xK6WGYztNl6S1bqyUegJoq7XuaT8geFNr3VEpNR0IBM4DS+wjtYUQQghxm/K6x38YeALbBBNguw96GYDWerOyTTWJ1vq5PI5LCCGEKBTydHCf1noRV94m44NtNrRLLPbT/0IIIYTIBfl9H38CWaYDBZy01tndx3tNhmEYJtPNzoEihBBC3NFuOfHld+JfD7QD5ivbKmARN3j/f5hMJmJiZFKp3BYU5CPtnMukjXOftHHukzbOG0FBtz6Lcn4l/ksjChcDrZVS6+2PX8ineIQQQohCIc8Tv33e88b2vw1ss30JIYQQIg/IQDohhBCiEJHEL4QQQhQikviFEEKIQkQSvxBCCFGISOIXQgghChFJ/Pno0KGDTJv2fY6U1b79Q7e1/aBB/UhIiM+RWG7GlCkTWbJElmIQQoi8kt8T+BRqlSpVplKlyjlSVk5MXpgfSzTLrItCCJG37vrE/9Oqw2w9kLPLbNevUpwurSpe8/WTJ0/wySfv4+zsgmEYjBjxEUFBxRk9+nP279+H2ZxJr1798PT04uefF/H++x/z3HPdKVu2LNHRUVSsWJnhw9/mpZd6M3z424SEhLJx43o2bFhHp05dWLjwJ1599fVs6z548ABjxnyJk5MTRYq48frrb2O1WnnvvTcpUaIkUVFneeCBNhw7doSDBzWNGjWhX78BAHzzzVfExMTg7u7OW2+NtMf+JoZhYBgWhgwZTqVKlZk27XvWrVuLxWKmY8fOdOjwBBMmfIvW+4mPj6dixUq89dYIpkyZyJ49EaSlpfLGG++xevVK1q5dQ7FifqSnp9G794tXxD5hwrdERIRjtVrp2vUpWrZ8MOc+NCGEEEAhSPz5Ydu2LVSrVpP+/QcRERFOUlIS+/fvIz4+nsmTp5OYmMi8ebOpW7f+5W2ios7w9dfjCAgI5J13Xmft2jW0a9eRpUt/46WXBvP777/w3HM9CQ4OuWbSB/jss1G8+eZ7VKxYiXXr/mbcuNEMHDiUs2fPMHbseNLS0njyyfYsWbIMNzc3OndudznxP/zwY9Sv35DFixcwc+YP1KtXH1/fYrzzzvvEx0cTHX2BgwcPsHnzRiZPno7FYmHixO9ITk6iaNGijB79HVarlR49uhIbG4PJZCIkJJTBg1/l0KGDbN68gSlTZpKRkcFzz3W7Iu6NG9dz9uwZxo//nvT0dF588QXq12+It7d37nxIQghRSN31ib9Lq4rX7Z3nhrZtOzB79nRefXUw3t5e9Os3gMjIE9SoUQsAHx8fevd+kR07tl3eJjg4lICAQABq1apNZOQJOnfuRq9ez9C9+7PExsZQqZK6Yd1xcbFUrFjJXk4YEyZ8C0Dp0mXw9PTC2dkFf/8AfHxs8zxnPdMeFlYPgOrVa7Bx4zoGDhxKZGQkb775Kp6e7nTr9hyRkSepVq06JpMJFxcXBgwYgtls5sKFC4wc+TYeHp6kpKRgNtsWYSxXrjwAJ04co2pV23Zubm4oVfWKuI8dO4LWBxg0qB8AFouFqKizl/dFCCFEzpDBfbngn3/+pnbtMMaOHU+LFg8wa9Z0goNDOHBgLwBJSUm89trgK65vnzp1kqSkJAB2746gQoWKuLu7ExZWj7Fjv+Shhx51qO7AwCCOHDkMQHj4DsqWtSVeR66l79kTYd9uJxUqVGLnzu0EBATy9dff8uKLLzJp0neUKxeM1gcwDAOz2cwrrwxi06b1nDsXxciRo+jb9yUyMtKzjBew1RsaWoH9+/dhGAYZGRkcOqSvqLtcuWDuvbcu48ZNZPTo72jZ8kFKly7j0D4LIYRw3F3f488PVapUZdSokbi6umKxWBgy5FUqVVJs27aFl17qjcVioWfPvsC/CblIETc++ug9zp8/T61adWjUqCkA7dt35KWXejNs2JsAHD9+7BrX+G3lvP7624we/TmGYeDi4sIbb7yLYRhXJf7s/16xYilTpkzEx6co77wzErPZzIgRb7FkyQKcnODZZ3tSqVJlGjRoTP/+vbBarTz+eGeqVavB9OlTGDz4Rfz9A6hWrQaxsTFX7F9oaEUaNWpC377PU6xYMVxcXHBxcbn8nqZNm7Nz53YGDOhDamoKzZu3xNPTMyc+DiGEEFmY8mMkdw4z7oYlIHv06MqMGfP+8/yBA/tYuPAn3n57ZN4HlcXtLrV54cIF1qz5i8cf70xGRgY9enTlm28mULx4iRyM8s4my5nmPmnj3CdtnDeCgnxu+ZYo6fEXENmdil+4cB6///4LH374WT5ElLOKFSvG/v17+eOPXwAT7dp1lKQvhBD5QHr8wiFyFJ/7pI1zn7Rx7pM2zhu30+OXwX1CCCFEISKJXwghhChEJPELIYQQhYgkfiGEEKIQkcSfz6Kjo1i//h+H3z9q1EgefrglmZmZl5/T+gDNmtVn587t7NixjREj3nKorD/++PXyzH634uzZMwwf/vItb5/TbmbfhRCisJLEn8+2b9/K7t27bmqbwMAgNm1af/nxihVLKVPmHkwm002tdne3rYx3t+2PEELkhrv+Pv5Fh39j57ndOVpmWPGaPFGx7TVfT05O4rPPRpGUlEhsbAxPPPEkHTt2ZtGi+Sxb9jtOTk5UqVKNwYNfYdasaWRkZFCjRi3mzp2Fv38AiYkJfP75GD755APOnj2NxWKla9eneeCB1phMJh58sA0rVy6nWbMWWK1WDh3SVKlS7brL6s6bN5syZcrStGnzbF+fM2cWq1atwNnZhdq1w+jffxBTpkzkzJlTXLwYT0pKIu3bd2LNmr+IjDzJ22+/T0BAANHRUbz22mASEhJo2rQ5PXr0vGYMH3/8PqdPnyI9PZ0nn+zGQw89yvr1/zBt2mQMAypXVgwb9hZr1vzF4sULMJvNmEwmPv74C44cOcz//jeOIkWK0L7943h7+zBlykS8vb3x8fGhQoVKhIXVvVzXqlUr+emnH3FycqJWrTq8+OJABz5ZIURBkpSRjJerpxzU57C7PvHnh9OnT/HAA224//6WxMbGMHBgPzp27MzSpb/y6qtvUqVKVZYsWYBhGDz77AucPHmCpk2bM2/ebFq3fohmzVqwcOE8/Pz8ee+9D0lJSaFnz2eoV8+2ml/VqtVZs2YVaWlp7N69i3vvrcexY0evG1PXrk9f87UjRw6zevVKJkz4AWdnZ95+exgbNqyzL6jjzldffcjixXPYuHE9n302mj/++JW//lpOly5PkZaWyqhRX+Dq6sqAAb1p3LhZtgvrpKQks2vXTiZNmgbAli2bMJvNjBnzBZMnz6BYsWL8+ONMzp2L5tSpSL74Ygxubu588cXHbN68iaCgIDIzMy+vCti9+xNMnDgNPz8/Pvjg3SvqSkhIYOrUSUyZMhM3Nzc+/PA9tm7dTP36DW7ykxRC5Jd/Tm9krl7Mc9W6cV/Je/M7nLvKXZ/4n6jY9rq989zg5+fPTz/NYe3aVXh6emOx2Faqe/PNEcydO4szZ05To0Yt+zr3xhU99XLlggE4ceI49erZEpWnpychISGcPn3q8vuaNbuftWvXsH37Fp57rhcTJ353y/GePHmc6tVr4uzsDEDt2mEcO3YEgMqVqwBQtGhRQkJCAfD29iEjIwOwHYS4ubkBUKVKdSIjT2Sb+D09vRg8+FU++2wUycnJPPTQIyQkxOPj40OxYsUAeOqpZwEoVsyPjz4aiYeHBydP/ruq4aWV/i5evICXlxd+fn4A1KpVh/Pn4y7Xdfp0JBcvXuC11wYDkJKSwpkzp2+5fYQQeWtbdDjz9BJ8XL2p4BuS3+HcdeQafy6YO3c2NWrU5N13P6RlywcuJ/Zff13Ca6+9ybffTuLgQc2ePRE4OTlhtVovb3vplFb58iHs2rUTsPWWjxw5TKlS/65W17r1Qyxb9jvnz8fd9ip25csHs2/fHiwWC4ZhEB6+8/KqfpdcfYByyeHDh8jIyMBsNrN3724qVMh+CeS4uFi03s/HH3/B55+PZvz4byha1JfExCQSEhIAGDv2K8LDdzB16iQ++OATXn/9Hdzc3C7Xe6lt/Pz8SUlJ4eLFiwDs3XvlpZxSpcpQvHgJxowZz7hxE3n88c6XDx6EEAXb3jjN9H1zcXN2Y0CdXgR4+OV3SHedu77Hnx+aNGnGmDFfsHbtGkJCQvH09CQzM5MKFSowYEBvPD29CAoqTvXqNfHy8mLGjKkoVeWK61gdOjzBZ599xEsv9SY9PZ2ePfte7uGaTCbKlQsmPv4i7dp1uLyNyWTCMAy2bt1M7949Lj8/YsRHbNjwT7bX+E0mE6GhFWnV6kH69++FYVipVSuM5s1bcPjwwcsxZR04aPuf7W9vb2/eeONVEhMTePjhRy+fsbhaQEAg58/H0b9/T5ycnHnqqWdxcXHh1VdfZ/jwoTg5OVG5chXq1LmXmjVr06/fC/j5+VG2bHni4mIpVar05fqdnJx4+eXhDBs2GC8vbwzDoGzZcpfjLFasGN26Pc3AgX2wWKyUKlWa1q0fuvUPVAiRJ47GH2fy7hk4m5zoX/sFyvrI0ty5QebqFw4paPNvz5w5jW7dnsbV1ZUPP3yX++5rxEMPPZrfYd2WgtbGdyNp49x3q218Oukso3dMIN2STt+aPajhX4WUA/vxqFARJ/vlRPEvWZ1PFBjr1q1l3rzZ/3n+ySe707x5ixyrx9PTk379nsfNzZ3SpUvzwANtcqxsIUTeikmJ49vw70k1p/JctW7U8K9C9A9TSNi4nhLP98K3abP8DvGuIj1+4RDpKeU+aePcJ22c+262jePTE/h6+3hi087zZKUO3F+mEVE/fE/ixg24h4RS5uXXcPb0zMWI70zS4xdCCHHHSclM4dvw74lNO8+jwQ/akv7UySRu2oh7aChlhkrSzw2S+IUQQuS5dEsG43f9wJnkKO6/pzGPlGtF1JRJJG7ehHtoBVtP38Mjv8O8K0niF0IIkafMVjOTd8/gWMIJ6pcIo1PoY0RP/Z7ELZtwr1CRMkNflaSfiyTxCyGEyDNWw8qMffPYf/4gNQKq8EzlTpyb+j2JWzbjXqEi97z8Kk7ukvRzU4GewEcp1UopNTm/48htP/+8CLPZnGvlt2+fc/ewjxo1kgMH9v/n+Y0b1zNkyEsMGdKffv1eYMWKZTlWZ1adO7e7YmVCIcSdwzAM5h1cwvZzu6jgG0zPqt05N8We9CtWkqSfRwpsj18pVQGoA7jndyy5bdasaTzySO5NK5yT61tca7GML7/8hBkz5uLl5U1KSgrPP9+d++5reHk63tyuXwhR8P12dDnrTm+ijHcp+lXvQdzUqSRt24pHpcqUGfKyJP08UmATv9b6CPC1Umrm7ZQTM38uidu25lBUNj716hP0ZLdrvp6ensaHH44gLi6W4sVLsGvXTpYsWcrOnduZNu17rFYrqampjBjxEbt27SAuLo6RI99m+PC3ee+9NzAMg4yMDF577U28vb0ZNco2b31cXCyNGzejZ8++PPVUJyZPnoGPjw+LFy8gNTWFKlWqERERzvPP977hPpw9e4ZPPvng8nTBQ4cOo2LFSnTt2pGaNWsTGXmSunXrk5ycxL59e6lcuSLDhtkWw5k16wcSExMxDIPXX3+HMmXuwdvbh59+mkOLFg8QHBzC7NkLcHV15cKFC4waNYLk5CQMA955532KFCnCV199SkZGBnFxsfTp059mzVrw7LNdKFeuPC4urrzyynBGjnybzMxMypUrz44d25g7d/Hl+KOjo/jii49JT0/Hzc2N4cPfpnjxErf5yQohcsuqk2tZdmIVQR4BDKj5AvE/TCNp+zY8KivKDH4ZJ/e7vo9XYORL4ldKNQA+1Vq3VEo5AeOBWkA60Nue9O9YP/+8mDJl7uGjjz7j5MnjPPtsVwCOHz/Gu+9+SGBgIDNn/sDq1Svp0aMn06dP5f33P2br1s34+hbjnXfe5/jxY6SlpeLt7U10dBQzZ/6Eq6srL73Um+bNW9C69cOsXLmcxx/vzIoVS/n44y/x8/Pj3nvrORTjd9+NoUuXp2jatDmHDh3k008/5PvvZxAVdZZx4ybi7x/Ao48+wOTJ03n55WC6detIUlISAPfd14j27R9n48b1jB8/llGjvmD06G+ZN+9HRo58m4sXz9OhQyd69uzL9OlTaNasBR06PMGePRHs27cXf39/unV7hrCwuuzZE8GUKRNp1qwFaWlpPP98HypVqsw333zF/fe3pGPHzmzdupmtW7dcjt0wDL77biydO3ejYcPGbNu2hQkTvuW99z7M+Q9TCHHbNp3dxsLDv+FbpCgDa/YkedqsGyb9lDQzf22PpEnNUvgXlYOCnJTniV8pNRx4BkiyP9URKKK1bmw/IPjK/lyOCHqy23V757nh5MnjNGjQCLCttnfpdHdgYCBjxnyBp6cnMTHnqFWrzhXbNWrUhFOnInnzzVdxcXGhR49emEwmqlWrgbv9H0a1ajWIjDzJY491YOTIt6hdOwx/f//L8/g76sSJ49SpY1vqslKlypw7Fw2Ar2+xyz1nDw93ypcPBsDHx4eMjHSAy9tVr16T8ePHkpiYSFTUWfr3H0T//oOIjY3h7beHo1RVIiNP0q6d7eOsUaMWNWrU4ujRI8yYMZXffvsZk8mExWK5HNelFfhOnDjBo4+2B7C305UTTR09epiZM39g9uzpGIaBq6vrTe2/ECJv7IrZy+wDC/By8WRAjefJmD6XpJ3b8VBVbEk/m+l4MzItfLNgFwdPxRPo60GjGiXzIfK7V34M7jsMPMGlVV6gKbAMQGu9Gbiiy6q1fjZPo8sBISEV2LPHtmLc6dOnLq8i9/nnH/P22yN5660RBAYGXT7NbjKZsFot7Ny5nYCAQL7++lt69OjJpEm2pXaPHDmE2WzGYrGwf/9eQkMrUrJkSby9vZkxYypt2978cVL58iGEh+8A4NAhTUBAgD2WG297aTW8Xbt2ULFiZTIzMxgx4i0uXDgPgL9/AP7+ARQp4kpwcDD79+8BIDx8BxMmfMuUKRN4+OHHePfdDwgLq3vF6oROTravZGhoBfbs2XVFfVfGH0z//oMYN24ir7wynAceaH3TbSCEyF0HLxxh6t7ZuDi58GL1HjB7kS3pV6l6zaRvtlj535I9HDwVT/0qxWlQTS7h5bQ87/FrrRcppYKzPOUDJGR5bFFKOWmtrdyh2rbtwMcfj2TgwL6UKFGSIkVsX+42bR5hwIDeBAYGUa5cMHFxsQDUrh3GsGFD+eijzxgx4i2WLFmAxWLhhRf62Es0MXz4yyQkxPPgg20ICQkFoF27xxk79ktGjPgIgB07tmV7jT8+Pv6K1fq6d3+GgQOH8tlnHzF37izMZjNvvPHe5br+9e/fWQfVbd++laVLf8PFxYU333wPf/8Ahgx5jeHDh+Ls7ILFYqFJk2bUr9+QSpWq8Mkn77N8+VKcnJx444132bt3N999N4b58+dSvXoNEhOzfvw2zzzzHB9++B6rVq0kMDAIFxeXK2IZMGAoX375KRkZ6aSnpzN06LCb+oyEELnrZMIpJkZMwzAM+lZ7Grc5v5IcvtOW9AcNzTbpWw2DH/7Yz64jcVQP8adPu2o4OcmA3pyWL3P12xP/HK11I6XUV8AmrfV8+2uRWuuyN1FcgVtsYOfOnaSkpNCkSROOHz9O3759WbFixS2VderUKT766CMmTJjwn9eWLVvGoUOHGDRo0O2GXOD8/fff+Pv7U7NmTTbA78ZoAAAgAElEQVRs2MCkSZOYNm1afoclhHDA6YQo3lv1FUkZyQyt9zy+P/7Fha3b8K1di6pvv4FzNknfMAwmLdnNb+uOUaW8Hx/2a4y7W4Edf14Q3NFz9a8H2gHzlVINgYibLaCgLbrh6enH559/yejRYzGbzQwZMuyWY7xwIYWMDPN/tp848TvCw7fz2Wdj8mT/83pxEy8vf0aO/ABnZ2esVgtDhw4vcJ9zTpMFZHKftHHuM3lm8sGqsSSmJ/FUhY54/LCMCxG78KxWnaB+AzmfkAFk/Ge7n9cd47d1xygT5MVLHWuQmJCKfFLXFhTkc8vb5meP/0f7gD4T/47qB3hBa33wJoqT1fnygPxg5j5p49wnbZy7EjOS+GbXRM4kRtOhfBuq/76b5IhdeFavQekBg3EqUiTb7VZui+THlYcI9HXnrWfrUsz7v2cExJXuuNX5tNbHgcb2vw2gf37EIYQQImekmtMYv2sKZxKjaV26KdV/iyB5d8QNk/7GvVH8uPIQvl5FeK1bHUn6eaAgnOoXQghxB8u0ZDIpYjonE0/zQNkG1Pv9EMl7duNZoyalBwzCyTX7pB9+OJYpv+3H082FV7vWobifLMGbFwr0XP1CCCEKNovVwtS9P3Lw4hHC/KrSZMVJUvbsxqtmresmfX3yAv9bsgcXZxNDn6zNPcW98zjywkt6/EIIIW6J1bDy44GFRMTupapPCA+tjiV+3168atWmVP+BOF1jYq0TUYl8szACq9VgcOdaVLzHN48jL9wk8RcAP/+8iMcea3/Fveo5qX37h/jll+U5UtaoUSPp1KkrVapUveL5jRvXM3fubMAgLS2NTp260qbNwzlSZ1adO7djzpxF15ypr3PndpQsWeryvANFixZl1KgvbqqOhQvn0alT19uOVYi7mWEYLD78O5uithHiUYb2axNI3b8fv/p1Cej54jWTftT5FL7+KZy0dAv9OlSnZmhAHkcuJPEXALI63+3Xn/X10aO/u60pfGfMmCqJX4gbWH5iNasi/6FMkUA6r08l7cABvGrXocrrw4i7mJbtNucT0vhq7k4SUzLp8ZDivqoyK19+uOsT/4ZVRzh64FyOlhlapTiNW1W45uuyOl/+rs6X3S2qCxfOY+3aNaSmplKsWDE+/vhLzpw5zSefvI+zswuGYTBixEcsXfobCQkJfP31Z7zyyus39b0QorD45/RGfj26jEDnonTfaCZDH8SrThilXxxg7+n/N/EnpmTw1bxw4hLSeaJ5KC3CyuR94AIoBIk/P8jqfPm3Op9hGLzyysDLZwaeeqoHDRs2JiEhgTFjxmMymXjllUHs37+XQ4cOUq1aTfr3H0RERDhJSUk891wvFi36SZK+ENewPTqceXoJviYPemyGzIMH8Qq7l9L9XsJ0jcuVqelmxszfxdm4FNrUL8tjjcrncdQiq7s+8TduVeG6vfPcIKvz5d/qfNc61e/i4sLIkW/h4eFJTEw0FouFtm07MHv2dF59dTDe3l706zfgptpQiMLmwPlDTN83Dy+rKz23OWM5fBjvsLqU6tf/mkk/02zh20W7OXY2kaY1S9G1VcUbXrITuUtu58sFsjpffqzO1+aa8R4+fIh//vmb99//hKFDh2EYBlarlX/++ZvatcMYO3Y8LVo8wKxZ0wHIh8kshSjwIhPPMHn3DFzNVnptccZ6+CjedetdN+lbrFYm/rKP/ScuEFYpkOceUZL0C4C7vsefH2R1vvxcne+/Pyply5bFw8ODAQP64OtbjMqVqxAXF0u1ajUYNWokrq6uWCwWhgx5FYDg4BA+/PA93n33g+w/YCEKmbjUC/xv1xQsaan03eoGx0/Ykn6fF6+Z9A3DYPoyzY6DMVQt78eLHarj7CR9zYIgX+bqz2EFbq7+PXsiSE1NoX79hkRGnmTYsCFXDEy7GWfPnmH06C/4/PPR/3lt9eqVHD16hF69+t1uyDeU13Ocb9y4Hj8/P6pUqcbWrZuZNWs6Y8eOz7P684PMI5/7pI1vXnJmCl9vH8/5i1H03OSE26lzeNerT6ne/bJN+kFBPpw7l8BPqw+zfEskwSV9GNY9DA9ZaS9H3XFz9d/tSpcuw8iRbzN16mTMZvNtDRQzmUzZnn7Pujrf3ah06TJ88smVq/MJIfJWpiWTiRHTuXghiufWm3GLuohPg0aU7Nkbk7PzNbf7Y9MJlm+JpFSAJy93qS1Jv4CRHr9wiPSUcp+0ce6TNnac1bAydc9sDkTu4um1aXjFJlG0aXNK9Hge03VO2W87HMf4BbsIKOrGm8/Uxb+oex5GXXhIj18IIUSOMQyDRYd+4+CJcJ5ak4zXxTR8W7aiePdnrpv0t+yPZuIve/HxdOXVbmGS9AsoSfxCCCGu8FfkWrbpv+m6OhHvhAz82jxM4JNdrzsif8/ROCb/ug/3Ii680qUOJf1lpb2CShK/EEKIy7ZFh7Nq5890WZWAd7IZ/7btCOjwxHWT/uFT8Xy7eDdOTibe7dWAkkXd8jBicbPk3gohhBAAHLxwhF83zebJlfF4J5sJeLwTgR07XTfpnzqXxJj5uzCbDfp3qEHNCoF5GLG4FdLjF0IIwemks8xfO5mOf8bhlWYlqEt3/No8dN1tzl1M5at54aSkm+nTthp1KknSvxNI4hdCiELuQtpF5v41nrYrovFINyj+dA+KtWx13W0uJqXz1dydxCdn0P3BSjSqUTKPohW3SxK/EEIUYimZqcxdMY42y05RJNOgxPM98W3a/LrbJKdl8tW8cGIuptG+STCt65XNo2hFTpDEL4QQhVSm1cz85eNo9sdRXC1QsndffBs2vu426RkWxszfxemYZB649x46NA3Jo2hFTpHEL4QQhZDVsPLLsvHU+3UfzoaJUv36U7Tefdfdxmyx8t3i3Rw5nUDD6iXo3rqSLLpzB5LEL4QQhdDK5VOoumQHJkyU7D+AomH1rvt+wzCYvvQAe46dp1aFAHo+WhUnSfp3JEn8QghRyGxcMYuyi9ZjmEwUHzCQYrXq3nCbX9YfZ/2eKEJK+dC/Qw1cnOVu8DuVfHJCCFGIRPz5E37zV2J1MuE/8CUCHEj66yLO8vO6YwT6ujO4c23cilx7gR5R8EniF0KIQuLQikW4zfuDTBcT3gP6UbJm/Rtus/f4eaYvO4CXuwsvd6mNr1eRPIhU5CZJ/EIIUQicXL4E46dfSCtiwqX/C5Sv2fCG20SeS+K7RbsxmWBQp1qUCvDKg0hFbpPEL4QQd7kzS5eQNn8JKe4mMvp0o2qt69+nD3AhMZ0x83eRlmGhd9tqVC5bLA8iFXlBEr8QQtzFon9dTNLCJSR5OBH3fHvqh11/Gl6A1HQzY+bv4kJiOk+2qMB9VUvkQaQir0jiF0KIu5BhGJxbvID4n38mwdOJY0+3pFXdjjfczmyxMn7JHiLPJdEyrAwPNyiXB9GKvCS38wkhxF3GMAxi5s/j4oplXPR2Zl/n+vRo8PQNJ9sxDIOZyzV77ffqPyUT9NyVJPELIcRdxLBaiZk7m4ur/uJ8UWe2ta9O30Y9cTLd+ATvbxuO80/EWcqX9OHFDtVxdpKTwncjSfxCCHGXMKxWomdOI+GftcQWc2btoxUY2LgfRZxvfAvehj1nWfzPMQKKujO0cy3ci0h6uFsVyE9WKdUY6Gt/OERrHZ+f8QghREFnWCxETf2exM0bifZ3YWXrMgxq1A/vIje+BW//8fP88McBPN1cGNqlNr7ebnkQscgvBfU8Th9siX8K0DWfYxFCiALNMJs5O+l/JG7eSFSgK7+1Lk6vBn0I9Ai44banY5L4dvEe+736NSkTKPfq3+0KauJ31lpnAGeBUvkdjBBCFFTWtDTOjB9H0vZtnC3hxpJWfvS4twflit5zw20vJKYzev4uUtPN9Hy0KqqcXx5ELPJbnp/qV0o1AD7VWrdUSjkB44FaQDrQW2t9BEhRShUBSgNReR2jEELcCTJiznHm22/IOH2KM2U8WdzEi241nqR6QJUbbpuWYWbsgl2cT0in0/2hNKxeMg8iFgVBniZ+pdRw4Bkgyf5UR6CI1rqx/YDgK/tzk4CJ9vj65WWMQghxJ0jZv48zE77DmpzMkeqB/FHTxCMV2tCo9I3n37dYrfxvyV5ORidxf53SPNqwfB5ELAqKvO7xHwaeAGbaHzcFlgForTcrperZ/94BvJDHsQkhRIFnGAYXV64gZv48MJnYfn851pVJo0npBjwS/KBD289cfpDdR+OoGRrAM20qy736hUyeXuPXWi8CzFme8gESsjy22E//CyGEuIo1M4PoH74nZt4cnLy9Wd021J7076ObetyhBP7HphOs3XWGciW85V79Qiq/b+dLwJb8L3HSWltvtpCgIJ8bv0ncNmnn3CdtnPvu1DZOj4vjwNdfkHToEB4VQljc2BNtiaF1hWb0qtvNoQl61uw4xcK/jxJYzIMP+jUmwNcjV2K9U9u4sMjvxL8eaAfMV0o1BCJupZCYmMQcDUr8V1CQj7RzLpM2zn13ahunHjnMmfHjsMTH49HgPmZVS+FU+jmal2lMh3JtiYtNvmEZ+uQFxs4Lx8PNhSGdamLNMOdKW9ypbXynuZ2Dq/xK/Ib9/4uB1kqp9fbHcl1fCCGyiF+3lnOzZmBYLHh3eoIpfgeJSjlHi3ua0LlSe4dO75+JTWbcwt0YBgx8vAZlgrzzIHJRUOV54tdaHwca2/82gP55HYMQQhR0htlMzE9zuLjqL5w8vfDt9TwTUv8mOuUcrco244mKbR1K+vFJ6Yz+aRcp6WZ6t61K1WD/3A9eFGj5fapfCCHEVSyJiZyZ8B2p+gBFytyDd58X+O7UQs6lxPJgufvpWOFRh5J+WoaZMQsiiEtI4/FmITSuIfOhCUn8QghRoKSdPMGZ777BHBeHd1hd3J/pwjf7phGTGkeb8i1pH/qwQ0nfYrUy8ee9nIhKpFmtUrRtHJz7wYs7giR+IYQoIBK3biHqh+8xMjII6PA4PNCUseGTiU07z8PlW9E29CGHkr5hGPz45yF2HYmjeog/zz6k5F59cZkkfiGEyGeG1UrckkWc/+M3TG7ulB4wiPQqIYzdOZG4tAs8Gvwgj4a0djh5L9tyktU7T1O2uDcvdayBi7Pcqy/+JYlfCCHykSUlhajvJ5IcsQvXoOKUHjiERH8PxuyYwIX0izwW0ppHQ1o7XN6W/dHMX30EPx83hj5ZGw83+ZkXV5JvhBBC5JOMqLOc/nYsmVFReFarTqm+/TnvlM5Ye9JvF/owDwe3cri8g5EX+f63fXi4OfPyk7Xx83HLxejFnUoSvxBC5IOkiF1ETZ6ANTUVvzYPE9jpSWLSzzN25yQupsfTocIjtCnf0uHyzsYlM25hBIYBLz1ek3uKy736InuS+IUQIg8ZhsGFZX8Qu2gBJmdnSvbqS9FGjYlOPsfYnZOIz0jg8YqP8WC5+x0uMz45g9E/7SI5zUyvx6pSXe7VF9chiV8IIfKINT2d6OlTSdyyGRc/f0oPGIR7cAhRydGM3TmJhIxEOlVsS6tyzR0uMyXNzDcLdhEbn0aHpiE0qSn36ovrk8QvhBB5IDMuljPfjSP95AncK1aidP8BuPgW42xyNGN3TiQxI4knK3WgRdkmDpeZlJrJ1/PCOR6VSNNapWjfJDj3dkDcNSTxCyFELkvRBzj7v++wJCXi2/x+ij/1LCYXF84kRTF250SSMpPpWrkjze9p7HCZiSkZfDU3nJPnkmhaqxTPP1xF7tUXDpHEL4QQucQwDOLXrOLc3B8BKP50D3xbtMRkMnEq8QzjwieTlJlMN/UEzco0dLjc+OQMvpyzk9OxybQMK8PTbSrjJEn/jhB9JoGoU/HUqFsG53yaX0ESvxBC5ALDbObcjzOJX/s3zj4+lOo/EM/KCoDIxNOM2zmZFHMqT1XpRJPSDRwu90JiOl/O3cnZuBQerHcP3R+oJD39O0DCxVQ2/32Uw/tjMJkgVAXh4+ueL7FI4hdCiByWEXOOqMkTSTt6BLdy5Sk9YDCuAQEAnEw4xbjwyaSa03i6Smcala7vcLnnE9L4fM5Ozl1I5ZEG5ejcooIk/QIuPS2T7RtOsnv7KawWg+KlfGjcqkK+JX2QxC+EEDnGMAwSN23g3OyZWNPS8GnQkBI9XsDJzTaRzomESMaFf0+aOY1nq3ahQam6DpcdczGVL+bsJDY+jbaNg3m8WYgk/QLMYrGyd8cZtq0/TnqaGZ+ibjRoEUrFqsXz/XOTxC+EEDnAkpLMuVkzSNyyGSd3d0r26oNPw8aXf+SPxZ/k2/DvSbek06NaV+4rea/DZUdfSOGLOTs5n5BOx2YhtG8Sklu7IW6TYRgcOxjLpjVHib+QShE3Zxq2DKVm3TK4uDjnd3iAJH4hhLhtKQc1Ud9Pwnw+DvcKFSnZuy9Fgopffv1o/Am+C/+edEsGz1frRr2SYQ6XfTYumc/n7CQ+KYMnW1TgkYblc2MXRA6IPpPAhlVHiDoVj5OTiZp1y1C3SXk8PIvkd2hXkMQvhBC3yDCbifv1Z87/8RsA/u06ENC2PSbnf3t2hy8eY/yuKWRazbxQ/SnqlqjtcPmnYpL4cs5OElIy6fZAJdrUL5vj+yBun23g3jEO7z8HQEjlQBq2CKWYv2c+R5Y9SfxCCHELMqKjOTt5AunHj+ESGEip3v3wqFjpivccunCU8RFTMVvN9Kz+NGHFazpc/snoRL6cG05SaibPtqlMy3vvyeldELcpPS2THRtPErHNNnAvqKRt4F7pcsXyO7TrksQvhBA3wTAMEtav49ycWRjp6fg0akzxp57F2cPjivcdvHCE/+2aisWw0rvGM9QOquFwHcfOJvD1vHBS0sw8/0gVmtcundO7IW6DxWJl784zbFtnG7jnXdSNBveHUqla/g/cc4QkfiGEcJAlKYnomdNI2r4NJw8PSvR5kaIN/jvxzoHzh5gQMQ2rYaVPzWepGVjN4ToOn45n9E/hpGVY6NW2Ko1ryNz7BUW2A/dahFKzXsEZuOcISfxCCOGAlAP7iZoyCfOFC3hUqkzJ3n1xDQj8z/v2xx1k4u5pGIZB35o9qBFY1eE69MkLjFkQQWamlX7tq3Nf1RI5uQviNkSfSWDjqiOcPRWPyQQ17i1DvaYFb+CeIyTxCyHEdRhmM7FLFnFh+VIwmQjo+AT+j7bF5PTf6Vb3xO5n8p6ZAPSt9TzVA5TD9ew7fp5vFkZgsRj071iduqr4jTcSuS7hYiqb1x7j8D7bwL3gSgE0bFEBv4CCOXDPEZL4hRDiGjKiznJ20gTST57ANag4Jfu8iEdoaLbv3R27j+93z8RkMtGv1vNU9a/scD17jsYxbtFuDMNgwBM1qVPxv2cSRN66NHBv97ZTWCwGQSW9adyqYoEfuOcISfxCCHEVwzCIX/s3MfN+xMjIoGjTZhTv9jRO7tlPs7orZg9T9szG2eTEi7VeQPlXdLiu8EOxjF+yG5PJxOBOtagRGpBTuyFugcViZd9O24x7aal33sA9R0jiF0KILCyJiURNn0py+E6cPL0o2bMPPvWuPZ/+jnMR/LD3R1ycXHip1gtU8qvgcF3b9Tkm/LwXZ2cTQzrVomqwf07sgrgFhmFw/FAsG1fbBu65FnGmwf0h1Kp3Dy6ud87APUdI4hdCCLvkvXuImjoZS3w8HlWqUrJnH1z9r52Mt0eHM23fXFydXHipdi8qFnN8Kt3N+6KZ/Os+XF2dGNq5FqqcX07sgrgF0WcS2Lj6CGcjLw3cK03dJsF4et15A/ccccPEr5QKBdoClQArcAj4VWt9IpdjE0KIPGHNzCRu0QIu/LkcnJ0J7NQFv4ceznYA3yVbo3Yyfd9c3JzdGFCnF6G+jk+lu373Wab+sR/3Is683KUOFcv45sRuiJt08XwKm/8+xlEdA0BwxQAatgzFL8ArnyPLXddM/Eqp0sBoIBhYhy3hZwKhwE9KqePAq1rrU7kepRBC5JL006c5O3kCGacicS1RklJ9XsQ9OPi622w+u52Z+3/C3cWdgXV6EVy0nMP1rd11hulLD+Dh5sKr3eoQUqrobe6BuFkpSelsW3+CfeFnMAwoXtqHRi0K/ox7OeV6Pf5PgPe11vuye1EpVRv4FHgmNwITQojcZBgG8av/Imb+PIzMTHzvb0FQl+6Xl9C9lg1ntvLjgQV4uLgzqE4fyhV1fCrd1TtOMXPFQbw9XHmtWx3KlfC53d0QNyEj3Uz45kh2bY3EnGnF19+DBs1DCVWBd83APUdcM/FrrZ+73oZa611I0hdC3IHMCQlET5tCcsQunLy9KdW3P95hN14md93pTczRi/By9WRQnb6U9XF8Kt0/t0Yy569DFPV05bXuYdwT5H07uyBuwuWR+htOkJaSiYeXK41bVaBKrVI4O1/7cs7dypFr/A2ApsC3wK/AvcCLWusFuRybEELkuOTdEURN/R5LYgKe1apTsmdvXIrdeGDd2lMbmHdwCd6uXgwO60sZb8en0l266QTz1xzB17sIw7uHUeouv4ZcUBiGweH959iy9hgJF9NwLeLMfc2CqVX/HlyLFN6x7Y7s+TfAcKATkIot8S8CJPELIe4YlqQkDs//kejlKzC5uBDUpTvFHmx93QF8l6yOXMeCQ7/g4+rN4LC+lPYu6XC9v6w/xpJ/juHn48bw7mGUKKBLtd5tTh2/wKY1R4iJSsLJyUTNumWo2+TOnGI3pzmS+J201n8rpWYDC7XWJ5VSuX5To1KqFdBda90nt+sSQty9DKuV+H/+JnbRAqzJyRQpXYaSvfviXs6xUfirTq5l4eHfKFrEhyFhfSnp5dj8+YZhsPifY/y24TiBvu4M6x5GUDGPG28obktsdCKb1hwl8tgFACpWK859zULw9ZO2v8SRxJ+ilHoNeAAYpJQaAiTmZlBKqQpAHSD7abKEEMIBqYcPce7HWaSfPIGTuzvBLzyHa4NmmFwcO83754k1LDnyB75FijIkrC8lvBybP98wDBasOcLSzScpXsyDYd3DCPCVn7PclHAxlS3/HOPQXtuc+vcE+9GwRShBJWUA5dUc+fY/DfQEntBan1dKlQSeys2gtNZHgK+VUjNzsx4hxN3JHH+R2AXzSdi4HoCijZoQ2OlJSlUqS0yMY/2WZcdX8evRZRRz82VIWD+Kezo2f75hGMxbdZgVWyMp6e/JsO5h+Plc/04BcetSUzLYseEke3aexmoxCCzhTcMWoZQNkVkQr+V69/HfDxj2h38Drkqp5sAybPfy39T9+/ZBgp9qrVsqpZyA8UAtIB3orbU+opT6EKgI9NdaX7zpvRFCFGqG2czFVSuJ+2UJ1rQ03MqWo/hTz+JRqdJNlfPHsT/5/dif+LkVY+i9/Qj0cGz+fMMwmLPyECu3n6JUgCfDu4fh6y1JPzdkZlqI2HqK8M0nyUi34OPrzn3NQ+6qOfVzy/V6/MOwJf5SQGVgFWAGWgARQCtHK1FKDcd261+S/amOQBGtdWP7AcFXQEet9bs3uwNCCAGQvG8vMXNmk3H2DE5eXhR/pge+zVs4NHjvEsMw+P3YCpYe/4sAd3+GhPUlwMOxnqPVMJj950FW7zhNmSAvhnULo+hdOuVrfrJarRyIiGLruuOkJGXg7uFCkwcqUj2sNM4uhe/WvFtxvfv42wIopZYDtbTWx+2PSwGzbrKew8ATwKVT902xnTlAa71ZKVXvGjE8e5P1CCEKmcy4WGJ+mkvS9m1gMuF7f0sCH++Es/fN3SdvGAa/HF3GihOrCfQIYEhYX/zdHZs/32oYzFquWRN+hnuCvHmtex2KyujxHHVpEZ1Nfx/jYlwKLq5O1G1cntr3lcXNvfDemncrHGmtcpeSvl0UUOZmKtFaL1JKBWd5ygdIyPLYopRy0lpbb6bcS4KCZPBGXpB2zn3Sxo6zZmRwevHPnFqwCGtGBj5VFKH9euMdGnrd7bJrY8MwmB2xmBUnVlPKuzjvtRxKgKeDSd9q8O38cNaEnyG0tC8f9GtU6E/v5/T3+OSx86z8bR+njl/A5GSibqPyNG9TGZ+iMmDyVjiS+LcopWYBcwEn4Flg9W3Wm4At+V9yy0kfcHiwjrh1QUE+0s65TNrYMYZhkLwrnJi5P5IZG4Ozry8ln30On4aNSTWZSL1OG2bXxoZhsPDwr6yOXEcJz+IMrN0Ha7ILMck3/iysVoMflu5n/e4oypfwYeiTtchIzSAmNeO29/NOlZPf4/OxyWxec5Tjh+MACKkcSIP7Q/AL8CItPZO0mMwcqedOdDsHV44k/r7AQKAftmv+fwL/u+UabdYD7YD5SqmG2MYMCCHEdWVERXFu7mxS9uwGZ2f82jyMf7sOOHvc2j3ahmEw/9DP/H1qAyW9SjC4Tl983Rz7QbVaDab8vp+Ne6MIKeXDK13r4OXuektxiCtlpJvZuu44u7edwjCg1D2+NGwZSklZxTBH3DDxa63TlVLfA/OBS0MlSwMnb6G+S3cJLAZaK6XW2x+/cAtlCSEKCWtaGnG//WJbNtdiwbNqdYK6P41bacfnyv9PmYaVnw7+zD+nN1LaqySDw/riU8SxcQEWq5Upv+1n075oKpQuystd6uAp15lvm2EYHDsYy7qVh0lOTMfXz4PGrSpQvmKAjNTPQY7M1f8W8AZwnn8TN0DIzVRkHyfQ2P63AfS/me2FEIWPYRgkbtlMzPy5WC5exCUggKAu3fG+t+5tJQKrYWXOgUVsOLuFMt6lGFynL95FHJs/32yxMvnXfWw9cI6KZXx5uUttPNwk6d+uxPg0/llxiBNH4nByNlG3SXnubVQOF5dcnyi20HHk29obqKD1/9m78+io6nzf+++aUpV5LAJkIEzZgUAS5kFFUUBRQQZBbJzH4+lu7T7H7vWs9Tz3nHPPveuevt3afXq023ZotRUHZBIFFWcQmUMGkk0CJCQkIfNc897PHxURbSQVMlSG72stVlJVe+/6ZpPKp367foNa19/FCCHE10HyQr8AACAASURBVFwVFdRu+juOkyoGs5m4FbcRd9PN3S6b2x1N13i1aDNf1RwmJTKJH+c8TLglsPnzvT6Nv+wo5Ihax+TkaH6yTkK/t3w+jbzDlRzeW4bXozE2NYZFN6YTGy9rGvSXQH5jy4Gm/i5ECCEAfB0dNGzfQvMnH4OuEz5jJqPW34nFbu/1sTVN45WiNzlYc5RxkSn8KOdBwnoQ+n/eXsjRk3UoKTE8sS4L2whe4a0v1Jxr4bPdJ2ms68AWZmHRjemkZybKZf1+FshvbSmwV1GUj/HPsgegq6r6n/1XlhBipNE1jda9X1C/ZTO+9jYsiaMZdedGwqdN75Pjd3ocvPTlaxysyWV8VCo/zHmQUHNgnQI9Xo1nthWQW1rPlHGxPL42C2uIXIK+Ui6nh68+Pc2J3GoApmSPYf51E7CFSufIgRBI8J/r+vf15/vyVkwI0accp0/5F9MpO4PBaiPh9vXELlkW8GI63TndUs6Lha/R6GxicswEHs26j1BzYGPAPV4ff9xaQN6pBqamxfLjtVlYLRL6V0LXdUpO1PLlR6U4Oj3E2cNZdGM6Y5Klt/5ACqRX/38oijIKmNe1/Zeqqp7v98qEEMOer7OD+s1v0fL5pwBEzluAfd16zDGBTZ7THU3X+KD8U9498wG6rnN75s0ssl+DyRhYcHu8Pn6/JZ+C041MGx/Hj9ZMJ0RC/4o0N3by+fsnOVfejNlsZP51E8iak4zJJNPsDrRAevXfCLwAHMDf2v+LoigPqqr6Tn8XJ4QYvtqOHqH21VfwtTQTkpTMqI13E5au9Nnxm10tvHziDdSmUmKs0dw3dQML03MCnlzG7fHx+7fzKCxrImtiPD9cPQ2L9DDvMa/Xx7GvKji6vxzNp5M6MY5rlk4mKubK5l4QvRfIdbT/A1ytquoZAEVRJuAfhy/BL4ToMW9LM7Wv/Z32I4cxmM3Er1pD3E0399llfYCC+iJeKXqTdk8H0xOmcNeU9URYAhuuB+Dy+Pjd5jyKypvImZTAY6umYZEFYHqssqyJzz84SUujg/CIEK5aMpkJSoJ03guyQF5p5q9DH0BV1dOKosj/mhCiR3Rdp3XfF9S9+TpaZyehk9NJvOc+QsZc+SQ83+XRvOw4tYuPK77AbDCxbvJtXJu8sEdB43R7+d3mPIrPNjNjsj/0zXI5ukc6O9zs//gUJwvPYzDA9NlJzL1mPCEy9HFQCOR/oUJRlJ8Az+O/1P8g/iF+QggREHdtLedffhFHcRFGm41RG+8h+tqeLZnbndrOOl4ofI2KtnMkhtm5P3MjKZE9e1PhcHn57VvHOVnZwizFzqMrMyX0e0DXdY7sL+fDd07gdnmxj47g2psU7KNl8anBJJDgfxD4PfD/4l+k52P88/cLIcRl6T4fTXs+oGH7VnS3m/CsbEbddQ+WuPg+fZ4D1Ud44+RWXD43C8bMYV36bVhNPVsW1+Hy8pu3jlNa2cKcjFE8vGKqhH4PNNS28/n7J6k514olxMTVSyaROTMJo1EuEA82gfTqP68oyi9UVV2vKEoMMEtV1eoBqE0IMYS5Ks5S89KLuMrOYIqMxH7fA0TOmdenn+86vU7eOLmNgzVHsZms3D/1TmaPntHj43Q6vfzmzVxOVbUyb2oiD906BVMfXo0YzjxuH4f3lZF3qBJN05maPYZZV6cRETmylyYezALp1f8LYBawFAgF/oeiKItUVf33/i5OCDH0aB43je/soPH9XeDzEblgIaPW34kpso/XaG+t5MXC16h11DMuMoX7M3+APaznVxI6nR6efiOXM9VtLMgczYO3TJFWaoDKSuvZ+0EJba0uIqNtXLNsMrPnp8ny0oNcIJf6VwBZAKqqViuKsgTIBST4hRDf0nlS5fzLL+KpqcEcF0/iPfcSPi2rT59D13U+qfiCbad24dN9LE29jlsnLMNs7HnHsXaHP/TLa9q4avpo7l8uoR+I9lYne/eUcuZkPUajgRkLUpm1cBwWmeNgSAjklWICwoCv38JZAa3fKhJCDDk+h4P6zW/S8tknYDAQc8NSElavxWgLbHa8QLW523ml6E0KG4qJtERwz9Q7mBp/ZWP/2x0ennr9GGfPt3NN1hjuXZ6BUYaZXZbPq1Fw9ByH9pbhcfsYnRzNtTemE2cPfKikCL5Agv8vwBFFUXbg79W/HPhDv1YlhBgy2nOPUfvqy3ibmggZO5bEex8gdOKkPn8etbGUl05sosXdRkbsZO6ZuoFo65V9fNDa6eapTblU1rVzbc5Y7r5RkdC/DJ9Xozi/mqP7z9Le6sJqM3PdcoWMrNEyJn8ICqRz328URdkHXAN4gI2qqh7r98qEEIOat7WVuk1/p+3QQTCZiF+5itjlt2C09O1CKz7Nx7tnPuSD8k8wGAysmngzN6Quwmi4ss53rR1ufvX6Mc7VdbB4ZhIbl6ZL6H8Pn0+jOK+Go/vLaW91YTYbyZ6bzIz5qYSG9WzUhBg8Av1QbDIQB/wXsAaQ4BdihNJ1nbb9X1L7xmtoHR3YJkwk8d4HsCYl9flzNTgaebFwE2day4m3xXF/5g8YH516xcdranPyy03HqKrv4IZZyfxgyWRpsV6Cz6eh5tdw5MuLAn9OMjnzUwkLl8Af6gLp1f9/gWRgJvAUcL+iKDmqqv5LfxcnhBhcPPV1nH/lJToLCzBYrdg3bCTm+hv6dCKerx2tzeO14s04vE5mjcrmzow1AS+jeylNbS5+/fxBquo7WDo7hQ03TJLQ/w6fT0MtqOHovnLaWl2YzEay5iQzY14KYREyPG+4CKTFfyP+0D+iqmqToihLgXxAgl+IEULXNJo/+pD6rW+ju92EZU4j8Z77sMQn9PlzuX1uNpe8w76qA4QYLWzMWMeCMbN7FdL1zQ5+uekY9S1ObpqXyrrrJkroX8Tn0zhZcJ4jX5bT1uLEZDIwfXYSM+anEi6BP+wEEvy+79y2XuI+IcQw5TpXyfmXXsB5+jTG8HAS776XyPk9m/8+UFXtNbxQ+CrVHedJihjDA5kbGR0+qlfHrGns5FebjtHU5uIHN2ZwQ84YCf0ulwz8WV2BLxPwDFuBBP9bwOtAnKIoPwXuBjb1a1VCiKDTPB4a39tJ43s7/RPxzJ2PfcMPMEdF9flz6brO3qqveLvkHTyal2uTr2L1xJuxmHrXUbCyrp2nXs+ltcPNusUTuXOZIpPLAJr2TeC3Nn8T+DnzU2XGvREgkF79v1AU5SbgLJAC/Juqqjv7vTIhRFDouk7niULqXn8Nd3UV5tg4Rt11DxHZOf3yfJ2eTl4tfpvcunzCzWHcn7mRbHtmr49bXtPG02/k0u7wsHFpOjfMSu6Daoc2TdM4WVjLkX1ltDY7MZoMTJs5lhkLxkngjyCBdO6zAtWqqj6pKMpG4DpFUY7IfP1CDD+O0hLqt76NQy0GIHrx9SSsWYcp9Mo71V2Ox+fhj8dfoKz1LJNixnPf1DuJtcX0+ril51r4zZvHcbq83L88g2uy+27p36FI0zRKCms58mU5LU0OjCYDmTPHMnN+KhFRfTvJkhj8ArnU/3egWFEUG/AfwMvAS8CyfqxLCDGAnGfLadj6Nh35eQCETcsiYfUabOPS+u05dV1nk7qFstazzEmcwT1T77jisfkXKypv4neb8/B4NR5eOZX5U0f3QbVDk6bplJ44z+F9XYFvNDB1xlhmLZDAH8kCCf7xqqquUxTll8DzXZf+D/V3YUKI/ueqqqJh+xbajxwGIDRdIWH17YROntzvz/1J5V4O1BxhXGQKGzNu75PQzz/dwB+25KPrOv+8ehoz0+19UOnQo2k6pUW1HN5XRktjV+DnjGHmgnFERkvgj3QBzdWvKEoCsApYqyjKGPxz9wshhihPXR0N72yjdf+XoOtY08aTsHotYVMzB6THe3FjCVtKdhIVEskjWff0uhMfwBG1jj9vL8BoNPD42iymTej5Sn1D3deBf2RfGc0S+OJ7BBL8vwIOAO+oqpqvKIqKrMwnxJDkbW6i4d13aPn8M/D5CElKJmHVasJzZg7YELe6zgaeL/g7JoORh6ffQ4w1utfH/Kqwhud2FmExG3ni9iwyxsX2QaVDh6bpnCqu5ci+cpoaOjEaDUzJHsPMBalExfRP/wwxdH1v8CuKYlNV1amq6mvAaxc9NFVVVd/F2/R3kUKI3vG1tdG4+12aP/4I3ePBYh9F/KrVRM6Z1y+z7n0fp9fJX/L/RqfXwV0Z65gQPa7Xx/z8eBUv7SrGZjXz0/XZTErq/RuJoULXdU6r9Rzae4am+k4MBsjIGs2sheMk8MX3ulyL/1VFUXYDr6uqemHgq6qqPkVRovCP51+K/yMAIcQg5HM4aPpgN80fvo/mdGKOjSNuxUqiF16Nwdzz9et7Q9M1Xj7xBtUd57ku+SoWjJ3T62N+dKSSVz88SUSohX+9I4dxo69stb6hRtd1yk81cOjzMupr2/2BP300s66SwBfdu9wrfz3wGHBIUZQWoBLwAuOABOC3wO39XqEQosc0l4vmjz+icfe7aB0dmCKjsK9aQ/S112G0BGeRlV1n9nC8vpD02EmsmXRr74/3VTlvfXqKqPAQntyQQ7I9og+qHNx0XaeyrImDX5yhtsrfHpucOYrZV6UREyddr0Rgvjf4uy7n/0FRlD8C2fhX6PMBp4A8VVX1gSlRCBEozeOh5YvPaHz3HXwtLRjDwohfvZbYG5ZitAWvc1dubT7vle0h3hbHg9M2YjKarvhYuq6zfe8ZduwrIzbSys/unMHoERB6VRXNHPz8DNUVLQBMUBKYc/V44uzhQa5MDDWBzNynA7ld/4QQg5Du89G6/0sa3tmGt6EBg9VK3C0riL3xJkxhwQ2Gc+3VvFT0BiGmEB7NupcIy5XXo+s6b31yit0Hz2KPsfGzDTNIGOaXts9XtXLoizNUnGkCYNzEeOZck4Z9hHysIfrewH7IJ4ToU7qm0X74EPU7tuKpqcFgNhOz9Ebilt/SL3Pq91S7p4O/5L2E2+fmoWl3kxQx5oqPpek6r354kk+OnmNMfBhPbphB7DCeZrb+fDuHvjhDWWkDAMlpscy5Jo3RI6jzougfgy74FUW5AbgD/1wBv1RVNS/IJQkx6Oi6TkfecRq2vY2rogJMJqIXXUfcrSuxxMUFuzwAfJqP5wtepcHZyPK0JcwYNf2Kj6VpOi/uKmJffg3J9gie3JBDVHhw+ir0t6b6Dg7tLeNUcR0Ao5OjmXtNGkkjbIii6D8BBb+iKFcD04C/AXNVVf28H2sKVVX1EUVRcvBPCyzBL8RFOouLqN+yGefpU2AwEDl/AfErVxMyqnfL1/a1raXvcrKplKyETG4ev+SKj+P1aTy38wQHi2pJGx3Jv9yRQ0Ro7yf8GWxamhwc3ltGyYnz6DrYR0cyd9F4UsbHyjLCok8FskjPT/AP2RsLvA08qyjK86qq/qo/ClJVdaeiKOHA48DP++M5hBiKHKdKadi2hc6iEwBEzJhF/KrVWJMG36pz+6sO8UnlXsaEJ3JvL+bg93g1/ry9gGMl9UxKjuYnt2cTZht0Fyp7pa3FyZEvyynOq0bXId4ezpxF40mbFC+BL/pFIK+g+4B5wFeqqtYpijIbOIR/Rr+AKIoyD/iFqqqLFUUxAn8CsgAX8JCqqqcURflfwCTgCeAX+Jf/re/RTyPEMOQsK6Nh+5ZvFtDJnEbC6rXY0sYHubJLO91SzuvqFsLMoTw6/T5s5isbTeDy+PjDlnwKzzQyZVwsj6/Nwhpy5aMBBpuOdhdHvzzLieNVaD6dmPgw5lydxsQMuwS+6FeBBL9PVVWXoihf33biH88fEEVRfg7cBbR33bUKCFFVdWHXG4KngVWqqv6Pru1fwj9PwH8pirJNVdW3A30uIYYTV2UFDdu30X7sCOBfQCd+1RrC0pVu9gyeZlcLf81/GZ+u8cC0jdjDrmy+fIfLy28353GyopmsifH8cPU0LObhEfqOTjfHvqqg4Og5fF6NqBgbs69OY/LURIxGCXzR/wIJ/s8URXkaiFAUZRXwCPBxD56jFFgDvNJ1+2pgN4Cqqge6riBcoKrqvT04thDDjru6ioYd22g7fAh0HduEif7AnzJ1ULcEPT4Pz+a9TKu7jbWTbmVKXPoVHafT6eHXbx7ndFUrsxU7j6zMxGwauGmF+4vL6eH4wUryDlficfsIj7Qy+6pxKNNHYxoGP58YOgIJ/p8BDwPHgXuA94A/B/oEqqpuURQl7aK7IoHWi277FEUxqqqqBXrM77LbZTzrQJDz3L8c1TU0vfEWdZ99DppG+MQJpP5gA7GzBm4BnSul6zp/PPAS5W0VLEqbx/qZN19RzS3tLv73K0c4XdXK4lnJPHHHjD4PxYH+PXY5vRz44jT7Pz2Fy+klPNLKDTdPYeb8VMyW4XEV47vkb8XgFsgEPj5FUV4Ddl1091jg7BU+Zyv+8P9ar0IfoK6urfuNRK/Y7ZFynvuJp6GBxnd30LpvL3rXinnxt60mYsZMfAYD9fXt3R8kyD4++zmflx9gXGQKa8atvKKam9tdPPV6LlX1HVybM5aNSybT2NjRp3UO5O+xx+Oj8Og5jn11FqfDiy3UzILFE8icmYTFYqKpuXNA6hho8rdiYPTmzVUgvfqfwt/ib/zOQ1fas2gfsAJ4S1GU+chwPTFC+ZfI3UnrF5+he72EJo0l+paVRM6eO6Ar5vVWUeNJtpS+S1RIJI9k3YPF1POhdg0tTn71+jFqmxwsmZ3MnTdMHvRXOb6P0+Gh8Og58o6cw9npIcRqYu41aUyfnUyIdXiNSBBDUyC/hauAJFVVe9vs+Hpu/63AUkVR9nXdvr+XxxViSPG2ttK0612aP/24a4lcO/ErVjHh1qXUNw6tVmBtZz0vFLyKyWDk4en3EGPt+axytU2d/GrTMRpaXdyyYBxrFk0YkqHf2uwg71AlRXnVeD0aIVYTMxemkjM3Batt+M07IIauQIL/OGDjm175PaaqahmwsOt7Hf+qf0KMKL72dpo+2E3TRx+iu1yY4+KIu/WbJXINpqH1ea/T6+Qv+S/R6XVwV8Y6JkSP6/Exqhs6+OWmY7S0u1m9aAIrFqb1faH9rK6mjdyDFZwqqkXXITzSytxrkpmSPUZa+GJQCuS38hWgRFGUAr4Zxqerqnp9/5UlxPDh6+ykec8HNH34PprDgSk6hri164i+5lqMlqHZEtR0jZdOvEFNx3muS76KBWPn9PgYFbXtPPX6Mdo6PWy4fhLL5qb2Q6X94+vlcXMPVFBZ5l88J84eTs68FCZNGSW99MWgFkjw/zf+SXUu7swnS/IK0Q3N6aT54z007t6F1tmBKSIS+/oNRF93PcaQoT3P/Htn9pBXX0h67CTWTLq1x/uX1bTy9Ou5dDi93L0sncUzB9/sg5eiaRqlRXUcP1BBfa3/ImjSuBhy5qWQMj5uSH5EIUaeQIK/WVXVl/u9EiGGCc3tpuXTj2nc9S6+tjaMYeEkrLmdmOuXYLRd2Sx2g8mx2nx2le0h3hbHg9M2YjL27COK0soWfvNWLk63jwdunsLVWVe+Yt9A8bi9FB2vIe9QBW2tLgwGmDTFTs68VFkeVww5gQT/XkVR3sY/nM/TdZ8ubwaE+DbN46H1i89oeHcnvpZmjDYbcStuI3bpjZjCwoJdXp84117Ny0VvEGIK4dGse4mwhPdo/+LyJn67OQ+PV+ORFZnMm5rYT5X2jc4ONwVHzlFw9Bwupxez2ci0mWPJnptCVExosMsT4ooEEvwRQBtwVddtA/5L/RL8QgC610vrl/to2LkDb2MDhpAQYpffQtyNyzFFRAS7vD7T7u7gL3l/w+1z8/C0u0mK6FlLveB0A7/fko+m6Ty2ahqzFHs/Vdp7zY2dHD9YgZpfg8+nYws1M/vqNKbNHEto2ND+mEaIQCbwuW8A6hBiyNE1jbbDB2nYugVPXS0Gi4XYpTcSu/wWzFFRwS6vT/k0H88X/J0GZxM3py0hZ9T0Hu1/rKSOZ7YVAAZ+vHY6WRMT+qfQXjpf1cqxr85y5qR/fbCoGBvZc1NQpo/GMkxn2RMjz/cGv6Io76qqeouiKGcu8bCuquqEfqxLiEGts+gEdZvfxFVeBiYT0YuvJ/6WFZhjYoNdWr94u3QnJ5tPkZ2QyfLxS3q076HiWp7dUYjJZODxtVlMTYvrpyqvjK7rlJ9qIPdABdUVLQDYR0eSMy+FCUoCxiE0mZIQgbhci//hrq/X4b+8fzHp1S9GJFfFWeo2v0lnYQEAkXPnE796DSH2UUGurP98WXWQzyr3MSY8kXum3oHREHgQ7i+o4bl3T2C1mPjJumzSU2L6sdKe8Xk1Sk6cJ/dgBU31/omTUifEkTMvhbGpMdJDXwxb3xv8qqpWdX37a1VV1178mKIoHwE39GdhQgwmnoYGGrZtofWrL0HXCc2Ygv32O7ClpQW7tH51uqWM19WthJlDeXT6fdjMgY9K+Cz3HC/vVgm1mvmXO3KYMHZwfPzhcno5cbyK/EOVdLS7MRoNpE9LJGduCvGjhk+fDCG+z+Uu9W8FcoCx37ncb+bKF+gRYkjxtbfTuGsnzR/tQfd6CUlOwX77OsIypw/7FmGTs5ln819G0zUenHYX9rD4gPfdc7iC1/aUEBFq4ckNOaQmBn/IW0NtO0f3lXP0wFk8bh+WEBPZc5LJmpNMRNTQH2YpRKAud6n/PiAW+B3wY7653O8Favq3LCGCS/O4af5oD43v7UTr7MQcF0/C6jVEzlswpBbQuVJun4dn81+mzd3O2skryIibHPC+u74q561PTxEdHsKTG3JIsgevFe1yeiktOk9xXg211f4V48LCQ5i5IJXMGWNlDn0xIl3uUn8L0AKsHLhyhAguXdNo3f8lDdu34G1s9E++s+4OYq6/AaNlZAzj8vg8PF/wd862VTJv9CwWJ18d0H66rrNjXxnb954hNtLKz++cQWLcwM9foOs6VWebKc6r4bRah9erYTDAuIlxzLtmAjH2MJlSV4xosoKEEPjDorMgn7rNb+I+V4nBbCb2ppuJW34LpvCeTVIzlLl8bp7Ne4niphKmxKVzp7ImoI80dF1n82en2PXVWRKibfzszhnYB3iCm/Y2F2p+DcV51bQ2OwGIjg0lI2s0yrTRhEdaZa14IZDgFwJn2RnqNr+Jo7gIDAaiFl5F/G1rsMQH/pn2cODwOnnm+AucailjesJUHpx2FxZj938idF1n054S9hypJDEujJ9tyCFugD4z9/k0ykoaKM6vpuJ0I7oOZrOR9GmJTMkaw5iU6GHfF0OInpLgFyOWu7aWhq2baTt0EICwaVnY167DmpIS5MoGXoenkz/kPsfZtkpmjcrm3qkbApqDX9N1Xnlf5bPcKpISwnlyQw7REdZ+r7exroOivGpOFpzH6fDPJD5qTCRTsscwMWMUVpv8aRPi+8irQ4w43rZWGt/ZQfNnn4DPhzVtPPbb1xOWMSXYpQVFm7ud3+f+lXPt1cwfPZuNU24PaKy+T9N44d1i9hfWkJoYwb/ekUNkP05n63Z5KS2qpeh49YWOerZQC1lzksnIGk18EDsRCjGUSPCLEUNzuWj68H2adr+H5nRisdtJWH07EbPnjIie+pfS7Grhd8ee5XxnHYuSFrIufWVAoe/1aTz7zgkOF9cyYWwUP12fTXg/9JDXdZ3qihaK8qo5XfxNR73UiXFkTB9D2uR46agnRA9J8IthT/f5aNn7BQ07tuFracYUEYn9zrXEXLsYg3nkvgQaHI387tiz1DsbWZJ6Lasm3hzQ5+Eer8aftxdwrKSe9ORonliXTai1b89je5uLkwU1FOfV0NLkAPzz5mdkjUGZlijj7oXohZH7V08Me7qu05F7lPq3N+OuqcYQEkLcrSuIvfFmTKEje0nV8511/O7YszS7Wrh5/FJuTlsSUOi7PD7+uCWfgjONTE2L5cdrsrCG9M3iNT6fRnlpA8V51Zy9uKNeZiIZWaNlGl0h+ogEvxiWHCUl1L39Js7SEjAaiV50HfErV2GOGTxzxQdLVXsNv8t9ljZ3O6sm3szScdcFtJ/T7eV3m/MoPttM1sR4frh6GhZz70Jf13XqatooLapFLTiPs/ObjnoZWaOZNCVROuoJ0cfkFSWGDV3T6MjPo+n9XThOqgCEz5iJfc3thIwZG+TqBoezrZX8Ifc5OrydrE9fxbXJCwPar9Pp5b/fOk7puRZmKXYeXZmJ+Qo/W+/scFNxppGK041UnGm60CvfFmoma3ZXRz2ZM1+IfiPBL4Y8zeOh7cBXNH2wC3eVf22psMxpxN96G6GTA59qdrg73VLGH3NfwOVzsTFjHQvHzglov3aHh1+/kUtZTRvzpyby4K1TMPWgM6SmaZw/18rZrrCvq2m/8Fh4RAgZWaMZNzGecRPjMZmlo54Q/U2CXwxZvs4OWj77lKY9H+JraQaTicgFC4lbtnxEjsW/HLWxlD/n/w2v5uW+zDuZnZgT0H6tHW6eej2Xyrp2rs4aw303ZWA0dv85e3ur80LQV5Y14Xb5ADAaDSSNiyFlQhyp4+OIs4fL5/ZCDDAJfjHkeBobaP7wA1q++AzN6cRosxG77CZilizFEjeyZtsLRGFDMX/Nfxld13lo2t1k2zMD2q+pzcVTrx+juqGTxTOT2Lg0HeP3hLTPq1Fd2cLZ041UnGmksa7jwmOR0TYmT00kZUIcSakxhPTxCAAhRM/IK1AMGa6KChrff88/057PhykmhoRbVhJ97bWYwkbOfPo9kVubzwuFr2E0GHg06z6mxisB7dfQ4uRXm45R2+zgxrkprF886R9a5q3NDs6ebuTsqUbOnW3C69EAMJmN/hZ917/o2FBp1QsxiEjwi0FN13UcxUU07n6PzsICAELGjiV22XIi583HaJFlVb/PoZpjvFz0Bhajmcey7mdy7MSA9jvf2MmvXj9GY6uLFQvTWHXNeAwGAx6Pj6qzzVScbuTs6cYLF2iADwAAH5ZJREFU4+sBYuLDSB0fR8qEOMamRGO29M0QPyFE35PgF4OS7vPRdvgQTe/vwnW2HIDQdIXYm5YTPi1rxM60F6h9VQfYVLwFm9nGD7MfYHz0uID2q6xt56k3cmntcLNm0XiuSh9F3qFKzp5upLqiGZ9PB8ASYiJtcjypE+JJGR9L1ACvxCeEuHIS/GJQ0ZxOWvZ+TtOH7+NtaACDgYjZc4i7cTm28ROCXd6Q8EnFXjaX7CDCEs6Pch4iJTIpoP1OVTbz5zePY3P7mD0mmqbcGl7/vPzC4/GjwkmdEEfK+DhGJ0fLVLlCDFES/GJQ8LY00/zRHpo//QStswNDSAjRi68ndulNhIwaFezyhoz3yz5mx+ndRIVE8viMRxgTnnjJ7XRdp6PNxfmqVs6fa6WsrImmug78b62MtFW3YbWZmZhhvxD24ZH9v+qeEKL/SfCLoHLXVNP4/i7a9n+J7vViiogkfuUqYhbfgCkyMtjlDRm6rrPzzAfsLvuIWGsMj894hFFhCRce97h91NW0+YO+qpXaqlY62t3f7A840RmXFse0zEQSx0YSExcmnfKEGIYk+EVQOEpKaHz/PTpyjwFgsY8idtlNRC28CqNVWpY9oes6W0p38nHFFySExvPj7IcxOawUl1ZzvrqN2nOtNNS1o+vf7BMWEcL49AS8FhMfFdXgNBh4bM10siYmfP8TCSGGBQl+MWB0TaM99xhN7+/CeaoUANv4CcTeuJyImbOkw94V0HSNTQXbySspZYIrhwkobP/qBG6X98I2JrORxKQoEsdE+b+OjSI80spXhed5/t0iLGYjj9+exZRxsUH8SYQQA0WCX/Q7XdNoP3yI+h1b8dTUABCelU3sTTcTOjldLif3gM+n0VjXwfmqVmrOtVBaVoXeEUsa/ul3a2gjOjaUtEnxjBobSeLYKOJHRfxDR7xPj53jlfdVQq1mfro+m4lJ0cH4cYQQQTDogl9RlFnAjwAD8HNVVWuDXJK4Qrqu05F/nIatb+OqqACTiairriH2xpuwjg2sp/lI5HH7aG1x0NrspK3ZSWuz//uv7/N5tQvb+kw6elw7M9PTSU72h31oWMhlj7/7wFne/KSUyDAL/3pHDqmJ0pdCiJFk0AU/YAV+AiwDFgDbg1uOuBKdxUXUb33bf0nfYCBy3gLiV64iJPHSvcxHEk3z96hva7ko1JsddHZ4aKxvx9HhueR+IVYTsfFhJCSGU6wXUMIJUkaP4rHs+7GZbd0+r67rbN97hh37yoiNtPLkhhzGxMuMh0KMNIMu+FVV/VJRlAXAk8D6YNcjesZ55jT1W9+m80Qh4F8WN2HVGqxJyUGubGC5nN5/aKm3dd1ua3Giafo/7GM0GoiIshKfFkFUjI2omNBvfbXaLLh8bp7Ne4niphKmxKXzyPR7CDFdvoUP/tB/4+NSPjhUgT3GxpMbZmCXSXeEGJEGJPgVRZkH/EJV1cWKohiBPwFZgAt4SFXVU4qi/CcwGfg1cBhYDvw78MRA1Ch6x3WukvptW+g4dhSAsKmZxK9aS+iE4TXpjq7reNw+HJ1uHB0eHJ1uOjvcXa33b1rwLqf3kvvbwiwkjI7wh3n0t8M9bXw8DY0dl9wPwOF18szxFzjVUkZWQiYPTNuIxdj9S1jTdF75QOWz3CrGxIfx5IYZxMqYfCFGrH4PfkVRfg7cBXy9CPcqIERV1YVdbwieBlapqvpvXdsvBl4A3MBf+rs+0Tvu8+dp2LGNtoNfga5jmziJhNVrCcuYEuzSAubzaTg7PXR2uHF0er4V6t/c7vq+w31h2tpLMZmNREXbGJ0URVRMKJHfCncblpDvf8kZLzMTXru7gz8ef46zbeeYNSqbe6duwGTsfj58n6bx/LtFfFV4ntTECP7ljhyiuukDIIQY3gaixV8KrAFe6bp9NbAbQFXVA4qizL54Y1VVPwE+GYC6RC94Ghtp3LmDln1fgM+HNSWV+NVrCJ+e3W+99HVdR9f9Xy++zYX7Ab7Zxunwfn+IX3Tf97XOL2YyGwkLsxA/KoLQsBBCwy3+r2EWQsNDugLeRlh4SJ///E3OZv6Q+xw1nbUsHDOHOzPWYjR0P/TR49X48/YCjpXUMzEpip+uyybMJosaCTHS9Xvwq6q6RVGUtIvuigRaL7rtUxTFqKqqxhWy26VX8kCw2yPxtLRQuXkL1bvex+fxYho7joQVt2FTpuJwemkpa8Hh+KZ1fCFsu0LW59X8gQ3o2qWDXNe6Hr846L+/kX1lDBAWHkJUTCjhESGER1gJj7R+8/13bltCTAMy7PC7v8s1bbX89qs/U9fZyK3KEu7OXhNQHU63l//z4kGOldSTNSmB/++BeYRaB12XnqCQvxf9T87x4BaMvwSt+MP/a70KfYC6urbeVTTCaZqGy+nF6fDgcnhxOj04HV5cDg9Op/8+zeOl4fQ5HM1teAxWPKnr8Rm6Wo8ftcBH+y/7HGaLEVuoBZPZiMGAP7y6vhq4+PY/PobB8M39fLONwXDRY3x9+5vHrDaLv0V+cQu966st1ILR2H2AejWNllZHt9v1Bbs98lu/y+faq/l97l9pc7ezYsKN3Dj2eurr2y9zBL9Op5ffbj5OSWULOZMSeGxVJu2tDrrfc/j77jkWfU/O8cDozZurYAT/PmAF8JaiKPOBvCDUMKiVFtWiFtR8q0V88fdaVwtY07q+6vq3Wsff2u/CVx1du+j7i7a93GfW32bBaInCZjUREx2BNdSCLdSCLdSM1fadr6EWbDYL1lAzNps/8EXgzrSU86fjL9DpdbAu/TauS74qoP3aHR6efiOX8po25k4ZxUO3TsUsq+gJIS4ykMH/dbpsBZYqirKv6/b9A1jDkHCuvImzpxov+ZjBAAaj4UKr1t9qNWA0+h80ft0CNvpby0aTAYPhm1b21/f7j+G/z2wx/UNoWy1GfKdVnIf3YWptJNRmJuH664hfulTm0u9nxY0l/CX/Jbyal3um3MG8MbMC2q+53cXTr+dyrr6Dq7PGcN9NGQFd1RBCjCyGrz9fHcL04XZZSdd1vB4Ng/Hry9bfvtTdr8/t89G6/0sa3tmGt6EBg9VK7NJlTL5zHU2OXn0iI7pht0ey58R+Xih4FYAHpm0k2z4toH3rWxw89XoutU0OlsxKZsOSyRhlKuR/IJeh+5+c44Fht0de8QtcevsMQgaDAUtI90O1+pKuabQfPUz9ti14amowmM3ELL2RuOW3YI6KwhwRDg55Mfenz858xXMFf8dsNPPo9HvJiJsc0H7nGzv51evHaGx1cevCcay+ZoKsfyCE+F4S/COcfz79vK759M+C0Uj0ouuIu3Ullri4YJc3YnxasY+3SrYTag7lh9kPMD56XED7Vda289QbubR2uLn9uoncPD+w/YQQI5cE/wil6zqdRSdo2L71ovn05xO/crXMpz+AdF1nd9nH7DzzPjG2KP4560GSIsYEtO+Z6lZ+/UYuHU4vG5emc8OskTUtshDiykjwj0CdxUU0bN+Ko+QkAOE5M/zz6SenBLmykUXXdbaU7uTjii+Is8XyH9f/BJMzsPnz1bNN/HZzHi6PjwdvmcJV0wN7syCEEBL8I0inWuwP/JMqAOFZ2cSvXI0tLS24hY1Amq6xqfhtvqw+RGLYKH6c8xCjI0dR5+y+H0XB6Qb+sCUfn6bz2G3TmJ0xagAqFkIMFxL8I0DnSZWGHdtwFBcBED49i/iVq7CNH14L6AwVXs3L3068zrHaPFIik/hh9oNEhkQEtO8RtZY/by/EaDTw47XTyZqY0M/VCiGGGwn+YcxRWkLD9m10FvmXyA3LnEb8basJnTAxyJWNXC6fm7/mv0xR40kmxYznn7LuI9Qc2OX9L/KqeGmXisVi5Im1WWSMi+3naoUQw5EE/zDkOFVKw45tdBYWAF1L5N62mtCJk4Jc2cjW6XHwTN6LnG4pIzM+g4em3U2IqftFc3RdZ/veM+zYV0a4zcxP1mUzMSl6ACoWQgxHEvzDiOP0aRp2bKWzIB+A0IwpJNy2mtDJ6UGuTLS52/lD7nNUtlcxa1Q290y9A7Ox+5ef16fxt13FfFlQgz3Gxk/X5zA6LmwAKhZCDFcS/MOAs6yMhh1b6cg7DkCokkH8basJS1eCXJkAaHQ28fvcv1LbWc9VY+exQVkd0LK6nU4vf9yaT1F5E+PHRPHE7VlEhYcMQMVCiOFMgn8Ic54tp2H7VjqO5wIQmq4Qv3IVYRlTglyZ+Nr5zjp+f+yvNLmaWZp6HbdNXB7QrHqNrU5+89ZxztV1MGNyAo+szMRqGdjZHIUQw5ME/xDkqjhL/Y5tdBw7CoBt0mT/Jf2MKTJV6yBS0VbFH3Ofo83Tzm0TlrMsbXFA+50938Z/v3Wc5nY3N8xM5s4lk2WxHSFEn5HgH0JclRU07NhG+9EjANgmTvK38KdmSuAPMqeay3gm7wUcXid3pK9iUfLCgPYrONPAn7YW4HT7WL94EjfOTZH/WyFEn5LgHwJc5yr9gX/kMAC28ROIv20VYZnTJRQGoaKGkzyb/xJe3ce9Uzcwd/TMgPbbc7CcP7yVh8Fg4LFV05gjE/MIIfqBBP8g5qqqovGdbbQdPgS6jjVtPPErVxE+PUsCf5A6VpvPi4WvYTAYeGT6PUxPmNrtPt8drvfjtVmkp8QMQLVCiJFIgn8Q8jTUU79lM20HD/gDP3Uc8betJjwrWwJ/ENtfdYhXizcTYrLwT1n3kR7b/bwJXp/GS7uK2VdQQ2JcGI+vnc6Y+PABqFYIMVJJ8A9CtZtepSP3GNaUVH8LP2eGBP4g93HFF7xd8g7h5jD+OecB0qJSu92n0+nlT9vyOVHWxPgxkfzPRxfidXoGoFohxEgmwT8I2W+/g5jFNxA2ZSoGY/fjvUXw6LrOe2c+5L2yPUSHRPKjnIcZGzG62/0aW53891vHqazrIGdSAo+uzCQ20kadBL8Qop9J8A9CIaNHEzK6+/AQweXTfLxxciv7qg4Sb4vj8RkPkxAa3+1+Z8+38dvNeTS1ubh+ZhI/WJIuw/WEEANGgl+IK+DwOni+4FWKGk+SHDGWx7LvJ8ba/fz5hWca+ePWfBmuJ4QIGgl+IXqo0dnEM8dfpKqjhmnxGdyfuRGb2drtfl/kVfHybhWDwcA/3ZbJ3CmJA1CtEEJ8mwS/ED1wtrWSZ/JepNXdxqKkhdw+eQUm4+Wn0pXhekKIwUSCX4gA5dUV8mLha3g0L2snr2Bx8tXdXqb3+jRe2l3MvvwaEqJt/HR9tgzXE0IElQS/EAH4pGIvb5e8g9lo5uHpd5Ntn9btPg6Xf3W9r4frPX57NtGyup4QIsgk+IW4DE3X2FzyDp9V7iMyJILHsu5nXFRKt/v5h+vlUVnXfmG4njVEVtcTQgSfBL8Q38Plc/Ni4avk1xcxJjyRx7IeID40ttv9Kmrb+e+3jtPU5mLxzCQ2ynA9IcQgIsEvxCW0uFp5Ju9FKtrOkRE7mYem30WoObTb/WS4nhBisJPgF+I7zrVX88zxF2lyNbNgzBzuVNZ023MfYG9eNS/tLsZgQIbrCSEGLQl+IS5S1HCS5wpewelzsXLCTSwbt7jbFruu6+zYV8b2vWdkuJ4QYtCT4Beiy75zB3j95FaMBiP3Z/6A2Yk53e7j8Wq88r7K3vxqGa4nhBgSJPjFiKfpGjtO7ebDs58Sbgnj0en3MTEmrdv9KuvaeXbHCSrr2kkbHckT62S4nhBi8JPgFyOa2+fh5aI3OFabx6jQBB7LfoBRYQmX3UfTdT46XMlbn57C69NYlD2WO2+YLMP1hBBDwqAMfkVREoGdqqrOCXYtYvhqc7fzl7yXONNazsTo8TySdQ8Rlstfpm9qc/HCe0UUnmkkItTC/cszmZFuH6CKhRCi9wZl8AM/A8qCXYQYvmo6annm+AvUOxuZnZjDXVPWYzFe/uVwRK3lb7uK6XB6mT4hngduziA6ovvFeYQQYjAZdMGvKMpjwN+Bfw12LWJ4Kmk6xbP5L9PpdbA87QZuGb/ssj33HS4vm/aUsDe/GovZyF3L0lk8I0nG5wshhqQBCX5FUeYBv1BVdbGiKEbgT0AW4AIeUlX1lKIo/wlMBkZ1PTZXUZS1qqq+PRA1ipHhQPURXi3ejI7OXVPWs2DM7MtuX1rZwl93FlLX7GRcYiQPr5jK2ATptS+EGLr6PfgVRfk5cBfQ3nXXKiBEVdWFXW8IngZWqar6b9/Z72UJfdFXdF3nvTMf8l7ZHkLNNh6edg9K3KTv3d7r03hnXxk795eBDjfPH8eqa8ZjNhkHrGYhhOgPA9HiLwXWAK903b4a2A2gquoBRVEu2eRSVfWeAahNjAAezctrxZs5WHOUeFss/5z9AKPDv39WvfONnTz7zgnOVLcSH2XloVunoqR2P0e/EEIMBf0e/KqqblEUJe2iuyKB1otu+xRFMaqqqvV3LWLk6fR08mz+y5Q0n2ZcVAr/lHUfUSGRl9xW13U+P17Fpo9KcHs0FmQmsnGpQpht0HWFEUKIKxaMv2it+MP/a70Ofbv90n/IRd8aauf5fHsdvzn0DFVt55mXPIMfzbsPq/nSE+y0tLv4/Zu5HCisITzUwhN3zGDRjOQBrnjoneOhSM5x/5NzPLgFI/j3ASuAtxRFmQ/k9faAdXVtvS5KXJ7dHjmkzvOZlnL+nPc32j0d3JC6iFUTb6a1yYW/P+m35Z2q54X3imntcJORGsNDt04lLso24D/vUDvHQ5Gc4/4n53hg9ObN1UAGv971dSuwVFGUfV237x/AGsQw59G87Cn/lN1lH6Ghs0FZzTVJCy65rcvj461PSvn46DlMRgPrF09i2dwUjDJMTwgxjA1I8KuqWgYs7PpeBx4biOcVI0tJ0yk2qVs431lHdEgkd01Zz9R45ZLblte08ew7hVQ3dJKUEM7DK6aSmiiXJ4UQw5/0WhJDXru7g62n3uWr6sMYMHBt8kJWTLiRUHPoP2yraTq7DpSz7Ysz+DSdJbOTuf3aiYRYZJ59IcTIIMEvhixd1zlQc4QtpTvp8HSSHDGWOzPWkBaVesnt65sdPLfzBCcrW4iOCOHBW6YwbXz8AFcthBDBJcEvhqTzHbVsUrdQ0nyaEKOFNZNu5brkqzAZ/7Hlrus6XxWe5+8fqjhcPmal27l3eQYRoZYgVC6EEMElwS+GFI/Pwwfln/BB+Sd4dR/TE6awPn0VcbZLT7DT4fTwyvsqB4tqsYaYeODmKVw1fbTMsy+EGLEk+MWQcbKplE3qFmo764mxRrMu/TayEzK/N8SLypt4bucJmtpcTEyK4uFbpzIqNmyAqxZCiMFFgl8Mem3udraWvsuBmiMYMLA4+WpunbAMm9l2ye1bO928t7+cDw9VYDAYWHXNeG5ZMA6TUebZF0IICX4xaOm6zv7qw2wrfZcObycpkUncqaxhXFTKJbc/V9fOh4cr2F94Ho9XY1RsKI+syGTC2KgBrlwIIQYvCX4xKNV0nGeTuoXS5jNYTSHcPnkli5IW/EPnPU3XKTjdyIeHzlJY1gSAPcbGktkpLMoaizVEhukJIcTFJPjFoOL2eXi//GM+LP8Un+4j2z6NdZNXEmuL+dZ2Lo+P/QU1fHi4guqGTgCUlBiWzUkhe1ICRqN03hNCiEuR4BeDRnFjCa+rW6hzNBBrjWF9+m1k2TO/tU1Tm4uPj1by6bFzdDi9mIwGFmSOZtmcFMaNlpn3hBCiOxL8Iuja3O28XfIOh84fw4CB61Ou4Zbxy7CZrRe2Katp5cNDFRwsqsWn6USEWrh14Tiun5lMTIT1MkcXQghxMQl+ETSarrG/+hDbSt+j0+tgXGQKd2asISUyyf+4pnOspJ4PD53lZGULAGMTwlk6O5kFmaNlml0hhLgCEvwiKKraa9ikbuF0Sxk2k5V16bexKGkBRoMRh8vL3rxq9hypoK7ZCcC08XEsm5NC5vg4mXxHCCF6QYJfDCi3z8Ousj3sOfsZmq4xwz6d29NXEmONpr7ZwZ4jlXyRV4XD5cNiNrIoeyxL56SQlBAe7NKFEGJYkOAXA8KjeTnRUMyWkp3UOxuJtcZwh7KKafFTKD3XwquH8jl6sg5dh+iIEG6aN47rcsYSGRYS7NKFEGJYkeAX/abV3UZhfTEFDUUUNZ7E5XNjNBhZknoty1JvIL+0mf/97mHOVLcBkJoYwbI5KcydkojZJLPsCSFEf5DgF31G13Uq26soqC8iv6GI8taKC4/ZQ+OZljCF7NgZnCzx8W/vH6GpzYUBmDE5gWVzUkhPiZHP74UQop9J8ItecfvcqE2l5NcXUdhQTLPL3/veaDCSHjORydHpxGgpdLRYKVfbeFo9hdujYQ0xsWRWMjfMTiZRFs4RQogBI8EveqzR2URB1yX8k02leDQvAKGmUNKsUwh1jaWzLpayQjfH293A2Qv7xkdZueHqFBZljyHMZgnSTyCEECOXBL/olqZrnKw/zRenjlBQX8S5juoLj9l8MRhbR9FWE4ejLZpGvr5U305clJWsifEk2yNItoeTbI9gbEK4TKcrhBBBJMEvLsnhdZBbU8SR6kJOtZfg1v3j6XXNiNaagK95FFqzHYc7FFuIifH2CJInhpM8KoJkewRJ9nDCpUUvhBCDjgS/wOvTqGns5ERVBYWNxZxzn8ZhrgWDDoDutuJrTkZvGYXdnEJKQjTJGREXWvLx0TbplCeEEEOEBP8g5vVpeLz+f26v76LvNTwen//rRY+7vRrersfdXh8ej4bHp+H2aHi832zv9vpwaZ246MBt6MBhrsUQXYsx1L/KHRYwOGKI0VIYHz6ZjKRUsq4fjc2oYzHLNLlCCDGUSfAPQm99WsoHByvwafoV7K2DxYUhxHmJfy4MEU4MFicG4zfHNgFG3UyieQJTYzNYkJrFmOi4bx3Vbo+krq6tdz+YEEKIoJPgH4TsMaGMHxOFxWzEYjYSYjZiMZswmwGzE5/Zgc/kwGPwt9hddODU2nHo7XT62tG59BsGAwaiQiKJtdmJsUYTa40mxhZNUvgYJsVOwGKUXwchhBju5C/9IDQ13Yonto1mVwvNrhaaXC00O1todbf5Q10HvN/ex2gwEh0SRWJEKjHW6IuCPcb/1RpNVEgkJqNcqhdCiJFMgn8Q2nbqPY7XFVy4bTKYiLFGMyE6jVhb9LeCPdYWQ4w1msiQCIwGmeZWCCHE5UnwD0LrJq9k/uhZ/nC3xRBuCZNQF0II0Sck+AehWFsMsbaYYJchhBBiGJJmpBBCCDGCSPALIYQQI4gEvxBCCDGCSPALIYQQI8ig69ynKEo28HvgFPCSqqqfBrciIYQQYvgYjC3+uUA1/ilqCoNcixBCCDGsDMbg3ws8BPwSeDLItQghhBDDyoBc6lcUZR7wC1VVFyuKYgT+BGQBLuAhVVVPKYryn8BkYAf+Fn/zQNUnhBBCjBT9HqyKovwcuAto77prFRCiqurCrjcETwOrVFX9t67tF+D/jN8D/M/+rk8IIYQYSQaiRV0KrAFe6bp9NbAbQFXVA4qizL54Y1VV9wP7B6AuIYQQYsTp98/4VVXdwrfXkosEWi+67eu6/C+EEEKIfhaMz9Bb8Yf/14yqqmq9OJ7Bbo/sfivRa3Ke+5+c4/4n57j/yTke3ILR0t4H3AygKMp8IC8INQghhBAj0kC2+PWur1uBpYqi7Ou6ff8A1iCEEEKMaAZd17vfSgghhBDDgnSqE0IIIUYQCX4hhBBiBJHgF0IIIUaQYTclrqIoC4FHum4+oapqSzDrGc4URbkeuFNV1YeDXctwpCjKDcAdQBjwS1VVZQRMH1MUZRbwI8AA/FxV1doglzQsKYqSCOxUVXVOsGsZjnq6qu1wbPE/jD/4n8f/R1P0A0VRJgI5gC3YtQxjoaqqPgI8BSwLdjHDlBX4CfAusCDItQxLiqIYgJ8BZUEuZTjr0aq2wzH4TaqquvGfhDHBLma4UlX1lKqqvw52HcOZqqo7FUUJBx4H/hbkcoYlVVW/BKbiXwk0N8jlDFf/BPwdcAa7kGGsR6vaDqlL/YGs8gd0KooSAowFaoJX7dAV4HkWvRDgipUJ+F/I/6aqan0Qyx2SAjzHc4DDwHLg34EnglbwEBTg34olXffNVRRlraqqbwev4qEnwHOcQw9WtR0yLf6uVf7+iv/SHFy0yh/w/+Bf5Q/gWeAv+C/5v/Ld44jL68F5FleoB+f4aSAR+C9FUdYOeKFDWA/OcQTwAvAr4NWBrnMoC/Qcq6q6VlXVx4ADEvo904Pf4zL8n/H/X+B33R13KLX4A1rlT1XVo8hsgL3R09UU7x7Y8oaFQH+X7w1OecNCoOf4E/7/9u7epoEgCAPoIBHSAAki20aQ6IKMCqANaIBOcEARRJcR0QAhEhCBLENwZ93ceZn3Qkejz5Y/7fpnIp5WmbB/U98rrpYd718Y+zqetNW2mxO/LX/LkHM+GeeTcT4Z58vKuOcnZe4tf/xNzvlknE/G+WScb5aMey5+W/6WIed8Ms4n43wyzjdLxj19xv/Nlr9lyDmfjPPJOJ+M882ase18AFBIz1f9AMBEih8AClH8AFCI4geAQhQ/ABSi+AGgEMUPAIUofgAoRPEDo7XWzltrH621i53HX1prZ2vNBYyn+IGp3iPiobV2svWYvwCFTih+YKrXiHiMiLu1BwGmU/zAPm4j4nL3yh84fIofmGwYhreIuI7fV/7AgVP8wF6GYdhExCYi7teeBRjveO0BgK7dRMRzRJyuPQgwjhM/MNXPN/i3rvwdIqATR5+ffoUDAFU48QNAIYofAApR/ABQiOIHgEIUPwAUovgBoBDFDwCFKH4AKOQLtDBXtdpBW+cAAAAASUVORK5CYII=">
+            <a:extLst>
+              <a:ext uri="{FF2B5EF4-FFF2-40B4-BE49-F238E27FC236}">
+                <a16:creationId xmlns:a16="http://schemas.microsoft.com/office/drawing/2014/main" id="{A1AEAF1C-618E-4AE8-9A17-200D184EAAA2}"/>
+              </a:ext>
+            </a:extLst>
+          </p:cNvPr>
+          <p:cNvSpPr>
+            <a:spLocks noChangeAspect="1" noChangeArrowheads="1"/>
+          </p:cNvSpPr>
+          <p:nvPr/>
+        </p:nvSpPr>
+        <p:spPr bwMode="auto">
+          <a:xfrm>
+            <a:off x="5943600" y="3276600"/>
+            <a:ext cx="304800" cy="304800"/>
+          </a:xfrm>
+          <a:prstGeom prst="rect">
+            <a:avLst/>
+          </a:prstGeom>
+          <a:noFill/>
+          <a:extLst>
+            <a:ext uri="{909E8E84-426E-40DD-AFC4-6F175D3DCCD1}">
+              <a14:hiddenFill xmlns:a14="http://schemas.microsoft.com/office/drawing/2010/main">
+                <a:solidFill>
+                  <a:srgbClr val="FFFFFF"/>
+                </a:solidFill>
+              </a14:hiddenFill>
+            </a:ext>
+          </a:extLst>
+        </p:spPr>
+        <p:txBody>
+          <a:bodyPr vert="horz" wrap="square" lIns="91440" tIns="45720" rIns="91440" bIns="45720" numCol="1" anchor="t" anchorCtr="0" compatLnSpc="1">
+            <a:prstTxWarp prst="textNoShape">
+              <a:avLst/>
+            </a:prstTxWarp>
           </a:bodyPr>
           <a:lstStyle/>
           <a:p>
+            <a:endParaRPr lang="en-CA"/>
+          </a:p>
+        </p:txBody>
+      </p:sp>
+      <p:pic>
+        <p:nvPicPr>
+          <p:cNvPr id="8" name="Picture 7">
+            <a:extLst>
+              <a:ext uri="{FF2B5EF4-FFF2-40B4-BE49-F238E27FC236}">
+                <a16:creationId xmlns:a16="http://schemas.microsoft.com/office/drawing/2014/main" id="{14AFB3E8-36F1-4C69-A69B-50865952F7AC}"/>
+              </a:ext>
+            </a:extLst>
+          </p:cNvPr>
+          <p:cNvPicPr>
+            <a:picLocks noChangeAspect="1"/>
+          </p:cNvPicPr>
+          <p:nvPr/>
+        </p:nvPicPr>
+        <p:blipFill>
+          <a:blip r:embed="rId2">
+            <a:extLst>
+              <a:ext uri="{28A0092B-C50C-407E-A947-70E740481C1C}">
+                <a14:useLocalDpi xmlns:a14="http://schemas.microsoft.com/office/drawing/2010/main" val="0"/>
+              </a:ext>
+            </a:extLst>
+          </a:blip>
+          <a:stretch>
+            <a:fillRect/>
+          </a:stretch>
+        </p:blipFill>
+        <p:spPr>
+          <a:xfrm>
+            <a:off x="4887047" y="1609571"/>
+            <a:ext cx="6478476" cy="4700071"/>
+          </a:xfrm>
+          <a:prstGeom prst="rect">
+            <a:avLst/>
+          </a:prstGeom>
+        </p:spPr>
+      </p:pic>
+      <p:sp>
+        <p:nvSpPr>
+          <p:cNvPr id="9" name="TextBox 8">
+            <a:extLst>
+              <a:ext uri="{FF2B5EF4-FFF2-40B4-BE49-F238E27FC236}">
+                <a16:creationId xmlns:a16="http://schemas.microsoft.com/office/drawing/2014/main" id="{49DB4B17-3EB2-437E-84B9-4E330D0FC024}"/>
+              </a:ext>
+            </a:extLst>
+          </p:cNvPr>
+          <p:cNvSpPr txBox="1"/>
+          <p:nvPr/>
+        </p:nvSpPr>
+        <p:spPr>
+          <a:xfrm>
+            <a:off x="5372100" y="6176963"/>
+            <a:ext cx="5715000" cy="369332"/>
+          </a:xfrm>
+          <a:prstGeom prst="rect">
+            <a:avLst/>
+          </a:prstGeom>
+          <a:noFill/>
+        </p:spPr>
+        <p:txBody>
+          <a:bodyPr wrap="square" rtlCol="0">
+            <a:spAutoFit/>
+          </a:bodyPr>
+          <a:lstStyle/>
+          <a:p>
             <a:r>
               <a:rPr lang="en-CA" dirty="0"/>
-              <a:t>An estimate of the power spectral density, characterizing the signal in terms of the power of each frequency</a:t>
-            </a:r>
-          </a:p>
-          <a:p>
+              <a:t>Source: J. </a:t>
+            </a:r>
+            <a:r>
+              <a:rPr lang="en-CA" dirty="0" err="1"/>
+              <a:t>Vanderplas</a:t>
+            </a:r>
             <a:r>
               <a:rPr lang="en-CA" dirty="0"/>
-              <a:t>The classical periodogram is the square of the DFT</a:t>
-            </a:r>
-          </a:p>
-          <a:p>
-            <a:pPr lvl="1"/>
-            <a:r>
-              <a:rPr lang="en-CA" sz="2800" dirty="0"/>
-              <a:t>$$ \begin{aligned} S(\omega) &amp;= \</a:t>
-            </a:r>
-            <a:r>
-              <a:rPr lang="en-CA" sz="2800" dirty="0" err="1"/>
-              <a:t>frac</a:t>
-            </a:r>
-            <a:r>
-              <a:rPr lang="en-CA" sz="2800" dirty="0"/>
-              <a:t>{1}{N} \left\| \sum_{j=1}^{N} x(</a:t>
-            </a:r>
-            <a:r>
-              <a:rPr lang="en-CA" sz="2800" dirty="0" err="1"/>
-              <a:t>t_j</a:t>
-            </a:r>
-            <a:r>
-              <a:rPr lang="en-CA" sz="2800" dirty="0"/>
-              <a:t>) e^{-</a:t>
-            </a:r>
-            <a:r>
-              <a:rPr lang="en-CA" sz="2800" dirty="0" err="1"/>
-              <a:t>i</a:t>
-            </a:r>
-            <a:r>
-              <a:rPr lang="en-CA" sz="2800" dirty="0"/>
-              <a:t> \omega </a:t>
-            </a:r>
-            <a:r>
-              <a:rPr lang="en-CA" sz="2800" dirty="0" err="1"/>
-              <a:t>t_j</a:t>
-            </a:r>
-            <a:r>
-              <a:rPr lang="en-CA" sz="2800" dirty="0"/>
-              <a:t>} \right\|^2 \\ &amp;= \</a:t>
-            </a:r>
-            <a:r>
-              <a:rPr lang="en-CA" sz="2800" dirty="0" err="1"/>
-              <a:t>frac</a:t>
-            </a:r>
-            <a:r>
-              <a:rPr lang="en-CA" sz="2800" dirty="0"/>
-              <a:t>{1}{N} \left( \left( \sum_{j=1}^{N} </a:t>
-            </a:r>
-            <a:r>
-              <a:rPr lang="en-CA" sz="2800" dirty="0" err="1"/>
-              <a:t>x_j</a:t>
-            </a:r>
-            <a:r>
-              <a:rPr lang="en-CA" sz="2800" dirty="0"/>
-              <a:t> \cos(\omega </a:t>
-            </a:r>
-            <a:r>
-              <a:rPr lang="en-CA" sz="2800" dirty="0" err="1"/>
-              <a:t>t_j</a:t>
-            </a:r>
-            <a:r>
-              <a:rPr lang="en-CA" sz="2800" dirty="0"/>
-              <a:t>) \right)^2 + \left( \sum_{j=1}^{N} </a:t>
-            </a:r>
-            <a:r>
-              <a:rPr lang="en-CA" sz="2800" dirty="0" err="1"/>
-              <a:t>x_j</a:t>
-            </a:r>
-            <a:r>
-              <a:rPr lang="en-CA" sz="2800" dirty="0"/>
-              <a:t> \sin(\omega </a:t>
-            </a:r>
-            <a:r>
-              <a:rPr lang="en-CA" sz="2800" dirty="0" err="1"/>
-              <a:t>t_j</a:t>
-            </a:r>
-            <a:r>
-              <a:rPr lang="en-CA" sz="2800" dirty="0"/>
-              <a:t>) \right)^2 \right) \end{aligned} $$</a:t>
-            </a:r>
-          </a:p>
-          <a:p>
-            <a:r>
-              <a:rPr lang="en-CA" sz="3200" dirty="0"/>
-              <a:t>Reasons why it’s not commonly used</a:t>
-            </a:r>
-          </a:p>
-          <a:p>
-            <a:pPr lvl="1"/>
-            <a:r>
-              <a:rPr lang="en-CA" sz="2800" dirty="0"/>
-              <a:t>The spectrum is often noisy, even if the data is not</a:t>
-            </a:r>
-          </a:p>
-          <a:p>
-            <a:pPr lvl="1"/>
-            <a:r>
-              <a:rPr lang="en-CA" sz="2800" dirty="0"/>
-              <a:t>Spectral leakage </a:t>
-            </a:r>
-            <a:r>
-              <a:rPr lang="en-CA" sz="2800"/>
-              <a:t>is very common</a:t>
-            </a:r>
-            <a:endParaRPr lang="en-CA" sz="2800" dirty="0"/>
+              <a:t> 2015.</a:t>
+            </a:r>
           </a:p>
         </p:txBody>
       </p:sp>
     </p:spTree>
     <p:extLst>
       <p:ext uri="{BB962C8B-B14F-4D97-AF65-F5344CB8AC3E}">
-        <p14:creationId xmlns:p14="http://schemas.microsoft.com/office/powerpoint/2010/main" val="3087931513"/>
+        <p14:creationId xmlns:p14="http://schemas.microsoft.com/office/powerpoint/2010/main" val="2926353494"/>
       </p:ext>
     </p:extLst>
   </p:cSld>
@@ -4757,6 +4722,187 @@
           <p:cNvPr id="2" name="Title 1">
             <a:extLst>
               <a:ext uri="{FF2B5EF4-FFF2-40B4-BE49-F238E27FC236}">
+                <a16:creationId xmlns:a16="http://schemas.microsoft.com/office/drawing/2014/main" id="{3FEAED91-3C72-407B-A14B-9E5A6C1CD9C0}"/>
+              </a:ext>
+            </a:extLst>
+          </p:cNvPr>
+          <p:cNvSpPr>
+            <a:spLocks noGrp="1"/>
+          </p:cNvSpPr>
+          <p:nvPr>
+            <p:ph type="title"/>
+          </p:nvPr>
+        </p:nvSpPr>
+        <p:spPr/>
+        <p:txBody>
+          <a:bodyPr/>
+          <a:lstStyle/>
+          <a:p>
+            <a:r>
+              <a:rPr lang="en-CA" dirty="0"/>
+              <a:t>What is a Periodogram?</a:t>
+            </a:r>
+          </a:p>
+        </p:txBody>
+      </p:sp>
+      <p:sp>
+        <p:nvSpPr>
+          <p:cNvPr id="3" name="Content Placeholder 2">
+            <a:extLst>
+              <a:ext uri="{FF2B5EF4-FFF2-40B4-BE49-F238E27FC236}">
+                <a16:creationId xmlns:a16="http://schemas.microsoft.com/office/drawing/2014/main" id="{D6E44B8D-EC6C-4067-8CAA-9BC11D594D24}"/>
+              </a:ext>
+            </a:extLst>
+          </p:cNvPr>
+          <p:cNvSpPr>
+            <a:spLocks noGrp="1"/>
+          </p:cNvSpPr>
+          <p:nvPr>
+            <p:ph idx="1"/>
+          </p:nvPr>
+        </p:nvSpPr>
+        <p:spPr/>
+        <p:txBody>
+          <a:bodyPr>
+            <a:normAutofit/>
+          </a:bodyPr>
+          <a:lstStyle/>
+          <a:p>
+            <a:r>
+              <a:rPr lang="en-CA" dirty="0"/>
+              <a:t>An </a:t>
+            </a:r>
+            <a:r>
+              <a:rPr lang="en-CA" u="sng" dirty="0"/>
+              <a:t>estimate</a:t>
+            </a:r>
+            <a:r>
+              <a:rPr lang="en-CA" dirty="0"/>
+              <a:t> of the power spectral density, characterizing the signal in terms of the power of each frequency</a:t>
+            </a:r>
+          </a:p>
+          <a:p>
+            <a:r>
+              <a:rPr lang="en-CA" dirty="0"/>
+              <a:t>The classical periodogram is the square of the DFT</a:t>
+            </a:r>
+          </a:p>
+          <a:p>
+            <a:pPr lvl="1"/>
+            <a:r>
+              <a:rPr lang="en-CA" sz="2800" dirty="0"/>
+              <a:t>$$ \begin{aligned} S(\omega) &amp;= \</a:t>
+            </a:r>
+            <a:r>
+              <a:rPr lang="en-CA" sz="2800" dirty="0" err="1"/>
+              <a:t>frac</a:t>
+            </a:r>
+            <a:r>
+              <a:rPr lang="en-CA" sz="2800" dirty="0"/>
+              <a:t>{1}{N} \left\| \sum_{j=1}^{N} x(</a:t>
+            </a:r>
+            <a:r>
+              <a:rPr lang="en-CA" sz="2800" dirty="0" err="1"/>
+              <a:t>t_j</a:t>
+            </a:r>
+            <a:r>
+              <a:rPr lang="en-CA" sz="2800" dirty="0"/>
+              <a:t>) e^{-</a:t>
+            </a:r>
+            <a:r>
+              <a:rPr lang="en-CA" sz="2800" dirty="0" err="1"/>
+              <a:t>i</a:t>
+            </a:r>
+            <a:r>
+              <a:rPr lang="en-CA" sz="2800" dirty="0"/>
+              <a:t> \omega </a:t>
+            </a:r>
+            <a:r>
+              <a:rPr lang="en-CA" sz="2800" dirty="0" err="1"/>
+              <a:t>t_j</a:t>
+            </a:r>
+            <a:r>
+              <a:rPr lang="en-CA" sz="2800" dirty="0"/>
+              <a:t>} \right\|^2 \\ &amp;= \</a:t>
+            </a:r>
+            <a:r>
+              <a:rPr lang="en-CA" sz="2800" dirty="0" err="1"/>
+              <a:t>frac</a:t>
+            </a:r>
+            <a:r>
+              <a:rPr lang="en-CA" sz="2800" dirty="0"/>
+              <a:t>{1}{N} \left( \left( \sum_{j=1}^{N} </a:t>
+            </a:r>
+            <a:r>
+              <a:rPr lang="en-CA" sz="2800" dirty="0" err="1"/>
+              <a:t>x_j</a:t>
+            </a:r>
+            <a:r>
+              <a:rPr lang="en-CA" sz="2800" dirty="0"/>
+              <a:t> \cos(\omega </a:t>
+            </a:r>
+            <a:r>
+              <a:rPr lang="en-CA" sz="2800" dirty="0" err="1"/>
+              <a:t>t_j</a:t>
+            </a:r>
+            <a:r>
+              <a:rPr lang="en-CA" sz="2800" dirty="0"/>
+              <a:t>) \right)^2 + \left( \sum_{j=1}^{N} </a:t>
+            </a:r>
+            <a:r>
+              <a:rPr lang="en-CA" sz="2800" dirty="0" err="1"/>
+              <a:t>x_j</a:t>
+            </a:r>
+            <a:r>
+              <a:rPr lang="en-CA" sz="2800" dirty="0"/>
+              <a:t> \sin(\omega </a:t>
+            </a:r>
+            <a:r>
+              <a:rPr lang="en-CA" sz="2800" dirty="0" err="1"/>
+              <a:t>t_j</a:t>
+            </a:r>
+            <a:r>
+              <a:rPr lang="en-CA" sz="2800" dirty="0"/>
+              <a:t>) \right)^2 \right) \end{aligned} $$</a:t>
+            </a:r>
+          </a:p>
+        </p:txBody>
+      </p:sp>
+    </p:spTree>
+    <p:extLst>
+      <p:ext uri="{BB962C8B-B14F-4D97-AF65-F5344CB8AC3E}">
+        <p14:creationId xmlns:p14="http://schemas.microsoft.com/office/powerpoint/2010/main" val="3087931513"/>
+      </p:ext>
+    </p:extLst>
+  </p:cSld>
+  <p:clrMapOvr>
+    <a:masterClrMapping/>
+  </p:clrMapOvr>
+</p:sld>
+</file>
+
+<file path=ppt/slides/slide5.xml><?xml version="1.0" encoding="utf-8"?>
+<p:sld xmlns:a="http://schemas.openxmlformats.org/drawingml/2006/main" xmlns:r="http://schemas.openxmlformats.org/officeDocument/2006/relationships" xmlns:p="http://schemas.openxmlformats.org/presentationml/2006/main">
+  <p:cSld>
+    <p:spTree>
+      <p:nvGrpSpPr>
+        <p:cNvPr id="1" name=""/>
+        <p:cNvGrpSpPr/>
+        <p:nvPr/>
+      </p:nvGrpSpPr>
+      <p:grpSpPr>
+        <a:xfrm>
+          <a:off x="0" y="0"/>
+          <a:ext cx="0" cy="0"/>
+          <a:chOff x="0" y="0"/>
+          <a:chExt cx="0" cy="0"/>
+        </a:xfrm>
+      </p:grpSpPr>
+      <p:sp>
+        <p:nvSpPr>
+          <p:cNvPr id="2" name="Title 1">
+            <a:extLst>
+              <a:ext uri="{FF2B5EF4-FFF2-40B4-BE49-F238E27FC236}">
                 <a16:creationId xmlns:a16="http://schemas.microsoft.com/office/drawing/2014/main" id="{C34BD3CE-9E14-4A8D-9506-C5FF33A28AC0}"/>
               </a:ext>
             </a:extLst>
@@ -4810,7 +4956,7 @@
         </p:blipFill>
         <p:spPr>
           <a:xfrm>
-            <a:off x="2535283" y="2523884"/>
+            <a:off x="4750435" y="2021266"/>
             <a:ext cx="6600092" cy="3960055"/>
           </a:xfrm>
         </p:spPr>
@@ -4832,7 +4978,7 @@
         <p:spPr>
           <a:xfrm>
             <a:off x="838200" y="1825625"/>
-            <a:ext cx="10515600" cy="4351338"/>
+            <a:ext cx="4182979" cy="4351338"/>
           </a:xfrm>
           <a:prstGeom prst="rect">
             <a:avLst/>
@@ -5020,6 +5166,12 @@
               <a:t>, and has a noisy Fourier inverse. This gives a noisy result.</a:t>
             </a:r>
           </a:p>
+          <a:p>
+            <a:r>
+              <a:rPr lang="en-CA" dirty="0"/>
+              <a:t>Spectral leakage from high frequencies to low frequencies is also a common problem</a:t>
+            </a:r>
+          </a:p>
         </p:txBody>
       </p:sp>
       <p:sp>
@@ -5078,7 +5230,7 @@
 </p:sld>
 </file>
 
-<file path=ppt/slides/slide5.xml><?xml version="1.0" encoding="utf-8"?>
+<file path=ppt/slides/slide6.xml><?xml version="1.0" encoding="utf-8"?>
 <p:sld xmlns:a="http://schemas.openxmlformats.org/drawingml/2006/main" xmlns:r="http://schemas.openxmlformats.org/officeDocument/2006/relationships" xmlns:p="http://schemas.openxmlformats.org/presentationml/2006/main">
   <p:cSld>
     <p:spTree>
@@ -5284,7 +5436,7 @@
 </p:sld>
 </file>
 
-<file path=ppt/slides/slide6.xml><?xml version="1.0" encoding="utf-8"?>
+<file path=ppt/slides/slide7.xml><?xml version="1.0" encoding="utf-8"?>
 <p:sld xmlns:a="http://schemas.openxmlformats.org/drawingml/2006/main" xmlns:r="http://schemas.openxmlformats.org/officeDocument/2006/relationships" xmlns:p="http://schemas.openxmlformats.org/presentationml/2006/main">
   <p:cSld>
     <p:spTree>
@@ -5483,7 +5635,7 @@
 </p:sld>
 </file>
 
-<file path=ppt/slides/slide7.xml><?xml version="1.0" encoding="utf-8"?>
+<file path=ppt/slides/slide8.xml><?xml version="1.0" encoding="utf-8"?>
 <p:sld xmlns:a="http://schemas.openxmlformats.org/drawingml/2006/main" xmlns:r="http://schemas.openxmlformats.org/officeDocument/2006/relationships" xmlns:p="http://schemas.openxmlformats.org/presentationml/2006/main">
   <p:cSld>
     <p:spTree>
@@ -5629,7 +5781,7 @@
 </p:sld>
 </file>
 
-<file path=ppt/slides/slide8.xml><?xml version="1.0" encoding="utf-8"?>
+<file path=ppt/slides/slide9.xml><?xml version="1.0" encoding="utf-8"?>
 <p:sld xmlns:a="http://schemas.openxmlformats.org/drawingml/2006/main" xmlns:r="http://schemas.openxmlformats.org/officeDocument/2006/relationships" xmlns:p="http://schemas.openxmlformats.org/presentationml/2006/main">
   <p:cSld>
     <p:spTree>
@@ -5746,169 +5898,6 @@
     <p:extLst>
       <p:ext uri="{BB962C8B-B14F-4D97-AF65-F5344CB8AC3E}">
         <p14:creationId xmlns:p14="http://schemas.microsoft.com/office/powerpoint/2010/main" val="2713937605"/>
-      </p:ext>
-    </p:extLst>
-  </p:cSld>
-  <p:clrMapOvr>
-    <a:masterClrMapping/>
-  </p:clrMapOvr>
-</p:sld>
-</file>
-
-<file path=ppt/slides/slide9.xml><?xml version="1.0" encoding="utf-8"?>
-<p:sld xmlns:a="http://schemas.openxmlformats.org/drawingml/2006/main" xmlns:r="http://schemas.openxmlformats.org/officeDocument/2006/relationships" xmlns:p="http://schemas.openxmlformats.org/presentationml/2006/main">
-  <p:cSld>
-    <p:spTree>
-      <p:nvGrpSpPr>
-        <p:cNvPr id="1" name=""/>
-        <p:cNvGrpSpPr/>
-        <p:nvPr/>
-      </p:nvGrpSpPr>
-      <p:grpSpPr>
-        <a:xfrm>
-          <a:off x="0" y="0"/>
-          <a:ext cx="0" cy="0"/>
-          <a:chOff x="0" y="0"/>
-          <a:chExt cx="0" cy="0"/>
-        </a:xfrm>
-      </p:grpSpPr>
-      <p:sp>
-        <p:nvSpPr>
-          <p:cNvPr id="2" name="Title 1">
-            <a:extLst>
-              <a:ext uri="{FF2B5EF4-FFF2-40B4-BE49-F238E27FC236}">
-                <a16:creationId xmlns:a16="http://schemas.microsoft.com/office/drawing/2014/main" id="{585B2769-5CB8-4EDB-9E3A-728A6E4E91D0}"/>
-              </a:ext>
-            </a:extLst>
-          </p:cNvPr>
-          <p:cNvSpPr>
-            <a:spLocks noGrp="1"/>
-          </p:cNvSpPr>
-          <p:nvPr>
-            <p:ph type="title"/>
-          </p:nvPr>
-        </p:nvSpPr>
-        <p:spPr/>
-        <p:txBody>
-          <a:bodyPr/>
-          <a:lstStyle/>
-          <a:p>
-            <a:r>
-              <a:rPr lang="en-CA" dirty="0"/>
-              <a:t>Error</a:t>
-            </a:r>
-          </a:p>
-        </p:txBody>
-      </p:sp>
-      <p:sp>
-        <p:nvSpPr>
-          <p:cNvPr id="3" name="Content Placeholder 2">
-            <a:extLst>
-              <a:ext uri="{FF2B5EF4-FFF2-40B4-BE49-F238E27FC236}">
-                <a16:creationId xmlns:a16="http://schemas.microsoft.com/office/drawing/2014/main" id="{586B245F-E02D-4746-8A47-A5E31B333BCA}"/>
-              </a:ext>
-            </a:extLst>
-          </p:cNvPr>
-          <p:cNvSpPr>
-            <a:spLocks noGrp="1"/>
-          </p:cNvSpPr>
-          <p:nvPr>
-            <p:ph idx="1"/>
-          </p:nvPr>
-        </p:nvSpPr>
-        <p:spPr/>
-        <p:txBody>
-          <a:bodyPr/>
-          <a:lstStyle/>
-          <a:p>
-            <a:r>
-              <a:rPr lang="en-CA" dirty="0"/>
-              <a:t>The previous equations rely on some approximations, namely:</a:t>
-            </a:r>
-          </a:p>
-          <a:p>
-            <a:endParaRPr lang="en-CA" dirty="0"/>
-          </a:p>
-          <a:p>
-            <a:endParaRPr lang="en-CA" dirty="0"/>
-          </a:p>
-          <a:p>
-            <a:endParaRPr lang="en-CA" dirty="0"/>
-          </a:p>
-          <a:p>
-            <a:r>
-              <a:rPr lang="en-CA" dirty="0"/>
-              <a:t>This error is </a:t>
-            </a:r>
-            <a:r>
-              <a:rPr lang="en-CA" dirty="0">
-                <a:latin typeface="Cambria Math" panose="02040503050406030204" pitchFamily="18" charset="0"/>
-                <a:ea typeface="Cambria Math" panose="02040503050406030204" pitchFamily="18" charset="0"/>
-              </a:rPr>
-              <a:t>χ</a:t>
-            </a:r>
-            <a:r>
-              <a:rPr lang="en-CA" baseline="30000" dirty="0">
-                <a:latin typeface="Cambria Math" panose="02040503050406030204" pitchFamily="18" charset="0"/>
-                <a:ea typeface="Cambria Math" panose="02040503050406030204" pitchFamily="18" charset="0"/>
-              </a:rPr>
-              <a:t>2</a:t>
-            </a:r>
-            <a:r>
-              <a:rPr lang="en-CA" dirty="0">
-                <a:latin typeface="Cambria Math" panose="02040503050406030204" pitchFamily="18" charset="0"/>
-                <a:ea typeface="Cambria Math" panose="02040503050406030204" pitchFamily="18" charset="0"/>
-              </a:rPr>
-              <a:t> distributed, meaning we can calculate the likelihood that a peak is due to periodic behavior.</a:t>
-            </a:r>
-            <a:endParaRPr lang="en-CA" dirty="0"/>
-          </a:p>
-        </p:txBody>
-      </p:sp>
-      <p:pic>
-        <p:nvPicPr>
-          <p:cNvPr id="5" name="Picture 4">
-            <a:extLst>
-              <a:ext uri="{FF2B5EF4-FFF2-40B4-BE49-F238E27FC236}">
-                <a16:creationId xmlns:a16="http://schemas.microsoft.com/office/drawing/2014/main" id="{32A419D9-87AE-463A-B1F2-8E4B4CC5B87C}"/>
-              </a:ext>
-            </a:extLst>
-          </p:cNvPr>
-          <p:cNvPicPr>
-            <a:picLocks noChangeAspect="1"/>
-          </p:cNvPicPr>
-          <p:nvPr>
-            <p:custDataLst>
-              <p:tags r:id="rId1"/>
-            </p:custDataLst>
-          </p:nvPr>
-        </p:nvPicPr>
-        <p:blipFill>
-          <a:blip r:embed="rId3">
-            <a:extLst>
-              <a:ext uri="{28A0092B-C50C-407E-A947-70E740481C1C}">
-                <a14:useLocalDpi xmlns:a14="http://schemas.microsoft.com/office/drawing/2010/main" val="0"/>
-              </a:ext>
-            </a:extLst>
-          </a:blip>
-          <a:stretch>
-            <a:fillRect/>
-          </a:stretch>
-        </p:blipFill>
-        <p:spPr>
-          <a:xfrm>
-            <a:off x="3040000" y="2604168"/>
-            <a:ext cx="6112000" cy="1030400"/>
-          </a:xfrm>
-          <a:prstGeom prst="rect">
-            <a:avLst/>
-          </a:prstGeom>
-        </p:spPr>
-      </p:pic>
-    </p:spTree>
-    <p:extLst>
-      <p:ext uri="{BB962C8B-B14F-4D97-AF65-F5344CB8AC3E}">
-        <p14:creationId xmlns:p14="http://schemas.microsoft.com/office/powerpoint/2010/main" val="4183939768"/>
       </p:ext>
     </p:extLst>
   </p:cSld>

--- a/Presentation2/The Lomb-Scargle Algorithm-v2.pptx
+++ b/Presentation2/The Lomb-Scargle Algorithm-v2.pptx
@@ -275,7 +275,7 @@
           <a:p>
             <a:fld id="{9EB1C19C-B5D7-48B6-AE04-3DE84387D732}" type="datetimeFigureOut">
               <a:rPr lang="en-CA" smtClean="0"/>
-              <a:t>2018-02-26</a:t>
+              <a:t>2018-02-28</a:t>
             </a:fld>
             <a:endParaRPr lang="en-CA"/>
           </a:p>
@@ -475,7 +475,7 @@
           <a:p>
             <a:fld id="{9EB1C19C-B5D7-48B6-AE04-3DE84387D732}" type="datetimeFigureOut">
               <a:rPr lang="en-CA" smtClean="0"/>
-              <a:t>2018-02-26</a:t>
+              <a:t>2018-02-28</a:t>
             </a:fld>
             <a:endParaRPr lang="en-CA"/>
           </a:p>
@@ -685,7 +685,7 @@
           <a:p>
             <a:fld id="{9EB1C19C-B5D7-48B6-AE04-3DE84387D732}" type="datetimeFigureOut">
               <a:rPr lang="en-CA" smtClean="0"/>
-              <a:t>2018-02-26</a:t>
+              <a:t>2018-02-28</a:t>
             </a:fld>
             <a:endParaRPr lang="en-CA"/>
           </a:p>
@@ -885,7 +885,7 @@
           <a:p>
             <a:fld id="{9EB1C19C-B5D7-48B6-AE04-3DE84387D732}" type="datetimeFigureOut">
               <a:rPr lang="en-CA" smtClean="0"/>
-              <a:t>2018-02-26</a:t>
+              <a:t>2018-02-28</a:t>
             </a:fld>
             <a:endParaRPr lang="en-CA"/>
           </a:p>
@@ -1161,7 +1161,7 @@
           <a:p>
             <a:fld id="{9EB1C19C-B5D7-48B6-AE04-3DE84387D732}" type="datetimeFigureOut">
               <a:rPr lang="en-CA" smtClean="0"/>
-              <a:t>2018-02-26</a:t>
+              <a:t>2018-02-28</a:t>
             </a:fld>
             <a:endParaRPr lang="en-CA"/>
           </a:p>
@@ -1429,7 +1429,7 @@
           <a:p>
             <a:fld id="{9EB1C19C-B5D7-48B6-AE04-3DE84387D732}" type="datetimeFigureOut">
               <a:rPr lang="en-CA" smtClean="0"/>
-              <a:t>2018-02-26</a:t>
+              <a:t>2018-02-28</a:t>
             </a:fld>
             <a:endParaRPr lang="en-CA"/>
           </a:p>
@@ -1844,7 +1844,7 @@
           <a:p>
             <a:fld id="{9EB1C19C-B5D7-48B6-AE04-3DE84387D732}" type="datetimeFigureOut">
               <a:rPr lang="en-CA" smtClean="0"/>
-              <a:t>2018-02-26</a:t>
+              <a:t>2018-02-28</a:t>
             </a:fld>
             <a:endParaRPr lang="en-CA"/>
           </a:p>
@@ -1986,7 +1986,7 @@
           <a:p>
             <a:fld id="{9EB1C19C-B5D7-48B6-AE04-3DE84387D732}" type="datetimeFigureOut">
               <a:rPr lang="en-CA" smtClean="0"/>
-              <a:t>2018-02-26</a:t>
+              <a:t>2018-02-28</a:t>
             </a:fld>
             <a:endParaRPr lang="en-CA"/>
           </a:p>
@@ -2099,7 +2099,7 @@
           <a:p>
             <a:fld id="{9EB1C19C-B5D7-48B6-AE04-3DE84387D732}" type="datetimeFigureOut">
               <a:rPr lang="en-CA" smtClean="0"/>
-              <a:t>2018-02-26</a:t>
+              <a:t>2018-02-28</a:t>
             </a:fld>
             <a:endParaRPr lang="en-CA"/>
           </a:p>
@@ -2412,7 +2412,7 @@
           <a:p>
             <a:fld id="{9EB1C19C-B5D7-48B6-AE04-3DE84387D732}" type="datetimeFigureOut">
               <a:rPr lang="en-CA" smtClean="0"/>
-              <a:t>2018-02-26</a:t>
+              <a:t>2018-02-28</a:t>
             </a:fld>
             <a:endParaRPr lang="en-CA"/>
           </a:p>
@@ -2701,7 +2701,7 @@
           <a:p>
             <a:fld id="{9EB1C19C-B5D7-48B6-AE04-3DE84387D732}" type="datetimeFigureOut">
               <a:rPr lang="en-CA" smtClean="0"/>
-              <a:t>2018-02-26</a:t>
+              <a:t>2018-02-28</a:t>
             </a:fld>
             <a:endParaRPr lang="en-CA"/>
           </a:p>
@@ -2944,7 +2944,7 @@
           <a:p>
             <a:fld id="{9EB1C19C-B5D7-48B6-AE04-3DE84387D732}" type="datetimeFigureOut">
               <a:rPr lang="en-CA" smtClean="0"/>
-              <a:t>2018-02-26</a:t>
+              <a:t>2018-02-28</a:t>
             </a:fld>
             <a:endParaRPr lang="en-CA"/>
           </a:p>
@@ -3671,6 +3671,56 @@
           </a:p>
         </p:txBody>
       </p:sp>
+      <p:sp>
+        <p:nvSpPr>
+          <p:cNvPr id="4" name="Circle: Hollow 3">
+            <a:extLst>
+              <a:ext uri="{FF2B5EF4-FFF2-40B4-BE49-F238E27FC236}">
+                <a16:creationId xmlns:a16="http://schemas.microsoft.com/office/drawing/2014/main" id="{0FA1B659-B102-4046-9AFF-0BE890B363D2}"/>
+              </a:ext>
+            </a:extLst>
+          </p:cNvPr>
+          <p:cNvSpPr/>
+          <p:nvPr/>
+        </p:nvSpPr>
+        <p:spPr>
+          <a:xfrm>
+            <a:off x="96253" y="6416842"/>
+            <a:ext cx="320842" cy="320842"/>
+          </a:xfrm>
+          <a:prstGeom prst="donut">
+            <a:avLst/>
+          </a:prstGeom>
+        </p:spPr>
+        <p:style>
+          <a:lnRef idx="2">
+            <a:schemeClr val="accent1">
+              <a:shade val="50000"/>
+            </a:schemeClr>
+          </a:lnRef>
+          <a:fillRef idx="1">
+            <a:schemeClr val="accent1"/>
+          </a:fillRef>
+          <a:effectRef idx="0">
+            <a:schemeClr val="accent1"/>
+          </a:effectRef>
+          <a:fontRef idx="minor">
+            <a:schemeClr val="lt1"/>
+          </a:fontRef>
+        </p:style>
+        <p:txBody>
+          <a:bodyPr rtlCol="0" anchor="ctr"/>
+          <a:lstStyle/>
+          <a:p>
+            <a:pPr algn="ctr"/>
+            <a:endParaRPr lang="en-CA">
+              <a:solidFill>
+                <a:schemeClr val="tx1"/>
+              </a:solidFill>
+            </a:endParaRPr>
+          </a:p>
+        </p:txBody>
+      </p:sp>
     </p:spTree>
     <p:extLst>
       <p:ext uri="{BB962C8B-B14F-4D97-AF65-F5344CB8AC3E}">
@@ -4868,6 +4918,56 @@
           </a:p>
         </p:txBody>
       </p:sp>
+      <p:sp>
+        <p:nvSpPr>
+          <p:cNvPr id="4" name="Circle: Hollow 3">
+            <a:extLst>
+              <a:ext uri="{FF2B5EF4-FFF2-40B4-BE49-F238E27FC236}">
+                <a16:creationId xmlns:a16="http://schemas.microsoft.com/office/drawing/2014/main" id="{B980A34C-58EA-4BD4-BF8A-411C412B75E9}"/>
+              </a:ext>
+            </a:extLst>
+          </p:cNvPr>
+          <p:cNvSpPr/>
+          <p:nvPr/>
+        </p:nvSpPr>
+        <p:spPr>
+          <a:xfrm>
+            <a:off x="96253" y="6416842"/>
+            <a:ext cx="320842" cy="320842"/>
+          </a:xfrm>
+          <a:prstGeom prst="donut">
+            <a:avLst/>
+          </a:prstGeom>
+        </p:spPr>
+        <p:style>
+          <a:lnRef idx="2">
+            <a:schemeClr val="accent1">
+              <a:shade val="50000"/>
+            </a:schemeClr>
+          </a:lnRef>
+          <a:fillRef idx="1">
+            <a:schemeClr val="accent1"/>
+          </a:fillRef>
+          <a:effectRef idx="0">
+            <a:schemeClr val="accent1"/>
+          </a:effectRef>
+          <a:fontRef idx="minor">
+            <a:schemeClr val="lt1"/>
+          </a:fontRef>
+        </p:style>
+        <p:txBody>
+          <a:bodyPr rtlCol="0" anchor="ctr"/>
+          <a:lstStyle/>
+          <a:p>
+            <a:pPr algn="ctr"/>
+            <a:endParaRPr lang="en-CA">
+              <a:solidFill>
+                <a:schemeClr val="tx1"/>
+              </a:solidFill>
+            </a:endParaRPr>
+          </a:p>
+        </p:txBody>
+      </p:sp>
     </p:spTree>
     <p:extLst>
       <p:ext uri="{BB962C8B-B14F-4D97-AF65-F5344CB8AC3E}">
@@ -5155,15 +5255,7 @@
           <a:p>
             <a:r>
               <a:rPr lang="en-CA" dirty="0"/>
-              <a:t>For the FFT, an uneven delta-comb sampling window is </a:t>
-            </a:r>
-            <a:r>
-              <a:rPr lang="en-CA" dirty="0" err="1"/>
-              <a:t>unsymmetric</a:t>
-            </a:r>
-            <a:r>
-              <a:rPr lang="en-CA" dirty="0"/>
-              <a:t>, and has a noisy Fourier inverse. This gives a noisy result.</a:t>
+              <a:t>For the FFT, an uneven delta-comb sampling window is asymmetric, and has a noisy Fourier inverse. This gives a noisy result.</a:t>
             </a:r>
           </a:p>
           <a:p>
@@ -5214,6 +5306,56 @@
               <a:rPr lang="en-CA" dirty="0"/>
               <a:t> 2017</a:t>
             </a:r>
+          </a:p>
+        </p:txBody>
+      </p:sp>
+      <p:sp>
+        <p:nvSpPr>
+          <p:cNvPr id="8" name="Circle: Hollow 7">
+            <a:extLst>
+              <a:ext uri="{FF2B5EF4-FFF2-40B4-BE49-F238E27FC236}">
+                <a16:creationId xmlns:a16="http://schemas.microsoft.com/office/drawing/2014/main" id="{4FC9EE2E-4030-4491-BCC5-213CA38E068B}"/>
+              </a:ext>
+            </a:extLst>
+          </p:cNvPr>
+          <p:cNvSpPr/>
+          <p:nvPr/>
+        </p:nvSpPr>
+        <p:spPr>
+          <a:xfrm>
+            <a:off x="96253" y="6416842"/>
+            <a:ext cx="320842" cy="320842"/>
+          </a:xfrm>
+          <a:prstGeom prst="donut">
+            <a:avLst/>
+          </a:prstGeom>
+        </p:spPr>
+        <p:style>
+          <a:lnRef idx="2">
+            <a:schemeClr val="accent1">
+              <a:shade val="50000"/>
+            </a:schemeClr>
+          </a:lnRef>
+          <a:fillRef idx="1">
+            <a:schemeClr val="accent1"/>
+          </a:fillRef>
+          <a:effectRef idx="0">
+            <a:schemeClr val="accent1"/>
+          </a:effectRef>
+          <a:fontRef idx="minor">
+            <a:schemeClr val="lt1"/>
+          </a:fontRef>
+        </p:style>
+        <p:txBody>
+          <a:bodyPr rtlCol="0" anchor="ctr"/>
+          <a:lstStyle/>
+          <a:p>
+            <a:pPr algn="ctr"/>
+            <a:endParaRPr lang="en-CA">
+              <a:solidFill>
+                <a:schemeClr val="tx1"/>
+              </a:solidFill>
+            </a:endParaRPr>
           </a:p>
         </p:txBody>
       </p:sp>
@@ -5423,6 +5565,56 @@
           </a:prstGeom>
         </p:spPr>
       </p:pic>
+      <p:sp>
+        <p:nvSpPr>
+          <p:cNvPr id="7" name="Circle: Hollow 6">
+            <a:extLst>
+              <a:ext uri="{FF2B5EF4-FFF2-40B4-BE49-F238E27FC236}">
+                <a16:creationId xmlns:a16="http://schemas.microsoft.com/office/drawing/2014/main" id="{18434EBF-1062-4678-B9F8-30C4D9E0598B}"/>
+              </a:ext>
+            </a:extLst>
+          </p:cNvPr>
+          <p:cNvSpPr/>
+          <p:nvPr/>
+        </p:nvSpPr>
+        <p:spPr>
+          <a:xfrm>
+            <a:off x="96253" y="6416842"/>
+            <a:ext cx="320842" cy="320842"/>
+          </a:xfrm>
+          <a:prstGeom prst="donut">
+            <a:avLst/>
+          </a:prstGeom>
+        </p:spPr>
+        <p:style>
+          <a:lnRef idx="2">
+            <a:schemeClr val="accent1">
+              <a:shade val="50000"/>
+            </a:schemeClr>
+          </a:lnRef>
+          <a:fillRef idx="1">
+            <a:schemeClr val="accent1"/>
+          </a:fillRef>
+          <a:effectRef idx="0">
+            <a:schemeClr val="accent1"/>
+          </a:effectRef>
+          <a:fontRef idx="minor">
+            <a:schemeClr val="lt1"/>
+          </a:fontRef>
+        </p:style>
+        <p:txBody>
+          <a:bodyPr rtlCol="0" anchor="ctr"/>
+          <a:lstStyle/>
+          <a:p>
+            <a:pPr algn="ctr"/>
+            <a:endParaRPr lang="en-CA">
+              <a:solidFill>
+                <a:schemeClr val="tx1"/>
+              </a:solidFill>
+            </a:endParaRPr>
+          </a:p>
+        </p:txBody>
+      </p:sp>
     </p:spTree>
     <p:extLst>
       <p:ext uri="{BB962C8B-B14F-4D97-AF65-F5344CB8AC3E}">

--- a/Presentation2/The Lomb-Scargle Algorithm-v2.pptx
+++ b/Presentation2/The Lomb-Scargle Algorithm-v2.pptx
@@ -15,11 +15,13 @@
     <p:sldId id="263" r:id="rId9"/>
     <p:sldId id="264" r:id="rId10"/>
     <p:sldId id="265" r:id="rId11"/>
-    <p:sldId id="267" r:id="rId12"/>
-    <p:sldId id="261" r:id="rId13"/>
-    <p:sldId id="268" r:id="rId14"/>
-    <p:sldId id="266" r:id="rId15"/>
-    <p:sldId id="270" r:id="rId16"/>
+    <p:sldId id="272" r:id="rId12"/>
+    <p:sldId id="267" r:id="rId13"/>
+    <p:sldId id="261" r:id="rId14"/>
+    <p:sldId id="268" r:id="rId15"/>
+    <p:sldId id="271" r:id="rId16"/>
+    <p:sldId id="266" r:id="rId17"/>
+    <p:sldId id="270" r:id="rId18"/>
   </p:sldIdLst>
   <p:sldSz cx="12192000" cy="6858000"/>
   <p:notesSz cx="6858000" cy="9144000"/>
@@ -124,6 +126,10 @@
     </p:ext>
   </p:extLst>
 </p:presentation>
+</file>
+
+<file path=ppt/revisionInfo.xml><?xml version="1.0" encoding="utf-8"?>
+<p1510:revInfo xmlns:a="http://schemas.openxmlformats.org/drawingml/2006/main" xmlns:r="http://schemas.openxmlformats.org/officeDocument/2006/relationships" xmlns:p1510="http://schemas.microsoft.com/office/powerpoint/2015/10/main"/>
 </file>
 
 <file path=ppt/slideLayouts/slideLayout1.xml><?xml version="1.0" encoding="utf-8"?>
@@ -3361,6 +3367,53 @@
           <a:chExt cx="0" cy="0"/>
         </a:xfrm>
       </p:grpSpPr>
+      <p:pic>
+        <p:nvPicPr>
+          <p:cNvPr id="4" name="Picture 3">
+            <a:extLst>
+              <a:ext uri="{FF2B5EF4-FFF2-40B4-BE49-F238E27FC236}">
+                <a16:creationId xmlns:a16="http://schemas.microsoft.com/office/drawing/2014/main" id="{28BF52E8-F180-4410-AE56-832C3971F271}"/>
+              </a:ext>
+            </a:extLst>
+          </p:cNvPr>
+          <p:cNvPicPr>
+            <a:picLocks noChangeAspect="1"/>
+          </p:cNvPicPr>
+          <p:nvPr/>
+        </p:nvPicPr>
+        <p:blipFill>
+          <a:blip r:embed="rId2">
+            <a:extLst>
+              <a:ext uri="{BEBA8EAE-BF5A-486C-A8C5-ECC9F3942E4B}">
+                <a14:imgProps xmlns:a14="http://schemas.microsoft.com/office/drawing/2010/main">
+                  <a14:imgLayer r:embed="rId3">
+                    <a14:imgEffect>
+                      <a14:saturation sat="117000"/>
+                    </a14:imgEffect>
+                  </a14:imgLayer>
+                </a14:imgProps>
+              </a:ext>
+            </a:extLst>
+          </a:blip>
+          <a:stretch>
+            <a:fillRect/>
+          </a:stretch>
+        </p:blipFill>
+        <p:spPr>
+          <a:xfrm>
+            <a:off x="-647699" y="-1236053"/>
+            <a:ext cx="13323464" cy="9446336"/>
+          </a:xfrm>
+          <a:prstGeom prst="rect">
+            <a:avLst/>
+          </a:prstGeom>
+          <a:solidFill>
+            <a:schemeClr val="bg1">
+              <a:alpha val="78000"/>
+            </a:schemeClr>
+          </a:solidFill>
+        </p:spPr>
+      </p:pic>
       <p:sp>
         <p:nvSpPr>
           <p:cNvPr id="2" name="Title 1">
@@ -3377,21 +3430,45 @@
             <p:ph type="ctrTitle"/>
           </p:nvPr>
         </p:nvSpPr>
-        <p:spPr/>
-        <p:txBody>
-          <a:bodyPr/>
-          <a:lstStyle/>
-          <a:p>
-            <a:r>
-              <a:rPr lang="en-CA" dirty="0"/>
+        <p:spPr>
+          <a:xfrm>
+            <a:off x="1524000" y="1122363"/>
+            <a:ext cx="9144000" cy="2387600"/>
+          </a:xfrm>
+          <a:effectLst>
+            <a:outerShdw blurRad="50800" dist="38100" dir="5400000" algn="t" rotWithShape="0">
+              <a:prstClr val="black">
+                <a:alpha val="40000"/>
+              </a:prstClr>
+            </a:outerShdw>
+          </a:effectLst>
+        </p:spPr>
+        <p:txBody>
+          <a:bodyPr/>
+          <a:lstStyle/>
+          <a:p>
+            <a:r>
+              <a:rPr lang="en-CA" dirty="0">
+                <a:solidFill>
+                  <a:schemeClr val="bg1"/>
+                </a:solidFill>
+              </a:rPr>
               <a:t>The Lomb-</a:t>
             </a:r>
             <a:r>
-              <a:rPr lang="en-CA" dirty="0" err="1"/>
+              <a:rPr lang="en-CA" dirty="0" err="1">
+                <a:solidFill>
+                  <a:schemeClr val="bg1"/>
+                </a:solidFill>
+              </a:rPr>
               <a:t>Scargle</a:t>
             </a:r>
             <a:r>
-              <a:rPr lang="en-CA" dirty="0"/>
+              <a:rPr lang="en-CA" dirty="0">
+                <a:solidFill>
+                  <a:schemeClr val="bg1"/>
+                </a:solidFill>
+              </a:rPr>
               <a:t> Algorithm</a:t>
             </a:r>
           </a:p>
@@ -3413,13 +3490,25 @@
             <p:ph type="subTitle" idx="1"/>
           </p:nvPr>
         </p:nvSpPr>
-        <p:spPr/>
-        <p:txBody>
-          <a:bodyPr/>
-          <a:lstStyle/>
-          <a:p>
-            <a:r>
-              <a:rPr lang="en-CA" dirty="0"/>
+        <p:spPr>
+          <a:effectLst>
+            <a:outerShdw blurRad="50800" dist="38100" dir="5400000" algn="t" rotWithShape="0">
+              <a:prstClr val="black">
+                <a:alpha val="40000"/>
+              </a:prstClr>
+            </a:outerShdw>
+          </a:effectLst>
+        </p:spPr>
+        <p:txBody>
+          <a:bodyPr/>
+          <a:lstStyle/>
+          <a:p>
+            <a:r>
+              <a:rPr lang="en-CA" dirty="0">
+                <a:solidFill>
+                  <a:schemeClr val="bg1"/>
+                </a:solidFill>
+              </a:rPr>
               <a:t>Alex Matheson &amp; Austin Nhung</a:t>
             </a:r>
           </a:p>
@@ -3623,7 +3712,7 @@
           <p:cNvPr id="2" name="Title 1">
             <a:extLst>
               <a:ext uri="{FF2B5EF4-FFF2-40B4-BE49-F238E27FC236}">
-                <a16:creationId xmlns:a16="http://schemas.microsoft.com/office/drawing/2014/main" id="{9DBFBAB5-EF2C-411E-B879-E9219A8676C7}"/>
+                <a16:creationId xmlns:a16="http://schemas.microsoft.com/office/drawing/2014/main" id="{9727674B-6A5F-41C9-A5ED-B42D5894800C}"/>
               </a:ext>
             </a:extLst>
           </p:cNvPr>
@@ -3641,7 +3730,15 @@
           <a:p>
             <a:r>
               <a:rPr lang="en-CA" dirty="0"/>
-              <a:t>Example - Mathematical</a:t>
+              <a:t>Lomb-</a:t>
+            </a:r>
+            <a:r>
+              <a:rPr lang="en-CA" dirty="0" err="1"/>
+              <a:t>Scargle</a:t>
+            </a:r>
+            <a:r>
+              <a:rPr lang="en-CA" dirty="0"/>
+              <a:t> vs. FFT</a:t>
             </a:r>
           </a:p>
         </p:txBody>
@@ -3651,7 +3748,7 @@
           <p:cNvPr id="3" name="Content Placeholder 2">
             <a:extLst>
               <a:ext uri="{FF2B5EF4-FFF2-40B4-BE49-F238E27FC236}">
-                <a16:creationId xmlns:a16="http://schemas.microsoft.com/office/drawing/2014/main" id="{AED49C2C-971C-4494-AD21-DA2DD0EE5CE6}"/>
+                <a16:creationId xmlns:a16="http://schemas.microsoft.com/office/drawing/2014/main" id="{2BD87B61-9A8E-41AE-95DF-4F0791BF4B46}"/>
               </a:ext>
             </a:extLst>
           </p:cNvPr>
@@ -3667,64 +3764,250 @@
           <a:bodyPr/>
           <a:lstStyle/>
           <a:p>
-            <a:endParaRPr lang="en-CA"/>
-          </a:p>
-        </p:txBody>
-      </p:sp>
-      <p:sp>
-        <p:nvSpPr>
-          <p:cNvPr id="4" name="Circle: Hollow 3">
-            <a:extLst>
-              <a:ext uri="{FF2B5EF4-FFF2-40B4-BE49-F238E27FC236}">
-                <a16:creationId xmlns:a16="http://schemas.microsoft.com/office/drawing/2014/main" id="{0FA1B659-B102-4046-9AFF-0BE890B363D2}"/>
-              </a:ext>
-            </a:extLst>
-          </p:cNvPr>
-          <p:cNvSpPr/>
+            <a:r>
+              <a:rPr lang="en-CA" dirty="0"/>
+              <a:t>The Lomb-</a:t>
+            </a:r>
+            <a:r>
+              <a:rPr lang="en-CA" dirty="0" err="1"/>
+              <a:t>Scargle</a:t>
+            </a:r>
+            <a:r>
+              <a:rPr lang="en-CA" dirty="0"/>
+              <a:t> algorithm is much slower than DFT, but faster than FFT, operating at order O(n) instead of O(n</a:t>
+            </a:r>
+            <a:r>
+              <a:rPr lang="en-CA" baseline="30000" dirty="0"/>
+              <a:t>2</a:t>
+            </a:r>
+            <a:r>
+              <a:rPr lang="en-CA" dirty="0"/>
+              <a:t>) and O(nlog2(n)) respectively</a:t>
+            </a:r>
+          </a:p>
+          <a:p>
+            <a:r>
+              <a:rPr lang="en-CA" dirty="0"/>
+              <a:t>When you can use both Lomb-</a:t>
+            </a:r>
+            <a:r>
+              <a:rPr lang="en-CA" dirty="0" err="1"/>
+              <a:t>Scargle</a:t>
+            </a:r>
+            <a:r>
+              <a:rPr lang="en-CA" dirty="0"/>
+              <a:t> and FFT, FFT is actually faster. This is because Lomb-</a:t>
+            </a:r>
+            <a:r>
+              <a:rPr lang="en-CA" dirty="0" err="1"/>
+              <a:t>Scargle</a:t>
+            </a:r>
+            <a:r>
+              <a:rPr lang="en-CA" dirty="0"/>
+              <a:t> relies on oversampling.</a:t>
+            </a:r>
+          </a:p>
+        </p:txBody>
+      </p:sp>
+      <p:pic>
+        <p:nvPicPr>
+          <p:cNvPr id="5" name="Picture 4">
+            <a:extLst>
+              <a:ext uri="{FF2B5EF4-FFF2-40B4-BE49-F238E27FC236}">
+                <a16:creationId xmlns:a16="http://schemas.microsoft.com/office/drawing/2014/main" id="{845B7997-5B91-4234-ADAE-75708BDD6664}"/>
+              </a:ext>
+            </a:extLst>
+          </p:cNvPr>
+          <p:cNvPicPr>
+            <a:picLocks noChangeAspect="1"/>
+          </p:cNvPicPr>
           <p:nvPr/>
-        </p:nvSpPr>
+        </p:nvPicPr>
+        <p:blipFill>
+          <a:blip r:embed="rId2">
+            <a:extLst>
+              <a:ext uri="{28A0092B-C50C-407E-A947-70E740481C1C}">
+                <a14:useLocalDpi xmlns:a14="http://schemas.microsoft.com/office/drawing/2010/main" val="0"/>
+              </a:ext>
+            </a:extLst>
+          </a:blip>
+          <a:stretch>
+            <a:fillRect/>
+          </a:stretch>
+        </p:blipFill>
         <p:spPr>
           <a:xfrm>
-            <a:off x="96253" y="6416842"/>
-            <a:ext cx="320842" cy="320842"/>
+            <a:off x="902855" y="4466165"/>
+            <a:ext cx="6301509" cy="1323847"/>
           </a:xfrm>
-          <a:prstGeom prst="donut">
+          <a:prstGeom prst="rect">
+            <a:avLst/>
+          </a:prstGeom>
+        </p:spPr>
+      </p:pic>
+      <p:sp>
+        <p:nvSpPr>
+          <p:cNvPr id="6" name="TextBox 5">
+            <a:extLst>
+              <a:ext uri="{FF2B5EF4-FFF2-40B4-BE49-F238E27FC236}">
+                <a16:creationId xmlns:a16="http://schemas.microsoft.com/office/drawing/2014/main" id="{A14AFEE4-D7B9-480B-88FC-7724FBFF9206}"/>
+              </a:ext>
+            </a:extLst>
+          </p:cNvPr>
+          <p:cNvSpPr txBox="1"/>
+          <p:nvPr/>
+        </p:nvSpPr>
+        <p:spPr>
+          <a:xfrm>
+            <a:off x="8528716" y="4666423"/>
+            <a:ext cx="1500732" cy="923330"/>
+          </a:xfrm>
+          <a:prstGeom prst="rect">
+            <a:avLst/>
+          </a:prstGeom>
+          <a:noFill/>
+        </p:spPr>
+        <p:txBody>
+          <a:bodyPr wrap="none" rtlCol="0">
+            <a:spAutoFit/>
+          </a:bodyPr>
+          <a:lstStyle/>
+          <a:p>
+            <a:r>
+              <a:rPr lang="en-CA" dirty="0"/>
+              <a:t>FFT</a:t>
+            </a:r>
+          </a:p>
+          <a:p>
+            <a:r>
+              <a:rPr lang="en-CA" dirty="0"/>
+              <a:t>Our algorithm</a:t>
+            </a:r>
+          </a:p>
+          <a:p>
+            <a:r>
+              <a:rPr lang="en-CA" dirty="0" err="1"/>
+              <a:t>astropy</a:t>
+            </a:r>
+            <a:endParaRPr lang="en-CA" dirty="0"/>
+          </a:p>
+        </p:txBody>
+      </p:sp>
+      <p:cxnSp>
+        <p:nvCxnSpPr>
+          <p:cNvPr id="8" name="Straight Connector 7">
+            <a:extLst>
+              <a:ext uri="{FF2B5EF4-FFF2-40B4-BE49-F238E27FC236}">
+                <a16:creationId xmlns:a16="http://schemas.microsoft.com/office/drawing/2014/main" id="{49FC06AB-E0E7-411A-9280-21130D751374}"/>
+              </a:ext>
+            </a:extLst>
+          </p:cNvPr>
+          <p:cNvCxnSpPr/>
+          <p:nvPr/>
+        </p:nvCxnSpPr>
+        <p:spPr>
+          <a:xfrm flipH="1">
+            <a:off x="7080308" y="4874004"/>
+            <a:ext cx="1448408" cy="444616"/>
+          </a:xfrm>
+          <a:prstGeom prst="line">
             <a:avLst/>
           </a:prstGeom>
         </p:spPr>
         <p:style>
-          <a:lnRef idx="2">
-            <a:schemeClr val="accent1">
-              <a:shade val="50000"/>
-            </a:schemeClr>
+          <a:lnRef idx="1">
+            <a:schemeClr val="dk1"/>
           </a:lnRef>
-          <a:fillRef idx="1">
-            <a:schemeClr val="accent1"/>
+          <a:fillRef idx="0">
+            <a:schemeClr val="dk1"/>
           </a:fillRef>
           <a:effectRef idx="0">
-            <a:schemeClr val="accent1"/>
+            <a:schemeClr val="dk1"/>
           </a:effectRef>
           <a:fontRef idx="minor">
-            <a:schemeClr val="lt1"/>
+            <a:schemeClr val="tx1"/>
           </a:fontRef>
         </p:style>
-        <p:txBody>
-          <a:bodyPr rtlCol="0" anchor="ctr"/>
-          <a:lstStyle/>
-          <a:p>
-            <a:pPr algn="ctr"/>
-            <a:endParaRPr lang="en-CA">
-              <a:solidFill>
-                <a:schemeClr val="tx1"/>
-              </a:solidFill>
-            </a:endParaRPr>
-          </a:p>
-        </p:txBody>
-      </p:sp>
+      </p:cxnSp>
+      <p:cxnSp>
+        <p:nvCxnSpPr>
+          <p:cNvPr id="10" name="Straight Connector 9">
+            <a:extLst>
+              <a:ext uri="{FF2B5EF4-FFF2-40B4-BE49-F238E27FC236}">
+                <a16:creationId xmlns:a16="http://schemas.microsoft.com/office/drawing/2014/main" id="{DDACECF9-67CE-4A25-A19D-13656C25A2CD}"/>
+              </a:ext>
+            </a:extLst>
+          </p:cNvPr>
+          <p:cNvCxnSpPr>
+            <a:cxnSpLocks/>
+            <a:stCxn id="6" idx="1"/>
+          </p:cNvCxnSpPr>
+          <p:nvPr/>
+        </p:nvCxnSpPr>
+        <p:spPr>
+          <a:xfrm flipH="1">
+            <a:off x="7080308" y="5128088"/>
+            <a:ext cx="1448408" cy="354369"/>
+          </a:xfrm>
+          <a:prstGeom prst="line">
+            <a:avLst/>
+          </a:prstGeom>
+        </p:spPr>
+        <p:style>
+          <a:lnRef idx="1">
+            <a:schemeClr val="dk1"/>
+          </a:lnRef>
+          <a:fillRef idx="0">
+            <a:schemeClr val="dk1"/>
+          </a:fillRef>
+          <a:effectRef idx="0">
+            <a:schemeClr val="dk1"/>
+          </a:effectRef>
+          <a:fontRef idx="minor">
+            <a:schemeClr val="tx1"/>
+          </a:fontRef>
+        </p:style>
+      </p:cxnSp>
+      <p:cxnSp>
+        <p:nvCxnSpPr>
+          <p:cNvPr id="12" name="Straight Connector 11">
+            <a:extLst>
+              <a:ext uri="{FF2B5EF4-FFF2-40B4-BE49-F238E27FC236}">
+                <a16:creationId xmlns:a16="http://schemas.microsoft.com/office/drawing/2014/main" id="{AF4B48C1-B770-49CC-B712-85B0E04DF545}"/>
+              </a:ext>
+            </a:extLst>
+          </p:cNvPr>
+          <p:cNvCxnSpPr/>
+          <p:nvPr/>
+        </p:nvCxnSpPr>
+        <p:spPr>
+          <a:xfrm flipH="1">
+            <a:off x="7080308" y="5433069"/>
+            <a:ext cx="1448408" cy="213224"/>
+          </a:xfrm>
+          <a:prstGeom prst="line">
+            <a:avLst/>
+          </a:prstGeom>
+        </p:spPr>
+        <p:style>
+          <a:lnRef idx="1">
+            <a:schemeClr val="dk1"/>
+          </a:lnRef>
+          <a:fillRef idx="0">
+            <a:schemeClr val="dk1"/>
+          </a:fillRef>
+          <a:effectRef idx="0">
+            <a:schemeClr val="dk1"/>
+          </a:effectRef>
+          <a:fontRef idx="minor">
+            <a:schemeClr val="tx1"/>
+          </a:fontRef>
+        </p:style>
+      </p:cxnSp>
     </p:spTree>
     <p:extLst>
       <p:ext uri="{BB962C8B-B14F-4D97-AF65-F5344CB8AC3E}">
-        <p14:creationId xmlns:p14="http://schemas.microsoft.com/office/powerpoint/2010/main" val="385520575"/>
+        <p14:creationId xmlns:p14="http://schemas.microsoft.com/office/powerpoint/2010/main" val="2425104647"/>
       </p:ext>
     </p:extLst>
   </p:cSld>
@@ -3756,6 +4039,139 @@
           <p:cNvPr id="2" name="Title 1">
             <a:extLst>
               <a:ext uri="{FF2B5EF4-FFF2-40B4-BE49-F238E27FC236}">
+                <a16:creationId xmlns:a16="http://schemas.microsoft.com/office/drawing/2014/main" id="{9DBFBAB5-EF2C-411E-B879-E9219A8676C7}"/>
+              </a:ext>
+            </a:extLst>
+          </p:cNvPr>
+          <p:cNvSpPr>
+            <a:spLocks noGrp="1"/>
+          </p:cNvSpPr>
+          <p:nvPr>
+            <p:ph type="title"/>
+          </p:nvPr>
+        </p:nvSpPr>
+        <p:spPr/>
+        <p:txBody>
+          <a:bodyPr/>
+          <a:lstStyle/>
+          <a:p>
+            <a:r>
+              <a:rPr lang="en-CA" dirty="0"/>
+              <a:t>Example - Mathematical</a:t>
+            </a:r>
+          </a:p>
+        </p:txBody>
+      </p:sp>
+      <p:sp>
+        <p:nvSpPr>
+          <p:cNvPr id="3" name="Content Placeholder 2">
+            <a:extLst>
+              <a:ext uri="{FF2B5EF4-FFF2-40B4-BE49-F238E27FC236}">
+                <a16:creationId xmlns:a16="http://schemas.microsoft.com/office/drawing/2014/main" id="{AED49C2C-971C-4494-AD21-DA2DD0EE5CE6}"/>
+              </a:ext>
+            </a:extLst>
+          </p:cNvPr>
+          <p:cNvSpPr>
+            <a:spLocks noGrp="1"/>
+          </p:cNvSpPr>
+          <p:nvPr>
+            <p:ph idx="1"/>
+          </p:nvPr>
+        </p:nvSpPr>
+        <p:spPr/>
+        <p:txBody>
+          <a:bodyPr/>
+          <a:lstStyle/>
+          <a:p>
+            <a:endParaRPr lang="en-CA"/>
+          </a:p>
+        </p:txBody>
+      </p:sp>
+      <p:sp>
+        <p:nvSpPr>
+          <p:cNvPr id="4" name="Circle: Hollow 3">
+            <a:extLst>
+              <a:ext uri="{FF2B5EF4-FFF2-40B4-BE49-F238E27FC236}">
+                <a16:creationId xmlns:a16="http://schemas.microsoft.com/office/drawing/2014/main" id="{0FA1B659-B102-4046-9AFF-0BE890B363D2}"/>
+              </a:ext>
+            </a:extLst>
+          </p:cNvPr>
+          <p:cNvSpPr/>
+          <p:nvPr/>
+        </p:nvSpPr>
+        <p:spPr>
+          <a:xfrm>
+            <a:off x="96253" y="6416842"/>
+            <a:ext cx="320842" cy="320842"/>
+          </a:xfrm>
+          <a:prstGeom prst="donut">
+            <a:avLst/>
+          </a:prstGeom>
+        </p:spPr>
+        <p:style>
+          <a:lnRef idx="2">
+            <a:schemeClr val="accent1">
+              <a:shade val="50000"/>
+            </a:schemeClr>
+          </a:lnRef>
+          <a:fillRef idx="1">
+            <a:schemeClr val="accent1"/>
+          </a:fillRef>
+          <a:effectRef idx="0">
+            <a:schemeClr val="accent1"/>
+          </a:effectRef>
+          <a:fontRef idx="minor">
+            <a:schemeClr val="lt1"/>
+          </a:fontRef>
+        </p:style>
+        <p:txBody>
+          <a:bodyPr rtlCol="0" anchor="ctr"/>
+          <a:lstStyle/>
+          <a:p>
+            <a:pPr algn="ctr"/>
+            <a:endParaRPr lang="en-CA">
+              <a:solidFill>
+                <a:schemeClr val="tx1"/>
+              </a:solidFill>
+            </a:endParaRPr>
+          </a:p>
+        </p:txBody>
+      </p:sp>
+    </p:spTree>
+    <p:extLst>
+      <p:ext uri="{BB962C8B-B14F-4D97-AF65-F5344CB8AC3E}">
+        <p14:creationId xmlns:p14="http://schemas.microsoft.com/office/powerpoint/2010/main" val="385520575"/>
+      </p:ext>
+    </p:extLst>
+  </p:cSld>
+  <p:clrMapOvr>
+    <a:masterClrMapping/>
+  </p:clrMapOvr>
+</p:sld>
+</file>
+
+<file path=ppt/slides/slide13.xml><?xml version="1.0" encoding="utf-8"?>
+<p:sld xmlns:a="http://schemas.openxmlformats.org/drawingml/2006/main" xmlns:r="http://schemas.openxmlformats.org/officeDocument/2006/relationships" xmlns:p="http://schemas.openxmlformats.org/presentationml/2006/main">
+  <p:cSld>
+    <p:spTree>
+      <p:nvGrpSpPr>
+        <p:cNvPr id="1" name=""/>
+        <p:cNvGrpSpPr/>
+        <p:nvPr/>
+      </p:nvGrpSpPr>
+      <p:grpSpPr>
+        <a:xfrm>
+          <a:off x="0" y="0"/>
+          <a:ext cx="0" cy="0"/>
+          <a:chOff x="0" y="0"/>
+          <a:chExt cx="0" cy="0"/>
+        </a:xfrm>
+      </p:grpSpPr>
+      <p:sp>
+        <p:nvSpPr>
+          <p:cNvPr id="2" name="Title 1">
+            <a:extLst>
+              <a:ext uri="{FF2B5EF4-FFF2-40B4-BE49-F238E27FC236}">
                 <a16:creationId xmlns:a16="http://schemas.microsoft.com/office/drawing/2014/main" id="{5F217C17-9D0A-4160-BFCA-A0C9F35746D8}"/>
               </a:ext>
             </a:extLst>
@@ -3796,7 +4212,12 @@
             <p:ph idx="1"/>
           </p:nvPr>
         </p:nvSpPr>
-        <p:spPr/>
+        <p:spPr>
+          <a:xfrm>
+            <a:off x="838200" y="1853335"/>
+            <a:ext cx="10515600" cy="4351338"/>
+          </a:xfrm>
+        </p:spPr>
         <p:txBody>
           <a:bodyPr/>
           <a:lstStyle/>
@@ -4080,93 +4501,6 @@
 </p:sld>
 </file>
 
-<file path=ppt/slides/slide13.xml><?xml version="1.0" encoding="utf-8"?>
-<p:sld xmlns:a="http://schemas.openxmlformats.org/drawingml/2006/main" xmlns:r="http://schemas.openxmlformats.org/officeDocument/2006/relationships" xmlns:p="http://schemas.openxmlformats.org/presentationml/2006/main">
-  <p:cSld>
-    <p:spTree>
-      <p:nvGrpSpPr>
-        <p:cNvPr id="1" name=""/>
-        <p:cNvGrpSpPr/>
-        <p:nvPr/>
-      </p:nvGrpSpPr>
-      <p:grpSpPr>
-        <a:xfrm>
-          <a:off x="0" y="0"/>
-          <a:ext cx="0" cy="0"/>
-          <a:chOff x="0" y="0"/>
-          <a:chExt cx="0" cy="0"/>
-        </a:xfrm>
-      </p:grpSpPr>
-      <p:sp>
-        <p:nvSpPr>
-          <p:cNvPr id="2" name="Title 1">
-            <a:extLst>
-              <a:ext uri="{FF2B5EF4-FFF2-40B4-BE49-F238E27FC236}">
-                <a16:creationId xmlns:a16="http://schemas.microsoft.com/office/drawing/2014/main" id="{952DED55-1B6F-41E0-A47A-E2BF10242882}"/>
-              </a:ext>
-            </a:extLst>
-          </p:cNvPr>
-          <p:cNvSpPr>
-            <a:spLocks noGrp="1"/>
-          </p:cNvSpPr>
-          <p:nvPr>
-            <p:ph type="title"/>
-          </p:nvPr>
-        </p:nvSpPr>
-        <p:spPr/>
-        <p:txBody>
-          <a:bodyPr/>
-          <a:lstStyle/>
-          <a:p>
-            <a:r>
-              <a:rPr lang="en-CA" dirty="0" err="1"/>
-              <a:t>Astropy</a:t>
-            </a:r>
-            <a:r>
-              <a:rPr lang="en-CA" dirty="0"/>
-              <a:t> Example</a:t>
-            </a:r>
-          </a:p>
-        </p:txBody>
-      </p:sp>
-      <p:sp>
-        <p:nvSpPr>
-          <p:cNvPr id="3" name="Content Placeholder 2">
-            <a:extLst>
-              <a:ext uri="{FF2B5EF4-FFF2-40B4-BE49-F238E27FC236}">
-                <a16:creationId xmlns:a16="http://schemas.microsoft.com/office/drawing/2014/main" id="{2D95193E-86D9-46BC-BD11-A01CB083C5D2}"/>
-              </a:ext>
-            </a:extLst>
-          </p:cNvPr>
-          <p:cNvSpPr>
-            <a:spLocks noGrp="1"/>
-          </p:cNvSpPr>
-          <p:nvPr>
-            <p:ph idx="1"/>
-          </p:nvPr>
-        </p:nvSpPr>
-        <p:spPr/>
-        <p:txBody>
-          <a:bodyPr/>
-          <a:lstStyle/>
-          <a:p>
-            <a:endParaRPr lang="en-CA" dirty="0"/>
-          </a:p>
-        </p:txBody>
-      </p:sp>
-    </p:spTree>
-    <p:extLst>
-      <p:ext uri="{BB962C8B-B14F-4D97-AF65-F5344CB8AC3E}">
-        <p14:creationId xmlns:p14="http://schemas.microsoft.com/office/powerpoint/2010/main" val="1121226968"/>
-      </p:ext>
-    </p:extLst>
-  </p:cSld>
-  <p:clrMapOvr>
-    <a:masterClrMapping/>
-  </p:clrMapOvr>
-</p:sld>
-</file>
-
 <file path=ppt/slides/slide14.xml><?xml version="1.0" encoding="utf-8"?>
 <p:sld xmlns:a="http://schemas.openxmlformats.org/drawingml/2006/main" xmlns:r="http://schemas.openxmlformats.org/officeDocument/2006/relationships" xmlns:p="http://schemas.openxmlformats.org/presentationml/2006/main">
   <p:cSld>
@@ -4189,7 +4523,7 @@
           <p:cNvPr id="2" name="Title 1">
             <a:extLst>
               <a:ext uri="{FF2B5EF4-FFF2-40B4-BE49-F238E27FC236}">
-                <a16:creationId xmlns:a16="http://schemas.microsoft.com/office/drawing/2014/main" id="{079DCC7C-AF2F-4297-AC5B-CA1A1D2814FF}"/>
+                <a16:creationId xmlns:a16="http://schemas.microsoft.com/office/drawing/2014/main" id="{952DED55-1B6F-41E0-A47A-E2BF10242882}"/>
               </a:ext>
             </a:extLst>
           </p:cNvPr>
@@ -4200,102 +4534,28 @@
             <p:ph type="title"/>
           </p:nvPr>
         </p:nvSpPr>
-        <p:spPr>
-          <a:xfrm>
-            <a:off x="838200" y="365125"/>
-            <a:ext cx="10515600" cy="1325563"/>
-          </a:xfrm>
-        </p:spPr>
-        <p:txBody>
-          <a:bodyPr/>
-          <a:lstStyle/>
-          <a:p>
+        <p:spPr/>
+        <p:txBody>
+          <a:bodyPr/>
+          <a:lstStyle/>
+          <a:p>
+            <a:r>
+              <a:rPr lang="en-CA" dirty="0" err="1"/>
+              <a:t>Astropy</a:t>
+            </a:r>
             <a:r>
               <a:rPr lang="en-CA" dirty="0"/>
-              <a:t>Comparison - Summary</a:t>
-            </a:r>
-          </a:p>
-        </p:txBody>
-      </p:sp>
-      <p:sp>
-        <p:nvSpPr>
-          <p:cNvPr id="3" name="Content Placeholder 2">
-            <a:extLst>
-              <a:ext uri="{FF2B5EF4-FFF2-40B4-BE49-F238E27FC236}">
-                <a16:creationId xmlns:a16="http://schemas.microsoft.com/office/drawing/2014/main" id="{3BEC23C5-5292-485A-839B-B1D87C787CA2}"/>
-              </a:ext>
-            </a:extLst>
-          </p:cNvPr>
-          <p:cNvSpPr>
-            <a:spLocks noGrp="1"/>
-          </p:cNvSpPr>
-          <p:nvPr>
-            <p:ph idx="1"/>
-          </p:nvPr>
-        </p:nvSpPr>
-        <p:spPr/>
-        <p:txBody>
-          <a:bodyPr/>
-          <a:lstStyle/>
-          <a:p>
-            <a:r>
-              <a:rPr lang="en-CA" dirty="0"/>
-              <a:t>Between…</a:t>
-            </a:r>
-          </a:p>
-        </p:txBody>
-      </p:sp>
-      <p:sp>
-        <p:nvSpPr>
-          <p:cNvPr id="4" name="AutoShape 2" descr="data:image/png;base64,iVBORw0KGgoAAAANSUhEUgAAAf4AAAFyCAYAAAAUHbiGAAAABHNCSVQICAgIfAhkiAAAAAlwSFlzAAALEgAACxIB0t1+/AAAIABJREFUeJzs3Xd4FMUbwPHvpZBOSKMKJKEMHSIgHQEFG01BigWVKlItYBcs2BUQ5UcRpApItVJEQKTXEOrQIZSEJEB6u7v9/XEHBgxwQBrk/TyPj7myM+/OHffu7M7OmAzDQAghhBCFg1N+ByCEEEKIvCOJXwghhChEJPELIYQQhYgkfiGEEKIQkcQvhBBCFCKS+IUQQohCxCW/AxB3H6WUMzAE6I7tO1YE+BV4T2udkZ+xZaWUmgzM0Vqvyqf62wCTgSjgfq11WpbXrECg1vp8LtR7HOiitd7iwHsbAh8DAdg6CpHAa1rrfTkdVzZ133Qb2PftCa31jhyo/3mgk9a63e2WdRsx1Ad6aq37O/o+pVQ94HWt9ZN5EqS440jiF7nhf4Av0EprnaiU8gRmA98DPfI1siy01n3yOYRuwCSt9ag8rtcATDd6k1LKDfgNeFBrHW5/7mlgqVIqWGtdECcBKYgx3Y7qwD038z6t9TZAkr64Jkn8IkcppUKAp4CSWuskAK11ilLqRaCR/T2+wHdAbWw/1EuBt7TWFqVUGvA10BYoCgzD9iNWEzgDtLOXZwU+Bx4EvOzbL1ZKeWE78KgE+AOJwFNa64NKqTVAHFDF/p7OwDhgCfAt0ATIAI4CL2itk5VSHYH3AGcgAXhFa71VKTUSCAZKAuWBGKCr1vrsVe3hat+fVoAF2Ay8DPQHOgCpSilfrfVwB9s32/K01kn23u5s4DFsPfQR9n2qC2QC7bPE96JS6jvAHfhKa/1DNtV5YjuA87n0hNZ6tlIqHttvR6ZSqifwij2WWOA5bJ/TaKCBfVsT0FtrvUEpNQ3b5xKK7SzQV8A0++M4IBrYrbV+/6r97mVvMyf7+wZqrfUN2uq2vktXleULjAVqAK7AX8Cwm/zOVgXGYPtsnIFvtNY/KKVaAKOAI/by3YABwGHgA6CoUmoK0Nu+/RXtCpy86n0zgXFa65oO/Fv7BGgNlAbGaq3HKqVKAjPscQL8rrV+73ptLe4sco1f5LR7gb2Xkv4lWutorfUS+8NvgBitdU2gHrYfpdfsrxUBzmitawHjsZ0lGAJUw5aE2mcpNklrXQ/oAkxVSgUCDwPntdaNtNYK2AoMtL/fsL9WXWv9rf2xATTGdqq9lr28o0BNpdSlA4QntNa1sR0A/KyUupQImwKdtdZVgQtAv2za4x1sBwe17PvpBHyhtf4C+AX42tGkf73ysuyfm9a6DvAqMAkYY38cCTxvf58JSLbva2vgU6VUtasr0lpfAIYDy5RSR5RSM5RSLwB/aa0zlVK1gU+Bh+zt8wvwNnAftgO/hlrr6tiSyBtZinbXWtfQWr+J7cBrt9a6GrZk2Yireu1KqfuxnSlqprW+176/ixxoq9v9LmU1Gthmf8+9QBC2Ax6H6lFKuQALgDfsZbQAXlNKNbCXcR/wpX3/pgAjtdangHeBf7TWvYCG2bVrNu/L6kb/1mK01k2xHQR/aj/L0wc4orWuCzQDKmX5zou7gCR+kdMs3Ph79TC2Hjb2a/4TgEeyvL7Q/v+j2JLCWftp5WPYeouXXCpjN7AbaK61XgjMUEoNUkqNxfYD65Vlm3+yiScCsCilNiulPgAWaq03YetVr9RaH7fXsxo4h60HbQCrsxzg7Lwqtqz7OkFrbbHvw7ir9vWGp9xvsrysbRdlbxuw9Sb97H8bwET7Pp0FlgMPZFeZ1no0UBwYDJwFXgd2KqWK2rdZprU+bX/vWK11f3vbvauU6q+U+gLoxL+fgQGsy1LFI9gOUNBaR2FLjlmZsJ3BqAhsUErtBD4D/JRSxa7bUv9tj5v6LnHlAUhboJ+9/m1AfWy9c0frqYztrMZUexlrsJ1tqWPf7oTWOsL+d9bv0uXvh9Z6I9du12t9j270b+3nLHW6YTvLsxTopJT6HdvB7Bta68RrlC/uQHKqX+S0rUBVpZR31l6/UqoMtmTTGduBQdYfKmeu/C6mZ/k78zp1WbL87QSYlVL9sfVYxmE77R2H7ZT8JVeciQDQWsfbe6+NsSWzeUqpb+x1X/2D6oTtVC9AWpbnr3XdPLt9dc3mfY66UXmOtp31qjIzlVLv828v+BdgBdDYfnbid+B3pdRb2BJj66vLt/cWy2O7zDIG+BLbZZQDwDNZ3pqc5W8zVx4oZo0ra3wztdZv2OsxAWW11hevs3+X3PJ3KZsYOl+6vGA/6Mh6YHCjepyAi1rrsEtP2E+pX8TWk0/N8t5sv0tKqce4frtm50b/1lIBtNaGUgrApLXeZr9k9yC2g98tSqmO9gMPcRcokD1+pdQDSqlJSqlZSqla+R2PcJy99zcbW8/GB8DeOxwPxGrbyPXl2K5hXkoWfYE/b6G6HvYy7gUUsBZoA0yzX7M+iC2ROWfZ5uofVJP9B/UvYKP92vIMbKfSVwFt7D+CKKVaYRtAtSm7cq4R43Js19NdlFJO2PZ7xQ22uV6Z1yvvRmWZsvz9PIBSqhy2H/iVWusRWusw+38jsI1beFsp1TxLOWWw9TIjgNXAg/YEBrZr8F/Yy/tVaz0R2A48zr+fwdX79DvQyx5LANCRKxOqYd+/7lnq6ePgPt+MrN+lKsDfV8W6HHhFKWVSShUBFgMv3UT5GkizD45EKVUW2AWEXXcr2wHIpQO767Vr1vdldbP/1kxKqU+Bd7XWPwNDgb3YDubEXaJAJn7AQ2vdF9uRbZv8DkbctJeAffx7anYTsAfbQCSwnTYurpTajS2B7Mc2uAn++6N/vVHaDZRS24GpQDd7D/BLbKdktwHzsPWMKl5VJlc9Xortx22PUmortuvMI7XW++37ssge68fYBmolZhPbtWL9CNvteuH2Nrl0q6Mj+3dcKZWY5b9Hb1De1a4VnwG4KaV2YEu8A7XWh6/eWGt9EFsi/lApdUwptReYC/TRWh/SWu/BNpBtmVIqHNu/1X7YTiffb//s/8CWaILtPfWr9/lloIpSKgLbaf4TQErW+LXWK7Cd3v9TKbULWy/38eu02432PztZv0tdtdbxV20zmH8PeCKwfZ8/d7QerXUmtsGcve37sBxbct2YZbvsYt+ArX0Wco12zeZ9V8ftyL+1rLGPBurYt9mK7fLFnKv3Sdy5TAV1WV776OxxwHCtdWx+xyMKFvtI7JJa63P5HYu4dfZLMzu11pvsPdK12OZ7WJ6HMch3SRQqeX6N3z6K9VOtdUv7qcrx2E6rpmO75eeIfUTt59h+ACTpi+wUzCNWcbP2AeOUbdKnIsBPeZn07eS7JAqVPO3xK6WGYztNl6S1bqyUegJoq7XuaT8geFNr3VEpNR0IBM4DS+wjtYUQQghxm/K6x38YeALbBBNguw96GYDWerOyTTWJ1vq5PI5LCCGEKBTydHCf1noRV94m44NtNrRLLPbT/0IIIYTIBfl9H38CWaYDBZy01tndx3tNhmEYJtPNzoEihBBC3NFuOfHld+JfD7QD5ivbKmARN3j/f5hMJmJiZFKp3BYU5CPtnMukjXOftHHukzbOG0FBtz6Lcn4l/ksjChcDrZVS6+2PX8ineIQQQohCIc8Tv33e88b2vw1ss30JIYQQIg/IQDohhBCiEJHEL4QQQhQikviFEEKIQkQSvxBCCFGISOIXQgghChFJ/Pno0KGDTJv2fY6U1b79Q7e1/aBB/UhIiM+RWG7GlCkTWbJElmIQQoi8kt8T+BRqlSpVplKlyjlSVk5MXpgfSzTLrItCCJG37vrE/9Oqw2w9kLPLbNevUpwurSpe8/WTJ0/wySfv4+zsgmEYjBjxEUFBxRk9+nP279+H2ZxJr1798PT04uefF/H++x/z3HPdKVu2LNHRUVSsWJnhw9/mpZd6M3z424SEhLJx43o2bFhHp05dWLjwJ1599fVs6z548ABjxnyJk5MTRYq48frrb2O1WnnvvTcpUaIkUVFneeCBNhw7doSDBzWNGjWhX78BAHzzzVfExMTg7u7OW2+NtMf+JoZhYBgWhgwZTqVKlZk27XvWrVuLxWKmY8fOdOjwBBMmfIvW+4mPj6dixUq89dYIpkyZyJ49EaSlpfLGG++xevVK1q5dQ7FifqSnp9G794tXxD5hwrdERIRjtVrp2vUpWrZ8MOc+NCGEEEAhSPz5Ydu2LVSrVpP+/QcRERFOUlIS+/fvIz4+nsmTp5OYmMi8ebOpW7f+5W2ios7w9dfjCAgI5J13Xmft2jW0a9eRpUt/46WXBvP777/w3HM9CQ4OuWbSB/jss1G8+eZ7VKxYiXXr/mbcuNEMHDiUs2fPMHbseNLS0njyyfYsWbIMNzc3OndudznxP/zwY9Sv35DFixcwc+YP1KtXH1/fYrzzzvvEx0cTHX2BgwcPsHnzRiZPno7FYmHixO9ITk6iaNGijB79HVarlR49uhIbG4PJZCIkJJTBg1/l0KGDbN68gSlTZpKRkcFzz3W7Iu6NG9dz9uwZxo//nvT0dF588QXq12+It7d37nxIQghRSN31ib9Lq4rX7Z3nhrZtOzB79nRefXUw3t5e9Os3gMjIE9SoUQsAHx8fevd+kR07tl3eJjg4lICAQABq1apNZOQJOnfuRq9ez9C9+7PExsZQqZK6Yd1xcbFUrFjJXk4YEyZ8C0Dp0mXw9PTC2dkFf/8AfHxs8zxnPdMeFlYPgOrVa7Bx4zoGDhxKZGQkb775Kp6e7nTr9hyRkSepVq06JpMJFxcXBgwYgtls5sKFC4wc+TYeHp6kpKRgNtsWYSxXrjwAJ04co2pV23Zubm4oVfWKuI8dO4LWBxg0qB8AFouFqKizl/dFCCFEzpDBfbngn3/+pnbtMMaOHU+LFg8wa9Z0goNDOHBgLwBJSUm89trgK65vnzp1kqSkJAB2746gQoWKuLu7ExZWj7Fjv+Shhx51qO7AwCCOHDkMQHj4DsqWtSVeR66l79kTYd9uJxUqVGLnzu0EBATy9dff8uKLLzJp0neUKxeM1gcwDAOz2cwrrwxi06b1nDsXxciRo+jb9yUyMtKzjBew1RsaWoH9+/dhGAYZGRkcOqSvqLtcuWDuvbcu48ZNZPTo72jZ8kFKly7j0D4LIYRw3F3f488PVapUZdSokbi6umKxWBgy5FUqVVJs27aFl17qjcVioWfPvsC/CblIETc++ug9zp8/T61adWjUqCkA7dt35KWXejNs2JsAHD9+7BrX+G3lvP7624we/TmGYeDi4sIbb7yLYRhXJf7s/16xYilTpkzEx6co77wzErPZzIgRb7FkyQKcnODZZ3tSqVJlGjRoTP/+vbBarTz+eGeqVavB9OlTGDz4Rfz9A6hWrQaxsTFX7F9oaEUaNWpC377PU6xYMVxcXHBxcbn8nqZNm7Nz53YGDOhDamoKzZu3xNPTMyc+DiGEEFmY8mMkdw4z7oYlIHv06MqMGfP+8/yBA/tYuPAn3n57ZN4HlcXtLrV54cIF1qz5i8cf70xGRgY9enTlm28mULx4iRyM8s4my5nmPmnj3CdtnDeCgnxu+ZYo6fEXENmdil+4cB6///4LH374WT5ElLOKFSvG/v17+eOPXwAT7dp1lKQvhBD5QHr8wiFyFJ/7pI1zn7Rx7pM2zhu30+OXwX1CCCFEISKJXwghhChEJPELIYQQhYgkfiGEEKIQkcSfz6Kjo1i//h+H3z9q1EgefrglmZmZl5/T+gDNmtVn587t7NixjREj3nKorD/++PXyzH634uzZMwwf/vItb5/TbmbfhRCisJLEn8+2b9/K7t27bmqbwMAgNm1af/nxihVLKVPmHkwm002tdne3rYx3t+2PEELkhrv+Pv5Fh39j57ndOVpmWPGaPFGx7TVfT05O4rPPRpGUlEhsbAxPPPEkHTt2ZtGi+Sxb9jtOTk5UqVKNwYNfYdasaWRkZFCjRi3mzp2Fv38AiYkJfP75GD755APOnj2NxWKla9eneeCB1phMJh58sA0rVy6nWbMWWK1WDh3SVKlS7brL6s6bN5syZcrStGnzbF+fM2cWq1atwNnZhdq1w+jffxBTpkzkzJlTXLwYT0pKIu3bd2LNmr+IjDzJ22+/T0BAANHRUbz22mASEhJo2rQ5PXr0vGYMH3/8PqdPnyI9PZ0nn+zGQw89yvr1/zBt2mQMAypXVgwb9hZr1vzF4sULMJvNmEwmPv74C44cOcz//jeOIkWK0L7943h7+zBlykS8vb3x8fGhQoVKhIXVvVzXqlUr+emnH3FycqJWrTq8+OJABz5ZIURBkpSRjJerpxzU57C7PvHnh9OnT/HAA224//6WxMbGMHBgPzp27MzSpb/y6qtvUqVKVZYsWYBhGDz77AucPHmCpk2bM2/ebFq3fohmzVqwcOE8/Pz8ee+9D0lJSaFnz2eoV8+2ml/VqtVZs2YVaWlp7N69i3vvrcexY0evG1PXrk9f87UjRw6zevVKJkz4AWdnZ95+exgbNqyzL6jjzldffcjixXPYuHE9n302mj/++JW//lpOly5PkZaWyqhRX+Dq6sqAAb1p3LhZtgvrpKQks2vXTiZNmgbAli2bMJvNjBnzBZMnz6BYsWL8+ONMzp2L5tSpSL74Ygxubu588cXHbN68iaCgIDIzMy+vCti9+xNMnDgNPz8/Pvjg3SvqSkhIYOrUSUyZMhM3Nzc+/PA9tm7dTP36DW7ykxRC5Jd/Tm9krl7Mc9W6cV/Je/M7nLvKXZ/4n6jY9rq989zg5+fPTz/NYe3aVXh6emOx2Faqe/PNEcydO4szZ05To0Yt+zr3xhU99XLlggE4ceI49erZEpWnpychISGcPn3q8vuaNbuftWvXsH37Fp57rhcTJ353y/GePHmc6tVr4uzsDEDt2mEcO3YEgMqVqwBQtGhRQkJCAfD29iEjIwOwHYS4ubkBUKVKdSIjT2Sb+D09vRg8+FU++2wUycnJPPTQIyQkxOPj40OxYsUAeOqpZwEoVsyPjz4aiYeHBydP/ruq4aWV/i5evICXlxd+fn4A1KpVh/Pn4y7Xdfp0JBcvXuC11wYDkJKSwpkzp2+5fYQQeWtbdDjz9BJ8XL2p4BuS3+HcdeQafy6YO3c2NWrU5N13P6RlywcuJ/Zff13Ca6+9ybffTuLgQc2ePRE4OTlhtVovb3vplFb58iHs2rUTsPWWjxw5TKlS/65W17r1Qyxb9jvnz8fd9ip25csHs2/fHiwWC4ZhEB6+8/KqfpdcfYByyeHDh8jIyMBsNrN3724qVMh+CeS4uFi03s/HH3/B55+PZvz4byha1JfExCQSEhIAGDv2K8LDdzB16iQ++OATXn/9Hdzc3C7Xe6lt/Pz8SUlJ4eLFiwDs3XvlpZxSpcpQvHgJxowZz7hxE3n88c6XDx6EEAXb3jjN9H1zcXN2Y0CdXgR4+OV3SHedu77Hnx+aNGnGmDFfsHbtGkJCQvH09CQzM5MKFSowYEBvPD29CAoqTvXqNfHy8mLGjKkoVeWK61gdOjzBZ599xEsv9SY9PZ2ePfte7uGaTCbKlQsmPv4i7dp1uLyNyWTCMAy2bt1M7949Lj8/YsRHbNjwT7bX+E0mE6GhFWnV6kH69++FYVipVSuM5s1bcPjwwcsxZR04aPuf7W9vb2/eeONVEhMTePjhRy+fsbhaQEAg58/H0b9/T5ycnHnqqWdxcXHh1VdfZ/jwoTg5OVG5chXq1LmXmjVr06/fC/j5+VG2bHni4mIpVar05fqdnJx4+eXhDBs2GC8vbwzDoGzZcpfjLFasGN26Pc3AgX2wWKyUKlWa1q0fuvUPVAiRJ47GH2fy7hk4m5zoX/sFyvrI0ty5QebqFw4paPNvz5w5jW7dnsbV1ZUPP3yX++5rxEMPPZrfYd2WgtbGdyNp49x3q218Oukso3dMIN2STt+aPajhX4WUA/vxqFARJ/vlRPEvWZ1PFBjr1q1l3rzZ/3n+ySe707x5ixyrx9PTk379nsfNzZ3SpUvzwANtcqxsIUTeikmJ49vw70k1p/JctW7U8K9C9A9TSNi4nhLP98K3abP8DvGuIj1+4RDpKeU+aePcJ22c+262jePTE/h6+3hi087zZKUO3F+mEVE/fE/ixg24h4RS5uXXcPb0zMWI70zS4xdCCHHHSclM4dvw74lNO8+jwQ/akv7UySRu2oh7aChlhkrSzw2S+IUQQuS5dEsG43f9wJnkKO6/pzGPlGtF1JRJJG7ehHtoBVtP38Mjv8O8K0niF0IIkafMVjOTd8/gWMIJ6pcIo1PoY0RP/Z7ELZtwr1CRMkNflaSfiyTxCyGEyDNWw8qMffPYf/4gNQKq8EzlTpyb+j2JWzbjXqEi97z8Kk7ukvRzU4GewEcp1UopNTm/48htP/+8CLPZnGvlt2+fc/ewjxo1kgMH9v/n+Y0b1zNkyEsMGdKffv1eYMWKZTlWZ1adO7e7YmVCIcSdwzAM5h1cwvZzu6jgG0zPqt05N8We9CtWkqSfRwpsj18pVQGoA7jndyy5bdasaTzySO5NK5yT61tca7GML7/8hBkz5uLl5U1KSgrPP9+d++5reHk63tyuXwhR8P12dDnrTm+ijHcp+lXvQdzUqSRt24pHpcqUGfKyJP08UmATv9b6CPC1Umrm7ZQTM38uidu25lBUNj716hP0ZLdrvp6ensaHH44gLi6W4sVLsGvXTpYsWcrOnduZNu17rFYrqampjBjxEbt27SAuLo6RI99m+PC3ee+9NzAMg4yMDF577U28vb0ZNco2b31cXCyNGzejZ8++PPVUJyZPnoGPjw+LFy8gNTWFKlWqERERzvPP977hPpw9e4ZPPvng8nTBQ4cOo2LFSnTt2pGaNWsTGXmSunXrk5ycxL59e6lcuSLDhtkWw5k16wcSExMxDIPXX3+HMmXuwdvbh59+mkOLFg8QHBzC7NkLcHV15cKFC4waNYLk5CQMA955532KFCnCV199SkZGBnFxsfTp059mzVrw7LNdKFeuPC4urrzyynBGjnybzMxMypUrz44d25g7d/Hl+KOjo/jii49JT0/Hzc2N4cPfpnjxErf5yQohcsuqk2tZdmIVQR4BDKj5AvE/TCNp+zY8KivKDH4ZJ/e7vo9XYORL4ldKNQA+1Vq3VEo5AeOBWkA60Nue9O9YP/+8mDJl7uGjjz7j5MnjPPtsVwCOHz/Gu+9+SGBgIDNn/sDq1Svp0aMn06dP5f33P2br1s34+hbjnXfe5/jxY6SlpeLt7U10dBQzZ/6Eq6srL73Um+bNW9C69cOsXLmcxx/vzIoVS/n44y/x8/Pj3nvrORTjd9+NoUuXp2jatDmHDh3k008/5PvvZxAVdZZx4ybi7x/Ao48+wOTJ03n55WC6detIUlISAPfd14j27R9n48b1jB8/llGjvmD06G+ZN+9HRo58m4sXz9OhQyd69uzL9OlTaNasBR06PMGePRHs27cXf39/unV7hrCwuuzZE8GUKRNp1qwFaWlpPP98HypVqsw333zF/fe3pGPHzmzdupmtW7dcjt0wDL77biydO3ejYcPGbNu2hQkTvuW99z7M+Q9TCHHbNp3dxsLDv+FbpCgDa/YkedqsGyb9lDQzf22PpEnNUvgXlYOCnJTniV8pNRx4BkiyP9URKKK1bmw/IPjK/lyOCHqy23V757nh5MnjNGjQCLCttnfpdHdgYCBjxnyBp6cnMTHnqFWrzhXbNWrUhFOnInnzzVdxcXGhR49emEwmqlWrgbv9H0a1ajWIjDzJY491YOTIt6hdOwx/f//L8/g76sSJ49SpY1vqslKlypw7Fw2Ar2+xyz1nDw93ypcPBsDHx4eMjHSAy9tVr16T8ePHkpiYSFTUWfr3H0T//oOIjY3h7beHo1RVIiNP0q6d7eOsUaMWNWrU4ujRI8yYMZXffvsZk8mExWK5HNelFfhOnDjBo4+2B7C305UTTR09epiZM39g9uzpGIaBq6vrTe2/ECJv7IrZy+wDC/By8WRAjefJmD6XpJ3b8VBVbEk/m+l4MzItfLNgFwdPxRPo60GjGiXzIfK7V34M7jsMPMGlVV6gKbAMQGu9Gbiiy6q1fjZPo8sBISEV2LPHtmLc6dOnLq8i9/nnH/P22yN5660RBAYGXT7NbjKZsFot7Ny5nYCAQL7++lt69OjJpEm2pXaPHDmE2WzGYrGwf/9eQkMrUrJkSby9vZkxYypt2978cVL58iGEh+8A4NAhTUBAgD2WG297aTW8Xbt2ULFiZTIzMxgx4i0uXDgPgL9/AP7+ARQp4kpwcDD79+8BIDx8BxMmfMuUKRN4+OHHePfdDwgLq3vF6oROTravZGhoBfbs2XVFfVfGH0z//oMYN24ir7wynAceaH3TbSCEyF0HLxxh6t7ZuDi58GL1HjB7kS3pV6l6zaRvtlj535I9HDwVT/0qxWlQTS7h5bQ87/FrrRcppYKzPOUDJGR5bFFKOWmtrdyh2rbtwMcfj2TgwL6UKFGSIkVsX+42bR5hwIDeBAYGUa5cMHFxsQDUrh3GsGFD+eijzxgx4i2WLFmAxWLhhRf62Es0MXz4yyQkxPPgg20ICQkFoF27xxk79ktGjPgIgB07tmV7jT8+Pv6K1fq6d3+GgQOH8tlnHzF37izMZjNvvPHe5br+9e/fWQfVbd++laVLf8PFxYU333wPf/8Ahgx5jeHDh+Ls7ILFYqFJk2bUr9+QSpWq8Mkn77N8+VKcnJx444132bt3N999N4b58+dSvXoNEhOzfvw2zzzzHB9++B6rVq0kMDAIFxeXK2IZMGAoX375KRkZ6aSnpzN06LCb+oyEELnrZMIpJkZMwzAM+lZ7Grc5v5IcvtOW9AcNzTbpWw2DH/7Yz64jcVQP8adPu2o4OcmA3pyWL3P12xP/HK11I6XUV8AmrfV8+2uRWuuyN1FcgVtsYOfOnaSkpNCkSROOHz9O3759WbFixS2VderUKT766CMmTJjwn9eWLVvGoUOHGDRo0O2GXOD8/fff+Pv7U7NmTTbA78ZoAAAgAElEQVRs2MCkSZOYNm1afoclhHDA6YQo3lv1FUkZyQyt9zy+P/7Fha3b8K1di6pvv4FzNknfMAwmLdnNb+uOUaW8Hx/2a4y7W4Edf14Q3NFz9a8H2gHzlVINgYibLaCgLbrh6enH559/yejRYzGbzQwZMuyWY7xwIYWMDPN/tp848TvCw7fz2Wdj8mT/83pxEy8vf0aO/ABnZ2esVgtDhw4vcJ9zTpMFZHKftHHuM3lm8sGqsSSmJ/FUhY54/LCMCxG78KxWnaB+AzmfkAFk/Ge7n9cd47d1xygT5MVLHWuQmJCKfFLXFhTkc8vb5meP/0f7gD4T/47qB3hBa33wJoqT1fnygPxg5j5p49wnbZy7EjOS+GbXRM4kRtOhfBuq/76b5IhdeFavQekBg3EqUiTb7VZui+THlYcI9HXnrWfrUsz7v2cExJXuuNX5tNbHgcb2vw2gf37EIYQQImekmtMYv2sKZxKjaV26KdV/iyB5d8QNk/7GvVH8uPIQvl5FeK1bHUn6eaAgnOoXQghxB8u0ZDIpYjonE0/zQNkG1Pv9EMl7duNZoyalBwzCyTX7pB9+OJYpv+3H082FV7vWobifLMGbFwr0XP1CCCEKNovVwtS9P3Lw4hHC/KrSZMVJUvbsxqtmresmfX3yAv9bsgcXZxNDn6zNPcW98zjywkt6/EIIIW6J1bDy44GFRMTupapPCA+tjiV+3168atWmVP+BOF1jYq0TUYl8szACq9VgcOdaVLzHN48jL9wk8RcAP/+8iMcea3/Fveo5qX37h/jll+U5UtaoUSPp1KkrVapUveL5jRvXM3fubMAgLS2NTp260qbNwzlSZ1adO7djzpxF15ypr3PndpQsWeryvANFixZl1KgvbqqOhQvn0alT19uOVYi7mWEYLD78O5uithHiUYb2axNI3b8fv/p1Cej54jWTftT5FL7+KZy0dAv9OlSnZmhAHkcuJPEXALI63+3Xn/X10aO/u60pfGfMmCqJX4gbWH5iNasi/6FMkUA6r08l7cABvGrXocrrw4i7mJbtNucT0vhq7k4SUzLp8ZDivqoyK19+uOsT/4ZVRzh64FyOlhlapTiNW1W45uuyOl/+rs6X3S2qCxfOY+3aNaSmplKsWDE+/vhLzpw5zSefvI+zswuGYTBixEcsXfobCQkJfP31Z7zyyus39b0QorD45/RGfj26jEDnonTfaCZDH8SrThilXxxg7+n/N/EnpmTw1bxw4hLSeaJ5KC3CyuR94AIoBIk/P8jqfPm3Op9hGLzyysDLZwaeeqoHDRs2JiEhgTFjxmMymXjllUHs37+XQ4cOUq1aTfr3H0RERDhJSUk891wvFi36SZK+ENewPTqceXoJviYPemyGzIMH8Qq7l9L9XsJ0jcuVqelmxszfxdm4FNrUL8tjjcrncdQiq7s+8TduVeG6vfPcIKvz5d/qfNc61e/i4sLIkW/h4eFJTEw0FouFtm07MHv2dF59dTDe3l706zfgptpQiMLmwPlDTN83Dy+rKz23OWM5fBjvsLqU6tf/mkk/02zh20W7OXY2kaY1S9G1VcUbXrITuUtu58sFsjpffqzO1+aa8R4+fIh//vmb99//hKFDh2EYBlarlX/++ZvatcMYO3Y8LVo8wKxZ0wHIh8kshSjwIhPPMHn3DFzNVnptccZ6+CjedetdN+lbrFYm/rKP/ScuEFYpkOceUZL0C4C7vsefH2R1vvxcne+/Pyply5bFw8ODAQP64OtbjMqVqxAXF0u1ajUYNWokrq6uWCwWhgx5FYDg4BA+/PA93n33g+w/YCEKmbjUC/xv1xQsaan03eoGx0/Ykn6fF6+Z9A3DYPoyzY6DMVQt78eLHarj7CR9zYIgX+bqz2EFbq7+PXsiSE1NoX79hkRGnmTYsCFXDEy7GWfPnmH06C/4/PPR/3lt9eqVHD16hF69+t1uyDeU13Ocb9y4Hj8/P6pUqcbWrZuZNWs6Y8eOz7P684PMI5/7pI1vXnJmCl9vH8/5i1H03OSE26lzeNerT6ne/bJN+kFBPpw7l8BPqw+zfEskwSV9GNY9DA9ZaS9H3XFz9d/tSpcuw8iRbzN16mTMZvNtDRQzmUzZnn7Pujrf3ah06TJ88smVq/MJIfJWpiWTiRHTuXghiufWm3GLuohPg0aU7Nkbk7PzNbf7Y9MJlm+JpFSAJy93qS1Jv4CRHr9wiPSUcp+0ce6TNnac1bAydc9sDkTu4um1aXjFJlG0aXNK9Hge03VO2W87HMf4BbsIKOrGm8/Uxb+oex5GXXhIj18IIUSOMQyDRYd+4+CJcJ5ak4zXxTR8W7aiePdnrpv0t+yPZuIve/HxdOXVbmGS9AsoSfxCCCGu8FfkWrbpv+m6OhHvhAz82jxM4JNdrzsif8/ROCb/ug/3Ii680qUOJf1lpb2CShK/EEKIy7ZFh7Nq5890WZWAd7IZ/7btCOjwxHWT/uFT8Xy7eDdOTibe7dWAkkXd8jBicbPk3gohhBAAHLxwhF83zebJlfF4J5sJeLwTgR07XTfpnzqXxJj5uzCbDfp3qEHNCoF5GLG4FdLjF0IIwemks8xfO5mOf8bhlWYlqEt3/No8dN1tzl1M5at54aSkm+nTthp1KknSvxNI4hdCiELuQtpF5v41nrYrovFINyj+dA+KtWx13W0uJqXz1dydxCdn0P3BSjSqUTKPohW3SxK/EEIUYimZqcxdMY42y05RJNOgxPM98W3a/LrbJKdl8tW8cGIuptG+STCt65XNo2hFTpDEL4QQhVSm1cz85eNo9sdRXC1QsndffBs2vu426RkWxszfxemYZB649x46NA3Jo2hFTpHEL4QQhZDVsPLLsvHU+3UfzoaJUv36U7Tefdfdxmyx8t3i3Rw5nUDD6iXo3rqSLLpzB5LEL4QQhdDK5VOoumQHJkyU7D+AomH1rvt+wzCYvvQAe46dp1aFAHo+WhUnSfp3JEn8QghRyGxcMYuyi9ZjmEwUHzCQYrXq3nCbX9YfZ/2eKEJK+dC/Qw1cnOVu8DuVfHJCCFGIRPz5E37zV2J1MuE/8CUCHEj66yLO8vO6YwT6ujO4c23cilx7gR5R8EniF0KIQuLQikW4zfuDTBcT3gP6UbJm/Rtus/f4eaYvO4CXuwsvd6mNr1eRPIhU5CZJ/EIIUQicXL4E46dfSCtiwqX/C5Sv2fCG20SeS+K7RbsxmWBQp1qUCvDKg0hFbpPEL4QQd7kzS5eQNn8JKe4mMvp0o2qt69+nD3AhMZ0x83eRlmGhd9tqVC5bLA8iFXlBEr8QQtzFon9dTNLCJSR5OBH3fHvqh11/Gl6A1HQzY+bv4kJiOk+2qMB9VUvkQaQir0jiF0KIu5BhGJxbvID4n38mwdOJY0+3pFXdjjfczmyxMn7JHiLPJdEyrAwPNyiXB9GKvCS38wkhxF3GMAxi5s/j4oplXPR2Zl/n+vRo8PQNJ9sxDIOZyzV77ffqPyUT9NyVJPELIcRdxLBaiZk7m4ur/uJ8UWe2ta9O30Y9cTLd+ATvbxuO80/EWcqX9OHFDtVxdpKTwncjSfxCCHGXMKxWomdOI+GftcQWc2btoxUY2LgfRZxvfAvehj1nWfzPMQKKujO0cy3ci0h6uFsVyE9WKdUY6Gt/OERrHZ+f8QghREFnWCxETf2exM0bifZ3YWXrMgxq1A/vIje+BW//8fP88McBPN1cGNqlNr7ebnkQscgvBfU8Th9siX8K0DWfYxFCiALNMJs5O+l/JG7eSFSgK7+1Lk6vBn0I9Ai44banY5L4dvEe+736NSkTKPfq3+0KauJ31lpnAGeBUvkdjBBCFFTWtDTOjB9H0vZtnC3hxpJWfvS4twflit5zw20vJKYzev4uUtPN9Hy0KqqcXx5ELPJbnp/qV0o1AD7VWrdUSjkB44FaQDrQW2t9BEhRShUBSgNReR2jEELcCTJiznHm22/IOH2KM2U8WdzEi241nqR6QJUbbpuWYWbsgl2cT0in0/2hNKxeMg8iFgVBniZ+pdRw4Bkgyf5UR6CI1rqx/YDgK/tzk4CJ9vj65WWMQghxJ0jZv48zE77DmpzMkeqB/FHTxCMV2tCo9I3n37dYrfxvyV5ORidxf53SPNqwfB5ELAqKvO7xHwaeAGbaHzcFlgForTcrperZ/94BvJDHsQkhRIFnGAYXV64gZv48MJnYfn851pVJo0npBjwS/KBD289cfpDdR+OoGRrAM20qy736hUyeXuPXWi8CzFme8gESsjy22E//CyGEuIo1M4PoH74nZt4cnLy9Wd021J7076ObetyhBP7HphOs3XWGciW85V79Qiq/b+dLwJb8L3HSWltvtpCgIJ8bv0ncNmnn3CdtnPvu1DZOj4vjwNdfkHToEB4VQljc2BNtiaF1hWb0qtvNoQl61uw4xcK/jxJYzIMP+jUmwNcjV2K9U9u4sMjvxL8eaAfMV0o1BCJupZCYmMQcDUr8V1CQj7RzLpM2zn13ahunHjnMmfHjsMTH49HgPmZVS+FU+jmal2lMh3JtiYtNvmEZ+uQFxs4Lx8PNhSGdamLNMOdKW9ypbXynuZ2Dq/xK/Ib9/4uB1kqp9fbHcl1fCCGyiF+3lnOzZmBYLHh3eoIpfgeJSjlHi3ua0LlSe4dO75+JTWbcwt0YBgx8vAZlgrzzIHJRUOV54tdaHwca2/82gP55HYMQQhR0htlMzE9zuLjqL5w8vfDt9TwTUv8mOuUcrco244mKbR1K+vFJ6Yz+aRcp6WZ6t61K1WD/3A9eFGj5fapfCCHEVSyJiZyZ8B2p+gBFytyDd58X+O7UQs6lxPJgufvpWOFRh5J+WoaZMQsiiEtI4/FmITSuIfOhCUn8QghRoKSdPMGZ777BHBeHd1hd3J/pwjf7phGTGkeb8i1pH/qwQ0nfYrUy8ee9nIhKpFmtUrRtHJz7wYs7giR+IYQoIBK3biHqh+8xMjII6PA4PNCUseGTiU07z8PlW9E29CGHkr5hGPz45yF2HYmjeog/zz6k5F59cZkkfiGEyGeG1UrckkWc/+M3TG7ulB4wiPQqIYzdOZG4tAs8Gvwgj4a0djh5L9tyktU7T1O2uDcvdayBi7Pcqy/+JYlfCCHykSUlhajvJ5IcsQvXoOKUHjiERH8PxuyYwIX0izwW0ppHQ1o7XN6W/dHMX30EPx83hj5ZGw83+ZkXV5JvhBBC5JOMqLOc/nYsmVFReFarTqm+/TnvlM5Ye9JvF/owDwe3cri8g5EX+f63fXi4OfPyk7Xx83HLxejFnUoSvxBC5IOkiF1ETZ6ANTUVvzYPE9jpSWLSzzN25yQupsfTocIjtCnf0uHyzsYlM25hBIYBLz1ek3uKy736InuS+IUQIg8ZhsGFZX8Qu2gBJmdnSvbqS9FGjYlOPsfYnZOIz0jg8YqP8WC5+x0uMz45g9E/7SI5zUyvx6pSXe7VF9chiV8IIfKINT2d6OlTSdyyGRc/f0oPGIR7cAhRydGM3TmJhIxEOlVsS6tyzR0uMyXNzDcLdhEbn0aHpiE0qSn36ovrk8QvhBB5IDMuljPfjSP95AncK1aidP8BuPgW42xyNGN3TiQxI4knK3WgRdkmDpeZlJrJ1/PCOR6VSNNapWjfJDj3dkDcNSTxCyFELkvRBzj7v++wJCXi2/x+ij/1LCYXF84kRTF250SSMpPpWrkjze9p7HCZiSkZfDU3nJPnkmhaqxTPP1xF7tUXDpHEL4QQucQwDOLXrOLc3B8BKP50D3xbtMRkMnEq8QzjwieTlJlMN/UEzco0dLjc+OQMvpyzk9OxybQMK8PTbSrjJEn/jhB9JoGoU/HUqFsG53yaX0ESvxBC5ALDbObcjzOJX/s3zj4+lOo/EM/KCoDIxNOM2zmZFHMqT1XpRJPSDRwu90JiOl/O3cnZuBQerHcP3R+oJD39O0DCxVQ2/32Uw/tjMJkgVAXh4+ueL7FI4hdCiByWEXOOqMkTSTt6BLdy5Sk9YDCuAQEAnEw4xbjwyaSa03i6Smcala7vcLnnE9L4fM5Ozl1I5ZEG5ejcooIk/QIuPS2T7RtOsnv7KawWg+KlfGjcqkK+JX2QxC+EEDnGMAwSN23g3OyZWNPS8GnQkBI9XsDJzTaRzomESMaFf0+aOY1nq3ahQam6DpcdczGVL+bsJDY+jbaNg3m8WYgk/QLMYrGyd8cZtq0/TnqaGZ+ibjRoEUrFqsXz/XOTxC+EEDnAkpLMuVkzSNyyGSd3d0r26oNPw8aXf+SPxZ/k2/DvSbek06NaV+4rea/DZUdfSOGLOTs5n5BOx2YhtG8Sklu7IW6TYRgcOxjLpjVHib+QShE3Zxq2DKVm3TK4uDjnd3iAJH4hhLhtKQc1Ud9Pwnw+DvcKFSnZuy9Fgopffv1o/Am+C/+edEsGz1frRr2SYQ6XfTYumc/n7CQ+KYMnW1TgkYblc2MXRA6IPpPAhlVHiDoVj5OTiZp1y1C3SXk8PIvkd2hXkMQvhBC3yDCbifv1Z87/8RsA/u06ENC2PSbnf3t2hy8eY/yuKWRazbxQ/SnqlqjtcPmnYpL4cs5OElIy6fZAJdrUL5vj+yBun23g3jEO7z8HQEjlQBq2CKWYv2c+R5Y9SfxCCHELMqKjOTt5AunHj+ESGEip3v3wqFjpivccunCU8RFTMVvN9Kz+NGHFazpc/snoRL6cG05SaibPtqlMy3vvyeldELcpPS2THRtPErHNNnAvqKRt4F7pcsXyO7TrksQvhBA3wTAMEtav49ycWRjp6fg0akzxp57F2cPjivcdvHCE/+2aisWw0rvGM9QOquFwHcfOJvD1vHBS0sw8/0gVmtcundO7IW6DxWJl784zbFtnG7jnXdSNBveHUqla/g/cc4QkfiGEcJAlKYnomdNI2r4NJw8PSvR5kaIN/jvxzoHzh5gQMQ2rYaVPzWepGVjN4ToOn45n9E/hpGVY6NW2Ko1ryNz7BUW2A/dahFKzXsEZuOcISfxCCOGAlAP7iZoyCfOFC3hUqkzJ3n1xDQj8z/v2xx1k4u5pGIZB35o9qBFY1eE69MkLjFkQQWamlX7tq3Nf1RI5uQviNkSfSWDjqiOcPRWPyQQ17i1DvaYFb+CeIyTxCyHEdRhmM7FLFnFh+VIwmQjo+AT+j7bF5PTf6Vb3xO5n8p6ZAPSt9TzVA5TD9ew7fp5vFkZgsRj071iduqr4jTcSuS7hYiqb1x7j8D7bwL3gSgE0bFEBv4CCOXDPEZL4hRDiGjKiznJ20gTST57ANag4Jfu8iEdoaLbv3R27j+93z8RkMtGv1vNU9a/scD17jsYxbtFuDMNgwBM1qVPxv2cSRN66NHBv97ZTWCwGQSW9adyqYoEfuOcISfxCCHEVwzCIX/s3MfN+xMjIoGjTZhTv9jRO7tlPs7orZg9T9szG2eTEi7VeQPlXdLiu8EOxjF+yG5PJxOBOtagRGpBTuyFugcViZd9O24x7aal33sA9R0jiF0KILCyJiURNn0py+E6cPL0o2bMPPvWuPZ/+jnMR/LD3R1ycXHip1gtU8qvgcF3b9Tkm/LwXZ2cTQzrVomqwf07sgrgFhmFw/FAsG1fbBu65FnGmwf0h1Kp3Dy6ud87APUdI4hdCCLvkvXuImjoZS3w8HlWqUrJnH1z9r52Mt0eHM23fXFydXHipdi8qFnN8Kt3N+6KZ/Os+XF2dGNq5FqqcX07sgrgF0WcS2Lj6CGcjLw3cK03dJsF4et15A/ccccPEr5QKBdoClQArcAj4VWt9IpdjE0KIPGHNzCRu0QIu/LkcnJ0J7NQFv4ceznYA3yVbo3Yyfd9c3JzdGFCnF6G+jk+lu373Wab+sR/3Is683KUOFcv45sRuiJt08XwKm/8+xlEdA0BwxQAatgzFL8ArnyPLXddM/Eqp0sBoIBhYhy3hZwKhwE9KqePAq1rrU7kepRBC5JL006c5O3kCGacicS1RklJ9XsQ9OPi622w+u52Z+3/C3cWdgXV6EVy0nMP1rd11hulLD+Dh5sKr3eoQUqrobe6BuFkpSelsW3+CfeFnMAwoXtqHRi0K/ox7OeV6Pf5PgPe11vuye1EpVRv4FHgmNwITQojcZBgG8av/Imb+PIzMTHzvb0FQl+6Xl9C9lg1ntvLjgQV4uLgzqE4fyhV1fCrd1TtOMXPFQbw9XHmtWx3KlfC53d0QNyEj3Uz45kh2bY3EnGnF19+DBs1DCVWBd83APUdcM/FrrZ+73oZa611I0hdC3IHMCQlET5tCcsQunLy9KdW3P95hN14md93pTczRi/By9WRQnb6U9XF8Kt0/t0Yy569DFPV05bXuYdwT5H07uyBuwuWR+htOkJaSiYeXK41bVaBKrVI4O1/7cs7dypFr/A2ApsC3wK/AvcCLWusFuRybEELkuOTdEURN/R5LYgKe1apTsmdvXIrdeGDd2lMbmHdwCd6uXgwO60sZb8en0l266QTz1xzB17sIw7uHUeouv4ZcUBiGweH959iy9hgJF9NwLeLMfc2CqVX/HlyLFN6x7Y7s+TfAcKATkIot8S8CJPELIe4YlqQkDs//kejlKzC5uBDUpTvFHmx93QF8l6yOXMeCQ7/g4+rN4LC+lPYu6XC9v6w/xpJ/juHn48bw7mGUKKBLtd5tTh2/wKY1R4iJSsLJyUTNumWo2+TOnGI3pzmS+J201n8rpWYDC7XWJ5VSuX5To1KqFdBda90nt+sSQty9DKuV+H/+JnbRAqzJyRQpXYaSvfviXs6xUfirTq5l4eHfKFrEhyFhfSnp5dj8+YZhsPifY/y24TiBvu4M6x5GUDGPG28obktsdCKb1hwl8tgFACpWK859zULw9ZO2v8SRxJ+ilHoNeAAYpJQaAiTmZlBKqQpAHSD7abKEEMIBqYcPce7HWaSfPIGTuzvBLzyHa4NmmFwcO83754k1LDnyB75FijIkrC8lvBybP98wDBasOcLSzScpXsyDYd3DCPCVn7PclHAxlS3/HOPQXtuc+vcE+9GwRShBJWUA5dUc+fY/DfQEntBan1dKlQSeys2gtNZHgK+VUjNzsx4hxN3JHH+R2AXzSdi4HoCijZoQ2OlJSlUqS0yMY/2WZcdX8evRZRRz82VIWD+Kezo2f75hGMxbdZgVWyMp6e/JsO5h+Plc/04BcetSUzLYseEke3aexmoxCCzhTcMWoZQNkVkQr+V69/HfDxj2h38Drkqp5sAybPfy39T9+/ZBgp9qrVsqpZyA8UAtIB3orbU+opT6EKgI9NdaX7zpvRFCFGqG2czFVSuJ+2UJ1rQ03MqWo/hTz+JRqdJNlfPHsT/5/dif+LkVY+i9/Qj0cGz+fMMwmLPyECu3n6JUgCfDu4fh6y1JPzdkZlqI2HqK8M0nyUi34OPrzn3NQ+6qOfVzy/V6/MOwJf5SQGVgFWAGWgARQCtHK1FKDcd261+S/amOQBGtdWP7AcFXQEet9bs3uwNCCAGQvG8vMXNmk3H2DE5eXhR/pge+zVs4NHjvEsMw+P3YCpYe/4sAd3+GhPUlwMOxnqPVMJj950FW7zhNmSAvhnULo+hdOuVrfrJarRyIiGLruuOkJGXg7uFCkwcqUj2sNM4uhe/WvFtxvfv42wIopZYDtbTWx+2PSwGzbrKew8ATwKVT902xnTlAa71ZKVXvGjE8e5P1CCEKmcy4WGJ+mkvS9m1gMuF7f0sCH++Es/fN3SdvGAa/HF3GihOrCfQIYEhYX/zdHZs/32oYzFquWRN+hnuCvHmtex2KyujxHHVpEZ1Nfx/jYlwKLq5O1G1cntr3lcXNvfDemncrHGmtcpeSvl0UUOZmKtFaL1JKBWd5ygdIyPLYopRy0lpbb6bcS4KCZPBGXpB2zn3Sxo6zZmRwevHPnFqwCGtGBj5VFKH9euMdGnrd7bJrY8MwmB2xmBUnVlPKuzjvtRxKgKeDSd9q8O38cNaEnyG0tC8f9GtU6E/v5/T3+OSx86z8bR+njl/A5GSibqPyNG9TGZ+iMmDyVjiS+LcopWYBcwEn4Flg9W3Wm4At+V9yy0kfcHiwjrh1QUE+0s65TNrYMYZhkLwrnJi5P5IZG4Ozry8ln30On4aNSTWZSL1OG2bXxoZhsPDwr6yOXEcJz+IMrN0Ha7ILMck3/iysVoMflu5n/e4oypfwYeiTtchIzSAmNeO29/NOlZPf4/OxyWxec5Tjh+MACKkcSIP7Q/AL8CItPZO0mMwcqedOdDsHV44k/r7AQKAftmv+fwL/u+UabdYD7YD5SqmG2MYMCCHEdWVERXFu7mxS9uwGZ2f82jyMf7sOOHvc2j3ahmEw/9DP/H1qAyW9SjC4Tl983Rz7QbVaDab8vp+Ne6MIKeXDK13r4OXuektxiCtlpJvZuu44u7edwjCg1D2+NGwZSklZxTBH3DDxa63TlVLfA/OBS0MlSwMnb6G+S3cJLAZaK6XW2x+/cAtlCSEKCWtaGnG//WJbNtdiwbNqdYK6P41bacfnyv9PmYaVnw7+zD+nN1LaqySDw/riU8SxcQEWq5Upv+1n075oKpQuystd6uAp15lvm2EYHDsYy7qVh0lOTMfXz4PGrSpQvmKAjNTPQY7M1f8W8AZwnn8TN0DIzVRkHyfQ2P63AfS/me2FEIWPYRgkbtlMzPy5WC5exCUggKAu3fG+t+5tJQKrYWXOgUVsOLuFMt6lGFynL95FHJs/32yxMvnXfWw9cI6KZXx5uUttPNwk6d+uxPg0/llxiBNH4nByNlG3SXnubVQOF5dcnyi20HHk29obqKD1/9m78+io6nzf+++aUpV5LAJkIEzZgUAS5kFFUUBRQQZBbJzH4+lu7T7H7vWs9Tz3nHPPveuevt3afXq023ZotRUHZBIFFWcQmUMGkk0CJCQkIfNc897PHxURbSQVMlSG72stVlJVe+/6ZpPKp367foNa19/FCCHE10HyQr8AACAASURBVFwVFdRu+juOkyoGs5m4FbcRd9PN3S6b2x1N13i1aDNf1RwmJTKJH+c8TLglsPnzvT6Nv+wo5Ihax+TkaH6yTkK/t3w+jbzDlRzeW4bXozE2NYZFN6YTGy9rGvSXQH5jy4Gm/i5ECCEAfB0dNGzfQvMnH4OuEz5jJqPW34nFbu/1sTVN45WiNzlYc5RxkSn8KOdBwnoQ+n/eXsjRk3UoKTE8sS4L2whe4a0v1Jxr4bPdJ2ms68AWZmHRjemkZybKZf1+FshvbSmwV1GUj/HPsgegq6r6n/1XlhBipNE1jda9X1C/ZTO+9jYsiaMZdedGwqdN75Pjd3ocvPTlaxysyWV8VCo/zHmQUHNgnQI9Xo1nthWQW1rPlHGxPL42C2uIXIK+Ui6nh68+Pc2J3GoApmSPYf51E7CFSufIgRBI8J/r+vf15/vyVkwI0accp0/5F9MpO4PBaiPh9vXELlkW8GI63TndUs6Lha/R6GxicswEHs26j1BzYGPAPV4ff9xaQN6pBqamxfLjtVlYLRL6V0LXdUpO1PLlR6U4Oj3E2cNZdGM6Y5Klt/5ACqRX/38oijIKmNe1/Zeqqp7v98qEEMOer7OD+s1v0fL5pwBEzluAfd16zDGBTZ7THU3X+KD8U9498wG6rnN75s0ssl+DyRhYcHu8Pn6/JZ+C041MGx/Hj9ZMJ0RC/4o0N3by+fsnOVfejNlsZP51E8iak4zJJNPsDrRAevXfCLwAHMDf2v+LoigPqqr6Tn8XJ4QYvtqOHqH21VfwtTQTkpTMqI13E5au9Nnxm10tvHziDdSmUmKs0dw3dQML03MCnlzG7fHx+7fzKCxrImtiPD9cPQ2L9DDvMa/Xx7GvKji6vxzNp5M6MY5rlk4mKubK5l4QvRfIdbT/A1ytquoZAEVRJuAfhy/BL4ToMW9LM7Wv/Z32I4cxmM3Er1pD3E0399llfYCC+iJeKXqTdk8H0xOmcNeU9URYAhuuB+Dy+Pjd5jyKypvImZTAY6umYZEFYHqssqyJzz84SUujg/CIEK5aMpkJSoJ03guyQF5p5q9DH0BV1dOKosj/mhCiR3Rdp3XfF9S9+TpaZyehk9NJvOc+QsZc+SQ83+XRvOw4tYuPK77AbDCxbvJtXJu8sEdB43R7+d3mPIrPNjNjsj/0zXI5ukc6O9zs//gUJwvPYzDA9NlJzL1mPCEy9HFQCOR/oUJRlJ8Az+O/1P8g/iF+QggREHdtLedffhFHcRFGm41RG+8h+tqeLZnbndrOOl4ofI2KtnMkhtm5P3MjKZE9e1PhcHn57VvHOVnZwizFzqMrMyX0e0DXdY7sL+fDd07gdnmxj47g2psU7KNl8anBJJDgfxD4PfD/4l+k52P88/cLIcRl6T4fTXs+oGH7VnS3m/CsbEbddQ+WuPg+fZ4D1Ud44+RWXD43C8bMYV36bVhNPVsW1+Hy8pu3jlNa2cKcjFE8vGKqhH4PNNS28/n7J6k514olxMTVSyaROTMJo1EuEA82gfTqP68oyi9UVV2vKEoMMEtV1eoBqE0IMYS5Ks5S89KLuMrOYIqMxH7fA0TOmdenn+86vU7eOLmNgzVHsZms3D/1TmaPntHj43Q6vfzmzVxOVbUyb2oiD906BVMfXo0YzjxuH4f3lZF3qBJN05maPYZZV6cRETmylyYezALp1f8LYBawFAgF/oeiKItUVf33/i5OCDH0aB43je/soPH9XeDzEblgIaPW34kpso/XaG+t5MXC16h11DMuMoX7M3+APaznVxI6nR6efiOXM9VtLMgczYO3TJFWaoDKSuvZ+0EJba0uIqNtXLNsMrPnp8ny0oNcIJf6VwBZAKqqViuKsgTIBST4hRDf0nlS5fzLL+KpqcEcF0/iPfcSPi2rT59D13U+qfiCbad24dN9LE29jlsnLMNs7HnHsXaHP/TLa9q4avpo7l8uoR+I9lYne/eUcuZkPUajgRkLUpm1cBwWmeNgSAjklWICwoCv38JZAa3fKhJCDDk+h4P6zW/S8tknYDAQc8NSElavxWgLbHa8QLW523ml6E0KG4qJtERwz9Q7mBp/ZWP/2x0ennr9GGfPt3NN1hjuXZ6BUYaZXZbPq1Fw9ByH9pbhcfsYnRzNtTemE2cPfKikCL5Agv8vwBFFUXbg79W/HPhDv1YlhBgy2nOPUfvqy3ibmggZO5bEex8gdOKkPn8etbGUl05sosXdRkbsZO6ZuoFo65V9fNDa6eapTblU1rVzbc5Y7r5RkdC/DJ9Xozi/mqP7z9Le6sJqM3PdcoWMrNEyJn8ICqRz328URdkHXAN4gI2qqh7r98qEEIOat7WVuk1/p+3QQTCZiF+5itjlt2C09O1CKz7Nx7tnPuSD8k8wGAysmngzN6Quwmi4ss53rR1ufvX6Mc7VdbB4ZhIbl6ZL6H8Pn0+jOK+Go/vLaW91YTYbyZ6bzIz5qYSG9WzUhBg8Av1QbDIQB/wXsAaQ4BdihNJ1nbb9X1L7xmtoHR3YJkwk8d4HsCYl9flzNTgaebFwE2day4m3xXF/5g8YH516xcdranPyy03HqKrv4IZZyfxgyWRpsV6Cz6eh5tdw5MuLAn9OMjnzUwkLl8Af6gLp1f9/gWRgJvAUcL+iKDmqqv5LfxcnhBhcPPV1nH/lJToLCzBYrdg3bCTm+hv6dCKerx2tzeO14s04vE5mjcrmzow1AS+jeylNbS5+/fxBquo7WDo7hQ03TJLQ/w6fT0MtqOHovnLaWl2YzEay5iQzY14KYREyPG+4CKTFfyP+0D+iqmqToihLgXxAgl+IEULXNJo/+pD6rW+ju92EZU4j8Z77sMQn9PlzuX1uNpe8w76qA4QYLWzMWMeCMbN7FdL1zQ5+uekY9S1ObpqXyrrrJkroX8Tn0zhZcJ4jX5bT1uLEZDIwfXYSM+anEi6BP+wEEvy+79y2XuI+IcQw5TpXyfmXXsB5+jTG8HAS776XyPk9m/8+UFXtNbxQ+CrVHedJihjDA5kbGR0+qlfHrGns5FebjtHU5uIHN2ZwQ84YCf0ulwz8WV2BLxPwDFuBBP9bwOtAnKIoPwXuBjb1a1VCiKDTPB4a39tJ43s7/RPxzJ2PfcMPMEdF9flz6brO3qqveLvkHTyal2uTr2L1xJuxmHrXUbCyrp2nXs+ltcPNusUTuXOZIpPLAJr2TeC3Nn8T+DnzU2XGvREgkF79v1AU5SbgLJAC/Juqqjv7vTIhRFDouk7niULqXn8Nd3UV5tg4Rt11DxHZOf3yfJ2eTl4tfpvcunzCzWHcn7mRbHtmr49bXtPG02/k0u7wsHFpOjfMSu6Daoc2TdM4WVjLkX1ltDY7MZoMTJs5lhkLxkngjyCBdO6zAtWqqj6pKMpG4DpFUY7IfP1CDD+O0hLqt76NQy0GIHrx9SSsWYcp9Mo71V2Ox+fhj8dfoKz1LJNixnPf1DuJtcX0+ril51r4zZvHcbq83L88g2uy+27p36FI0zRKCms58mU5LU0OjCYDmTPHMnN+KhFRfTvJkhj8ArnU/3egWFEUG/AfwMvAS8CyfqxLCDGAnGfLadj6Nh35eQCETcsiYfUabOPS+u05dV1nk7qFstazzEmcwT1T77jisfkXKypv4neb8/B4NR5eOZX5U0f3QbVDk6bplJ44z+F9XYFvNDB1xlhmLZDAH8kCCf7xqqquUxTll8DzXZf+D/V3YUKI/ueqqqJh+xbajxwGIDRdIWH17YROntzvz/1J5V4O1BxhXGQKGzNu75PQzz/dwB+25KPrOv+8ehoz0+19UOnQo2k6pUW1HN5XRktjV+DnjGHmgnFERkvgj3QBzdWvKEoCsApYqyjKGPxz9wshhihPXR0N72yjdf+XoOtY08aTsHotYVMzB6THe3FjCVtKdhIVEskjWff0uhMfwBG1jj9vL8BoNPD42iymTej5Sn1D3deBf2RfGc0S+OJ7BBL8vwIOAO+oqpqvKIqKrMwnxJDkbW6i4d13aPn8M/D5CElKJmHVasJzZg7YELe6zgaeL/g7JoORh6ffQ4w1utfH/Kqwhud2FmExG3ni9iwyxsX2QaVDh6bpnCqu5ci+cpoaOjEaDUzJHsPMBalExfRP/wwxdH1v8CuKYlNV1amq6mvAaxc9NFVVVd/F2/R3kUKI3vG1tdG4+12aP/4I3ePBYh9F/KrVRM6Z1y+z7n0fp9fJX/L/RqfXwV0Z65gQPa7Xx/z8eBUv7SrGZjXz0/XZTErq/RuJoULXdU6r9Rzae4am+k4MBsjIGs2sheMk8MX3ulyL/1VFUXYDr6uqemHgq6qqPkVRovCP51+K/yMAIcQg5HM4aPpgN80fvo/mdGKOjSNuxUqiF16Nwdzz9et7Q9M1Xj7xBtUd57ku+SoWjJ3T62N+dKSSVz88SUSohX+9I4dxo69stb6hRtd1yk81cOjzMupr2/2BP300s66SwBfdu9wrfz3wGHBIUZQWoBLwAuOABOC3wO39XqEQosc0l4vmjz+icfe7aB0dmCKjsK9aQ/S112G0BGeRlV1n9nC8vpD02EmsmXRr74/3VTlvfXqKqPAQntyQQ7I9og+qHNx0XaeyrImDX5yhtsrfHpucOYrZV6UREyddr0Rgvjf4uy7n/0FRlD8C2fhX6PMBp4A8VVX1gSlRCBEozeOh5YvPaHz3HXwtLRjDwohfvZbYG5ZitAWvc1dubT7vle0h3hbHg9M2YjKarvhYuq6zfe8ZduwrIzbSys/unMHoERB6VRXNHPz8DNUVLQBMUBKYc/V44uzhQa5MDDWBzNynA7ld/4QQg5Du89G6/0sa3tmGt6EBg9VK3C0riL3xJkxhwQ2Gc+3VvFT0BiGmEB7NupcIy5XXo+s6b31yit0Hz2KPsfGzDTNIGOaXts9XtXLoizNUnGkCYNzEeOZck4Z9hHysIfrewH7IJ4ToU7qm0X74EPU7tuKpqcFgNhOz9Ebilt/SL3Pq91S7p4O/5L2E2+fmoWl3kxQx5oqPpek6r354kk+OnmNMfBhPbphB7DCeZrb+fDuHvjhDWWkDAMlpscy5Jo3RI6jzougfgy74FUW5AbgD/1wBv1RVNS/IJQkx6Oi6TkfecRq2vY2rogJMJqIXXUfcrSuxxMUFuzwAfJqP5wtepcHZyPK0JcwYNf2Kj6VpOi/uKmJffg3J9gie3JBDVHhw+ir0t6b6Dg7tLeNUcR0Ao5OjmXtNGkkjbIii6D8BBb+iKFcD04C/AXNVVf28H2sKVVX1EUVRcvBPCyzBL8RFOouLqN+yGefpU2AwEDl/AfErVxMyqnfL1/a1raXvcrKplKyETG4ev+SKj+P1aTy38wQHi2pJGx3Jv9yRQ0Ro7yf8GWxamhwc3ltGyYnz6DrYR0cyd9F4UsbHyjLCok8FskjPT/AP2RsLvA08qyjK86qq/qo/ClJVdaeiKOHA48DP++M5hBiKHKdKadi2hc6iEwBEzJhF/KrVWJMG36pz+6sO8UnlXsaEJ3JvL+bg93g1/ry9gGMl9UxKjuYnt2cTZht0Fyp7pa3FyZEvyynOq0bXId4ezpxF40mbFC+BL/pFIK+g+4B5wFeqqtYpijIbOIR/Rr+AKIoyD/iFqqqLFUUxAn8CsgAX8JCqqqcURflfwCTgCeAX+Jf/re/RTyPEMOQsK6Nh+5ZvFtDJnEbC6rXY0sYHubJLO91SzuvqFsLMoTw6/T5s5isbTeDy+PjDlnwKzzQyZVwsj6/Nwhpy5aMBBpuOdhdHvzzLieNVaD6dmPgw5lydxsQMuwS+6FeBBL9PVVWXoihf33biH88fEEVRfg7cBbR33bUKCFFVdWHXG4KngVWqqv6Pru1fwj9PwH8pirJNVdW3A30uIYYTV2UFDdu30X7sCOBfQCd+1RrC0pVu9gyeZlcLf81/GZ+u8cC0jdjDrmy+fIfLy28353GyopmsifH8cPU0LObhEfqOTjfHvqqg4Og5fF6NqBgbs69OY/LURIxGCXzR/wIJ/s8URXkaiFAUZRXwCPBxD56jFFgDvNJ1+2pgN4Cqqge6riBcoKrqvT04thDDjru6ioYd22g7fAh0HduEif7AnzJ1ULcEPT4Pz+a9TKu7jbWTbmVKXPoVHafT6eHXbx7ndFUrsxU7j6zMxGwauGmF+4vL6eH4wUryDlficfsIj7Qy+6pxKNNHYxoGP58YOgIJ/p8BDwPHgXuA94A/B/oEqqpuURQl7aK7IoHWi277FEUxqqqqBXrM77LbZTzrQJDz3L8c1TU0vfEWdZ99DppG+MQJpP5gA7GzBm4BnSul6zp/PPAS5W0VLEqbx/qZN19RzS3tLv73K0c4XdXK4lnJPHHHjD4PxYH+PXY5vRz44jT7Pz2Fy+klPNLKDTdPYeb8VMyW4XEV47vkb8XgFsgEPj5FUV4Ddl1091jg7BU+Zyv+8P9ar0IfoK6urfuNRK/Y7ZFynvuJp6GBxnd30LpvL3rXinnxt60mYsZMfAYD9fXt3R8kyD4++zmflx9gXGQKa8atvKKam9tdPPV6LlX1HVybM5aNSybT2NjRp3UO5O+xx+Oj8Og5jn11FqfDiy3UzILFE8icmYTFYqKpuXNA6hho8rdiYPTmzVUgvfqfwt/ib/zOQ1fas2gfsAJ4S1GU+chwPTFC+ZfI3UnrF5+he72EJo0l+paVRM6eO6Ar5vVWUeNJtpS+S1RIJI9k3YPF1POhdg0tTn71+jFqmxwsmZ3MnTdMHvRXOb6P0+Gh8Og58o6cw9npIcRqYu41aUyfnUyIdXiNSBBDUyC/hauAJFVVe9vs+Hpu/63AUkVR9nXdvr+XxxViSPG2ttK0612aP/24a4lcO/ErVjHh1qXUNw6tVmBtZz0vFLyKyWDk4en3EGPt+axytU2d/GrTMRpaXdyyYBxrFk0YkqHf2uwg71AlRXnVeD0aIVYTMxemkjM3Batt+M07IIauQIL/OGDjm175PaaqahmwsOt7Hf+qf0KMKL72dpo+2E3TRx+iu1yY4+KIu/WbJXINpqH1ea/T6+Qv+S/R6XVwV8Y6JkSP6/Exqhs6+OWmY7S0u1m9aAIrFqb1faH9rK6mjdyDFZwqqkXXITzSytxrkpmSPUZa+GJQCuS38hWgRFGUAr4Zxqerqnp9/5UlxPDh6+ykec8HNH34PprDgSk6hri164i+5lqMlqHZEtR0jZdOvEFNx3muS76KBWPn9PgYFbXtPPX6Mdo6PWy4fhLL5qb2Q6X94+vlcXMPVFBZ5l88J84eTs68FCZNGSW99MWgFkjw/zf+SXUu7swnS/IK0Q3N6aT54z007t6F1tmBKSIS+/oNRF93PcaQoT3P/Htn9pBXX0h67CTWTLq1x/uX1bTy9Ou5dDi93L0sncUzB9/sg5eiaRqlRXUcP1BBfa3/ImjSuBhy5qWQMj5uSH5EIUaeQIK/WVXVl/u9EiGGCc3tpuXTj2nc9S6+tjaMYeEkrLmdmOuXYLRd2Sx2g8mx2nx2le0h3hbHg9M2YjL27COK0soWfvNWLk63jwdunsLVWVe+Yt9A8bi9FB2vIe9QBW2tLgwGmDTFTs68VFkeVww5gQT/XkVR3sY/nM/TdZ8ubwaE+DbN46H1i89oeHcnvpZmjDYbcStuI3bpjZjCwoJdXp84117Ny0VvEGIK4dGse4mwhPdo/+LyJn67OQ+PV+ORFZnMm5rYT5X2jc4ONwVHzlFw9Bwupxez2ci0mWPJnptCVExosMsT4ooEEvwRQBtwVddtA/5L/RL8QgC610vrl/to2LkDb2MDhpAQYpffQtyNyzFFRAS7vD7T7u7gL3l/w+1z8/C0u0mK6FlLveB0A7/fko+m6Ty2ahqzFHs/Vdp7zY2dHD9YgZpfg8+nYws1M/vqNKbNHEto2ND+mEaIQCbwuW8A6hBiyNE1jbbDB2nYugVPXS0Gi4XYpTcSu/wWzFFRwS6vT/k0H88X/J0GZxM3py0hZ9T0Hu1/rKSOZ7YVAAZ+vHY6WRMT+qfQXjpf1cqxr85y5qR/fbCoGBvZc1NQpo/GMkxn2RMjz/cGv6Io76qqeouiKGcu8bCuquqEfqxLiEGts+gEdZvfxFVeBiYT0YuvJ/6WFZhjYoNdWr94u3QnJ5tPkZ2QyfLxS3q076HiWp7dUYjJZODxtVlMTYvrpyqvjK7rlJ9qIPdABdUVLQDYR0eSMy+FCUoCxiE0mZIQgbhci//hrq/X4b+8fzHp1S9GJFfFWeo2v0lnYQEAkXPnE796DSH2UUGurP98WXWQzyr3MSY8kXum3oHREHgQ7i+o4bl3T2C1mPjJumzSU2L6sdKe8Xk1Sk6cJ/dgBU31/omTUifEkTMvhbGpMdJDXwxb3xv8qqpWdX37a1VV1178mKIoHwE39GdhQgwmnoYGGrZtofWrL0HXCc2Ygv32O7ClpQW7tH51uqWM19WthJlDeXT6fdjMgY9K+Cz3HC/vVgm1mvmXO3KYMHZwfPzhcno5cbyK/EOVdLS7MRoNpE9LJGduCvGjhk+fDCG+z+Uu9W8FcoCx37ncb+bKF+gRYkjxtbfTuGsnzR/tQfd6CUlOwX77OsIypw/7FmGTs5ln819G0zUenHYX9rD4gPfdc7iC1/aUEBFq4ckNOaQmBn/IW0NtO0f3lXP0wFk8bh+WEBPZc5LJmpNMRNTQH2YpRKAud6n/PiAW+B3wY7653O8Favq3LCGCS/O4af5oD43v7UTr7MQcF0/C6jVEzlswpBbQuVJun4dn81+mzd3O2skryIibHPC+u74q561PTxEdHsKTG3JIsgevFe1yeiktOk9xXg211f4V48LCQ5i5IJXMGWNlDn0xIl3uUn8L0AKsHLhyhAguXdNo3f8lDdu34G1s9E++s+4OYq6/AaNlZAzj8vg8PF/wd862VTJv9CwWJ18d0H66rrNjXxnb954hNtLKz++cQWLcwM9foOs6VWebKc6r4bRah9erYTDAuIlxzLtmAjH2MJlSV4xosoKEEPjDorMgn7rNb+I+V4nBbCb2ppuJW34LpvCeTVIzlLl8bp7Ne4niphKmxKVzp7ImoI80dF1n82en2PXVWRKibfzszhnYB3iCm/Y2F2p+DcV51bQ2OwGIjg0lI2s0yrTRhEdaZa14IZDgFwJn2RnqNr+Jo7gIDAaiFl5F/G1rsMQH/pn2cODwOnnm+AucailjesJUHpx2FxZj938idF1n054S9hypJDEujJ9tyCFugD4z9/k0ykoaKM6vpuJ0I7oOZrOR9GmJTMkaw5iU6GHfF0OInpLgFyOWu7aWhq2baTt0EICwaVnY167DmpIS5MoGXoenkz/kPsfZtkpmjcrm3qkbApqDX9N1Xnlf5bPcKpISwnlyQw7REdZ+r7exroOivGpOFpzH6fDPJD5qTCRTsscwMWMUVpv8aRPi+8irQ4w43rZWGt/ZQfNnn4DPhzVtPPbb1xOWMSXYpQVFm7ud3+f+lXPt1cwfPZuNU24PaKy+T9N44d1i9hfWkJoYwb/ekUNkP05n63Z5KS2qpeh49YWOerZQC1lzksnIGk18EDsRCjGUSPCLEUNzuWj68H2adr+H5nRisdtJWH07EbPnjIie+pfS7Grhd8ee5XxnHYuSFrIufWVAoe/1aTz7zgkOF9cyYWwUP12fTXg/9JDXdZ3qihaK8qo5XfxNR73UiXFkTB9D2uR46agnRA9J8IthT/f5aNn7BQ07tuFracYUEYn9zrXEXLsYg3nkvgQaHI387tiz1DsbWZJ6Lasm3hzQ5+Eer8aftxdwrKSe9ORonliXTai1b89je5uLkwU1FOfV0NLkAPzz5mdkjUGZlijj7oXohZH7V08Me7qu05F7lPq3N+OuqcYQEkLcrSuIvfFmTKEje0nV8511/O7YszS7Wrh5/FJuTlsSUOi7PD7+uCWfgjONTE2L5cdrsrCG9M3iNT6fRnlpA8V51Zy9uKNeZiIZWaNlGl0h+ogEvxiWHCUl1L39Js7SEjAaiV50HfErV2GOGTxzxQdLVXsNv8t9ljZ3O6sm3szScdcFtJ/T7eV3m/MoPttM1sR4frh6GhZz70Jf13XqatooLapFLTiPs/ObjnoZWaOZNCVROuoJ0cfkFSWGDV3T6MjPo+n9XThOqgCEz5iJfc3thIwZG+TqBoezrZX8Ifc5OrydrE9fxbXJCwPar9Pp5b/fOk7puRZmKXYeXZmJ+Qo/W+/scFNxppGK041UnGm60CvfFmoma3ZXRz2ZM1+IfiPBL4Y8zeOh7cBXNH2wC3eVf22psMxpxN96G6GTA59qdrg73VLGH3NfwOVzsTFjHQvHzglov3aHh1+/kUtZTRvzpyby4K1TMPWgM6SmaZw/18rZrrCvq2m/8Fh4RAgZWaMZNzGecRPjMZmlo54Q/U2CXwxZvs4OWj77lKY9H+JraQaTicgFC4lbtnxEjsW/HLWxlD/n/w2v5uW+zDuZnZgT0H6tHW6eej2Xyrp2rs4aw303ZWA0dv85e3ur80LQV5Y14Xb5ADAaDSSNiyFlQhyp4+OIs4fL5/ZCDDAJfjHkeBobaP7wA1q++AzN6cRosxG77CZilizFEjeyZtsLRGFDMX/Nfxld13lo2t1k2zMD2q+pzcVTrx+juqGTxTOT2Lg0HeP3hLTPq1Fd2cLZ041UnGmksa7jwmOR0TYmT00kZUIcSakxhPTxCAAhRM/IK1AMGa6KChrff88/057PhykmhoRbVhJ97bWYwkbOfPo9kVubzwuFr2E0GHg06z6mxisB7dfQ4uRXm45R2+zgxrkprF886R9a5q3NDs6ebuTsqUbOnW3C69EAMJmN/hZ917/o2FBp1QsxiEjwi0FN13UcxUU07n6PzsICAELGjiV22XIi583HaJFlVb/PoZpjvFz0Bhajmcey7mdy7MSA9jvf2MmvXj9GY6uLFQvTWHXNeAwGAx6Pj6qzzVScbuTs6cYLF2iADwAAH5ZJREFU4+sBYuLDSB0fR8qEOMamRGO29M0QPyFE35PgF4OS7vPRdvgQTe/vwnW2HIDQdIXYm5YTPi1rxM60F6h9VQfYVLwFm9nGD7MfYHz0uID2q6xt56k3cmntcLNm0XiuSh9F3qFKzp5upLqiGZ9PB8ASYiJtcjypE+JJGR9L1ACvxCeEuHIS/GJQ0ZxOWvZ+TtOH7+NtaACDgYjZc4i7cTm28ROCXd6Q8EnFXjaX7CDCEs6Pch4iJTIpoP1OVTbz5zePY3P7mD0mmqbcGl7/vPzC4/GjwkmdEEfK+DhGJ0fLVLlCDFES/GJQ8LY00/zRHpo//QStswNDSAjRi68ndulNhIwaFezyhoz3yz5mx+ndRIVE8viMRxgTnnjJ7XRdp6PNxfmqVs6fa6WsrImmug78b62MtFW3YbWZmZhhvxD24ZH9v+qeEKL/SfCLoHLXVNP4/i7a9n+J7vViiogkfuUqYhbfgCkyMtjlDRm6rrPzzAfsLvuIWGsMj894hFFhCRce97h91NW0+YO+qpXaqlY62t3f7A840RmXFse0zEQSx0YSExcmnfKEGIYk+EVQOEpKaHz/PTpyjwFgsY8idtlNRC28CqNVWpY9oes6W0p38nHFFySExvPj7IcxOawUl1ZzvrqN2nOtNNS1o+vf7BMWEcL49AS8FhMfFdXgNBh4bM10siYmfP8TCSGGBQl+MWB0TaM99xhN7+/CeaoUANv4CcTeuJyImbOkw94V0HSNTQXbySspZYIrhwkobP/qBG6X98I2JrORxKQoEsdE+b+OjSI80spXhed5/t0iLGYjj9+exZRxsUH8SYQQA0WCX/Q7XdNoP3yI+h1b8dTUABCelU3sTTcTOjldLif3gM+n0VjXwfmqVmrOtVBaVoXeEUsa/ul3a2gjOjaUtEnxjBobSeLYKOJHRfxDR7xPj53jlfdVQq1mfro+m4lJ0cH4cYQQQTDogl9RlFnAjwAD8HNVVWuDXJK4Qrqu05F/nIatb+OqqACTiairriH2xpuwjg2sp/lI5HH7aG1x0NrspK3ZSWuz//uv7/N5tQvb+kw6elw7M9PTSU72h31oWMhlj7/7wFne/KSUyDAL/3pHDqmJ0pdCiJFk0AU/YAV+AiwDFgDbg1uOuBKdxUXUb33bf0nfYCBy3gLiV64iJPHSvcxHEk3z96hva7ko1JsddHZ4aKxvx9HhueR+IVYTsfFhJCSGU6wXUMIJUkaP4rHs+7GZbd0+r67rbN97hh37yoiNtPLkhhzGxMuMh0KMNIMu+FVV/VJRlAXAk8D6YNcjesZ55jT1W9+m80Qh4F8WN2HVGqxJyUGubGC5nN5/aKm3dd1ua3Giafo/7GM0GoiIshKfFkFUjI2omNBvfbXaLLh8bp7Ne4niphKmxKXzyPR7CDFdvoUP/tB/4+NSPjhUgT3GxpMbZmCXSXeEGJEGJPgVRZkH/EJV1cWKohiBPwFZgAt4SFXVU4qi/CcwGfg1cBhYDvw78MRA1Ch6x3WukvptW+g4dhSAsKmZxK9aS+iE4TXpjq7reNw+HJ1uHB0eHJ1uOjvcXa33b1rwLqf3kvvbwiwkjI7wh3n0t8M9bXw8DY0dl9wPwOF18szxFzjVUkZWQiYPTNuIxdj9S1jTdF75QOWz3CrGxIfx5IYZxMqYfCFGrH4PfkVRfg7cBXy9CPcqIERV1YVdbwieBlapqvpvXdsvBl4A3MBf+rs+0Tvu8+dp2LGNtoNfga5jmziJhNVrCcuYEuzSAubzaTg7PXR2uHF0er4V6t/c7vq+w31h2tpLMZmNREXbGJ0URVRMKJHfCncblpDvf8kZLzMTXru7gz8ef46zbeeYNSqbe6duwGTsfj58n6bx/LtFfFV4ntTECP7ljhyiuukDIIQY3gaixV8KrAFe6bp9NbAbQFXVA4qizL54Y1VVPwE+GYC6RC94Ghtp3LmDln1fgM+HNSWV+NVrCJ+e3W+99HVdR9f9Xy++zYX7Ab7Zxunwfn+IX3Tf97XOL2YyGwkLsxA/KoLQsBBCwy3+r2EWQsNDugLeRlh4SJ///E3OZv6Q+xw1nbUsHDOHOzPWYjR0P/TR49X48/YCjpXUMzEpip+uyybMJosaCTHS9Xvwq6q6RVGUtIvuigRaL7rtUxTFqKqqxhWy26VX8kCw2yPxtLRQuXkL1bvex+fxYho7joQVt2FTpuJwemkpa8Hh+KZ1fCFsu0LW59X8gQ3o2qWDXNe6Hr846L+/kX1lDBAWHkJUTCjhESGER1gJj7R+8/13bltCTAMy7PC7v8s1bbX89qs/U9fZyK3KEu7OXhNQHU63l//z4kGOldSTNSmB/++BeYRaB12XnqCQvxf9T87x4BaMvwSt+MP/a70KfYC6urbeVTTCaZqGy+nF6fDgcnhxOj04HV5cDg9Op/8+zeOl4fQ5HM1teAxWPKnr8Rm6Wo8ftcBH+y/7HGaLEVuoBZPZiMGAP7y6vhq4+PY/PobB8M39fLONwXDRY3x9+5vHrDaLv0V+cQu966st1ILR2H2AejWNllZHt9v1Bbs98lu/y+faq/l97l9pc7ezYsKN3Dj2eurr2y9zBL9Op5ffbj5OSWULOZMSeGxVJu2tDrrfc/j77jkWfU/O8cDozZurYAT/PmAF8JaiKPOBvCDUMKiVFtWiFtR8q0V88fdaVwtY07q+6vq3Wsff2u/CVx1du+j7i7a93GfW32bBaInCZjUREx2BNdSCLdSCLdSM1fadr6EWbDYL1lAzNps/8EXgzrSU86fjL9DpdbAu/TauS74qoP3aHR6efiOX8po25k4ZxUO3TsUsq+gJIS4ykMH/dbpsBZYqirKv6/b9A1jDkHCuvImzpxov+ZjBAAaj4UKr1t9qNWA0+h80ft0CNvpby0aTAYPhm1b21/f7j+G/z2wx/UNoWy1GfKdVnIf3YWptJNRmJuH664hfulTm0u9nxY0l/CX/Jbyal3um3MG8MbMC2q+53cXTr+dyrr6Dq7PGcN9NGQFd1RBCjCyGrz9fHcL04XZZSdd1vB4Ng/Hry9bfvtTdr8/t89G6/0sa3tmGt6EBg9VK7NJlTL5zHU2OXn0iI7pht0ey58R+Xih4FYAHpm0k2z4toH3rWxw89XoutU0OlsxKZsOSyRhlKuR/IJeh+5+c44Fht0de8QtcevsMQgaDAUtI90O1+pKuabQfPUz9ti14amowmM3ELL2RuOW3YI6KwhwRDg55Mfenz858xXMFf8dsNPPo9HvJiJsc0H7nGzv51evHaGx1cevCcay+ZoKsfyCE+F4S/COcfz79vK759M+C0Uj0ouuIu3Ullri4YJc3YnxasY+3SrYTag7lh9kPMD56XED7Vda289QbubR2uLn9uoncPD+w/YQQI5cE/wil6zqdRSdo2L71ovn05xO/crXMpz+AdF1nd9nH7DzzPjG2KP4560GSIsYEtO+Z6lZ+/UYuHU4vG5emc8OskTUtshDiykjwj0CdxUU0bN+Ko+QkAOE5M/zz6SenBLmykUXXdbaU7uTjii+Is8XyH9f/BJMzsPnz1bNN/HZzHi6PjwdvmcJV0wN7syCEEBL8I0inWuwP/JMqAOFZ2cSvXI0tLS24hY1Amq6xqfhtvqw+RGLYKH6c8xCjI0dR5+y+H0XB6Qb+sCUfn6bz2G3TmJ0xagAqFkIMFxL8I0DnSZWGHdtwFBcBED49i/iVq7CNH14L6AwVXs3L3068zrHaPFIik/hh9oNEhkQEtO8RtZY/by/EaDTw47XTyZqY0M/VCiGGGwn+YcxRWkLD9m10FvmXyA3LnEb8basJnTAxyJWNXC6fm7/mv0xR40kmxYznn7LuI9Qc2OX9L/KqeGmXisVi5Im1WWSMi+3naoUQw5EE/zDkOFVKw45tdBYWAF1L5N62mtCJk4Jc2cjW6XHwTN6LnG4pIzM+g4em3U2IqftFc3RdZ/veM+zYV0a4zcxP1mUzMSl6ACoWQgxHEvzDiOP0aRp2bKWzIB+A0IwpJNy2mtDJ6UGuTLS52/lD7nNUtlcxa1Q290y9A7Ox+5ef16fxt13FfFlQgz3Gxk/X5zA6LmwAKhZCDFcS/MOAs6yMhh1b6cg7DkCokkH8basJS1eCXJkAaHQ28fvcv1LbWc9VY+exQVkd0LK6nU4vf9yaT1F5E+PHRPHE7VlEhYcMQMVCiOFMgn8Ic54tp2H7VjqO5wIQmq4Qv3IVYRlTglyZ+Nr5zjp+f+yvNLmaWZp6HbdNXB7QrHqNrU5+89ZxztV1MGNyAo+szMRqGdjZHIUQw5ME/xDkqjhL/Y5tdBw7CoBt0mT/Jf2MKTJV6yBS0VbFH3Ofo83Tzm0TlrMsbXFA+50938Z/v3Wc5nY3N8xM5s4lk2WxHSFEn5HgH0JclRU07NhG+9EjANgmTvK38KdmSuAPMqeay3gm7wUcXid3pK9iUfLCgPYrONPAn7YW4HT7WL94EjfOTZH/WyFEn5LgHwJc5yr9gX/kMAC28ROIv20VYZnTJRQGoaKGkzyb/xJe3ce9Uzcwd/TMgPbbc7CcP7yVh8Fg4LFV05gjE/MIIfqBBP8g5qqqovGdbbQdPgS6jjVtPPErVxE+PUsCf5A6VpvPi4WvYTAYeGT6PUxPmNrtPt8drvfjtVmkp8QMQLVCiJFIgn8Q8jTUU79lM20HD/gDP3Uc8betJjwrWwJ/ENtfdYhXizcTYrLwT1n3kR7b/bwJXp/GS7uK2VdQQ2JcGI+vnc6Y+PABqFYIMVJJ8A9CtZtepSP3GNaUVH8LP2eGBP4g93HFF7xd8g7h5jD+OecB0qJSu92n0+nlT9vyOVHWxPgxkfzPRxfidXoGoFohxEgmwT8I2W+/g5jFNxA2ZSoGY/fjvUXw6LrOe2c+5L2yPUSHRPKjnIcZGzG62/0aW53891vHqazrIGdSAo+uzCQ20kadBL8Qop9J8A9CIaNHEzK6+/AQweXTfLxxciv7qg4Sb4vj8RkPkxAa3+1+Z8+38dvNeTS1ubh+ZhI/WJIuw/WEEANGgl+IK+DwOni+4FWKGk+SHDGWx7LvJ8ba/fz5hWca+ePWfBmuJ4QIGgl+IXqo0dnEM8dfpKqjhmnxGdyfuRGb2drtfl/kVfHybhWDwcA/3ZbJ3CmJA1CtEEJ8mwS/ED1wtrWSZ/JepNXdxqKkhdw+eQUm4+Wn0pXhekKIwUSCX4gA5dUV8mLha3g0L2snr2Bx8tXdXqb3+jRe2l3MvvwaEqJt/HR9tgzXE0IElQS/EAH4pGIvb5e8g9lo5uHpd5Ntn9btPg6Xf3W9r4frPX57NtGyup4QIsgk+IW4DE3X2FzyDp9V7iMyJILHsu5nXFRKt/v5h+vlUVnXfmG4njVEVtcTQgSfBL8Q38Plc/Ni4avk1xcxJjyRx7IeID40ttv9Kmrb+e+3jtPU5mLxzCQ2ynA9IcQgIsEvxCW0uFp5Ju9FKtrOkRE7mYem30WoObTb/WS4nhBisJPgF+I7zrVX88zxF2lyNbNgzBzuVNZ023MfYG9eNS/tLsZgQIbrCSEGLQl+IS5S1HCS5wpewelzsXLCTSwbt7jbFruu6+zYV8b2vWdkuJ4QYtCT4Beiy75zB3j95FaMBiP3Z/6A2Yk53e7j8Wq88r7K3vxqGa4nhBgSJPjFiKfpGjtO7ebDs58Sbgnj0en3MTEmrdv9KuvaeXbHCSrr2kkbHckT62S4nhBi8JPgFyOa2+fh5aI3OFabx6jQBB7LfoBRYQmX3UfTdT46XMlbn57C69NYlD2WO2+YLMP1hBBDwqAMfkVREoGdqqrOCXYtYvhqc7fzl7yXONNazsTo8TySdQ8Rlstfpm9qc/HCe0UUnmkkItTC/cszmZFuH6CKhRCi9wZl8AM/A8qCXYQYvmo6annm+AvUOxuZnZjDXVPWYzFe/uVwRK3lb7uK6XB6mT4hngduziA6ovvFeYQQYjAZdMGvKMpjwN+Bfw12LWJ4Kmk6xbP5L9PpdbA87QZuGb/ssj33HS4vm/aUsDe/GovZyF3L0lk8I0nG5wshhqQBCX5FUeYBv1BVdbGiKEbgT0AW4AIeUlX1lKIo/wlMBkZ1PTZXUZS1qqq+PRA1ipHhQPURXi3ejI7OXVPWs2DM7MtuX1rZwl93FlLX7GRcYiQPr5jK2ATptS+EGLr6PfgVRfk5cBfQ3nXXKiBEVdWFXW8IngZWqar6b9/Z72UJfdFXdF3nvTMf8l7ZHkLNNh6edg9K3KTv3d7r03hnXxk795eBDjfPH8eqa8ZjNhkHrGYhhOgPA9HiLwXWAK903b4a2A2gquoBRVEu2eRSVfWeAahNjAAezctrxZs5WHOUeFss/5z9AKPDv39WvfONnTz7zgnOVLcSH2XloVunoqR2P0e/EEIMBf0e/KqqblEUJe2iuyKB1otu+xRFMaqqqvV3LWLk6fR08mz+y5Q0n2ZcVAr/lHUfUSGRl9xW13U+P17Fpo9KcHs0FmQmsnGpQpht0HWFEUKIKxaMv2it+MP/a70Ofbv90n/IRd8aauf5fHsdvzn0DFVt55mXPIMfzbsPq/nSE+y0tLv4/Zu5HCisITzUwhN3zGDRjOQBrnjoneOhSM5x/5NzPLgFI/j3ASuAtxRFmQ/k9faAdXVtvS5KXJ7dHjmkzvOZlnL+nPc32j0d3JC6iFUTb6a1yYW/P+m35Z2q54X3imntcJORGsNDt04lLso24D/vUDvHQ5Gc4/4n53hg9ObN1UAGv971dSuwVFGUfV237x/AGsQw59G87Cn/lN1lH6Ghs0FZzTVJCy65rcvj461PSvn46DlMRgPrF09i2dwUjDJMTwgxjA1I8KuqWgYs7PpeBx4biOcVI0tJ0yk2qVs431lHdEgkd01Zz9R45ZLblte08ew7hVQ3dJKUEM7DK6aSmiiXJ4UQw5/0WhJDXru7g62n3uWr6sMYMHBt8kJWTLiRUHPoP2yraTq7DpSz7Ysz+DSdJbOTuf3aiYRYZJ59IcTIIMEvhixd1zlQc4QtpTvp8HSSHDGWOzPWkBaVesnt65sdPLfzBCcrW4iOCOHBW6YwbXz8AFcthBDBJcEvhqTzHbVsUrdQ0nyaEKOFNZNu5brkqzAZ/7Hlrus6XxWe5+8fqjhcPmal27l3eQYRoZYgVC6EEMElwS+GFI/Pwwfln/BB+Sd4dR/TE6awPn0VcbZLT7DT4fTwyvsqB4tqsYaYeODmKVw1fbTMsy+EGLEk+MWQcbKplE3qFmo764mxRrMu/TayEzK/N8SLypt4bucJmtpcTEyK4uFbpzIqNmyAqxZCiMFFgl8Mem3udraWvsuBmiMYMLA4+WpunbAMm9l2ye1bO928t7+cDw9VYDAYWHXNeG5ZMA6TUebZF0IICX4xaOm6zv7qw2wrfZcObycpkUncqaxhXFTKJbc/V9fOh4cr2F94Ho9XY1RsKI+syGTC2KgBrlwIIQYvCX4xKNV0nGeTuoXS5jNYTSHcPnkli5IW/EPnPU3XKTjdyIeHzlJY1gSAPcbGktkpLMoaizVEhukJIcTFJPjFoOL2eXi//GM+LP8Un+4j2z6NdZNXEmuL+dZ2Lo+P/QU1fHi4guqGTgCUlBiWzUkhe1ICRqN03hNCiEuR4BeDRnFjCa+rW6hzNBBrjWF9+m1k2TO/tU1Tm4uPj1by6bFzdDi9mIwGFmSOZtmcFMaNlpn3hBCiOxL8Iuja3O28XfIOh84fw4CB61Ou4Zbxy7CZrRe2Katp5cNDFRwsqsWn6USEWrh14Tiun5lMTIT1MkcXQghxMQl+ETSarrG/+hDbSt+j0+tgXGQKd2asISUyyf+4pnOspJ4PD53lZGULAGMTwlk6O5kFmaNlml0hhLgCEvwiKKraa9ikbuF0Sxk2k5V16bexKGkBRoMRh8vL3rxq9hypoK7ZCcC08XEsm5NC5vg4mXxHCCF6QYJfDCi3z8Ousj3sOfsZmq4xwz6d29NXEmONpr7ZwZ4jlXyRV4XD5cNiNrIoeyxL56SQlBAe7NKFEGJYkOAXA8KjeTnRUMyWkp3UOxuJtcZwh7KKafFTKD3XwquH8jl6sg5dh+iIEG6aN47rcsYSGRYS7NKFEGJYkeAX/abV3UZhfTEFDUUUNZ7E5XNjNBhZknoty1JvIL+0mf/97mHOVLcBkJoYwbI5KcydkojZJLPsCSFEf5DgF31G13Uq26soqC8iv6GI8taKC4/ZQ+OZljCF7NgZnCzx8W/vH6GpzYUBmDE5gWVzUkhPiZHP74UQop9J8ItecfvcqE2l5NcXUdhQTLPL3/veaDCSHjORydHpxGgpdLRYKVfbeFo9hdujYQ0xsWRWMjfMTiZRFs4RQogBI8EveqzR2URB1yX8k02leDQvAKGmUNKsUwh1jaWzLpayQjfH293A2Qv7xkdZueHqFBZljyHMZgnSTyCEECOXBL/olqZrnKw/zRenjlBQX8S5juoLj9l8MRhbR9FWE4ejLZpGvr5U305clJWsifEk2yNItoeTbI9gbEK4TKcrhBBBJMEvLsnhdZBbU8SR6kJOtZfg1v3j6XXNiNaagK95FFqzHYc7FFuIifH2CJInhpM8KoJkewRJ9nDCpUUvhBCDjgS/wOvTqGns5ERVBYWNxZxzn8ZhrgWDDoDutuJrTkZvGYXdnEJKQjTJGREXWvLx0TbplCeEEEOEBP8g5vVpeLz+f26v76LvNTwen//rRY+7vRrersfdXh8ej4bHp+H2aHi832zv9vpwaZ246MBt6MBhrsUQXYsx1L/KHRYwOGKI0VIYHz6ZjKRUsq4fjc2oYzHLNLlCCDGUSfAPQm99WsoHByvwafoV7K2DxYUhxHmJfy4MEU4MFicG4zfHNgFG3UyieQJTYzNYkJrFmOi4bx3Vbo+krq6tdz+YEEKIoJPgH4TsMaGMHxOFxWzEYjYSYjZiMZswmwGzE5/Zgc/kwGPwt9hddODU2nHo7XT62tG59BsGAwaiQiKJtdmJsUYTa40mxhZNUvgYJsVOwGKUXwchhBju5C/9IDQ13Yonto1mVwvNrhaaXC00O1todbf5Q10HvN/ex2gwEh0SRWJEKjHW6IuCPcb/1RpNVEgkJqNcqhdCiJFMgn8Q2nbqPY7XFVy4bTKYiLFGMyE6jVhb9LeCPdYWQ4w1msiQCIwGmeZWCCHE5UnwD0LrJq9k/uhZ/nC3xRBuCZNQF0II0Sck+AehWFsMsbaYYJchhBBiGJJmpBBCCDGCSPALIYQQI4gEvxBCCDGCSPALIYQQI8ig69ynKEo28HvgFPCSqqqfBrciIYQQYvgYjC3+uUA1/ilqCoNcixBCCDGsDMbg3ws8BPwSeDLItQghhBDDyoBc6lcUZR7wC1VVFyuKYgT+BGQBLuAhVVVPKYryn8BkYAf+Fn/zQNUnhBBCjBT9HqyKovwcuAto77prFRCiqurCrjcETwOrVFX9t67tF+D/jN8D/M/+rk8IIYQYSQaiRV0KrAFe6bp9NbAbQFXVA4qizL54Y1VV9wP7B6AuIYQQYsTp98/4VVXdwrfXkosEWi+67eu6/C+EEEKIfhaMz9Bb8Yf/14yqqmq9OJ7Bbo/sfivRa3Ke+5+c4/4n57j/yTke3ILR0t4H3AygKMp8IC8INQghhBAj0kC2+PWur1uBpYqi7Ou6ff8A1iCEEEKMaAZd17vfSgghhBDDgnSqE0IIIUYQCX4hhBBiBJHgF0IIIUaQYTclrqIoC4FHum4+oapqSzDrGc4URbkeuFNV1YeDXctwpCjKDcAdQBjwS1VVZQRMH1MUZRbwI8AA/FxV1doglzQsKYqSCOxUVXVOsGsZjnq6qu1wbPE/jD/4n8f/R1P0A0VRJgI5gC3YtQxjoaqqPgI8BSwLdjHDlBX4CfAusCDItQxLiqIYgJ8BZUEuZTjr0aq2wzH4TaqquvGfhDHBLma4UlX1lKqqvw52HcOZqqo7FUUJBx4H/hbkcoYlVVW/BKbiXwk0N8jlDFf/BPwdcAa7kGGsR6vaDqlL/YGs8gd0KooSAowFaoJX7dAV4HkWvRDgipUJ+F/I/6aqan0Qyx2SAjzHc4DDwHLg34EnglbwEBTg34olXffNVRRlraqqbwev4qEnwHOcQw9WtR0yLf6uVf7+iv/SHFy0yh/w/+Bf5Q/gWeAv+C/5v/Ld44jL68F5FleoB+f4aSAR+C9FUdYOeKFDWA/OcQTwAvAr4NWBrnMoC/Qcq6q6VlXVx4ADEvo904Pf4zL8n/H/X+B33R13KLX4A1rlT1XVo8hsgL3R09UU7x7Y8oaFQH+X7w1OecNCoOf4E/7/9u7epoEgCAPoIBHSAAki20aQ6IKMCqANaIBOcEARRJcR0QAhEhCBLENwZ93ceZn3Qkejz5Y/7fpnIp5WmbB/U98rrpYd718Y+zqetNW2mxO/LX/LkHM+GeeTcT4Z58vKuOcnZe4tf/xNzvlknE/G+WScb5aMey5+W/6WIed8Ms4n43wyzjdLxj19xv/Nlr9lyDmfjPPJOJ+M882ase18AFBIz1f9AMBEih8AClH8AFCI4geAQhQ/ABSi+AGgEMUPAIUofgAoRPEDo7XWzltrH621i53HX1prZ2vNBYyn+IGp3iPiobV2svWYvwCFTih+YKrXiHiMiLu1BwGmU/zAPm4j4nL3yh84fIofmGwYhreIuI7fV/7AgVP8wF6GYdhExCYi7teeBRjveO0BgK7dRMRzRJyuPQgwjhM/MNXPN/i3rvwdIqATR5+ffoUDAFU48QNAIYofAApR/ABQiOIHgEIUPwAUovgBoBDFDwCFKH4AKOQLtDBXtdpBW+cAAAAASUVORK5CYII=">
-            <a:extLst>
-              <a:ext uri="{FF2B5EF4-FFF2-40B4-BE49-F238E27FC236}">
-                <a16:creationId xmlns:a16="http://schemas.microsoft.com/office/drawing/2014/main" id="{A1AEAF1C-618E-4AE8-9A17-200D184EAAA2}"/>
-              </a:ext>
-            </a:extLst>
-          </p:cNvPr>
-          <p:cNvSpPr>
-            <a:spLocks noChangeAspect="1" noChangeArrowheads="1"/>
-          </p:cNvSpPr>
-          <p:nvPr/>
-        </p:nvSpPr>
-        <p:spPr bwMode="auto">
-          <a:xfrm>
-            <a:off x="5943600" y="3276600"/>
-            <a:ext cx="304800" cy="304800"/>
-          </a:xfrm>
-          <a:prstGeom prst="rect">
-            <a:avLst/>
-          </a:prstGeom>
-          <a:noFill/>
-          <a:extLst>
-            <a:ext uri="{909E8E84-426E-40DD-AFC4-6F175D3DCCD1}">
-              <a14:hiddenFill xmlns:a14="http://schemas.microsoft.com/office/drawing/2010/main">
-                <a:solidFill>
-                  <a:srgbClr val="FFFFFF"/>
-                </a:solidFill>
-              </a14:hiddenFill>
-            </a:ext>
-          </a:extLst>
-        </p:spPr>
-        <p:txBody>
-          <a:bodyPr vert="horz" wrap="square" lIns="91440" tIns="45720" rIns="91440" bIns="45720" numCol="1" anchor="t" anchorCtr="0" compatLnSpc="1">
-            <a:prstTxWarp prst="textNoShape">
-              <a:avLst/>
-            </a:prstTxWarp>
-          </a:bodyPr>
-          <a:lstStyle/>
-          <a:p>
-            <a:endParaRPr lang="en-CA"/>
+              <a:t> Example</a:t>
+            </a:r>
           </a:p>
         </p:txBody>
       </p:sp>
       <p:pic>
         <p:nvPicPr>
-          <p:cNvPr id="8" name="Picture 7">
-            <a:extLst>
-              <a:ext uri="{FF2B5EF4-FFF2-40B4-BE49-F238E27FC236}">
-                <a16:creationId xmlns:a16="http://schemas.microsoft.com/office/drawing/2014/main" id="{14AFB3E8-36F1-4C69-A69B-50865952F7AC}"/>
+          <p:cNvPr id="4" name="Picture 3">
+            <a:extLst>
+              <a:ext uri="{FF2B5EF4-FFF2-40B4-BE49-F238E27FC236}">
+                <a16:creationId xmlns:a16="http://schemas.microsoft.com/office/drawing/2014/main" id="{6557EAA9-93AE-406B-A74A-BC2240FE9DEF}"/>
               </a:ext>
             </a:extLst>
           </p:cNvPr>
@@ -4318,8 +4578,8 @@
         </p:blipFill>
         <p:spPr>
           <a:xfrm>
-            <a:off x="4887047" y="1609571"/>
-            <a:ext cx="6478476" cy="4700071"/>
+            <a:off x="2437566" y="1544323"/>
+            <a:ext cx="7316867" cy="2743825"/>
           </a:xfrm>
           <a:prstGeom prst="rect">
             <a:avLst/>
@@ -4328,43 +4588,56 @@
       </p:pic>
       <p:sp>
         <p:nvSpPr>
-          <p:cNvPr id="9" name="TextBox 8">
-            <a:extLst>
-              <a:ext uri="{FF2B5EF4-FFF2-40B4-BE49-F238E27FC236}">
-                <a16:creationId xmlns:a16="http://schemas.microsoft.com/office/drawing/2014/main" id="{49DB4B17-3EB2-437E-84B9-4E330D0FC024}"/>
-              </a:ext>
-            </a:extLst>
-          </p:cNvPr>
-          <p:cNvSpPr txBox="1"/>
-          <p:nvPr/>
+          <p:cNvPr id="7" name="Content Placeholder 2">
+            <a:extLst>
+              <a:ext uri="{FF2B5EF4-FFF2-40B4-BE49-F238E27FC236}">
+                <a16:creationId xmlns:a16="http://schemas.microsoft.com/office/drawing/2014/main" id="{03E78B31-795B-41B5-9246-28DAC5A94EE4}"/>
+              </a:ext>
+            </a:extLst>
+          </p:cNvPr>
+          <p:cNvSpPr>
+            <a:spLocks noGrp="1"/>
+          </p:cNvSpPr>
+          <p:nvPr>
+            <p:ph idx="1"/>
+          </p:nvPr>
         </p:nvSpPr>
         <p:spPr>
           <a:xfrm>
-            <a:off x="5372100" y="6176963"/>
-            <a:ext cx="5715000" cy="369332"/>
+            <a:off x="838200" y="1853335"/>
+            <a:ext cx="10515600" cy="4351338"/>
           </a:xfrm>
-          <a:prstGeom prst="rect">
-            <a:avLst/>
-          </a:prstGeom>
-          <a:noFill/>
         </p:spPr>
         <p:txBody>
-          <a:bodyPr wrap="square" rtlCol="0">
-            <a:spAutoFit/>
-          </a:bodyPr>
-          <a:lstStyle/>
+          <a:bodyPr/>
+          <a:lstStyle/>
+          <a:p>
+            <a:endParaRPr lang="en-CA" dirty="0"/>
+          </a:p>
+          <a:p>
+            <a:endParaRPr lang="en-CA" dirty="0"/>
+          </a:p>
+          <a:p>
+            <a:endParaRPr lang="en-CA" dirty="0"/>
+          </a:p>
+          <a:p>
+            <a:endParaRPr lang="en-CA" dirty="0"/>
+          </a:p>
+          <a:p>
+            <a:endParaRPr lang="en-CA" dirty="0"/>
+          </a:p>
           <a:p>
             <a:r>
               <a:rPr lang="en-CA" dirty="0"/>
-              <a:t>Source: J. </a:t>
+              <a:t>Recall our initial example. </a:t>
             </a:r>
             <a:r>
               <a:rPr lang="en-CA" dirty="0" err="1"/>
-              <a:t>Vanderplas</a:t>
+              <a:t>Astropy</a:t>
             </a:r>
             <a:r>
               <a:rPr lang="en-CA" dirty="0"/>
-              <a:t> 2015.</a:t>
+              <a:t> can analyse this data set using its class notation</a:t>
             </a:r>
           </a:p>
         </p:txBody>
@@ -4372,7 +4645,7 @@
     </p:spTree>
     <p:extLst>
       <p:ext uri="{BB962C8B-B14F-4D97-AF65-F5344CB8AC3E}">
-        <p14:creationId xmlns:p14="http://schemas.microsoft.com/office/powerpoint/2010/main" val="2926353494"/>
+        <p14:creationId xmlns:p14="http://schemas.microsoft.com/office/powerpoint/2010/main" val="1121226968"/>
       </p:ext>
     </p:extLst>
   </p:cSld>
@@ -4404,6 +4677,347 @@
           <p:cNvPr id="2" name="Title 1">
             <a:extLst>
               <a:ext uri="{FF2B5EF4-FFF2-40B4-BE49-F238E27FC236}">
+                <a16:creationId xmlns:a16="http://schemas.microsoft.com/office/drawing/2014/main" id="{11C449D0-BEF9-4B6D-B193-11E055791199}"/>
+              </a:ext>
+            </a:extLst>
+          </p:cNvPr>
+          <p:cNvSpPr>
+            <a:spLocks noGrp="1"/>
+          </p:cNvSpPr>
+          <p:nvPr>
+            <p:ph type="title"/>
+          </p:nvPr>
+        </p:nvSpPr>
+        <p:spPr/>
+        <p:txBody>
+          <a:bodyPr/>
+          <a:lstStyle/>
+          <a:p>
+            <a:r>
+              <a:rPr lang="en-CA" dirty="0" err="1"/>
+              <a:t>Astropy</a:t>
+            </a:r>
+            <a:r>
+              <a:rPr lang="en-CA" dirty="0"/>
+              <a:t> Example</a:t>
+            </a:r>
+          </a:p>
+        </p:txBody>
+      </p:sp>
+      <p:sp>
+        <p:nvSpPr>
+          <p:cNvPr id="3" name="Content Placeholder 2">
+            <a:extLst>
+              <a:ext uri="{FF2B5EF4-FFF2-40B4-BE49-F238E27FC236}">
+                <a16:creationId xmlns:a16="http://schemas.microsoft.com/office/drawing/2014/main" id="{F46BB72A-A40D-4B11-A067-F05DC5BAB0EB}"/>
+              </a:ext>
+            </a:extLst>
+          </p:cNvPr>
+          <p:cNvSpPr>
+            <a:spLocks noGrp="1"/>
+          </p:cNvSpPr>
+          <p:nvPr>
+            <p:ph idx="1"/>
+          </p:nvPr>
+        </p:nvSpPr>
+        <p:spPr/>
+        <p:txBody>
+          <a:bodyPr/>
+          <a:lstStyle/>
+          <a:p>
+            <a:r>
+              <a:rPr lang="en-CA" dirty="0"/>
+              <a:t>Once we plot the periodogram, we can see that there are many significant peaks. We can obtain a periodic signal using the most significant peak (p=1.9e-40)</a:t>
+            </a:r>
+          </a:p>
+        </p:txBody>
+      </p:sp>
+      <p:pic>
+        <p:nvPicPr>
+          <p:cNvPr id="4" name="Picture 3">
+            <a:extLst>
+              <a:ext uri="{FF2B5EF4-FFF2-40B4-BE49-F238E27FC236}">
+                <a16:creationId xmlns:a16="http://schemas.microsoft.com/office/drawing/2014/main" id="{58FC9F57-B88A-44E7-A161-553353A1E92D}"/>
+              </a:ext>
+            </a:extLst>
+          </p:cNvPr>
+          <p:cNvPicPr>
+            <a:picLocks noChangeAspect="1"/>
+          </p:cNvPicPr>
+          <p:nvPr/>
+        </p:nvPicPr>
+        <p:blipFill>
+          <a:blip r:embed="rId2">
+            <a:extLst>
+              <a:ext uri="{28A0092B-C50C-407E-A947-70E740481C1C}">
+                <a14:useLocalDpi xmlns:a14="http://schemas.microsoft.com/office/drawing/2010/main" val="0"/>
+              </a:ext>
+            </a:extLst>
+          </a:blip>
+          <a:stretch>
+            <a:fillRect/>
+          </a:stretch>
+        </p:blipFill>
+        <p:spPr>
+          <a:xfrm>
+            <a:off x="344648" y="3039982"/>
+            <a:ext cx="11009152" cy="4128432"/>
+          </a:xfrm>
+          <a:prstGeom prst="rect">
+            <a:avLst/>
+          </a:prstGeom>
+        </p:spPr>
+      </p:pic>
+    </p:spTree>
+    <p:extLst>
+      <p:ext uri="{BB962C8B-B14F-4D97-AF65-F5344CB8AC3E}">
+        <p14:creationId xmlns:p14="http://schemas.microsoft.com/office/powerpoint/2010/main" val="3582628051"/>
+      </p:ext>
+    </p:extLst>
+  </p:cSld>
+  <p:clrMapOvr>
+    <a:masterClrMapping/>
+  </p:clrMapOvr>
+</p:sld>
+</file>
+
+<file path=ppt/slides/slide16.xml><?xml version="1.0" encoding="utf-8"?>
+<p:sld xmlns:a="http://schemas.openxmlformats.org/drawingml/2006/main" xmlns:r="http://schemas.openxmlformats.org/officeDocument/2006/relationships" xmlns:p="http://schemas.openxmlformats.org/presentationml/2006/main">
+  <p:cSld>
+    <p:spTree>
+      <p:nvGrpSpPr>
+        <p:cNvPr id="1" name=""/>
+        <p:cNvGrpSpPr/>
+        <p:nvPr/>
+      </p:nvGrpSpPr>
+      <p:grpSpPr>
+        <a:xfrm>
+          <a:off x="0" y="0"/>
+          <a:ext cx="0" cy="0"/>
+          <a:chOff x="0" y="0"/>
+          <a:chExt cx="0" cy="0"/>
+        </a:xfrm>
+      </p:grpSpPr>
+      <p:sp>
+        <p:nvSpPr>
+          <p:cNvPr id="2" name="Title 1">
+            <a:extLst>
+              <a:ext uri="{FF2B5EF4-FFF2-40B4-BE49-F238E27FC236}">
+                <a16:creationId xmlns:a16="http://schemas.microsoft.com/office/drawing/2014/main" id="{079DCC7C-AF2F-4297-AC5B-CA1A1D2814FF}"/>
+              </a:ext>
+            </a:extLst>
+          </p:cNvPr>
+          <p:cNvSpPr>
+            <a:spLocks noGrp="1"/>
+          </p:cNvSpPr>
+          <p:nvPr>
+            <p:ph type="title"/>
+          </p:nvPr>
+        </p:nvSpPr>
+        <p:spPr>
+          <a:xfrm>
+            <a:off x="838200" y="365125"/>
+            <a:ext cx="10515600" cy="1325563"/>
+          </a:xfrm>
+        </p:spPr>
+        <p:txBody>
+          <a:bodyPr/>
+          <a:lstStyle/>
+          <a:p>
+            <a:r>
+              <a:rPr lang="en-CA" dirty="0"/>
+              <a:t>Comparison - Summary</a:t>
+            </a:r>
+          </a:p>
+        </p:txBody>
+      </p:sp>
+      <p:sp>
+        <p:nvSpPr>
+          <p:cNvPr id="3" name="Content Placeholder 2">
+            <a:extLst>
+              <a:ext uri="{FF2B5EF4-FFF2-40B4-BE49-F238E27FC236}">
+                <a16:creationId xmlns:a16="http://schemas.microsoft.com/office/drawing/2014/main" id="{3BEC23C5-5292-485A-839B-B1D87C787CA2}"/>
+              </a:ext>
+            </a:extLst>
+          </p:cNvPr>
+          <p:cNvSpPr>
+            <a:spLocks noGrp="1"/>
+          </p:cNvSpPr>
+          <p:nvPr>
+            <p:ph idx="1"/>
+          </p:nvPr>
+        </p:nvSpPr>
+        <p:spPr/>
+        <p:txBody>
+          <a:bodyPr/>
+          <a:lstStyle/>
+          <a:p>
+            <a:r>
+              <a:rPr lang="en-CA" dirty="0"/>
+              <a:t>Between…</a:t>
+            </a:r>
+          </a:p>
+        </p:txBody>
+      </p:sp>
+      <p:sp>
+        <p:nvSpPr>
+          <p:cNvPr id="4" name="AutoShape 2" descr="data:image/png;base64,iVBORw0KGgoAAAANSUhEUgAAAf4AAAFyCAYAAAAUHbiGAAAABHNCSVQICAgIfAhkiAAAAAlwSFlzAAALEgAACxIB0t1+/AAAIABJREFUeJzs3Xd4FMUbwPHvpZBOSKMKJKEMHSIgHQEFG01BigWVKlItYBcs2BUQ5UcRpApItVJEQKTXEOrQIZSEJEB6u7v9/XEHBgxwQBrk/TyPj7myM+/OHffu7M7OmAzDQAghhBCFg1N+ByCEEEKIvCOJXwghhChEJPELIYQQhYgkfiGEEKIQkcQvhBBCFCKS+IUQQohCxCW/AxB3H6WUMzAE6I7tO1YE+BV4T2udkZ+xZaWUmgzM0Vqvyqf62wCTgSjgfq11WpbXrECg1vp8LtR7HOiitd7iwHsbAh8DAdg6CpHAa1rrfTkdVzZ133Qb2PftCa31jhyo/3mgk9a63e2WdRsx1Ad6aq37O/o+pVQ94HWt9ZN5EqS440jiF7nhf4Av0EprnaiU8gRmA98DPfI1siy01n3yOYRuwCSt9ag8rtcATDd6k1LKDfgNeFBrHW5/7mlgqVIqWGtdECcBKYgx3Y7qwD038z6t9TZAkr64Jkn8IkcppUKAp4CSWuskAK11ilLqRaCR/T2+wHdAbWw/1EuBt7TWFqVUGvA10BYoCgzD9iNWEzgDtLOXZwU+Bx4EvOzbL1ZKeWE78KgE+AOJwFNa64NKqTVAHFDF/p7OwDhgCfAt0ATIAI4CL2itk5VSHYH3AGcgAXhFa71VKTUSCAZKAuWBGKCr1vrsVe3hat+fVoAF2Ay8DPQHOgCpSilfrfVwB9s32/K01kn23u5s4DFsPfQR9n2qC2QC7bPE96JS6jvAHfhKa/1DNtV5YjuA87n0hNZ6tlIqHttvR6ZSqifwij2WWOA5bJ/TaKCBfVsT0FtrvUEpNQ3b5xKK7SzQV8A0++M4IBrYrbV+/6r97mVvMyf7+wZqrfUN2uq2vktXleULjAVqAK7AX8Cwm/zOVgXGYPtsnIFvtNY/KKVaAKOAI/by3YABwGHgA6CoUmoK0Nu+/RXtCpy86n0zgXFa65oO/Fv7BGgNlAbGaq3HKqVKAjPscQL8rrV+73ptLe4sco1f5LR7gb2Xkv4lWutorfUS+8NvgBitdU2gHrYfpdfsrxUBzmitawHjsZ0lGAJUw5aE2mcpNklrXQ/oAkxVSgUCDwPntdaNtNYK2AoMtL/fsL9WXWv9rf2xATTGdqq9lr28o0BNpdSlA4QntNa1sR0A/KyUupQImwKdtdZVgQtAv2za4x1sBwe17PvpBHyhtf4C+AX42tGkf73ysuyfm9a6DvAqMAkYY38cCTxvf58JSLbva2vgU6VUtasr0lpfAIYDy5RSR5RSM5RSLwB/aa0zlVK1gU+Bh+zt8wvwNnAftgO/hlrr6tiSyBtZinbXWtfQWr+J7cBrt9a6GrZk2Yireu1KqfuxnSlqprW+176/ixxoq9v9LmU1Gthmf8+9QBC2Ax6H6lFKuQALgDfsZbQAXlNKNbCXcR/wpX3/pgAjtdangHeBf7TWvYCG2bVrNu/L6kb/1mK01k2xHQR/aj/L0wc4orWuCzQDKmX5zou7gCR+kdMs3Ph79TC2Hjb2a/4TgEeyvL7Q/v+j2JLCWftp5WPYeouXXCpjN7AbaK61XgjMUEoNUkqNxfYD65Vlm3+yiScCsCilNiulPgAWaq03YetVr9RaH7fXsxo4h60HbQCrsxzg7Lwqtqz7OkFrbbHvw7ir9vWGp9xvsrysbRdlbxuw9Sb97H8bwET7Pp0FlgMPZFeZ1no0UBwYDJwFXgd2KqWK2rdZprU+bX/vWK11f3vbvauU6q+U+gLoxL+fgQGsy1LFI9gOUNBaR2FLjlmZsJ3BqAhsUErtBD4D/JRSxa7bUv9tj5v6LnHlAUhboJ+9/m1AfWy9c0frqYztrMZUexlrsJ1tqWPf7oTWOsL+d9bv0uXvh9Z6I9du12t9j270b+3nLHW6YTvLsxTopJT6HdvB7Bta68RrlC/uQHKqX+S0rUBVpZR31l6/UqoMtmTTGduBQdYfKmeu/C6mZ/k78zp1WbL87QSYlVL9sfVYxmE77R2H7ZT8JVeciQDQWsfbe6+NsSWzeUqpb+x1X/2D6oTtVC9AWpbnr3XdPLt9dc3mfY66UXmOtp31qjIzlVLv828v+BdgBdDYfnbid+B3pdRb2BJj66vLt/cWy2O7zDIG+BLbZZQDwDNZ3pqc5W8zVx4oZo0ra3wztdZv2OsxAWW11hevs3+X3PJ3KZsYOl+6vGA/6Mh6YHCjepyAi1rrsEtP2E+pX8TWk0/N8t5sv0tKqce4frtm50b/1lIBtNaGUgrApLXeZr9k9yC2g98tSqmO9gMPcRcokD1+pdQDSqlJSqlZSqla+R2PcJy99zcbW8/GB8DeOxwPxGrbyPXl2K5hXkoWfYE/b6G6HvYy7gUUsBZoA0yzX7M+iC2ROWfZ5uofVJP9B/UvYKP92vIMbKfSVwFt7D+CKKVaYRtAtSm7cq4R43Js19NdlFJO2PZ7xQ22uV6Z1yvvRmWZsvz9PIBSqhy2H/iVWusRWusw+38jsI1beFsp1TxLOWWw9TIjgNXAg/YEBrZr8F/Yy/tVaz0R2A48zr+fwdX79DvQyx5LANCRKxOqYd+/7lnq6ePgPt+MrN+lKsDfV8W6HHhFKWVSShUBFgMv3UT5GkizD45EKVUW2AWEXXcr2wHIpQO767Vr1vdldbP/1kxKqU+Bd7XWPwNDgb3YDubEXaJAJn7AQ2vdF9uRbZv8DkbctJeAffx7anYTsAfbQCSwnTYurpTajS2B7Mc2uAn++6N/vVHaDZRS24GpQDd7D/BLbKdktwHzsPWMKl5VJlc9Xortx22PUmortuvMI7XW++37ssge68fYBmolZhPbtWL9CNvteuH2Nrl0q6Mj+3dcKZWY5b9Hb1De1a4VnwG4KaV2YEu8A7XWh6/eWGt9EFsi/lApdUwptReYC/TRWh/SWu/BNpBtmVIqHNu/1X7YTiffb//s/8CWaILtPfWr9/lloIpSKgLbaf4TQErW+LXWK7Cd3v9TKbULWy/38eu02432PztZv0tdtdbxV20zmH8PeCKwfZ8/d7QerXUmtsGcve37sBxbct2YZbvsYt+ArX0Wco12zeZ9V8ftyL+1rLGPBurYt9mK7fLFnKv3Sdy5TAV1WV776OxxwHCtdWx+xyMKFvtI7JJa63P5HYu4dfZLMzu11pvsPdK12OZ7WJ6HMch3SRQqeX6N3z6K9VOtdUv7qcrx2E6rpmO75eeIfUTt59h+ACTpi+wUzCNWcbP2AeOUbdKnIsBPeZn07eS7JAqVPO3xK6WGYztNl6S1bqyUegJoq7XuaT8geFNr3VEpNR0IBM4DS+wjtYUQQghxm/K6x38YeALbBBNguw96GYDWerOyTTWJ1vq5PI5LCCGEKBTydHCf1noRV94m44NtNrRLLPbT/0IIIYTIBfl9H38CWaYDBZy01tndx3tNhmEYJtPNzoEihBBC3NFuOfHld+JfD7QD5ivbKmARN3j/f5hMJmJiZFKp3BYU5CPtnMukjXOftHHukzbOG0FBtz6Lcn4l/ksjChcDrZVS6+2PX8ineIQQQohCIc8Tv33e88b2vw1ss30JIYQQIg/IQDohhBCiEJHEL4QQQhQikviFEEKIQkQSvxBCCFGISOIXQgghChFJ/Pno0KGDTJv2fY6U1b79Q7e1/aBB/UhIiM+RWG7GlCkTWbJElmIQQoi8kt8T+BRqlSpVplKlyjlSVk5MXpgfSzTLrItCCJG37vrE/9Oqw2w9kLPLbNevUpwurSpe8/WTJ0/wySfv4+zsgmEYjBjxEUFBxRk9+nP279+H2ZxJr1798PT04uefF/H++x/z3HPdKVu2LNHRUVSsWJnhw9/mpZd6M3z424SEhLJx43o2bFhHp05dWLjwJ1599fVs6z548ABjxnyJk5MTRYq48frrb2O1WnnvvTcpUaIkUVFneeCBNhw7doSDBzWNGjWhX78BAHzzzVfExMTg7u7OW2+NtMf+JoZhYBgWhgwZTqVKlZk27XvWrVuLxWKmY8fOdOjwBBMmfIvW+4mPj6dixUq89dYIpkyZyJ49EaSlpfLGG++xevVK1q5dQ7FifqSnp9G794tXxD5hwrdERIRjtVrp2vUpWrZ8MOc+NCGEEEAhSPz5Ydu2LVSrVpP+/QcRERFOUlIS+/fvIz4+nsmTp5OYmMi8ebOpW7f+5W2ios7w9dfjCAgI5J13Xmft2jW0a9eRpUt/46WXBvP777/w3HM9CQ4OuWbSB/jss1G8+eZ7VKxYiXXr/mbcuNEMHDiUs2fPMHbseNLS0njyyfYsWbIMNzc3OndudznxP/zwY9Sv35DFixcwc+YP1KtXH1/fYrzzzvvEx0cTHX2BgwcPsHnzRiZPno7FYmHixO9ITk6iaNGijB79HVarlR49uhIbG4PJZCIkJJTBg1/l0KGDbN68gSlTZpKRkcFzz3W7Iu6NG9dz9uwZxo//nvT0dF588QXq12+It7d37nxIQghRSN31ib9Lq4rX7Z3nhrZtOzB79nRefXUw3t5e9Os3gMjIE9SoUQsAHx8fevd+kR07tl3eJjg4lICAQABq1apNZOQJOnfuRq9ez9C9+7PExsZQqZK6Yd1xcbFUrFjJXk4YEyZ8C0Dp0mXw9PTC2dkFf/8AfHxs8zxnPdMeFlYPgOrVa7Bx4zoGDhxKZGQkb775Kp6e7nTr9hyRkSepVq06JpMJFxcXBgwYgtls5sKFC4wc+TYeHp6kpKRgNtsWYSxXrjwAJ04co2pV23Zubm4oVfWKuI8dO4LWBxg0qB8AFouFqKizl/dFCCFEzpDBfbngn3/+pnbtMMaOHU+LFg8wa9Z0goNDOHBgLwBJSUm89trgK65vnzp1kqSkJAB2746gQoWKuLu7ExZWj7Fjv+Shhx51qO7AwCCOHDkMQHj4DsqWtSVeR66l79kTYd9uJxUqVGLnzu0EBATy9dff8uKLLzJp0neUKxeM1gcwDAOz2cwrrwxi06b1nDsXxciRo+jb9yUyMtKzjBew1RsaWoH9+/dhGAYZGRkcOqSvqLtcuWDuvbcu48ZNZPTo72jZ8kFKly7j0D4LIYRw3F3f488PVapUZdSokbi6umKxWBgy5FUqVVJs27aFl17qjcVioWfPvsC/CblIETc++ug9zp8/T61adWjUqCkA7dt35KWXejNs2JsAHD9+7BrX+G3lvP7624we/TmGYeDi4sIbb7yLYRhXJf7s/16xYilTpkzEx6co77wzErPZzIgRb7FkyQKcnODZZ3tSqVJlGjRoTP/+vbBarTz+eGeqVavB9OlTGDz4Rfz9A6hWrQaxsTFX7F9oaEUaNWpC377PU6xYMVxcXHBxcbn8nqZNm7Nz53YGDOhDamoKzZu3xNPTMyc+DiGEEFmY8mMkdw4z7oYlIHv06MqMGfP+8/yBA/tYuPAn3n57ZN4HlcXtLrV54cIF1qz5i8cf70xGRgY9enTlm28mULx4iRyM8s4my5nmPmnj3CdtnDeCgnxu+ZYo6fEXENmdil+4cB6///4LH374WT5ElLOKFSvG/v17+eOPXwAT7dp1lKQvhBD5QHr8wiFyFJ/7pI1zn7Rx7pM2zhu30+OXwX1CCCFEISKJXwghhChEJPELIYQQhYgkfiGEEKIQkcSfz6Kjo1i//h+H3z9q1EgefrglmZmZl5/T+gDNmtVn587t7NixjREj3nKorD/++PXyzH634uzZMwwf/vItb5/TbmbfhRCisJLEn8+2b9/K7t27bmqbwMAgNm1af/nxihVLKVPmHkwm002tdne3rYx3t+2PEELkhrv+Pv5Fh39j57ndOVpmWPGaPFGx7TVfT05O4rPPRpGUlEhsbAxPPPEkHTt2ZtGi+Sxb9jtOTk5UqVKNwYNfYdasaWRkZFCjRi3mzp2Fv38AiYkJfP75GD755APOnj2NxWKla9eneeCB1phMJh58sA0rVy6nWbMWWK1WDh3SVKlS7brL6s6bN5syZcrStGnzbF+fM2cWq1atwNnZhdq1w+jffxBTpkzkzJlTXLwYT0pKIu3bd2LNmr+IjDzJ22+/T0BAANHRUbz22mASEhJo2rQ5PXr0vGYMH3/8PqdPnyI9PZ0nn+zGQw89yvr1/zBt2mQMAypXVgwb9hZr1vzF4sULMJvNmEwmPv74C44cOcz//jeOIkWK0L7943h7+zBlykS8vb3x8fGhQoVKhIXVvVzXqlUr+emnH3FycqJWrTq8+OJABz5ZIURBkpSRjJerpxzU57C7PvHnh9OnT/HAA224//6WxMbGMHBgPzp27MzSpb/y6qtvUqVKVZYsWYBhGDz77AucPHmCpk2bM2/ebFq3fohmzVqwcOE8/Pz8ee+9D0lJSaFnz2eoV8+2ml/VqtVZs2YVaWlp7N69i3vvrcexY0evG1PXrk9f87UjRw6zevVKJkz4AWdnZ95+exgbNqyzL6jjzldffcjixXPYuHE9n302mj/++JW//lpOly5PkZaWyqhRX+Dq6sqAAb1p3LhZtgvrpKQks2vXTiZNmgbAli2bMJvNjBnzBZMnz6BYsWL8+ONMzp2L5tSpSL74Ygxubu588cXHbN68iaCgIDIzMy+vCti9+xNMnDgNPz8/Pvjg3SvqSkhIYOrUSUyZMhM3Nzc+/PA9tm7dTP36DW7ykxRC5Jd/Tm9krl7Mc9W6cV/Je/M7nLvKXZ/4n6jY9rq989zg5+fPTz/NYe3aVXh6emOx2Faqe/PNEcydO4szZ05To0Yt+zr3xhU99XLlggE4ceI49erZEpWnpychISGcPn3q8vuaNbuftWvXsH37Fp57rhcTJ353y/GePHmc6tVr4uzsDEDt2mEcO3YEgMqVqwBQtGhRQkJCAfD29iEjIwOwHYS4ubkBUKVKdSIjT2Sb+D09vRg8+FU++2wUycnJPPTQIyQkxOPj40OxYsUAeOqpZwEoVsyPjz4aiYeHBydP/ruq4aWV/i5evICXlxd+fn4A1KpVh/Pn4y7Xdfp0JBcvXuC11wYDkJKSwpkzp2+5fYQQeWtbdDjz9BJ8XL2p4BuS3+HcdeQafy6YO3c2NWrU5N13P6RlywcuJ/Zff13Ca6+9ybffTuLgQc2ePRE4OTlhtVovb3vplFb58iHs2rUTsPWWjxw5TKlS/65W17r1Qyxb9jvnz8fd9ip25csHs2/fHiwWC4ZhEB6+8/KqfpdcfYByyeHDh8jIyMBsNrN3724qVMh+CeS4uFi03s/HH3/B55+PZvz4byha1JfExCQSEhIAGDv2K8LDdzB16iQ++OATXn/9Hdzc3C7Xe6lt/Pz8SUlJ4eLFiwDs3XvlpZxSpcpQvHgJxowZz7hxE3n88c6XDx6EEAXb3jjN9H1zcXN2Y0CdXgR4+OV3SHedu77Hnx+aNGnGmDFfsHbtGkJCQvH09CQzM5MKFSowYEBvPD29CAoqTvXqNfHy8mLGjKkoVeWK61gdOjzBZ599xEsv9SY9PZ2ePfte7uGaTCbKlQsmPv4i7dp1uLyNyWTCMAy2bt1M7949Lj8/YsRHbNjwT7bX+E0mE6GhFWnV6kH69++FYVipVSuM5s1bcPjwwcsxZR04aPuf7W9vb2/eeONVEhMTePjhRy+fsbhaQEAg58/H0b9/T5ycnHnqqWdxcXHh1VdfZ/jwoTg5OVG5chXq1LmXmjVr06/fC/j5+VG2bHni4mIpVar05fqdnJx4+eXhDBs2GC8vbwzDoGzZcpfjLFasGN26Pc3AgX2wWKyUKlWa1q0fuvUPVAiRJ47GH2fy7hk4m5zoX/sFyvrI0ty5QebqFw4paPNvz5w5jW7dnsbV1ZUPP3yX++5rxEMPPZrfYd2WgtbGdyNp49x3q218Oukso3dMIN2STt+aPajhX4WUA/vxqFARJ/vlRPEvWZ1PFBjr1q1l3rzZ/3n+ySe707x5ixyrx9PTk379nsfNzZ3SpUvzwANtcqxsIUTeikmJ49vw70k1p/JctW7U8K9C9A9TSNi4nhLP98K3abP8DvGuIj1+4RDpKeU+aePcJ22c+262jePTE/h6+3hi087zZKUO3F+mEVE/fE/ixg24h4RS5uXXcPb0zMWI70zS4xdCCHHHSclM4dvw74lNO8+jwQ/akv7UySRu2oh7aChlhkrSzw2S+IUQQuS5dEsG43f9wJnkKO6/pzGPlGtF1JRJJG7ehHtoBVtP38Mjv8O8K0niF0IIkafMVjOTd8/gWMIJ6pcIo1PoY0RP/Z7ELZtwr1CRMkNflaSfiyTxCyGEyDNWw8qMffPYf/4gNQKq8EzlTpyb+j2JWzbjXqEi97z8Kk7ukvRzU4GewEcp1UopNTm/48htP/+8CLPZnGvlt2+fc/ewjxo1kgMH9v/n+Y0b1zNkyEsMGdKffv1eYMWKZTlWZ1adO7e7YmVCIcSdwzAM5h1cwvZzu6jgG0zPqt05N8We9CtWkqSfRwpsj18pVQGoA7jndyy5bdasaTzySO5NK5yT61tca7GML7/8hBkz5uLl5U1KSgrPP9+d++5reHk63tyuXwhR8P12dDnrTm+ijHcp+lXvQdzUqSRt24pHpcqUGfKyJP08UmATv9b6CPC1Umrm7ZQTM38uidu25lBUNj716hP0ZLdrvp6ensaHH44gLi6W4sVLsGvXTpYsWcrOnduZNu17rFYrqampjBjxEbt27SAuLo6RI99m+PC3ee+9NzAMg4yMDF577U28vb0ZNco2b31cXCyNGzejZ8++PPVUJyZPnoGPjw+LFy8gNTWFKlWqERERzvPP977hPpw9e4ZPPvng8nTBQ4cOo2LFSnTt2pGaNWsTGXmSunXrk5ycxL59e6lcuSLDhtkWw5k16wcSExMxDIPXX3+HMmXuwdvbh59+mkOLFg8QHBzC7NkLcHV15cKFC4waNYLk5CQMA955532KFCnCV199SkZGBnFxsfTp059mzVrw7LNdKFeuPC4urrzyynBGjnybzMxMypUrz44d25g7d/Hl+KOjo/jii49JT0/Hzc2N4cPfpnjxErf5yQohcsuqk2tZdmIVQR4BDKj5AvE/TCNp+zY8KivKDH4ZJ/e7vo9XYORL4ldKNQA+1Vq3VEo5AeOBWkA60Nue9O9YP/+8mDJl7uGjjz7j5MnjPPtsVwCOHz/Gu+9+SGBgIDNn/sDq1Svp0aMn06dP5f33P2br1s34+hbjnXfe5/jxY6SlpeLt7U10dBQzZ/6Eq6srL73Um+bNW9C69cOsXLmcxx/vzIoVS/n44y/x8/Pj3nvrORTjd9+NoUuXp2jatDmHDh3k008/5PvvZxAVdZZx4ybi7x/Ao48+wOTJ03n55WC6detIUlISAPfd14j27R9n48b1jB8/llGjvmD06G+ZN+9HRo58m4sXz9OhQyd69uzL9OlTaNasBR06PMGePRHs27cXf39/unV7hrCwuuzZE8GUKRNp1qwFaWlpPP98HypVqsw333zF/fe3pGPHzmzdupmtW7dcjt0wDL77biydO3ejYcPGbNu2hQkTvuW99z7M+Q9TCHHbNp3dxsLDv+FbpCgDa/YkedqsGyb9lDQzf22PpEnNUvgXlYOCnJTniV8pNRx4BkiyP9URKKK1bmw/IPjK/lyOCHqy23V757nh5MnjNGjQCLCttnfpdHdgYCBjxnyBp6cnMTHnqFWrzhXbNWrUhFOnInnzzVdxcXGhR49emEwmqlWrgbv9H0a1ajWIjDzJY491YOTIt6hdOwx/f//L8/g76sSJ49SpY1vqslKlypw7Fw2Ar2+xyz1nDw93ypcPBsDHx4eMjHSAy9tVr16T8ePHkpiYSFTUWfr3H0T//oOIjY3h7beHo1RVIiNP0q6d7eOsUaMWNWrU4ujRI8yYMZXffvsZk8mExWK5HNelFfhOnDjBo4+2B7C305UTTR09epiZM39g9uzpGIaBq6vrTe2/ECJv7IrZy+wDC/By8WRAjefJmD6XpJ3b8VBVbEk/m+l4MzItfLNgFwdPxRPo60GjGiXzIfK7V34M7jsMPMGlVV6gKbAMQGu9Gbiiy6q1fjZPo8sBISEV2LPHtmLc6dOnLq8i9/nnH/P22yN5660RBAYGXT7NbjKZsFot7Ny5nYCAQL7++lt69OjJpEm2pXaPHDmE2WzGYrGwf/9eQkMrUrJkSby9vZkxYypt2978cVL58iGEh+8A4NAhTUBAgD2WG297aTW8Xbt2ULFiZTIzMxgx4i0uXDgPgL9/AP7+ARQp4kpwcDD79+8BIDx8BxMmfMuUKRN4+OHHePfdDwgLq3vF6oROTravZGhoBfbs2XVFfVfGH0z//oMYN24ir7wynAceaH3TbSCEyF0HLxxh6t7ZuDi58GL1HjB7kS3pV6l6zaRvtlj535I9HDwVT/0qxWlQTS7h5bQ87/FrrRcppYKzPOUDJGR5bFFKOWmtrdyh2rbtwMcfj2TgwL6UKFGSIkVsX+42bR5hwIDeBAYGUa5cMHFxsQDUrh3GsGFD+eijzxgx4i2WLFmAxWLhhRf62Es0MXz4yyQkxPPgg20ICQkFoF27xxk79ktGjPgIgB07tmV7jT8+Pv6K1fq6d3+GgQOH8tlnHzF37izMZjNvvPHe5br+9e/fWQfVbd++laVLf8PFxYU333wPf/8Ahgx5jeHDh+Ls7ILFYqFJk2bUr9+QSpWq8Mkn77N8+VKcnJx444132bt3N999N4b58+dSvXoNEhOzfvw2zzzzHB9++B6rVq0kMDAIFxeXK2IZMGAoX375KRkZ6aSnpzN06LCb+oyEELnrZMIpJkZMwzAM+lZ7Grc5v5IcvtOW9AcNzTbpWw2DH/7Yz64jcVQP8adPu2o4OcmA3pyWL3P12xP/HK11I6XUV8AmrfV8+2uRWuuyN1FcgVtsYOfOnaSkpNCkSROOHz9O3759WbFixS2VderUKT766CMmTJjwn9eWLVvGoUOHGDRo0O2GXOD8/fff+Pv7U7NmTTbA78ZoAAAgAElEQVRs2MCkSZOYNm1afoclhHDA6YQo3lv1FUkZyQyt9zy+P/7Fha3b8K1di6pvv4FzNknfMAwmLdnNb+uOUaW8Hx/2a4y7W4Edf14Q3NFz9a8H2gHzlVINgYibLaCgLbrh6enH559/yejRYzGbzQwZMuyWY7xwIYWMDPN/tp848TvCw7fz2Wdj8mT/83pxEy8vf0aO/ABnZ2esVgtDhw4vcJ9zTpMFZHKftHHuM3lm8sGqsSSmJ/FUhY54/LCMCxG78KxWnaB+AzmfkAFk/Ge7n9cd47d1xygT5MVLHWuQmJCKfFLXFhTkc8vb5meP/0f7gD4T/47qB3hBa33wJoqT1fnygPxg5j5p49wnbZy7EjOS+GbXRM4kRtOhfBuq/76b5IhdeFavQekBg3EqUiTb7VZui+THlYcI9HXnrWfrUsz7v2cExJXuuNX5tNbHgcb2vw2gf37EIYQQImekmtMYv2sKZxKjaV26KdV/iyB5d8QNk/7GvVH8uPIQvl5FeK1bHUn6eaAgnOoXQghxB8u0ZDIpYjonE0/zQNkG1Pv9EMl7duNZoyalBwzCyTX7pB9+OJYpv+3H082FV7vWobifLMGbFwr0XP1CCCEKNovVwtS9P3Lw4hHC/KrSZMVJUvbsxqtmresmfX3yAv9bsgcXZxNDn6zNPcW98zjywkt6/EIIIW6J1bDy44GFRMTupapPCA+tjiV+3168atWmVP+BOF1jYq0TUYl8szACq9VgcOdaVLzHN48jL9wk8RcAP/+8iMcea3/Fveo5qX37h/jll+U5UtaoUSPp1KkrVapUveL5jRvXM3fubMAgLS2NTp260qbNwzlSZ1adO7djzpxF15ypr3PndpQsWeryvANFixZl1KgvbqqOhQvn0alT19uOVYi7mWEYLD78O5uithHiUYb2axNI3b8fv/p1Cej54jWTftT5FL7+KZy0dAv9OlSnZmhAHkcuJPEXALI63+3Xn/X10aO/u60pfGfMmCqJX4gbWH5iNasi/6FMkUA6r08l7cABvGrXocrrw4i7mJbtNucT0vhq7k4SUzLp8ZDivqoyK19+uOsT/4ZVRzh64FyOlhlapTiNW1W45uuyOl/+rs6X3S2qCxfOY+3aNaSmplKsWDE+/vhLzpw5zSefvI+zswuGYTBixEcsXfobCQkJfP31Z7zyyus39b0QorD45/RGfj26jEDnonTfaCZDH8SrThilXxxg7+n/N/EnpmTw1bxw4hLSeaJ5KC3CyuR94AIoBIk/P8jqfPm3Op9hGLzyysDLZwaeeqoHDRs2JiEhgTFjxmMymXjllUHs37+XQ4cOUq1aTfr3H0RERDhJSUk891wvFi36SZK+ENewPTqceXoJviYPemyGzIMH8Qq7l9L9XsJ0jcuVqelmxszfxdm4FNrUL8tjjcrncdQiq7s+8TduVeG6vfPcIKvz5d/qfNc61e/i4sLIkW/h4eFJTEw0FouFtm07MHv2dF59dTDe3l706zfgptpQiMLmwPlDTN83Dy+rKz23OWM5fBjvsLqU6tf/mkk/02zh20W7OXY2kaY1S9G1VcUbXrITuUtu58sFsjpffqzO1+aa8R4+fIh//vmb99//hKFDh2EYBlarlX/++ZvatcMYO3Y8LVo8wKxZ0wHIh8kshSjwIhPPMHn3DFzNVnptccZ6+CjedetdN+lbrFYm/rKP/ScuEFYpkOceUZL0C4C7vsefH2R1vvxcne+/Pyply5bFw8ODAQP64OtbjMqVqxAXF0u1ajUYNWokrq6uWCwWhgx5FYDg4BA+/PA93n33g+w/YCEKmbjUC/xv1xQsaan03eoGx0/Ykn6fF6+Z9A3DYPoyzY6DMVQt78eLHarj7CR9zYIgX+bqz2EFbq7+PXsiSE1NoX79hkRGnmTYsCFXDEy7GWfPnmH06C/4/PPR/3lt9eqVHD16hF69+t1uyDeU13Ocb9y4Hj8/P6pUqcbWrZuZNWs6Y8eOz7P684PMI5/7pI1vXnJmCl9vH8/5i1H03OSE26lzeNerT6ne/bJN+kFBPpw7l8BPqw+zfEskwSV9GNY9DA9ZaS9H3XFz9d/tSpcuw8iRbzN16mTMZvNtDRQzmUzZnn7Pujrf3ah06TJ88smVq/MJIfJWpiWTiRHTuXghiufWm3GLuohPg0aU7Nkbk7PzNbf7Y9MJlm+JpFSAJy93qS1Jv4CRHr9wiPSUcp+0ce6TNnac1bAydc9sDkTu4um1aXjFJlG0aXNK9Hge03VO2W87HMf4BbsIKOrGm8/Uxb+oex5GXXhIj18IIUSOMQyDRYd+4+CJcJ5ak4zXxTR8W7aiePdnrpv0t+yPZuIve/HxdOXVbmGS9AsoSfxCCCGu8FfkWrbpv+m6OhHvhAz82jxM4JNdrzsif8/ROCb/ug/3Ii680qUOJf1lpb2CShK/EEKIy7ZFh7Nq5890WZWAd7IZ/7btCOjwxHWT/uFT8Xy7eDdOTibe7dWAkkXd8jBicbPk3gohhBAAHLxwhF83zebJlfF4J5sJeLwTgR07XTfpnzqXxJj5uzCbDfp3qEHNCoF5GLG4FdLjF0IIwemks8xfO5mOf8bhlWYlqEt3/No8dN1tzl1M5at54aSkm+nTthp1KknSvxNI4hdCiELuQtpF5v41nrYrovFINyj+dA+KtWx13W0uJqXz1dydxCdn0P3BSjSqUTKPohW3SxK/EEIUYimZqcxdMY42y05RJNOgxPM98W3a/LrbJKdl8tW8cGIuptG+STCt65XNo2hFTpDEL4QQhVSm1cz85eNo9sdRXC1QsndffBs2vu426RkWxszfxemYZB649x46NA3Jo2hFTpHEL4QQhZDVsPLLsvHU+3UfzoaJUv36U7Tefdfdxmyx8t3i3Rw5nUDD6iXo3rqSLLpzB5LEL4QQhdDK5VOoumQHJkyU7D+AomH1rvt+wzCYvvQAe46dp1aFAHo+WhUnSfp3JEn8QghRyGxcMYuyi9ZjmEwUHzCQYrXq3nCbX9YfZ/2eKEJK+dC/Qw1cnOVu8DuVfHJCCFGIRPz5E37zV2J1MuE/8CUCHEj66yLO8vO6YwT6ujO4c23cilx7gR5R8EniF0KIQuLQikW4zfuDTBcT3gP6UbJm/Rtus/f4eaYvO4CXuwsvd6mNr1eRPIhU5CZJ/EIIUQicXL4E46dfSCtiwqX/C5Sv2fCG20SeS+K7RbsxmWBQp1qUCvDKg0hFbpPEL4QQd7kzS5eQNn8JKe4mMvp0o2qt69+nD3AhMZ0x83eRlmGhd9tqVC5bLA8iFXlBEr8QQtzFon9dTNLCJSR5OBH3fHvqh11/Gl6A1HQzY+bv4kJiOk+2qMB9VUvkQaQir0jiF0KIu5BhGJxbvID4n38mwdOJY0+3pFXdjjfczmyxMn7JHiLPJdEyrAwPNyiXB9GKvCS38wkhxF3GMAxi5s/j4oplXPR2Zl/n+vRo8PQNJ9sxDIOZyzV77ffqPyUT9NyVJPELIcRdxLBaiZk7m4ur/uJ8UWe2ta9O30Y9cTLd+ATvbxuO80/EWcqX9OHFDtVxdpKTwncjSfxCCHGXMKxWomdOI+GftcQWc2btoxUY2LgfRZxvfAvehj1nWfzPMQKKujO0cy3ci0h6uFsVyE9WKdUY6Gt/OERrHZ+f8QghREFnWCxETf2exM0bifZ3YWXrMgxq1A/vIje+BW//8fP88McBPN1cGNqlNr7ebnkQscgvBfU8Th9siX8K0DWfYxFCiALNMJs5O+l/JG7eSFSgK7+1Lk6vBn0I9Ai44banY5L4dvEe+736NSkTKPfq3+0KauJ31lpnAGeBUvkdjBBCFFTWtDTOjB9H0vZtnC3hxpJWfvS4twflit5zw20vJKYzev4uUtPN9Hy0KqqcXx5ELPJbnp/qV0o1AD7VWrdUSjkB44FaQDrQW2t9BEhRShUBSgNReR2jEELcCTJiznHm22/IOH2KM2U8WdzEi241nqR6QJUbbpuWYWbsgl2cT0in0/2hNKxeMg8iFgVBniZ+pdRw4Bkgyf5UR6CI1rqx/YDgK/tzk4CJ9vj65WWMQghxJ0jZv48zE77DmpzMkeqB/FHTxCMV2tCo9I3n37dYrfxvyV5ORidxf53SPNqwfB5ELAqKvO7xHwaeAGbaHzcFlgForTcrperZ/94BvJDHsQkhRIFnGAYXV64gZv48MJnYfn851pVJo0npBjwS/KBD289cfpDdR+OoGRrAM20qy736hUyeXuPXWi8CzFme8gESsjy22E//CyGEuIo1M4PoH74nZt4cnLy9Wd021J7076ObetyhBP7HphOs3XWGciW85V79Qiq/b+dLwJb8L3HSWltvtpCgIJ8bv0ncNmnn3CdtnPvu1DZOj4vjwNdfkHToEB4VQljc2BNtiaF1hWb0qtvNoQl61uw4xcK/jxJYzIMP+jUmwNcjV2K9U9u4sMjvxL8eaAfMV0o1BCJupZCYmMQcDUr8V1CQj7RzLpM2zn13ahunHjnMmfHjsMTH49HgPmZVS+FU+jmal2lMh3JtiYtNvmEZ+uQFxs4Lx8PNhSGdamLNMOdKW9ypbXynuZ2Dq/xK/Ib9/4uB1kqp9fbHcl1fCCGyiF+3lnOzZmBYLHh3eoIpfgeJSjlHi3ua0LlSe4dO75+JTWbcwt0YBgx8vAZlgrzzIHJRUOV54tdaHwca2/82gP55HYMQQhR0htlMzE9zuLjqL5w8vfDt9TwTUv8mOuUcrco244mKbR1K+vFJ6Yz+aRcp6WZ6t61K1WD/3A9eFGj5fapfCCHEVSyJiZyZ8B2p+gBFytyDd58X+O7UQs6lxPJgufvpWOFRh5J+WoaZMQsiiEtI4/FmITSuIfOhCUn8QghRoKSdPMGZ777BHBeHd1hd3J/pwjf7phGTGkeb8i1pH/qwQ0nfYrUy8ee9nIhKpFmtUrRtHJz7wYs7giR+IYQoIBK3biHqh+8xMjII6PA4PNCUseGTiU07z8PlW9E29CGHkr5hGPz45yF2HYmjeog/zz6k5F59cZkkfiGEyGeG1UrckkWc/+M3TG7ulB4wiPQqIYzdOZG4tAs8Gvwgj4a0djh5L9tyktU7T1O2uDcvdayBi7Pcqy/+JYlfCCHykSUlhajvJ5IcsQvXoOKUHjiERH8PxuyYwIX0izwW0ppHQ1o7XN6W/dHMX30EPx83hj5ZGw83+ZkXV5JvhBBC5JOMqLOc/nYsmVFReFarTqm+/TnvlM5Ye9JvF/owDwe3cri8g5EX+f63fXi4OfPyk7Xx83HLxejFnUoSvxBC5IOkiF1ETZ6ANTUVvzYPE9jpSWLSzzN25yQupsfTocIjtCnf0uHyzsYlM25hBIYBLz1ek3uKy736InuS+IUQIg8ZhsGFZX8Qu2gBJmdnSvbqS9FGjYlOPsfYnZOIz0jg8YqP8WC5+x0uMz45g9E/7SI5zUyvx6pSXe7VF9chiV8IIfKINT2d6OlTSdyyGRc/f0oPGIR7cAhRydGM3TmJhIxEOlVsS6tyzR0uMyXNzDcLdhEbn0aHpiE0qSn36ovrk8QvhBB5IDMuljPfjSP95AncK1aidP8BuPgW42xyNGN3TiQxI4knK3WgRdkmDpeZlJrJ1/PCOR6VSNNapWjfJDj3dkDcNSTxCyFELkvRBzj7v++wJCXi2/x+ij/1LCYXF84kRTF250SSMpPpWrkjze9p7HCZiSkZfDU3nJPnkmhaqxTPP1xF7tUXDpHEL4QQucQwDOLXrOLc3B8BKP50D3xbtMRkMnEq8QzjwieTlJlMN/UEzco0dLjc+OQMvpyzk9OxybQMK8PTbSrjJEn/jhB9JoGoU/HUqFsG53yaX0ESvxBC5ALDbObcjzOJX/s3zj4+lOo/EM/KCoDIxNOM2zmZFHMqT1XpRJPSDRwu90JiOl/O3cnZuBQerHcP3R+oJD39O0DCxVQ2/32Uw/tjMJkgVAXh4+ueL7FI4hdCiByWEXOOqMkTSTt6BLdy5Sk9YDCuAQEAnEw4xbjwyaSa03i6Smcala7vcLnnE9L4fM5Ozl1I5ZEG5ejcooIk/QIuPS2T7RtOsnv7KawWg+KlfGjcqkK+JX2QxC+EEDnGMAwSN23g3OyZWNPS8GnQkBI9XsDJzTaRzomESMaFf0+aOY1nq3ahQam6DpcdczGVL+bsJDY+jbaNg3m8WYgk/QLMYrGyd8cZtq0/TnqaGZ+ibjRoEUrFqsXz/XOTxC+EEDnAkpLMuVkzSNyyGSd3d0r26oNPw8aXf+SPxZ/k2/DvSbek06NaV+4rea/DZUdfSOGLOTs5n5BOx2YhtG8Sklu7IW6TYRgcOxjLpjVHib+QShE3Zxq2DKVm3TK4uDjnd3iAJH4hhLhtKQc1Ud9Pwnw+DvcKFSnZuy9Fgopffv1o/Am+C/+edEsGz1frRr2SYQ6XfTYumc/n7CQ+KYMnW1TgkYblc2MXRA6IPpPAhlVHiDoVj5OTiZp1y1C3SXk8PIvkd2hXkMQvhBC3yDCbifv1Z87/8RsA/u06ENC2PSbnf3t2hy8eY/yuKWRazbxQ/SnqlqjtcPmnYpL4cs5OElIy6fZAJdrUL5vj+yBun23g3jEO7z8HQEjlQBq2CKWYv2c+R5Y9SfxCCHELMqKjOTt5AunHj+ESGEip3v3wqFjpivccunCU8RFTMVvN9Kz+NGHFazpc/snoRL6cG05SaibPtqlMy3vvyeldELcpPS2THRtPErHNNnAvqKRt4F7pcsXyO7TrksQvhBA3wTAMEtav49ycWRjp6fg0akzxp57F2cPjivcdvHCE/+2aisWw0rvGM9QOquFwHcfOJvD1vHBS0sw8/0gVmtcundO7IW6DxWJl784zbFtnG7jnXdSNBveHUqla/g/cc4QkfiGEcJAlKYnomdNI2r4NJw8PSvR5kaIN/jvxzoHzh5gQMQ2rYaVPzWepGVjN4ToOn45n9E/hpGVY6NW2Ko1ryNz7BUW2A/dahFKzXsEZuOcISfxCCOGAlAP7iZoyCfOFC3hUqkzJ3n1xDQj8z/v2xx1k4u5pGIZB35o9qBFY1eE69MkLjFkQQWamlX7tq3Nf1RI5uQviNkSfSWDjqiOcPRWPyQQ17i1DvaYFb+CeIyTxCyHEdRhmM7FLFnFh+VIwmQjo+AT+j7bF5PTf6Vb3xO5n8p6ZAPSt9TzVA5TD9ew7fp5vFkZgsRj071iduqr4jTcSuS7hYiqb1x7j8D7bwL3gSgE0bFEBv4CCOXDPEZL4hRDiGjKiznJ20gTST57ANag4Jfu8iEdoaLbv3R27j+93z8RkMtGv1vNU9a/scD17jsYxbtFuDMNgwBM1qVPxv2cSRN66NHBv97ZTWCwGQSW9adyqYoEfuOcISfxCCHEVwzCIX/s3MfN+xMjIoGjTZhTv9jRO7tlPs7orZg9T9szG2eTEi7VeQPlXdLiu8EOxjF+yG5PJxOBOtagRGpBTuyFugcViZd9O24x7aal33sA9R0jiF0KILCyJiURNn0py+E6cPL0o2bMPPvWuPZ/+jnMR/LD3R1ycXHip1gtU8qvgcF3b9Tkm/LwXZ2cTQzrVomqwf07sgrgFhmFw/FAsG1fbBu65FnGmwf0h1Kp3Dy6ud87APUdI4hdCCLvkvXuImjoZS3w8HlWqUrJnH1z9r52Mt0eHM23fXFydXHipdi8qFnN8Kt3N+6KZ/Os+XF2dGNq5FqqcX07sgrgF0WcS2Lj6CGcjLw3cK03dJsF4et15A/ccccPEr5QKBdoClQArcAj4VWt9IpdjE0KIPGHNzCRu0QIu/LkcnJ0J7NQFv4ceznYA3yVbo3Yyfd9c3JzdGFCnF6G+jk+lu373Wab+sR/3Is683KUOFcv45sRuiJt08XwKm/8+xlEdA0BwxQAatgzFL8ArnyPLXddM/Eqp0sBoIBhYhy3hZwKhwE9KqePAq1rrU7kepRBC5JL006c5O3kCGacicS1RklJ9XsQ9OPi622w+u52Z+3/C3cWdgXV6EVy0nMP1rd11hulLD+Dh5sKr3eoQUqrobe6BuFkpSelsW3+CfeFnMAwoXtqHRi0K/ox7OeV6Pf5PgPe11vuye1EpVRv4FHgmNwITQojcZBgG8av/Imb+PIzMTHzvb0FQl+6Xl9C9lg1ntvLjgQV4uLgzqE4fyhV1fCrd1TtOMXPFQbw9XHmtWx3KlfC53d0QNyEj3Uz45kh2bY3EnGnF19+DBs1DCVWBd83APUdcM/FrrZ+73oZa611I0hdC3IHMCQlET5tCcsQunLy9KdW3P95hN14md93pTczRi/By9WRQnb6U9XF8Kt0/t0Yy569DFPV05bXuYdwT5H07uyBuwuWR+htOkJaSiYeXK41bVaBKrVI4O1/7cs7dypFr/A2ApsC3wK/AvcCLWusFuRybEELkuOTdEURN/R5LYgKe1apTsmdvXIrdeGDd2lMbmHdwCd6uXgwO60sZb8en0l266QTz1xzB17sIw7uHUeouv4ZcUBiGweH959iy9hgJF9NwLeLMfc2CqVX/HlyLFN6x7Y7s+TfAcKATkIot8S8CJPELIe4YlqQkDs//kejlKzC5uBDUpTvFHmx93QF8l6yOXMeCQ7/g4+rN4LC+lPYu6XC9v6w/xpJ/juHn48bw7mGUKKBLtd5tTh2/wKY1R4iJSsLJyUTNumWo2+TOnGI3pzmS+J201n8rpWYDC7XWJ5VSuX5To1KqFdBda90nt+sSQty9DKuV+H/+JnbRAqzJyRQpXYaSvfviXs6xUfirTq5l4eHfKFrEhyFhfSnp5dj8+YZhsPifY/y24TiBvu4M6x5GUDGPG28obktsdCKb1hwl8tgFACpWK859zULw9ZO2v8SRxJ+ilHoNeAAYpJQaAiTmZlBKqQpAHSD7abKEEMIBqYcPce7HWaSfPIGTuzvBLzyHa4NmmFwcO83754k1LDnyB75FijIkrC8lvBybP98wDBasOcLSzScpXsyDYd3DCPCVn7PclHAxlS3/HOPQXtuc+vcE+9GwRShBJWUA5dUc+fY/DfQEntBan1dKlQSeys2gtNZHgK+VUjNzsx4hxN3JHH+R2AXzSdi4HoCijZoQ2OlJSlUqS0yMY/2WZcdX8evRZRRz82VIWD+Kezo2f75hGMxbdZgVWyMp6e/JsO5h+Plc/04BcetSUzLYseEke3aexmoxCCzhTcMWoZQNkVkQr+V69/HfDxj2h38Drkqp5sAybPfy39T9+/ZBgp9qrVsqpZyA8UAtIB3orbU+opT6EKgI9NdaX7zpvRFCFGqG2czFVSuJ+2UJ1rQ03MqWo/hTz+JRqdJNlfPHsT/5/dif+LkVY+i9/Qj0cGz+fMMwmLPyECu3n6JUgCfDu4fh6y1JPzdkZlqI2HqK8M0nyUi34OPrzn3NQ+6qOfVzy/V6/MOwJf5SQGVgFWAGWgARQCtHK1FKDcd261+S/amOQBGtdWP7AcFXQEet9bs3uwNCCAGQvG8vMXNmk3H2DE5eXhR/pge+zVs4NHjvEsMw+P3YCpYe/4sAd3+GhPUlwMOxnqPVMJj950FW7zhNmSAvhnULo+hdOuVrfrJarRyIiGLruuOkJGXg7uFCkwcqUj2sNM4uhe/WvFtxvfv42wIopZYDtbTWx+2PSwGzbrKew8ATwKVT902xnTlAa71ZKVXvGjE8e5P1CCEKmcy4WGJ+mkvS9m1gMuF7f0sCH++Es/fN3SdvGAa/HF3GihOrCfQIYEhYX/zdHZs/32oYzFquWRN+hnuCvHmtex2KyujxHHVpEZ1Nfx/jYlwKLq5O1G1cntr3lcXNvfDemncrHGmtcpeSvl0UUOZmKtFaL1JKBWd5ygdIyPLYopRy0lpbb6bcS4KCZPBGXpB2zn3Sxo6zZmRwevHPnFqwCGtGBj5VFKH9euMdGnrd7bJrY8MwmB2xmBUnVlPKuzjvtRxKgKeDSd9q8O38cNaEnyG0tC8f9GtU6E/v5/T3+OSx86z8bR+njl/A5GSibqPyNG9TGZ+iMmDyVjiS+LcopWYBcwEn4Flg9W3Wm4At+V9yy0kfcHiwjrh1QUE+0s65TNrYMYZhkLwrnJi5P5IZG4Ozry8ln30On4aNSTWZSL1OG2bXxoZhsPDwr6yOXEcJz+IMrN0Ha7ILMck3/iysVoMflu5n/e4oypfwYeiTtchIzSAmNeO29/NOlZPf4/OxyWxec5Tjh+MACKkcSIP7Q/AL8CItPZO0mMwcqedOdDsHV44k/r7AQKAftmv+fwL/u+UabdYD7YD5SqmG2MYMCCHEdWVERXFu7mxS9uwGZ2f82jyMf7sOOHvc2j3ahmEw/9DP/H1qAyW9SjC4Tl983Rz7QbVaDab8vp+Ne6MIKeXDK13r4OXuektxiCtlpJvZuu44u7edwjCg1D2+NGwZSklZxTBH3DDxa63TlVLfA/OBS0MlSwMnb6G+S3cJLAZaK6XW2x+/cAtlCSEKCWtaGnG//WJbNtdiwbNqdYK6P41bacfnyv9PmYaVnw7+zD+nN1LaqySDw/riU8SxcQEWq5Upv+1n075oKpQuystd6uAp15lvm2EYHDsYy7qVh0lOTMfXz4PGrSpQvmKAjNTPQY7M1f8W8AZwnn8TN0DIzVRkHyfQ2P63AfS/me2FEIWPYRgkbtlMzPy5WC5exCUggKAu3fG+t+5tJQKrYWXOgUVsOLuFMt6lGFynL95FHJs/32yxMvnXfWw9cI6KZXx5uUttPNwk6d+uxPg0/llxiBNH4nByNlG3SXnubVQOF5dcnyi20HHk29obqKD1/9m78+io6nzf+++aUpV5LAJkIEzZgUAS5kFFUUBRQQZBbJzH4+lu7T7H7vWs9Tz3nHPPveuevt3afXq023ZotRUHZBIFFWcQmUMGkk0CJCQkIfNc897PHxURbSQVMlSG72stVlJVe+/6ZpPKp367foNa19/FCCHE10HyQr8AACAASURBVFwVFdRu+juOkyoGs5m4FbcRd9PN3S6b2x1N13i1aDNf1RwmJTKJH+c8TLglsPnzvT6Nv+wo5Ihax+TkaH6yTkK/t3w+jbzDlRzeW4bXozE2NYZFN6YTGy9rGvSXQH5jy4Gm/i5ECCEAfB0dNGzfQvMnH4OuEz5jJqPW34nFbu/1sTVN45WiNzlYc5RxkSn8KOdBwnoQ+n/eXsjRk3UoKTE8sS4L2whe4a0v1Jxr4bPdJ2ms68AWZmHRjemkZybKZf1+FshvbSmwV1GUj/HPsgegq6r6n/1XlhBipNE1jda9X1C/ZTO+9jYsiaMZdedGwqdN75Pjd3ocvPTlaxysyWV8VCo/zHmQUHNgnQI9Xo1nthWQW1rPlHGxPL42C2uIXIK+Ui6nh68+Pc2J3GoApmSPYf51E7CFSufIgRBI8J/r+vf15/vyVkwI0accp0/5F9MpO4PBaiPh9vXELlkW8GI63TndUs6Lha/R6GxicswEHs26j1BzYGPAPV4ff9xaQN6pBqamxfLjtVlYLRL6V0LXdUpO1PLlR6U4Oj3E2cNZdGM6Y5Klt/5ACqRX/38oijIKmNe1/Zeqqp7v98qEEMOer7OD+s1v0fL5pwBEzluAfd16zDGBTZ7THU3X+KD8U9498wG6rnN75s0ssl+DyRhYcHu8Pn6/JZ+C041MGx/Hj9ZMJ0RC/4o0N3by+fsnOVfejNlsZP51E8iak4zJJNPsDrRAevXfCLwAHMDf2v+LoigPqqr6Tn8XJ4QYvtqOHqH21VfwtTQTkpTMqI13E5au9Nnxm10tvHziDdSmUmKs0dw3dQML03MCnlzG7fHx+7fzKCxrImtiPD9cPQ2L9DDvMa/Xx7GvKji6vxzNp5M6MY5rlk4mKubK5l4QvRfIdbT/A1ytquoZAEVRJuAfhy/BL4ToMW9LM7Wv/Z32I4cxmM3Er1pD3E0399llfYCC+iJeKXqTdk8H0xOmcNeU9URYAhuuB+Dy+Pjd5jyKypvImZTAY6umYZEFYHqssqyJzz84SUujg/CIEK5aMpkJSoJ03guyQF5p5q9DH0BV1dOKosj/mhCiR3Rdp3XfF9S9+TpaZyehk9NJvOc+QsZc+SQ83+XRvOw4tYuPK77AbDCxbvJtXJu8sEdB43R7+d3mPIrPNjNjsj/0zXI5ukc6O9zs//gUJwvPYzDA9NlJzL1mPCEy9HFQCOR/oUJRlJ8Az+O/1P8g/iF+QggREHdtLedffhFHcRFGm41RG+8h+tqeLZnbndrOOl4ofI2KtnMkhtm5P3MjKZE9e1PhcHn57VvHOVnZwizFzqMrMyX0e0DXdY7sL+fDd07gdnmxj47g2psU7KNl8anBJJDgfxD4PfD/4l+k52P88/cLIcRl6T4fTXs+oGH7VnS3m/CsbEbddQ+WuPg+fZ4D1Ud44+RWXD43C8bMYV36bVhNPVsW1+Hy8pu3jlNa2cKcjFE8vGKqhH4PNNS28/n7J6k514olxMTVSyaROTMJo1EuEA82gfTqP68oyi9UVV2vKEoMMEtV1eoBqE0IMYS5Ks5S89KLuMrOYIqMxH7fA0TOmdenn+86vU7eOLmNgzVHsZms3D/1TmaPntHj43Q6vfzmzVxOVbUyb2oiD906BVMfXo0YzjxuH4f3lZF3qBJN05maPYZZV6cRETmylyYezALp1f8LYBawFAgF/oeiKItUVf33/i5OCDH0aB43je/soPH9XeDzEblgIaPW34kpso/XaG+t5MXC16h11DMuMoX7M3+APaznVxI6nR6efiOXM9VtLMgczYO3TJFWaoDKSuvZ+0EJba0uIqNtXLNsMrPnp8ny0oNcIJf6VwBZAKqqViuKsgTIBST4hRDf0nlS5fzLL+KpqcEcF0/iPfcSPi2rT59D13U+qfiCbad24dN9LE29jlsnLMNs7HnHsXaHP/TLa9q4avpo7l8uoR+I9lYne/eUcuZkPUajgRkLUpm1cBwWmeNgSAjklWICwoCv38JZAa3fKhJCDDk+h4P6zW/S8tknYDAQc8NSElavxWgLbHa8QLW523ml6E0KG4qJtERwz9Q7mBp/ZWP/2x0ennr9GGfPt3NN1hjuXZ6BUYaZXZbPq1Fw9ByH9pbhcfsYnRzNtTemE2cPfKikCL5Agv8vwBFFUXbg79W/HPhDv1YlhBgy2nOPUfvqy3ibmggZO5bEex8gdOKkPn8etbGUl05sosXdRkbsZO6ZuoFo65V9fNDa6eapTblU1rVzbc5Y7r5RkdC/DJ9Xozi/mqP7z9Le6sJqM3PdcoWMrNEyJn8ICqRz328URdkHXAN4gI2qqh7r98qEEIOat7WVuk1/p+3QQTCZiF+5itjlt2C09O1CKz7Nx7tnPuSD8k8wGAysmngzN6Quwmi4ss53rR1ufvX6Mc7VdbB4ZhIbl6ZL6H8Pn0+jOK+Go/vLaW91YTYbyZ6bzIz5qYSG9WzUhBg8Av1QbDIQB/wXsAaQ4BdihNJ1nbb9X1L7xmtoHR3YJkwk8d4HsCYl9flzNTgaebFwE2day4m3xXF/5g8YH516xcdranPyy03HqKrv4IZZyfxgyWRpsV6Cz6eh5tdw5MuLAn9OMjnzUwkLl8Af6gLp1f9/gWRgJvAUcL+iKDmqqv5LfxcnhBhcPPV1nH/lJToLCzBYrdg3bCTm+hv6dCKerx2tzeO14s04vE5mjcrmzow1AS+jeylNbS5+/fxBquo7WDo7hQ03TJLQ/w6fT0MtqOHovnLaWl2YzEay5iQzY14KYREyPG+4CKTFfyP+0D+iqmqToihLgXxAgl+IEULXNJo/+pD6rW+ju92EZU4j8Z77sMQn9PlzuX1uNpe8w76qA4QYLWzMWMeCMbN7FdL1zQ5+uekY9S1ObpqXyrrrJkroX8Tn0zhZcJ4jX5bT1uLEZDIwfXYSM+anEi6BP+wEEvy+79y2XuI+IcQw5TpXyfmXXsB5+jTG8HAS776XyPk9m/8+UFXtNbxQ+CrVHedJihjDA5kbGR0+qlfHrGns5FebjtHU5uIHN2ZwQ84YCf0ulwz8WV2BLxPwDFuBBP9bwOtAnKIoPwXuBjb1a1VCiKDTPB4a39tJ43s7/RPxzJ2PfcMPMEdF9flz6brO3qqveLvkHTyal2uTr2L1xJuxmHrXUbCyrp2nXs+ltcPNusUTuXOZIpPLAJr2TeC3Nn8T+DnzU2XGvREgkF79v1AU5SbgLJAC/Juqqjv7vTIhRFDouk7niULqXn8Nd3UV5tg4Rt11DxHZOf3yfJ2eTl4tfpvcunzCzWHcn7mRbHtmr49bXtPG02/k0u7wsHFpOjfMSu6Daoc2TdM4WVjLkX1ltDY7MZoMTJs5lhkLxkngjyCBdO6zAtWqqj6pKMpG4DpFUY7IfP1CDD+O0hLqt76NQy0GIHrx9SSsWYcp9Mo71V2Ox+fhj8dfoKz1LJNixnPf1DuJtcX0+ril51r4zZvHcbq83L88g2uy+27p36FI0zRKCms58mU5LU0OjCYDmTPHMnN+KhFRfTvJkhj8ArnU/3egWFEUG/AfwMvAS8CyfqxLCDGAnGfLadj6Nh35eQCETcsiYfUabOPS+u05dV1nk7qFstazzEmcwT1T77jisfkXKypv4neb8/B4NR5eOZX5U0f3QbVDk6bplJ44z+F9XYFvNDB1xlhmLZDAH8kCCf7xqqquUxTll8DzXZf+D/V3YUKI/ueqqqJh+xbajxwGIDRdIWH17YROntzvz/1J5V4O1BxhXGQKGzNu75PQzz/dwB+25KPrOv+8ehoz0+19UOnQo2k6pUW1HN5XRktjV+DnjGHmgnFERkvgj3QBzdWvKEoCsApYqyjKGPxz9wshhihPXR0N72yjdf+XoOtY08aTsHotYVMzB6THe3FjCVtKdhIVEskjWff0uhMfwBG1jj9vL8BoNPD42iymTej5Sn1D3deBf2RfGc0S+OJ7BBL8vwIOAO+oqpqvKIqKrMwnxJDkbW6i4d13aPn8M/D5CElKJmHVasJzZg7YELe6zgaeL/g7JoORh6ffQ4w1utfH/Kqwhud2FmExG3ni9iwyxsX2QaVDh6bpnCqu5ci+cpoaOjEaDUzJHsPMBalExfRP/wwxdH1v8CuKYlNV1amq6mvAaxc9NFVVVd/F2/R3kUKI3vG1tdG4+12aP/4I3ePBYh9F/KrVRM6Z1y+z7n0fp9fJX/L/RqfXwV0Z65gQPa7Xx/z8eBUv7SrGZjXz0/XZTErq/RuJoULXdU6r9Rzae4am+k4MBsjIGs2sheMk8MX3ulyL/1VFUXYDr6uqemHgq6qqPkVRovCP51+K/yMAIcQg5HM4aPpgN80fvo/mdGKOjSNuxUqiF16Nwdzz9et7Q9M1Xj7xBtUd57ku+SoWjJ3T62N+dKSSVz88SUSohX+9I4dxo69stb6hRtd1yk81cOjzMupr2/2BP300s66SwBfdu9wrfz3wGHBIUZQWoBLwAuOABOC3wO39XqEQosc0l4vmjz+icfe7aB0dmCKjsK9aQ/S112G0BGeRlV1n9nC8vpD02EmsmXRr74/3VTlvfXqKqPAQntyQQ7I9og+qHNx0XaeyrImDX5yhtsrfHpucOYrZV6UREyddr0Rgvjf4uy7n/0FRlD8C2fhX6PMBp4A8VVX1gSlRCBEozeOh5YvPaHz3HXwtLRjDwohfvZbYG5ZitAWvc1dubT7vle0h3hbHg9M2YjKarvhYuq6zfe8ZduwrIzbSys/unMHoERB6VRXNHPz8DNUVLQBMUBKYc/V44uzhQa5MDDWBzNynA7ld/4QQg5Du89G6/0sa3tmGt6EBg9VK3C0riL3xJkxhwQ2Gc+3VvFT0BiGmEB7NupcIy5XXo+s6b31yit0Hz2KPsfGzDTNIGOaXts9XtXLoizNUnGkCYNzEeOZck4Z9hHysIfrewH7IJ4ToU7qm0X74EPU7tuKpqcFgNhOz9Ebilt/SL3Pq91S7p4O/5L2E2+fmoWl3kxQx5oqPpek6r354kk+OnmNMfBhPbphB7DCeZrb+fDuHvjhDWWkDAMlpscy5Jo3RI6jzougfgy74FUW5AbgD/1wBv1RVNS/IJQkx6Oi6TkfecRq2vY2rogJMJqIXXUfcrSuxxMUFuzwAfJqP5wtepcHZyPK0JcwYNf2Kj6VpOi/uKmJffg3J9gie3JBDVHhw+ir0t6b6Dg7tLeNUcR0Ao5OjmXtNGkkjbIii6D8BBb+iKFcD04C/AXNVVf28H2sKVVX1EUVRcvBPCyzBL8RFOouLqN+yGefpU2AwEDl/AfErVxMyqnfL1/a1raXvcrKplKyETG4ev+SKj+P1aTy38wQHi2pJGx3Jv9yRQ0Ro7yf8GWxamhwc3ltGyYnz6DrYR0cyd9F4UsbHyjLCok8FskjPT/AP2RsLvA08qyjK86qq/qo/ClJVdaeiKOHA48DP++M5hBiKHKdKadi2hc6iEwBEzJhF/KrVWJMG36pz+6sO8UnlXsaEJ3JvL+bg93g1/ry9gGMl9UxKjuYnt2cTZht0Fyp7pa3FyZEvyynOq0bXId4ezpxF40mbFC+BL/pFIK+g+4B5wFeqqtYpijIbOIR/Rr+AKIoyD/iFqqqLFUUxAn8CsgAX8JCqqqcURflfwCTgCeAX+Jf/re/RTyPEMOQsK6Nh+5ZvFtDJnEbC6rXY0sYHubJLO91SzuvqFsLMoTw6/T5s5isbTeDy+PjDlnwKzzQyZVwsj6/Nwhpy5aMBBpuOdhdHvzzLieNVaD6dmPgw5lydxsQMuwS+6FeBBL9PVVWXoihf33biH88fEEVRfg7cBbR33bUKCFFVdWHXG4KngVWqqv6Pru1fwj9PwH8pirJNVdW3A30uIYYTV2UFDdu30X7sCOBfQCd+1RrC0pVu9gyeZlcLf81/GZ+u8cC0jdjDrmy+fIfLy28353GyopmsifH8cPU0LObhEfqOTjfHvqqg4Og5fF6NqBgbs69OY/LURIxGCXzR/wIJ/s8URXkaiFAUZRXwCPBxD56jFFgDvNJ1+2pgN4Cqqge6riBcoKrqvT04thDDjru6ioYd22g7fAh0HduEif7AnzJ1ULcEPT4Pz+a9TKu7jbWTbmVKXPoVHafT6eHXbx7ndFUrsxU7j6zMxGwauGmF+4vL6eH4wUryDlficfsIj7Qy+6pxKNNHYxoGP58YOgIJ/p8BDwPHgXuA94A/B/oEqqpuURQl7aK7IoHWi277FEUxqqqqBXrM77LbZTzrQJDz3L8c1TU0vfEWdZ99DppG+MQJpP5gA7GzBm4BnSul6zp/PPAS5W0VLEqbx/qZN19RzS3tLv73K0c4XdXK4lnJPHHHjD4PxYH+PXY5vRz44jT7Pz2Fy+klPNLKDTdPYeb8VMyW4XEV47vkb8XgFsgEPj5FUV4Ddl1091jg7BU+Zyv+8P9ar0IfoK6urfuNRK/Y7ZFynvuJp6GBxnd30LpvL3rXinnxt60mYsZMfAYD9fXt3R8kyD4++zmflx9gXGQKa8atvKKam9tdPPV6LlX1HVybM5aNSybT2NjRp3UO5O+xx+Oj8Og5jn11FqfDiy3UzILFE8icmYTFYqKpuXNA6hho8rdiYPTmzVUgvfqfwt/ib/zOQ1fas2gfsAJ4S1GU+chwPTFC+ZfI3UnrF5+he72EJo0l+paVRM6eO6Ar5vVWUeNJtpS+S1RIJI9k3YPF1POhdg0tTn71+jFqmxwsmZ3MnTdMHvRXOb6P0+Gh8Og58o6cw9npIcRqYu41aUyfnUyIdXiNSBBDUyC/hauAJFVVe9vs+Hpu/63AUkVR9nXdvr+XxxViSPG2ttK0612aP/24a4lcO/ErVjHh1qXUNw6tVmBtZz0vFLyKyWDk4en3EGPt+axytU2d/GrTMRpaXdyyYBxrFk0YkqHf2uwg71AlRXnVeD0aIVYTMxemkjM3Batt+M07IIauQIL/OGDjm175PaaqahmwsOt7Hf+qf0KMKL72dpo+2E3TRx+iu1yY4+KIu/WbJXINpqH1ea/T6+Qv+S/R6XVwV8Y6JkSP6/Exqhs6+OWmY7S0u1m9aAIrFqb1faH9rK6mjdyDFZwqqkXXITzSytxrkpmSPUZa+GJQCuS38hWgRFGUAr4Zxqerqnp9/5UlxPDh6+ykec8HNH34PprDgSk6hri164i+5lqMlqHZEtR0jZdOvEFNx3muS76KBWPn9PgYFbXtPPX6Mdo6PWy4fhLL5qb2Q6X94+vlcXMPVFBZ5l88J84eTs68FCZNGSW99MWgFkjw/zf+SXUu7swnS/IK0Q3N6aT54z007t6F1tmBKSIS+/oNRF93PcaQoT3P/Htn9pBXX0h67CTWTLq1x/uX1bTy9Ou5dDi93L0sncUzB9/sg5eiaRqlRXUcP1BBfa3/ImjSuBhy5qWQMj5uSH5EIUaeQIK/WVXVl/u9EiGGCc3tpuXTj2nc9S6+tjaMYeEkrLmdmOuXYLRd2Sx2g8mx2nx2le0h3hbHg9M2YjL27COK0soWfvNWLk63jwdunsLVWVe+Yt9A8bi9FB2vIe9QBW2tLgwGmDTFTs68VFkeVww5gQT/XkVR3sY/nM/TdZ8ubwaE+DbN46H1i89oeHcnvpZmjDYbcStuI3bpjZjCwoJdXp84117Ny0VvEGIK4dGse4mwhPdo/+LyJn67OQ+PV+ORFZnMm5rYT5X2jc4ONwVHzlFw9Bwupxez2ci0mWPJnptCVExosMsT4ooEEvwRQBtwVddtA/5L/RL8QgC610vrl/to2LkDb2MDhpAQYpffQtyNyzFFRAS7vD7T7u7gL3l/w+1z8/C0u0mK6FlLveB0A7/fko+m6Ty2ahqzFHs/Vdp7zY2dHD9YgZpfg8+nYws1M/vqNKbNHEto2ND+mEaIQCbwuW8A6hBiyNE1jbbDB2nYugVPXS0Gi4XYpTcSu/wWzFFRwS6vT/k0H88X/J0GZxM3py0hZ9T0Hu1/rKSOZ7YVAAZ+vHY6WRMT+qfQXjpf1cqxr85y5qR/fbCoGBvZc1NQpo/GMkxn2RMjz/cGv6Io76qqeouiKGcu8bCuquqEfqxLiEGts+gEdZvfxFVeBiYT0YuvJ/6WFZhjYoNdWr94u3QnJ5tPkZ2QyfLxS3q076HiWp7dUYjJZODxtVlMTYvrpyqvjK7rlJ9qIPdABdUVLQDYR0eSMy+FCUoCxiE0mZIQgbhci//hrq/X4b+8fzHp1S9GJFfFWeo2v0lnYQEAkXPnE796DSH2UUGurP98WXWQzyr3MSY8kXum3oHREHgQ7i+o4bl3T2C1mPjJumzSU2L6sdKe8Xk1Sk6cJ/dgBU31/omTUifEkTMvhbGpMdJDXwxb3xv8qqpWdX37a1VV1178mKIoHwE39GdhQgwmnoYGGrZtofWrL0HXCc2Ygv32O7ClpQW7tH51uqWM19WthJlDeXT6fdjMgY9K+Cz3HC/vVgm1mvmXO3KYMHZwfPzhcno5cbyK/EOVdLS7MRoNpE9LJGduCvGjhk+fDCG+z+Uu9W8FcoCx37ncb+bKF+gRYkjxtbfTuGsnzR/tQfd6CUlOwX77OsIypw/7FmGTs5ln819G0zUenHYX9rD4gPfdc7iC1/aUEBFq4ckNOaQmBn/IW0NtO0f3lXP0wFk8bh+WEBPZc5LJmpNMRNTQH2YpRKAud6n/PiAW+B3wY7653O8Favq3LCGCS/O4af5oD43v7UTr7MQcF0/C6jVEzlswpBbQuVJun4dn81+mzd3O2skryIibHPC+u74q561PTxEdHsKTG3JIsgevFe1yeiktOk9xXg211f4V48LCQ5i5IJXMGWNlDn0xIl3uUn8L0AKsHLhyhAguXdNo3f8lDdu34G1s9E++s+4OYq6/AaNlZAzj8vg8PF/wd862VTJv9CwWJ18d0H66rrNjXxnb954hNtLKz++cQWLcwM9foOs6VWebKc6r4bRah9erYTDAuIlxzLtmAjH2MJlSV4xosoKEEPjDorMgn7rNb+I+V4nBbCb2ppuJW34LpvCeTVIzlLl8bp7Ne4niphKmxKVzp7ImoI80dF1n82en2PXVWRKibfzszhnYB3iCm/Y2F2p+DcV51bQ2OwGIjg0lI2s0yrTRhEdaZa14IZDgFwJn2RnqNr+Jo7gIDAaiFl5F/G1rsMQH/pn2cODwOnnm+AucailjesJUHpx2FxZj938idF1n054S9hypJDEujJ9tyCFugD4z9/k0ykoaKM6vpuJ0I7oOZrOR9GmJTMkaw5iU6GHfF0OInpLgFyOWu7aWhq2baTt0EICwaVnY167DmpIS5MoGXoenkz/kPsfZtkpmjcrm3qkbApqDX9N1Xnlf5bPcKpISwnlyQw7REdZ+r7exroOivGpOFpzH6fDPJD5qTCRTsscwMWMUVpv8aRPi+8irQ4w43rZWGt/ZQfNnn4DPhzVtPPbb1xOWMSXYpQVFm7ud3+f+lXPt1cwfPZuNU24PaKy+T9N44d1i9hfWkJoYwb/ekUNkP05n63Z5KS2qpeh49YWOerZQC1lzksnIGk18EDsRCjGUSPCLEUNzuWj68H2adr+H5nRisdtJWH07EbPnjIie+pfS7Grhd8ee5XxnHYuSFrIufWVAoe/1aTz7zgkOF9cyYWwUP12fTXg/9JDXdZ3qihaK8qo5XfxNR73UiXFkTB9D2uR46agnRA9J8IthT/f5aNn7BQ07tuFracYUEYn9zrXEXLsYg3nkvgQaHI387tiz1DsbWZJ6Lasm3hzQ5+Eer8aftxdwrKSe9ORonliXTai1b89je5uLkwU1FOfV0NLkAPzz5mdkjUGZlijj7oXohZH7V08Me7qu05F7lPq3N+OuqcYQEkLcrSuIvfFmTKEje0nV8511/O7YszS7Wrh5/FJuTlsSUOi7PD7+uCWfgjONTE2L5cdrsrCG9M3iNT6fRnlpA8V51Zy9uKNeZiIZWaNlGl0h+ogEvxiWHCUl1L39Js7SEjAaiV50HfErV2GOGTxzxQdLVXsNv8t9ljZ3O6sm3szScdcFtJ/T7eV3m/MoPttM1sR4frh6GhZz70Jf13XqatooLapFLTiPs/ObjnoZWaOZNCVROuoJ0cfkFSWGDV3T6MjPo+n9XThOqgCEz5iJfc3thIwZG+TqBoezrZX8Ifc5OrydrE9fxbXJCwPar9Pp5b/fOk7puRZmKXYeXZmJ+Qo/W+/scFNxppGK041UnGm60CvfFmoma3ZXRz2ZM1+IfiPBL4Y8zeOh7cBXNH2wC3eVf22psMxpxN96G6GTA59qdrg73VLGH3NfwOVzsTFjHQvHzglov3aHh1+/kUtZTRvzpyby4K1TMPWgM6SmaZw/18rZrrCvq2m/8Fh4RAgZWaMZNzGecRPjMZmlo54Q/U2CXwxZvs4OWj77lKY9H+JraQaTicgFC4lbtnxEjsW/HLWxlD/n/w2v5uW+zDuZnZgT0H6tHW6eej2Xyrp2rs4aw303ZWA0dv85e3ur80LQV5Y14Xb5ADAaDSSNiyFlQhyp4+OIs4fL5/ZCDDAJfjHkeBobaP7wA1q++AzN6cRosxG77CZilizFEjeyZtsLRGFDMX/Nfxld13lo2t1k2zMD2q+pzcVTrx+juqGTxTOT2Lg0HeP3hLTPq1Fd2cLZ041UnGmksa7jwmOR0TYmT00kZUIcSakxhPTxCAAhRM/IK1AMGa6KChrff88/057PhykmhoRbVhJ97bWYwkbOfPo9kVubzwuFr2E0GHg06z6mxisB7dfQ4uRXm45R2+zgxrkprF886R9a5q3NDs6ebuTsqUbOnW3C69EAMJmN/hZ917/o2FBp1QsxiEjwi0FN13UcxUU07n6PzsICAELGjiV22XIi583HaJFlVb/PoZpjvFz0Bhajmcey7mdy7MSA9jvf2MmvXj9GY6uLFQvTWHXNeAwGAx6Pj6qzzVScbuTs6cYLF2iADwAAH5ZJREFU4+sBYuLDSB0fR8qEOMamRGO29M0QPyFE35PgF4OS7vPRdvgQTe/vwnW2HIDQdIXYm5YTPi1rxM60F6h9VQfYVLwFm9nGD7MfYHz0uID2q6xt56k3cmntcLNm0XiuSh9F3qFKzp5upLqiGZ9PB8ASYiJtcjypE+JJGR9L1ACvxCeEuHIS/GJQ0ZxOWvZ+TtOH7+NtaACDgYjZc4i7cTm28ROCXd6Q8EnFXjaX7CDCEs6Pch4iJTIpoP1OVTbz5zePY3P7mD0mmqbcGl7/vPzC4/GjwkmdEEfK+DhGJ0fLVLlCDFES/GJQ8LY00/zRHpo//QStswNDSAjRi68ndulNhIwaFezyhoz3yz5mx+ndRIVE8viMRxgTnnjJ7XRdp6PNxfmqVs6fa6WsrImmug78b62MtFW3YbWZmZhhvxD24ZH9v+qeEKL/SfCLoHLXVNP4/i7a9n+J7vViiogkfuUqYhbfgCkyMtjlDRm6rrPzzAfsLvuIWGsMj894hFFhCRce97h91NW0+YO+qpXaqlY62t3f7A840RmXFse0zEQSx0YSExcmnfKEGIYk+EVQOEpKaHz/PTpyjwFgsY8idtlNRC28CqNVWpY9oes6W0p38nHFFySExvPj7IcxOawUl1ZzvrqN2nOtNNS1o+vf7BMWEcL49AS8FhMfFdXgNBh4bM10siYmfP8TCSGGBQl+MWB0TaM99xhN7+/CeaoUANv4CcTeuJyImbOkw94V0HSNTQXbySspZYIrhwkobP/qBG6X98I2JrORxKQoEsdE+b+OjSI80spXhed5/t0iLGYjj9+exZRxsUH8SYQQA0WCX/Q7XdNoP3yI+h1b8dTUABCelU3sTTcTOjldLif3gM+n0VjXwfmqVmrOtVBaVoXeEUsa/ul3a2gjOjaUtEnxjBobSeLYKOJHRfxDR7xPj53jlfdVQq1mfro+m4lJ0cH4cYQQQTDogl9RlFnAjwAD8HNVVWuDXJK4Qrqu05F/nIatb+OqqACTiairriH2xpuwjg2sp/lI5HH7aG1x0NrspK3ZSWuz//uv7/N5tQvb+kw6elw7M9PTSU72h31oWMhlj7/7wFne/KSUyDAL/3pHDqmJ0pdCiJFk0AU/YAV+AiwDFgDbg1uOuBKdxUXUb33bf0nfYCBy3gLiV64iJPHSvcxHEk3z96hva7ko1JsddHZ4aKxvx9HhueR+IVYTsfFhJCSGU6wXUMIJUkaP4rHs+7GZbd0+r67rbN97hh37yoiNtPLkhhzGxMuMh0KMNIMu+FVV/VJRlAXAk8D6YNcjesZ55jT1W9+m80Qh4F8WN2HVGqxJyUGubGC5nN5/aKm3dd1ua3Giafo/7GM0GoiIshKfFkFUjI2omNBvfbXaLLh8bp7Ne4niphKmxKXzyPR7CDFdvoUP/tB/4+NSPjhUgT3GxpMbZmCXSXeEGJEGJPgVRZkH/EJV1cWKohiBPwFZgAt4SFXVU4qi/CcwGfg1cBhYDvw78MRA1Ch6x3WukvptW+g4dhSAsKmZxK9aS+iE4TXpjq7reNw+HJ1uHB0eHJ1uOjvcXa33b1rwLqf3kvvbwiwkjI7wh3n0t8M9bXw8DY0dl9wPwOF18szxFzjVUkZWQiYPTNuIxdj9S1jTdF75QOWz3CrGxIfx5IYZxMqYfCFGrH4PfkVRfg7cBXy9CPcqIERV1YVdbwieBlapqvpvXdsvBl4A3MBf+rs+0Tvu8+dp2LGNtoNfga5jmziJhNVrCcuYEuzSAubzaTg7PXR2uHF0er4V6t/c7vq+w31h2tpLMZmNREXbGJ0URVRMKJHfCncblpDvf8kZLzMTXru7gz8ef46zbeeYNSqbe6duwGTsfj58n6bx/LtFfFV4ntTECP7ljhyiuukDIIQY3gaixV8KrAFe6bp9NbAbQFXVA4qizL54Y1VVPwE+GYC6RC94Ghtp3LmDln1fgM+HNSWV+NVrCJ+e3W+99HVdR9f9Xy++zYX7Ab7Zxunwfn+IX3Tf97XOL2YyGwkLsxA/KoLQsBBCwy3+r2EWQsNDugLeRlh4SJ///E3OZv6Q+xw1nbUsHDOHOzPWYjR0P/TR49X48/YCjpXUMzEpip+uyybMJosaCTHS9Xvwq6q6RVGUtIvuigRaL7rtUxTFqKqqxhWy26VX8kCw2yPxtLRQuXkL1bvex+fxYho7joQVt2FTpuJwemkpa8Hh+KZ1fCFsu0LW59X8gQ3o2qWDXNe6Hr846L+/kX1lDBAWHkJUTCjhESGER1gJj7R+8/13bltCTAMy7PC7v8s1bbX89qs/U9fZyK3KEu7OXhNQHU63l//z4kGOldSTNSmB/++BeYRaB12XnqCQvxf9T87x4BaMvwSt+MP/a70KfYC6urbeVTTCaZqGy+nF6fDgcnhxOj04HV5cDg9Op/8+zeOl4fQ5HM1teAxWPKnr8Rm6Wo8ftcBH+y/7HGaLEVuoBZPZiMGAP7y6vhq4+PY/PobB8M39fLONwXDRY3x9+5vHrDaLv0V+cQu966st1ILR2H2AejWNllZHt9v1Bbs98lu/y+faq/l97l9pc7ezYsKN3Dj2eurr2y9zBL9Op5ffbj5OSWULOZMSeGxVJu2tDrrfc/j77jkWfU/O8cDozZurYAT/PmAF8JaiKPOBvCDUMKiVFtWiFtR8q0V88fdaVwtY07q+6vq3Wsff2u/CVx1du+j7i7a93GfW32bBaInCZjUREx2BNdSCLdSCLdSM1fadr6EWbDYL1lAzNps/8EXgzrSU86fjL9DpdbAu/TauS74qoP3aHR6efiOX8po25k4ZxUO3TsUsq+gJIS4ykMH/dbpsBZYqirKv6/b9A1jDkHCuvImzpxov+ZjBAAaj4UKr1t9qNWA0+h80ft0CNvpby0aTAYPhm1b21/f7j+G/z2wx/UNoWy1GfKdVnIf3YWptJNRmJuH664hfulTm0u9nxY0l/CX/Jbyal3um3MG8MbMC2q+53cXTr+dyrr6Dq7PGcN9NGQFd1RBCjCyGrz9fHcL04XZZSdd1vB4Ng/Hry9bfvtTdr8/t89G6/0sa3tmGt6EBg9VK7NJlTL5zHU2OXn0iI7pht0ey58R+Xih4FYAHpm0k2z4toH3rWxw89XoutU0OlsxKZsOSyRhlKuR/IJeh+5+c44Fht0de8QtcevsMQgaDAUtI90O1+pKuabQfPUz9ti14amowmM3ELL2RuOW3YI6KwhwRDg55Mfenz858xXMFf8dsNPPo9HvJiJsc0H7nGzv51evHaGx1cevCcay+ZoKsfyCE+F4S/COcfz79vK759M+C0Uj0ouuIu3Ullri4YJc3YnxasY+3SrYTag7lh9kPMD56XED7Vda289QbubR2uLn9uoncPD+w/YQQI5cE/wil6zqdRSdo2L71ovn05xO/crXMpz+AdF1nd9nH7DzzPjG2KP4560GSIsYEtO+Z6lZ+/UYuHU4vG5emc8OskTUtshDiykjwj0CdxUU0bN+Ko+QkAOE5M/zz6SenBLmykUXXdbaU7uTjii+Is8XyH9f/BJMzsPnz1bNN/HZzHi6PjwdvmcJV0wN7syCEEBL8I0inWuwP/JMqAOFZ2cSvXI0tLS24hY1Amq6xqfhtvqw+RGLYKH6c8xCjI0dR5+y+H0XB6Qb+sCUfn6bz2G3TmJ0xagAqFkIMFxL8I0DnSZWGHdtwFBcBED49i/iVq7CNH14L6AwVXs3L3068zrHaPFIik/hh9oNEhkQEtO8RtZY/by/EaDTw47XTyZqY0M/VCiGGGwn+YcxRWkLD9m10FvmXyA3LnEb8basJnTAxyJWNXC6fm7/mv0xR40kmxYznn7LuI9Qc2OX9L/KqeGmXisVi5Im1WWSMi+3naoUQw5EE/zDkOFVKw45tdBYWAF1L5N62mtCJk4Jc2cjW6XHwTN6LnG4pIzM+g4em3U2IqftFc3RdZ/veM+zYV0a4zcxP1mUzMSl6ACoWQgxHEvzDiOP0aRp2bKWzIB+A0IwpJNy2mtDJ6UGuTLS52/lD7nNUtlcxa1Q290y9A7Ox+5ef16fxt13FfFlQgz3Gxk/X5zA6LmwAKhZCDFcS/MOAs6yMhh1b6cg7DkCokkH8basJS1eCXJkAaHQ28fvcv1LbWc9VY+exQVkd0LK6nU4vf9yaT1F5E+PHRPHE7VlEhYcMQMVCiOFMgn8Ic54tp2H7VjqO5wIQmq4Qv3IVYRlTglyZ+Nr5zjp+f+yvNLmaWZp6HbdNXB7QrHqNrU5+89ZxztV1MGNyAo+szMRqGdjZHIUQw5ME/xDkqjhL/Y5tdBw7CoBt0mT/Jf2MKTJV6yBS0VbFH3Ofo83Tzm0TlrMsbXFA+50938Z/v3Wc5nY3N8xM5s4lk2WxHSFEn5HgH0JclRU07NhG+9EjANgmTvK38KdmSuAPMqeay3gm7wUcXid3pK9iUfLCgPYrONPAn7YW4HT7WL94EjfOTZH/WyFEn5LgHwJc5yr9gX/kMAC28ROIv20VYZnTJRQGoaKGkzyb/xJe3ce9Uzcwd/TMgPbbc7CcP7yVh8Fg4LFV05gjE/MIIfqBBP8g5qqqovGdbbQdPgS6jjVtPPErVxE+PUsCf5A6VpvPi4WvYTAYeGT6PUxPmNrtPt8drvfjtVmkp8QMQLVCiJFIgn8Q8jTUU79lM20HD/gDP3Uc8betJjwrWwJ/ENtfdYhXizcTYrLwT1n3kR7b/bwJXp/GS7uK2VdQQ2JcGI+vnc6Y+PABqFYIMVJJ8A9CtZtepSP3GNaUVH8LP2eGBP4g93HFF7xd8g7h5jD+OecB0qJSu92n0+nlT9vyOVHWxPgxkfzPRxfidXoGoFohxEgmwT8I2W+/g5jFNxA2ZSoGY/fjvUXw6LrOe2c+5L2yPUSHRPKjnIcZGzG62/0aW53891vHqazrIGdSAo+uzCQ20kadBL8Qop9J8A9CIaNHEzK6+/AQweXTfLxxciv7qg4Sb4vj8RkPkxAa3+1+Z8+38dvNeTS1ubh+ZhI/WJIuw/WEEANGgl+IK+DwOni+4FWKGk+SHDGWx7LvJ8ba/fz5hWca+ePWfBmuJ4QIGgl+IXqo0dnEM8dfpKqjhmnxGdyfuRGb2drtfl/kVfHybhWDwcA/3ZbJ3CmJA1CtEEJ8mwS/ED1wtrWSZ/JepNXdxqKkhdw+eQUm4+Wn0pXhekKIwUSCX4gA5dUV8mLha3g0L2snr2Bx8tXdXqb3+jRe2l3MvvwaEqJt/HR9tgzXE0IElQS/EAH4pGIvb5e8g9lo5uHpd5Ntn9btPg6Xf3W9r4frPX57NtGyup4QIsgk+IW4DE3X2FzyDp9V7iMyJILHsu5nXFRKt/v5h+vlUVnXfmG4njVEVtcTQgSfBL8Q38Plc/Ni4avk1xcxJjyRx7IeID40ttv9Kmrb+e+3jtPU5mLxzCQ2ynA9IcQgIsEvxCW0uFp5Ju9FKtrOkRE7mYem30WoObTb/WS4nhBisJPgF+I7zrVX88zxF2lyNbNgzBzuVNZ023MfYG9eNS/tLsZgQIbrCSEGLQl+IS5S1HCS5wpewelzsXLCTSwbt7jbFruu6+zYV8b2vWdkuJ4QYtCT4Beiy75zB3j95FaMBiP3Z/6A2Yk53e7j8Wq88r7K3vxqGa4nhBgSJPjFiKfpGjtO7ebDs58Sbgnj0en3MTEmrdv9KuvaeXbHCSrr2kkbHckT62S4nhBi8JPgFyOa2+fh5aI3OFabx6jQBB7LfoBRYQmX3UfTdT46XMlbn57C69NYlD2WO2+YLMP1hBBDwqAMfkVREoGdqqrOCXYtYvhqc7fzl7yXONNazsTo8TySdQ8Rlstfpm9qc/HCe0UUnmkkItTC/cszmZFuH6CKhRCi9wZl8AM/A8qCXYQYvmo6annm+AvUOxuZnZjDXVPWYzFe/uVwRK3lb7uK6XB6mT4hngduziA6ovvFeYQQYjAZdMGvKMpjwN+Bfw12LWJ4Kmk6xbP5L9PpdbA87QZuGb/ssj33HS4vm/aUsDe/GovZyF3L0lk8I0nG5wshhqQBCX5FUeYBv1BVdbGiKEbgT0AW4AIeUlX1lKIo/wlMBkZ1PTZXUZS1qqq+PRA1ipHhQPURXi3ejI7OXVPWs2DM7MtuX1rZwl93FlLX7GRcYiQPr5jK2ATptS+EGLr6PfgVRfk5cBfQ3nXXKiBEVdWFXW8IngZWqar6b9/Z72UJfdFXdF3nvTMf8l7ZHkLNNh6edg9K3KTv3d7r03hnXxk795eBDjfPH8eqa8ZjNhkHrGYhhOgPA9HiLwXWAK903b4a2A2gquoBRVEu2eRSVfWeAahNjAAezctrxZs5WHOUeFss/5z9AKPDv39WvfONnTz7zgnOVLcSH2XloVunoqR2P0e/EEIMBf0e/KqqblEUJe2iuyKB1otu+xRFMaqqqvV3LWLk6fR08mz+y5Q0n2ZcVAr/lHUfUSGRl9xW13U+P17Fpo9KcHs0FmQmsnGpQpht0HWFEUKIKxaMv2it+MP/a70Ofbv90n/IRd8aauf5fHsdvzn0DFVt55mXPIMfzbsPq/nSE+y0tLv4/Zu5HCisITzUwhN3zGDRjOQBrnjoneOhSM5x/5NzPLgFI/j3ASuAtxRFmQ/k9faAdXVtvS5KXJ7dHjmkzvOZlnL+nPc32j0d3JC6iFUTb6a1yYW/P+m35Z2q54X3imntcJORGsNDt04lLso24D/vUDvHQ5Gc4/4n53hg9ObN1UAGv971dSuwVFGUfV237x/AGsQw59G87Cn/lN1lH6Ghs0FZzTVJCy65rcvj461PSvn46DlMRgPrF09i2dwUjDJMTwgxjA1I8KuqWgYs7PpeBx4biOcVI0tJ0yk2qVs431lHdEgkd01Zz9R45ZLblte08ew7hVQ3dJKUEM7DK6aSmiiXJ4UQw5/0WhJDXru7g62n3uWr6sMYMHBt8kJWTLiRUHPoP2yraTq7DpSz7Ysz+DSdJbOTuf3aiYRYZJ59IcTIIMEvhixd1zlQc4QtpTvp8HSSHDGWOzPWkBaVesnt65sdPLfzBCcrW4iOCOHBW6YwbXz8AFcthBDBJcEvhqTzHbVsUrdQ0nyaEKOFNZNu5brkqzAZ/7Hlrus6XxWe5+8fqjhcPmal27l3eQYRoZYgVC6EEMElwS+GFI/Pwwfln/BB+Sd4dR/TE6awPn0VcbZLT7DT4fTwyvsqB4tqsYaYeODmKVw1fbTMsy+EGLEk+MWQcbKplE3qFmo764mxRrMu/TayEzK/N8SLypt4bucJmtpcTEyK4uFbpzIqNmyAqxZCiMFFgl8Mem3udraWvsuBmiMYMLA4+WpunbAMm9l2ye1bO928t7+cDw9VYDAYWHXNeG5ZMA6TUebZF0IICX4xaOm6zv7qw2wrfZcObycpkUncqaxhXFTKJbc/V9fOh4cr2F94Ho9XY1RsKI+syGTC2KgBrlwIIQYvCX4xKNV0nGeTuoXS5jNYTSHcPnkli5IW/EPnPU3XKTjdyIeHzlJY1gSAPcbGktkpLMoaizVEhukJIcTFJPjFoOL2eXi//GM+LP8Un+4j2z6NdZNXEmuL+dZ2Lo+P/QU1fHi4guqGTgCUlBiWzUkhe1ICRqN03hNCiEuR4BeDRnFjCa+rW6hzNBBrjWF9+m1k2TO/tU1Tm4uPj1by6bFzdDi9mIwGFmSOZtmcFMaNlpn3hBCiOxL8Iuja3O28XfIOh84fw4CB61Ou4Zbxy7CZrRe2Katp5cNDFRwsqsWn6USEWrh14Tiun5lMTIT1MkcXQghxMQl+ETSarrG/+hDbSt+j0+tgXGQKd2asISUyyf+4pnOspJ4PD53lZGULAGMTwlk6O5kFmaNlml0hhLgCEvwiKKraa9ikbuF0Sxk2k5V16bexKGkBRoMRh8vL3rxq9hypoK7ZCcC08XEsm5NC5vg4mXxHCCF6QYJfDCi3z8Ousj3sOfsZmq4xwz6d29NXEmONpr7ZwZ4jlXyRV4XD5cNiNrIoeyxL56SQlBAe7NKFEGJYkOAXA8KjeTnRUMyWkp3UOxuJtcZwh7KKafFTKD3XwquH8jl6sg5dh+iIEG6aN47rcsYSGRYS7NKFEGJYkeAX/abV3UZhfTEFDUUUNZ7E5XNjNBhZknoty1JvIL+0mf/97mHOVLcBkJoYwbI5KcydkojZJLPsCSFEf5DgF31G13Uq26soqC8iv6GI8taKC4/ZQ+OZljCF7NgZnCzx8W/vH6GpzYUBmDE5gWVzUkhPiZHP74UQop9J8ItecfvcqE2l5NcXUdhQTLPL3/veaDCSHjORydHpxGgpdLRYKVfbeFo9hdujYQ0xsWRWMjfMTiZRFs4RQogBI8EveqzR2URB1yX8k02leDQvAKGmUNKsUwh1jaWzLpayQjfH293A2Qv7xkdZueHqFBZljyHMZgnSTyCEECOXBL/olqZrnKw/zRenjlBQX8S5juoLj9l8MRhbR9FWE4ejLZpGvr5U305clJWsifEk2yNItoeTbI9gbEK4TKcrhBBBJMEvLsnhdZBbU8SR6kJOtZfg1v3j6XXNiNaagK95FFqzHYc7FFuIifH2CJInhpM8KoJkewRJ9nDCpUUvhBCDjgS/wOvTqGns5ERVBYWNxZxzn8ZhrgWDDoDutuJrTkZvGYXdnEJKQjTJGREXWvLx0TbplCeEEEOEBP8g5vVpeLz+f26v76LvNTwen//rRY+7vRrersfdXh8ej4bHp+H2aHi832zv9vpwaZ246MBt6MBhrsUQXYsx1L/KHRYwOGKI0VIYHz6ZjKRUsq4fjc2oYzHLNLlCCDGUSfAPQm99WsoHByvwafoV7K2DxYUhxHmJfy4MEU4MFicG4zfHNgFG3UyieQJTYzNYkJrFmOi4bx3Vbo+krq6tdz+YEEKIoJPgH4TsMaGMHxOFxWzEYjYSYjZiMZswmwGzE5/Zgc/kwGPwt9hddODU2nHo7XT62tG59BsGAwaiQiKJtdmJsUYTa40mxhZNUvgYJsVOwGKUXwchhBju5C/9IDQ13Yonto1mVwvNrhaaXC00O1todbf5Q10HvN/ex2gwEh0SRWJEKjHW6IuCPcb/1RpNVEgkJqNcqhdCiJFMgn8Q2nbqPY7XFVy4bTKYiLFGMyE6jVhb9LeCPdYWQ4w1msiQCIwGmeZWCCHE5UnwD0LrJq9k/uhZ/nC3xRBuCZNQF0II0Sck+AehWFsMsbaYYJchhBBiGJJmpBBCCDGCSPALIYQQI4gEvxBCCDGCSPALIYQQI8ig69ynKEo28HvgFPCSqqqfBrciIYQQYvgYjC3+uUA1/ilqCoNcixBCCDGsDMbg3ws8BPwSeDLItQghhBDDyoBc6lcUZR7wC1VVFyuKYgT+BGQBLuAhVVVPKYryn8BkYAf+Fn/zQNUnhBBCjBT9HqyKovwcuAto77prFRCiqurCrjcETwOrVFX9t67tF+D/jN8D/M/+rk8IIYQYSQaiRV0KrAFe6bp9NbAbQFXVA4qizL54Y1VV9wP7B6AuIYQQYsTp98/4VVXdwrfXkosEWi+67eu6/C+EEEKIfhaMz9Bb8Yf/14yqqmq9OJ7Bbo/sfivRa3Ke+5+c4/4n57j/yTke3ILR0t4H3AygKMp8IC8INQghhBAj0kC2+PWur1uBpYqi7Ou6ff8A1iCEEEKMaAZd17vfSgghhBDDgnSqE0IIIUYQCX4hhBBiBJHgF0IIIUaQYTclrqIoC4FHum4+oapqSzDrGc4URbkeuFNV1YeDXctwpCjKDcAdQBjwS1VVZQRMH1MUZRbwI8AA/FxV1doglzQsKYqSCOxUVXVOsGsZjnq6qu1wbPE/jD/4n8f/R1P0A0VRJgI5gC3YtQxjoaqqPgI8BSwLdjHDlBX4CfAusCDItQxLiqIYgJ8BZUEuZTjr0aq2wzH4TaqquvGfhDHBLma4UlX1lKqqvw52HcOZqqo7FUUJBx4H/hbkcoYlVVW/BKbiXwk0N8jlDFf/BPwdcAa7kGGsR6vaDqlL/YGs8gd0KooSAowFaoJX7dAV4HkWvRDgipUJ+F/I/6aqan0Qyx2SAjzHc4DDwHLg34EnglbwEBTg34olXffNVRRlraqqbwev4qEnwHOcQw9WtR0yLf6uVf7+iv/SHFy0yh/w/+Bf5Q/gWeAv+C/5v/Ld44jL68F5FleoB+f4aSAR+C9FUdYOeKFDWA/OcQTwAvAr4NWBrnMoC/Qcq6q6VlXVx4ADEvo904Pf4zL8n/H/X+B33R13KLX4A1rlT1XVo8hsgL3R09UU7x7Y8oaFQH+X7w1OecNCoOf4E/7/9u7epoEgCAPoIBHSAAki20aQ6IKMCqANaIBOcEARRJcR0QAhEhCBLENwZ93ceZn3Qkejz5Y/7fpnIp5WmbB/U98rrpYd718Y+zqetNW2mxO/LX/LkHM+GeeTcT4Z58vKuOcnZe4tf/xNzvlknE/G+WScb5aMey5+W/6WIed8Ms4n43wyzjdLxj19xv/Nlr9lyDmfjPPJOJ+M882ase18AFBIz1f9AMBEih8AClH8AFCI4geAQhQ/ABSi+AGgEMUPAIUofgAoRPEDo7XWzltrH621i53HX1prZ2vNBYyn+IGp3iPiobV2svWYvwCFTih+YKrXiHiMiLu1BwGmU/zAPm4j4nL3yh84fIofmGwYhreIuI7fV/7AgVP8wF6GYdhExCYi7teeBRjveO0BgK7dRMRzRJyuPQgwjhM/MNXPN/i3rvwdIqATR5+ffoUDAFU48QNAIYofAApR/ABQiOIHgEIUPwAUovgBoBDFDwCFKH4AKOQLtDBXtdpBW+cAAAAASUVORK5CYII=">
+            <a:extLst>
+              <a:ext uri="{FF2B5EF4-FFF2-40B4-BE49-F238E27FC236}">
+                <a16:creationId xmlns:a16="http://schemas.microsoft.com/office/drawing/2014/main" id="{A1AEAF1C-618E-4AE8-9A17-200D184EAAA2}"/>
+              </a:ext>
+            </a:extLst>
+          </p:cNvPr>
+          <p:cNvSpPr>
+            <a:spLocks noChangeAspect="1" noChangeArrowheads="1"/>
+          </p:cNvSpPr>
+          <p:nvPr/>
+        </p:nvSpPr>
+        <p:spPr bwMode="auto">
+          <a:xfrm>
+            <a:off x="5943600" y="3276600"/>
+            <a:ext cx="304800" cy="304800"/>
+          </a:xfrm>
+          <a:prstGeom prst="rect">
+            <a:avLst/>
+          </a:prstGeom>
+          <a:noFill/>
+          <a:extLst>
+            <a:ext uri="{909E8E84-426E-40DD-AFC4-6F175D3DCCD1}">
+              <a14:hiddenFill xmlns:a14="http://schemas.microsoft.com/office/drawing/2010/main">
+                <a:solidFill>
+                  <a:srgbClr val="FFFFFF"/>
+                </a:solidFill>
+              </a14:hiddenFill>
+            </a:ext>
+          </a:extLst>
+        </p:spPr>
+        <p:txBody>
+          <a:bodyPr vert="horz" wrap="square" lIns="91440" tIns="45720" rIns="91440" bIns="45720" numCol="1" anchor="t" anchorCtr="0" compatLnSpc="1">
+            <a:prstTxWarp prst="textNoShape">
+              <a:avLst/>
+            </a:prstTxWarp>
+          </a:bodyPr>
+          <a:lstStyle/>
+          <a:p>
+            <a:endParaRPr lang="en-CA"/>
+          </a:p>
+        </p:txBody>
+      </p:sp>
+      <p:pic>
+        <p:nvPicPr>
+          <p:cNvPr id="8" name="Picture 7">
+            <a:extLst>
+              <a:ext uri="{FF2B5EF4-FFF2-40B4-BE49-F238E27FC236}">
+                <a16:creationId xmlns:a16="http://schemas.microsoft.com/office/drawing/2014/main" id="{14AFB3E8-36F1-4C69-A69B-50865952F7AC}"/>
+              </a:ext>
+            </a:extLst>
+          </p:cNvPr>
+          <p:cNvPicPr>
+            <a:picLocks noChangeAspect="1"/>
+          </p:cNvPicPr>
+          <p:nvPr/>
+        </p:nvPicPr>
+        <p:blipFill>
+          <a:blip r:embed="rId2">
+            <a:extLst>
+              <a:ext uri="{28A0092B-C50C-407E-A947-70E740481C1C}">
+                <a14:useLocalDpi xmlns:a14="http://schemas.microsoft.com/office/drawing/2010/main" val="0"/>
+              </a:ext>
+            </a:extLst>
+          </a:blip>
+          <a:stretch>
+            <a:fillRect/>
+          </a:stretch>
+        </p:blipFill>
+        <p:spPr>
+          <a:xfrm>
+            <a:off x="4887047" y="1609571"/>
+            <a:ext cx="6478476" cy="4700071"/>
+          </a:xfrm>
+          <a:prstGeom prst="rect">
+            <a:avLst/>
+          </a:prstGeom>
+        </p:spPr>
+      </p:pic>
+      <p:sp>
+        <p:nvSpPr>
+          <p:cNvPr id="9" name="TextBox 8">
+            <a:extLst>
+              <a:ext uri="{FF2B5EF4-FFF2-40B4-BE49-F238E27FC236}">
+                <a16:creationId xmlns:a16="http://schemas.microsoft.com/office/drawing/2014/main" id="{49DB4B17-3EB2-437E-84B9-4E330D0FC024}"/>
+              </a:ext>
+            </a:extLst>
+          </p:cNvPr>
+          <p:cNvSpPr txBox="1"/>
+          <p:nvPr/>
+        </p:nvSpPr>
+        <p:spPr>
+          <a:xfrm>
+            <a:off x="5372100" y="6176963"/>
+            <a:ext cx="5715000" cy="369332"/>
+          </a:xfrm>
+          <a:prstGeom prst="rect">
+            <a:avLst/>
+          </a:prstGeom>
+          <a:noFill/>
+        </p:spPr>
+        <p:txBody>
+          <a:bodyPr wrap="square" rtlCol="0">
+            <a:spAutoFit/>
+          </a:bodyPr>
+          <a:lstStyle/>
+          <a:p>
+            <a:r>
+              <a:rPr lang="en-CA" dirty="0"/>
+              <a:t>Source: J. </a:t>
+            </a:r>
+            <a:r>
+              <a:rPr lang="en-CA" dirty="0" err="1"/>
+              <a:t>Vanderplas</a:t>
+            </a:r>
+            <a:r>
+              <a:rPr lang="en-CA" dirty="0"/>
+              <a:t> 2015.</a:t>
+            </a:r>
+          </a:p>
+        </p:txBody>
+      </p:sp>
+    </p:spTree>
+    <p:extLst>
+      <p:ext uri="{BB962C8B-B14F-4D97-AF65-F5344CB8AC3E}">
+        <p14:creationId xmlns:p14="http://schemas.microsoft.com/office/powerpoint/2010/main" val="2926353494"/>
+      </p:ext>
+    </p:extLst>
+  </p:cSld>
+  <p:clrMapOvr>
+    <a:masterClrMapping/>
+  </p:clrMapOvr>
+</p:sld>
+</file>
+
+<file path=ppt/slides/slide17.xml><?xml version="1.0" encoding="utf-8"?>
+<p:sld xmlns:a="http://schemas.openxmlformats.org/drawingml/2006/main" xmlns:r="http://schemas.openxmlformats.org/officeDocument/2006/relationships" xmlns:p="http://schemas.openxmlformats.org/presentationml/2006/main">
+  <p:cSld>
+    <p:spTree>
+      <p:nvGrpSpPr>
+        <p:cNvPr id="1" name=""/>
+        <p:cNvGrpSpPr/>
+        <p:nvPr/>
+      </p:nvGrpSpPr>
+      <p:grpSpPr>
+        <a:xfrm>
+          <a:off x="0" y="0"/>
+          <a:ext cx="0" cy="0"/>
+          <a:chOff x="0" y="0"/>
+          <a:chExt cx="0" cy="0"/>
+        </a:xfrm>
+      </p:grpSpPr>
+      <p:sp>
+        <p:nvSpPr>
+          <p:cNvPr id="2" name="Title 1">
+            <a:extLst>
+              <a:ext uri="{FF2B5EF4-FFF2-40B4-BE49-F238E27FC236}">
                 <a16:creationId xmlns:a16="http://schemas.microsoft.com/office/drawing/2014/main" id="{BDE1EEC8-032D-4971-AA4D-D75DFA8182FF}"/>
               </a:ext>
             </a:extLst>
@@ -4420,7 +5034,10 @@
           <a:bodyPr/>
           <a:lstStyle/>
           <a:p>
-            <a:endParaRPr lang="en-CA" dirty="0"/>
+            <a:r>
+              <a:rPr lang="en-CA" dirty="0"/>
+              <a:t>Conclusion</a:t>
+            </a:r>
           </a:p>
         </p:txBody>
       </p:sp>
@@ -4445,7 +5062,74 @@
           <a:bodyPr/>
           <a:lstStyle/>
           <a:p>
-            <a:endParaRPr lang="en-CA"/>
+            <a:r>
+              <a:rPr lang="en-CA" dirty="0"/>
+              <a:t>The Lomb-</a:t>
+            </a:r>
+            <a:r>
+              <a:rPr lang="en-CA" dirty="0" err="1"/>
+              <a:t>Scargle</a:t>
+            </a:r>
+            <a:r>
+              <a:rPr lang="en-CA" dirty="0"/>
+              <a:t> periodogram can find periodic behaviour like the FFT, but is useful in different situations:</a:t>
+            </a:r>
+          </a:p>
+          <a:p>
+            <a:pPr lvl="1"/>
+            <a:r>
+              <a:rPr lang="en-CA" dirty="0"/>
+              <a:t>It is mainly used when data points are not evenly spaced</a:t>
+            </a:r>
+          </a:p>
+          <a:p>
+            <a:pPr lvl="1"/>
+            <a:r>
+              <a:rPr lang="en-CA" dirty="0"/>
+              <a:t>It may be used to find periodic data above the Nyquist frequency</a:t>
+            </a:r>
+          </a:p>
+          <a:p>
+            <a:r>
+              <a:rPr lang="en-CA" dirty="0"/>
+              <a:t>Unlike the FFT, the Lomb-</a:t>
+            </a:r>
+            <a:r>
+              <a:rPr lang="en-CA" dirty="0" err="1"/>
+              <a:t>Scargle</a:t>
+            </a:r>
+            <a:r>
+              <a:rPr lang="en-CA" dirty="0"/>
+              <a:t> method introduces error that may be tracked</a:t>
+            </a:r>
+          </a:p>
+          <a:p>
+            <a:r>
+              <a:rPr lang="en-CA" dirty="0"/>
+              <a:t>Successful use of the method requires selecting a good frequency grid</a:t>
+            </a:r>
+          </a:p>
+          <a:p>
+            <a:r>
+              <a:rPr lang="en-CA" dirty="0"/>
+              <a:t>Python libraries such as </a:t>
+            </a:r>
+            <a:r>
+              <a:rPr lang="en-CA" dirty="0" err="1"/>
+              <a:t>scipy</a:t>
+            </a:r>
+            <a:r>
+              <a:rPr lang="en-CA" dirty="0"/>
+              <a:t> and </a:t>
+            </a:r>
+            <a:r>
+              <a:rPr lang="en-CA" dirty="0" err="1"/>
+              <a:t>astropy</a:t>
+            </a:r>
+            <a:r>
+              <a:rPr lang="en-CA" dirty="0"/>
+              <a:t> provide quick and easy to use tools to apply the method to data</a:t>
+            </a:r>
           </a:p>
         </p:txBody>
       </p:sp>
@@ -4582,7 +5266,7 @@
         </p:blipFill>
         <p:spPr>
           <a:xfrm>
-            <a:off x="2437566" y="3282455"/>
+            <a:off x="2454983" y="3299233"/>
             <a:ext cx="7316867" cy="2743825"/>
           </a:xfrm>
           <a:prstGeom prst="rect">
@@ -4620,15 +5304,7 @@
           <a:p>
             <a:r>
               <a:rPr lang="en-CA" dirty="0"/>
-              <a:t>FIG 1. Example data showing light intensity of a star (LINEAR catalogue number 14752041) over time. SOURCE: </a:t>
-            </a:r>
-            <a:r>
-              <a:rPr lang="en-CA" dirty="0" err="1"/>
-              <a:t>VanderPlas</a:t>
-            </a:r>
-            <a:r>
-              <a:rPr lang="en-CA" dirty="0"/>
-              <a:t> 2017</a:t>
+              <a:t>FIG 1. Example data showing light intensity of a star (LINEAR catalogue number 14752041) over time.</a:t>
             </a:r>
           </a:p>
         </p:txBody>
@@ -4837,85 +5513,6 @@
               <a:t>The classical periodogram is the square of the DFT</a:t>
             </a:r>
           </a:p>
-          <a:p>
-            <a:pPr lvl="1"/>
-            <a:r>
-              <a:rPr lang="en-CA" sz="2800" dirty="0"/>
-              <a:t>$$ \begin{aligned} S(\omega) &amp;= \</a:t>
-            </a:r>
-            <a:r>
-              <a:rPr lang="en-CA" sz="2800" dirty="0" err="1"/>
-              <a:t>frac</a:t>
-            </a:r>
-            <a:r>
-              <a:rPr lang="en-CA" sz="2800" dirty="0"/>
-              <a:t>{1}{N} \left\| \sum_{j=1}^{N} x(</a:t>
-            </a:r>
-            <a:r>
-              <a:rPr lang="en-CA" sz="2800" dirty="0" err="1"/>
-              <a:t>t_j</a:t>
-            </a:r>
-            <a:r>
-              <a:rPr lang="en-CA" sz="2800" dirty="0"/>
-              <a:t>) e^{-</a:t>
-            </a:r>
-            <a:r>
-              <a:rPr lang="en-CA" sz="2800" dirty="0" err="1"/>
-              <a:t>i</a:t>
-            </a:r>
-            <a:r>
-              <a:rPr lang="en-CA" sz="2800" dirty="0"/>
-              <a:t> \omega </a:t>
-            </a:r>
-            <a:r>
-              <a:rPr lang="en-CA" sz="2800" dirty="0" err="1"/>
-              <a:t>t_j</a:t>
-            </a:r>
-            <a:r>
-              <a:rPr lang="en-CA" sz="2800" dirty="0"/>
-              <a:t>} \right\|^2 \\ &amp;= \</a:t>
-            </a:r>
-            <a:r>
-              <a:rPr lang="en-CA" sz="2800" dirty="0" err="1"/>
-              <a:t>frac</a:t>
-            </a:r>
-            <a:r>
-              <a:rPr lang="en-CA" sz="2800" dirty="0"/>
-              <a:t>{1}{N} \left( \left( \sum_{j=1}^{N} </a:t>
-            </a:r>
-            <a:r>
-              <a:rPr lang="en-CA" sz="2800" dirty="0" err="1"/>
-              <a:t>x_j</a:t>
-            </a:r>
-            <a:r>
-              <a:rPr lang="en-CA" sz="2800" dirty="0"/>
-              <a:t> \cos(\omega </a:t>
-            </a:r>
-            <a:r>
-              <a:rPr lang="en-CA" sz="2800" dirty="0" err="1"/>
-              <a:t>t_j</a:t>
-            </a:r>
-            <a:r>
-              <a:rPr lang="en-CA" sz="2800" dirty="0"/>
-              <a:t>) \right)^2 + \left( \sum_{j=1}^{N} </a:t>
-            </a:r>
-            <a:r>
-              <a:rPr lang="en-CA" sz="2800" dirty="0" err="1"/>
-              <a:t>x_j</a:t>
-            </a:r>
-            <a:r>
-              <a:rPr lang="en-CA" sz="2800" dirty="0"/>
-              <a:t> \sin(\omega </a:t>
-            </a:r>
-            <a:r>
-              <a:rPr lang="en-CA" sz="2800" dirty="0" err="1"/>
-              <a:t>t_j</a:t>
-            </a:r>
-            <a:r>
-              <a:rPr lang="en-CA" sz="2800" dirty="0"/>
-              <a:t>) \right)^2 \right) \end{aligned} $$</a:t>
-            </a:r>
-          </a:p>
         </p:txBody>
       </p:sp>
       <p:sp>
@@ -4968,6 +5565,46 @@
           </a:p>
         </p:txBody>
       </p:sp>
+      <p:pic>
+        <p:nvPicPr>
+          <p:cNvPr id="6" name="Picture 5">
+            <a:extLst>
+              <a:ext uri="{FF2B5EF4-FFF2-40B4-BE49-F238E27FC236}">
+                <a16:creationId xmlns:a16="http://schemas.microsoft.com/office/drawing/2014/main" id="{8D4E9091-3557-47CD-A075-495C327944CD}"/>
+              </a:ext>
+            </a:extLst>
+          </p:cNvPr>
+          <p:cNvPicPr>
+            <a:picLocks noChangeAspect="1"/>
+          </p:cNvPicPr>
+          <p:nvPr>
+            <p:custDataLst>
+              <p:tags r:id="rId1"/>
+            </p:custDataLst>
+          </p:nvPr>
+        </p:nvPicPr>
+        <p:blipFill>
+          <a:blip r:embed="rId3">
+            <a:extLst>
+              <a:ext uri="{28A0092B-C50C-407E-A947-70E740481C1C}">
+                <a14:useLocalDpi xmlns:a14="http://schemas.microsoft.com/office/drawing/2010/main" val="0"/>
+              </a:ext>
+            </a:extLst>
+          </a:blip>
+          <a:stretch>
+            <a:fillRect/>
+          </a:stretch>
+        </p:blipFill>
+        <p:spPr>
+          <a:xfrm>
+            <a:off x="2229608" y="3329500"/>
+            <a:ext cx="8616533" cy="2982400"/>
+          </a:xfrm>
+          <a:prstGeom prst="rect">
+            <a:avLst/>
+          </a:prstGeom>
+        </p:spPr>
+      </p:pic>
     </p:spTree>
     <p:extLst>
       <p:ext uri="{BB962C8B-B14F-4D97-AF65-F5344CB8AC3E}">
@@ -6102,6 +6739,25 @@
 <file path=ppt/tags/tag1.xml><?xml version="1.0" encoding="utf-8"?>
 <p:tagLst xmlns:a="http://schemas.openxmlformats.org/drawingml/2006/main" xmlns:r="http://schemas.openxmlformats.org/officeDocument/2006/relationships" xmlns:p="http://schemas.openxmlformats.org/presentationml/2006/main">
   <p:tag name="OUTPUTDPI" val="1200"/>
+  <p:tag name="ORIGINALHEIGHT" val="1048.369"/>
+  <p:tag name="ORIGINALWIDTH" val="3028.871"/>
+  <p:tag name="LATEXADDIN" val="\documentclass{article}&#10;\usepackage{amsmath}&#10;\pagestyle{empty}&#10;\begin{document}&#10;&#10;$$ \begin{aligned} S(\omega) &amp;= \frac{1}{N} \left\| \sum_{j=1}^{N} x(t_j) e^{-i \omega t_j} \right\|^2 \\ &amp;= \frac{1}{N} \left( \left( \sum_{j=1}^{N} x_j \cos(\omega t_j) \right)^2 + \left( \sum_{j=1}^{N} x_j \sin(\omega t_j) \right)^2 \right) \end{aligned} $$&#10;&#10;&#10;&#10;\end{document}"/>
+  <p:tag name="IGUANATEXSIZE" val="28"/>
+  <p:tag name="IGUANATEXCURSOR" val="342"/>
+  <p:tag name="TRANSPARENCY" val="True"/>
+  <p:tag name="FILENAME" val=""/>
+  <p:tag name="LATEXENGINEID" val="0"/>
+  <p:tag name="TEMPFOLDER" val="C:\Users\Alex\Documents\University\PHYS 581\temp\"/>
+  <p:tag name="LATEXFORMHEIGHT" val="312"/>
+  <p:tag name="LATEXFORMWIDTH" val="384"/>
+  <p:tag name="LATEXFORMWRAP" val="True"/>
+  <p:tag name="BITMAPVECTOR" val="0"/>
+</p:tagLst>
+</file>
+
+<file path=ppt/tags/tag2.xml><?xml version="1.0" encoding="utf-8"?>
+<p:tagLst xmlns:a="http://schemas.openxmlformats.org/drawingml/2006/main" xmlns:r="http://schemas.openxmlformats.org/officeDocument/2006/relationships" xmlns:p="http://schemas.openxmlformats.org/presentationml/2006/main">
+  <p:tag name="OUTPUTDPI" val="1200"/>
   <p:tag name="ORIGINALHEIGHT" val="112.4859"/>
   <p:tag name="ORIGINALWIDTH" val="407.949"/>
   <p:tag name="LATEXADDIN" val="\documentclass{article}&#10;\usepackage{amsmath}&#10;\pagestyle{empty}&#10;\begin{document}&#10;&#10;$\phi \approx \mathbf{A} x$&#10;&#10;&#10;\end{document}"/>
@@ -6118,7 +6774,7 @@
 </p:tagLst>
 </file>
 
-<file path=ppt/tags/tag2.xml><?xml version="1.0" encoding="utf-8"?>
+<file path=ppt/tags/tag3.xml><?xml version="1.0" encoding="utf-8"?>
 <p:tagLst xmlns:a="http://schemas.openxmlformats.org/drawingml/2006/main" xmlns:r="http://schemas.openxmlformats.org/officeDocument/2006/relationships" xmlns:p="http://schemas.openxmlformats.org/presentationml/2006/main">
   <p:tag name="OUTPUTDPI" val="1200"/>
   <p:tag name="ORIGINALHEIGHT" val="672.6659"/>
@@ -6137,7 +6793,7 @@
 </p:tagLst>
 </file>
 
-<file path=ppt/tags/tag3.xml><?xml version="1.0" encoding="utf-8"?>
+<file path=ppt/tags/tag4.xml><?xml version="1.0" encoding="utf-8"?>
 <p:tagLst xmlns:a="http://schemas.openxmlformats.org/drawingml/2006/main" xmlns:r="http://schemas.openxmlformats.org/officeDocument/2006/relationships" xmlns:p="http://schemas.openxmlformats.org/presentationml/2006/main">
   <p:tag name="OUTPUTDPI" val="1200"/>
   <p:tag name="ORIGINALHEIGHT" val="672.6659"/>
@@ -6156,7 +6812,7 @@
 </p:tagLst>
 </file>
 
-<file path=ppt/tags/tag4.xml><?xml version="1.0" encoding="utf-8"?>
+<file path=ppt/tags/tag5.xml><?xml version="1.0" encoding="utf-8"?>
 <p:tagLst xmlns:a="http://schemas.openxmlformats.org/drawingml/2006/main" xmlns:r="http://schemas.openxmlformats.org/officeDocument/2006/relationships" xmlns:p="http://schemas.openxmlformats.org/presentationml/2006/main">
   <p:tag name="OUTPUTDPI" val="1200"/>
   <p:tag name="ORIGINALHEIGHT" val="110.9861"/>
@@ -6175,7 +6831,7 @@
 </p:tagLst>
 </file>
 
-<file path=ppt/tags/tag5.xml><?xml version="1.0" encoding="utf-8"?>
+<file path=ppt/tags/tag6.xml><?xml version="1.0" encoding="utf-8"?>
 <p:tagLst xmlns:a="http://schemas.openxmlformats.org/drawingml/2006/main" xmlns:r="http://schemas.openxmlformats.org/officeDocument/2006/relationships" xmlns:p="http://schemas.openxmlformats.org/presentationml/2006/main">
   <p:tag name="OUTPUTDPI" val="1200"/>
   <p:tag name="ORIGINALHEIGHT" val="167.2291"/>
@@ -6194,7 +6850,7 @@
 </p:tagLst>
 </file>
 
-<file path=ppt/tags/tag6.xml><?xml version="1.0" encoding="utf-8"?>
+<file path=ppt/tags/tag7.xml><?xml version="1.0" encoding="utf-8"?>
 <p:tagLst xmlns:a="http://schemas.openxmlformats.org/drawingml/2006/main" xmlns:r="http://schemas.openxmlformats.org/officeDocument/2006/relationships" xmlns:p="http://schemas.openxmlformats.org/presentationml/2006/main">
   <p:tag name="OUTPUTDPI" val="1200"/>
   <p:tag name="ORIGINALHEIGHT" val="373.4533"/>
@@ -6213,7 +6869,7 @@
 </p:tagLst>
 </file>
 
-<file path=ppt/tags/tag7.xml><?xml version="1.0" encoding="utf-8"?>
+<file path=ppt/tags/tag8.xml><?xml version="1.0" encoding="utf-8"?>
 <p:tagLst xmlns:a="http://schemas.openxmlformats.org/drawingml/2006/main" xmlns:r="http://schemas.openxmlformats.org/officeDocument/2006/relationships" xmlns:p="http://schemas.openxmlformats.org/presentationml/2006/main">
   <p:tag name="OUTPUTDPI" val="1200"/>
   <p:tag name="ORIGINALHEIGHT" val="373.4533"/>
@@ -6232,7 +6888,7 @@
 </p:tagLst>
 </file>
 
-<file path=ppt/tags/tag8.xml><?xml version="1.0" encoding="utf-8"?>
+<file path=ppt/tags/tag9.xml><?xml version="1.0" encoding="utf-8"?>
 <p:tagLst xmlns:a="http://schemas.openxmlformats.org/drawingml/2006/main" xmlns:r="http://schemas.openxmlformats.org/officeDocument/2006/relationships" xmlns:p="http://schemas.openxmlformats.org/presentationml/2006/main">
   <p:tag name="OUTPUTDPI" val="1200"/>
   <p:tag name="ORIGINALHEIGHT" val="362.2047"/>

--- a/Presentation2/The Lomb-Scargle Algorithm-v2.pptx
+++ b/Presentation2/The Lomb-Scargle Algorithm-v2.pptx
@@ -126,10 +126,6 @@
     </p:ext>
   </p:extLst>
 </p:presentation>
-</file>
-
-<file path=ppt/revisionInfo.xml><?xml version="1.0" encoding="utf-8"?>
-<p1510:revInfo xmlns:a="http://schemas.openxmlformats.org/drawingml/2006/main" xmlns:r="http://schemas.openxmlformats.org/officeDocument/2006/relationships" xmlns:p1510="http://schemas.microsoft.com/office/powerpoint/2015/10/main"/>
 </file>
 
 <file path=ppt/slideLayouts/slideLayout1.xml><?xml version="1.0" encoding="utf-8"?>
@@ -4050,43 +4046,58 @@
             <p:ph type="title"/>
           </p:nvPr>
         </p:nvSpPr>
-        <p:spPr/>
+        <p:spPr>
+          <a:xfrm>
+            <a:off x="945560" y="1153745"/>
+            <a:ext cx="5309190" cy="1325563"/>
+          </a:xfrm>
+        </p:spPr>
         <p:txBody>
           <a:bodyPr/>
           <a:lstStyle/>
           <a:p>
             <a:r>
               <a:rPr lang="en-CA" dirty="0"/>
-              <a:t>Example - Mathematical</a:t>
-            </a:r>
-          </a:p>
-        </p:txBody>
-      </p:sp>
-      <p:sp>
-        <p:nvSpPr>
-          <p:cNvPr id="3" name="Content Placeholder 2">
-            <a:extLst>
-              <a:ext uri="{FF2B5EF4-FFF2-40B4-BE49-F238E27FC236}">
-                <a16:creationId xmlns:a16="http://schemas.microsoft.com/office/drawing/2014/main" id="{AED49C2C-971C-4494-AD21-DA2DD0EE5CE6}"/>
-              </a:ext>
-            </a:extLst>
-          </p:cNvPr>
-          <p:cNvSpPr>
-            <a:spLocks noGrp="1"/>
-          </p:cNvSpPr>
+              <a:t>Example: Mathematical</a:t>
+            </a:r>
+          </a:p>
+        </p:txBody>
+      </p:sp>
+      <p:pic>
+        <p:nvPicPr>
+          <p:cNvPr id="6" name="Content Placeholder 5" descr="A screenshot of a social media post&#10;&#10;Description generated with very high confidence">
+            <a:extLst>
+              <a:ext uri="{FF2B5EF4-FFF2-40B4-BE49-F238E27FC236}">
+                <a16:creationId xmlns:a16="http://schemas.microsoft.com/office/drawing/2014/main" id="{68092439-D3A3-482C-A44E-1EADE9A0E9E6}"/>
+              </a:ext>
+            </a:extLst>
+          </p:cNvPr>
+          <p:cNvPicPr>
+            <a:picLocks noGrp="1" noChangeAspect="1"/>
+          </p:cNvPicPr>
           <p:nvPr>
             <p:ph idx="1"/>
           </p:nvPr>
-        </p:nvSpPr>
-        <p:spPr/>
-        <p:txBody>
-          <a:bodyPr/>
-          <a:lstStyle/>
-          <a:p>
-            <a:endParaRPr lang="en-CA"/>
-          </a:p>
-        </p:txBody>
-      </p:sp>
+        </p:nvPicPr>
+        <p:blipFill>
+          <a:blip r:embed="rId2">
+            <a:extLst>
+              <a:ext uri="{28A0092B-C50C-407E-A947-70E740481C1C}">
+                <a14:useLocalDpi xmlns:a14="http://schemas.microsoft.com/office/drawing/2010/main" val="0"/>
+              </a:ext>
+            </a:extLst>
+          </a:blip>
+          <a:stretch>
+            <a:fillRect/>
+          </a:stretch>
+        </p:blipFill>
+        <p:spPr>
+          <a:xfrm>
+            <a:off x="5966415" y="2595269"/>
+            <a:ext cx="6044610" cy="3981994"/>
+          </a:xfrm>
+        </p:spPr>
+      </p:pic>
       <p:sp>
         <p:nvSpPr>
           <p:cNvPr id="4" name="Circle: Hollow 3">
@@ -4137,6 +4148,93 @@
           </a:p>
         </p:txBody>
       </p:sp>
+      <p:sp>
+        <p:nvSpPr>
+          <p:cNvPr id="7" name="TextBox 6">
+            <a:extLst>
+              <a:ext uri="{FF2B5EF4-FFF2-40B4-BE49-F238E27FC236}">
+                <a16:creationId xmlns:a16="http://schemas.microsoft.com/office/drawing/2014/main" id="{6121562B-B593-4D2B-BA4A-D56B20A44A27}"/>
+              </a:ext>
+            </a:extLst>
+          </p:cNvPr>
+          <p:cNvSpPr txBox="1"/>
+          <p:nvPr/>
+        </p:nvSpPr>
+        <p:spPr>
+          <a:xfrm>
+            <a:off x="6254750" y="830580"/>
+            <a:ext cx="4836160" cy="646331"/>
+          </a:xfrm>
+          <a:prstGeom prst="rect">
+            <a:avLst/>
+          </a:prstGeom>
+          <a:noFill/>
+        </p:spPr>
+        <p:txBody>
+          <a:bodyPr wrap="square" rtlCol="0">
+            <a:spAutoFit/>
+          </a:bodyPr>
+          <a:lstStyle/>
+          <a:p>
+            <a:r>
+              <a:rPr lang="en-CA" dirty="0"/>
+              <a:t>Simple example signal $$\</a:t>
+            </a:r>
+            <a:r>
+              <a:rPr lang="en-CA" dirty="0" err="1"/>
+              <a:t>frac</a:t>
+            </a:r>
+            <a:r>
+              <a:rPr lang="en-CA" dirty="0"/>
+              <a:t>{1}{2} \sin(2 \pi 10 t) + \</a:t>
+            </a:r>
+            <a:r>
+              <a:rPr lang="en-CA" dirty="0" err="1"/>
+              <a:t>frac</a:t>
+            </a:r>
+            <a:r>
+              <a:rPr lang="en-CA" dirty="0"/>
+              <a:t>{4}{5} \sin(2 \pi 25 t)$$</a:t>
+            </a:r>
+          </a:p>
+        </p:txBody>
+      </p:sp>
+      <p:pic>
+        <p:nvPicPr>
+          <p:cNvPr id="9" name="Picture 8" descr="A screenshot of a cell phone&#10;&#10;Description generated with very high confidence">
+            <a:extLst>
+              <a:ext uri="{FF2B5EF4-FFF2-40B4-BE49-F238E27FC236}">
+                <a16:creationId xmlns:a16="http://schemas.microsoft.com/office/drawing/2014/main" id="{3373E935-A910-4C2C-B667-8B8177D50AB9}"/>
+              </a:ext>
+            </a:extLst>
+          </p:cNvPr>
+          <p:cNvPicPr>
+            <a:picLocks noChangeAspect="1"/>
+          </p:cNvPicPr>
+          <p:nvPr/>
+        </p:nvPicPr>
+        <p:blipFill>
+          <a:blip r:embed="rId3">
+            <a:extLst>
+              <a:ext uri="{28A0092B-C50C-407E-A947-70E740481C1C}">
+                <a14:useLocalDpi xmlns:a14="http://schemas.microsoft.com/office/drawing/2010/main" val="0"/>
+              </a:ext>
+            </a:extLst>
+          </a:blip>
+          <a:stretch>
+            <a:fillRect/>
+          </a:stretch>
+        </p:blipFill>
+        <p:spPr>
+          <a:xfrm>
+            <a:off x="711200" y="3047464"/>
+            <a:ext cx="4701457" cy="3369378"/>
+          </a:xfrm>
+          <a:prstGeom prst="rect">
+            <a:avLst/>
+          </a:prstGeom>
+        </p:spPr>
+      </p:pic>
     </p:spTree>
     <p:extLst>
       <p:ext uri="{BB962C8B-B14F-4D97-AF65-F5344CB8AC3E}">
@@ -5510,7 +5608,7 @@
           <a:p>
             <a:r>
               <a:rPr lang="en-CA" dirty="0"/>
-              <a:t>The classical periodogram is the square of the DFT</a:t>
+              <a:t>The classical periodogram is the square of the Fourier transform, and can be computed with the DFT</a:t>
             </a:r>
           </a:p>
         </p:txBody>
@@ -5597,7 +5695,7 @@
         </p:blipFill>
         <p:spPr>
           <a:xfrm>
-            <a:off x="2229608" y="3329500"/>
+            <a:off x="2210558" y="3434442"/>
             <a:ext cx="8616533" cy="2982400"/>
           </a:xfrm>
           <a:prstGeom prst="rect">

--- a/Presentation2/The Lomb-Scargle Algorithm-v2.pptx
+++ b/Presentation2/The Lomb-Scargle Algorithm-v2.pptx
@@ -20,8 +20,7 @@
     <p:sldId id="261" r:id="rId14"/>
     <p:sldId id="268" r:id="rId15"/>
     <p:sldId id="271" r:id="rId16"/>
-    <p:sldId id="266" r:id="rId17"/>
-    <p:sldId id="270" r:id="rId18"/>
+    <p:sldId id="270" r:id="rId17"/>
   </p:sldIdLst>
   <p:sldSz cx="12192000" cy="6858000"/>
   <p:notesSz cx="6858000" cy="9144000"/>
@@ -128,6 +127,10 @@
 </p:presentation>
 </file>
 
+<file path=ppt/revisionInfo.xml><?xml version="1.0" encoding="utf-8"?>
+<p1510:revInfo xmlns:a="http://schemas.openxmlformats.org/drawingml/2006/main" xmlns:r="http://schemas.openxmlformats.org/officeDocument/2006/relationships" xmlns:p1510="http://schemas.microsoft.com/office/powerpoint/2015/10/main"/>
+</file>
+
 <file path=ppt/slideLayouts/slideLayout1.xml><?xml version="1.0" encoding="utf-8"?>
 <p:sldLayout xmlns:a="http://schemas.openxmlformats.org/drawingml/2006/main" xmlns:r="http://schemas.openxmlformats.org/officeDocument/2006/relationships" xmlns:p="http://schemas.openxmlformats.org/presentationml/2006/main" type="title" preserve="1">
   <p:cSld name="Title Slide">
@@ -277,7 +280,7 @@
           <a:p>
             <a:fld id="{9EB1C19C-B5D7-48B6-AE04-3DE84387D732}" type="datetimeFigureOut">
               <a:rPr lang="en-CA" smtClean="0"/>
-              <a:t>2018-02-28</a:t>
+              <a:t>2018-03-01</a:t>
             </a:fld>
             <a:endParaRPr lang="en-CA"/>
           </a:p>
@@ -477,7 +480,7 @@
           <a:p>
             <a:fld id="{9EB1C19C-B5D7-48B6-AE04-3DE84387D732}" type="datetimeFigureOut">
               <a:rPr lang="en-CA" smtClean="0"/>
-              <a:t>2018-02-28</a:t>
+              <a:t>2018-03-01</a:t>
             </a:fld>
             <a:endParaRPr lang="en-CA"/>
           </a:p>
@@ -687,7 +690,7 @@
           <a:p>
             <a:fld id="{9EB1C19C-B5D7-48B6-AE04-3DE84387D732}" type="datetimeFigureOut">
               <a:rPr lang="en-CA" smtClean="0"/>
-              <a:t>2018-02-28</a:t>
+              <a:t>2018-03-01</a:t>
             </a:fld>
             <a:endParaRPr lang="en-CA"/>
           </a:p>
@@ -887,7 +890,7 @@
           <a:p>
             <a:fld id="{9EB1C19C-B5D7-48B6-AE04-3DE84387D732}" type="datetimeFigureOut">
               <a:rPr lang="en-CA" smtClean="0"/>
-              <a:t>2018-02-28</a:t>
+              <a:t>2018-03-01</a:t>
             </a:fld>
             <a:endParaRPr lang="en-CA"/>
           </a:p>
@@ -1163,7 +1166,7 @@
           <a:p>
             <a:fld id="{9EB1C19C-B5D7-48B6-AE04-3DE84387D732}" type="datetimeFigureOut">
               <a:rPr lang="en-CA" smtClean="0"/>
-              <a:t>2018-02-28</a:t>
+              <a:t>2018-03-01</a:t>
             </a:fld>
             <a:endParaRPr lang="en-CA"/>
           </a:p>
@@ -1431,7 +1434,7 @@
           <a:p>
             <a:fld id="{9EB1C19C-B5D7-48B6-AE04-3DE84387D732}" type="datetimeFigureOut">
               <a:rPr lang="en-CA" smtClean="0"/>
-              <a:t>2018-02-28</a:t>
+              <a:t>2018-03-01</a:t>
             </a:fld>
             <a:endParaRPr lang="en-CA"/>
           </a:p>
@@ -1846,7 +1849,7 @@
           <a:p>
             <a:fld id="{9EB1C19C-B5D7-48B6-AE04-3DE84387D732}" type="datetimeFigureOut">
               <a:rPr lang="en-CA" smtClean="0"/>
-              <a:t>2018-02-28</a:t>
+              <a:t>2018-03-01</a:t>
             </a:fld>
             <a:endParaRPr lang="en-CA"/>
           </a:p>
@@ -1988,7 +1991,7 @@
           <a:p>
             <a:fld id="{9EB1C19C-B5D7-48B6-AE04-3DE84387D732}" type="datetimeFigureOut">
               <a:rPr lang="en-CA" smtClean="0"/>
-              <a:t>2018-02-28</a:t>
+              <a:t>2018-03-01</a:t>
             </a:fld>
             <a:endParaRPr lang="en-CA"/>
           </a:p>
@@ -2101,7 +2104,7 @@
           <a:p>
             <a:fld id="{9EB1C19C-B5D7-48B6-AE04-3DE84387D732}" type="datetimeFigureOut">
               <a:rPr lang="en-CA" smtClean="0"/>
-              <a:t>2018-02-28</a:t>
+              <a:t>2018-03-01</a:t>
             </a:fld>
             <a:endParaRPr lang="en-CA"/>
           </a:p>
@@ -2414,7 +2417,7 @@
           <a:p>
             <a:fld id="{9EB1C19C-B5D7-48B6-AE04-3DE84387D732}" type="datetimeFigureOut">
               <a:rPr lang="en-CA" smtClean="0"/>
-              <a:t>2018-02-28</a:t>
+              <a:t>2018-03-01</a:t>
             </a:fld>
             <a:endParaRPr lang="en-CA"/>
           </a:p>
@@ -2703,7 +2706,7 @@
           <a:p>
             <a:fld id="{9EB1C19C-B5D7-48B6-AE04-3DE84387D732}" type="datetimeFigureOut">
               <a:rPr lang="en-CA" smtClean="0"/>
-              <a:t>2018-02-28</a:t>
+              <a:t>2018-03-01</a:t>
             </a:fld>
             <a:endParaRPr lang="en-CA"/>
           </a:p>
@@ -2946,7 +2949,7 @@
           <a:p>
             <a:fld id="{9EB1C19C-B5D7-48B6-AE04-3DE84387D732}" type="datetimeFigureOut">
               <a:rPr lang="en-CA" smtClean="0"/>
-              <a:t>2018-02-28</a:t>
+              <a:t>2018-03-01</a:t>
             </a:fld>
             <a:endParaRPr lang="en-CA"/>
           </a:p>
@@ -3805,201 +3808,6 @@
           </a:p>
         </p:txBody>
       </p:sp>
-      <p:pic>
-        <p:nvPicPr>
-          <p:cNvPr id="5" name="Picture 4">
-            <a:extLst>
-              <a:ext uri="{FF2B5EF4-FFF2-40B4-BE49-F238E27FC236}">
-                <a16:creationId xmlns:a16="http://schemas.microsoft.com/office/drawing/2014/main" id="{845B7997-5B91-4234-ADAE-75708BDD6664}"/>
-              </a:ext>
-            </a:extLst>
-          </p:cNvPr>
-          <p:cNvPicPr>
-            <a:picLocks noChangeAspect="1"/>
-          </p:cNvPicPr>
-          <p:nvPr/>
-        </p:nvPicPr>
-        <p:blipFill>
-          <a:blip r:embed="rId2">
-            <a:extLst>
-              <a:ext uri="{28A0092B-C50C-407E-A947-70E740481C1C}">
-                <a14:useLocalDpi xmlns:a14="http://schemas.microsoft.com/office/drawing/2010/main" val="0"/>
-              </a:ext>
-            </a:extLst>
-          </a:blip>
-          <a:stretch>
-            <a:fillRect/>
-          </a:stretch>
-        </p:blipFill>
-        <p:spPr>
-          <a:xfrm>
-            <a:off x="902855" y="4466165"/>
-            <a:ext cx="6301509" cy="1323847"/>
-          </a:xfrm>
-          <a:prstGeom prst="rect">
-            <a:avLst/>
-          </a:prstGeom>
-        </p:spPr>
-      </p:pic>
-      <p:sp>
-        <p:nvSpPr>
-          <p:cNvPr id="6" name="TextBox 5">
-            <a:extLst>
-              <a:ext uri="{FF2B5EF4-FFF2-40B4-BE49-F238E27FC236}">
-                <a16:creationId xmlns:a16="http://schemas.microsoft.com/office/drawing/2014/main" id="{A14AFEE4-D7B9-480B-88FC-7724FBFF9206}"/>
-              </a:ext>
-            </a:extLst>
-          </p:cNvPr>
-          <p:cNvSpPr txBox="1"/>
-          <p:nvPr/>
-        </p:nvSpPr>
-        <p:spPr>
-          <a:xfrm>
-            <a:off x="8528716" y="4666423"/>
-            <a:ext cx="1500732" cy="923330"/>
-          </a:xfrm>
-          <a:prstGeom prst="rect">
-            <a:avLst/>
-          </a:prstGeom>
-          <a:noFill/>
-        </p:spPr>
-        <p:txBody>
-          <a:bodyPr wrap="none" rtlCol="0">
-            <a:spAutoFit/>
-          </a:bodyPr>
-          <a:lstStyle/>
-          <a:p>
-            <a:r>
-              <a:rPr lang="en-CA" dirty="0"/>
-              <a:t>FFT</a:t>
-            </a:r>
-          </a:p>
-          <a:p>
-            <a:r>
-              <a:rPr lang="en-CA" dirty="0"/>
-              <a:t>Our algorithm</a:t>
-            </a:r>
-          </a:p>
-          <a:p>
-            <a:r>
-              <a:rPr lang="en-CA" dirty="0" err="1"/>
-              <a:t>astropy</a:t>
-            </a:r>
-            <a:endParaRPr lang="en-CA" dirty="0"/>
-          </a:p>
-        </p:txBody>
-      </p:sp>
-      <p:cxnSp>
-        <p:nvCxnSpPr>
-          <p:cNvPr id="8" name="Straight Connector 7">
-            <a:extLst>
-              <a:ext uri="{FF2B5EF4-FFF2-40B4-BE49-F238E27FC236}">
-                <a16:creationId xmlns:a16="http://schemas.microsoft.com/office/drawing/2014/main" id="{49FC06AB-E0E7-411A-9280-21130D751374}"/>
-              </a:ext>
-            </a:extLst>
-          </p:cNvPr>
-          <p:cNvCxnSpPr/>
-          <p:nvPr/>
-        </p:nvCxnSpPr>
-        <p:spPr>
-          <a:xfrm flipH="1">
-            <a:off x="7080308" y="4874004"/>
-            <a:ext cx="1448408" cy="444616"/>
-          </a:xfrm>
-          <a:prstGeom prst="line">
-            <a:avLst/>
-          </a:prstGeom>
-        </p:spPr>
-        <p:style>
-          <a:lnRef idx="1">
-            <a:schemeClr val="dk1"/>
-          </a:lnRef>
-          <a:fillRef idx="0">
-            <a:schemeClr val="dk1"/>
-          </a:fillRef>
-          <a:effectRef idx="0">
-            <a:schemeClr val="dk1"/>
-          </a:effectRef>
-          <a:fontRef idx="minor">
-            <a:schemeClr val="tx1"/>
-          </a:fontRef>
-        </p:style>
-      </p:cxnSp>
-      <p:cxnSp>
-        <p:nvCxnSpPr>
-          <p:cNvPr id="10" name="Straight Connector 9">
-            <a:extLst>
-              <a:ext uri="{FF2B5EF4-FFF2-40B4-BE49-F238E27FC236}">
-                <a16:creationId xmlns:a16="http://schemas.microsoft.com/office/drawing/2014/main" id="{DDACECF9-67CE-4A25-A19D-13656C25A2CD}"/>
-              </a:ext>
-            </a:extLst>
-          </p:cNvPr>
-          <p:cNvCxnSpPr>
-            <a:cxnSpLocks/>
-            <a:stCxn id="6" idx="1"/>
-          </p:cNvCxnSpPr>
-          <p:nvPr/>
-        </p:nvCxnSpPr>
-        <p:spPr>
-          <a:xfrm flipH="1">
-            <a:off x="7080308" y="5128088"/>
-            <a:ext cx="1448408" cy="354369"/>
-          </a:xfrm>
-          <a:prstGeom prst="line">
-            <a:avLst/>
-          </a:prstGeom>
-        </p:spPr>
-        <p:style>
-          <a:lnRef idx="1">
-            <a:schemeClr val="dk1"/>
-          </a:lnRef>
-          <a:fillRef idx="0">
-            <a:schemeClr val="dk1"/>
-          </a:fillRef>
-          <a:effectRef idx="0">
-            <a:schemeClr val="dk1"/>
-          </a:effectRef>
-          <a:fontRef idx="minor">
-            <a:schemeClr val="tx1"/>
-          </a:fontRef>
-        </p:style>
-      </p:cxnSp>
-      <p:cxnSp>
-        <p:nvCxnSpPr>
-          <p:cNvPr id="12" name="Straight Connector 11">
-            <a:extLst>
-              <a:ext uri="{FF2B5EF4-FFF2-40B4-BE49-F238E27FC236}">
-                <a16:creationId xmlns:a16="http://schemas.microsoft.com/office/drawing/2014/main" id="{AF4B48C1-B770-49CC-B712-85B0E04DF545}"/>
-              </a:ext>
-            </a:extLst>
-          </p:cNvPr>
-          <p:cNvCxnSpPr/>
-          <p:nvPr/>
-        </p:nvCxnSpPr>
-        <p:spPr>
-          <a:xfrm flipH="1">
-            <a:off x="7080308" y="5433069"/>
-            <a:ext cx="1448408" cy="213224"/>
-          </a:xfrm>
-          <a:prstGeom prst="line">
-            <a:avLst/>
-          </a:prstGeom>
-        </p:spPr>
-        <p:style>
-          <a:lnRef idx="1">
-            <a:schemeClr val="dk1"/>
-          </a:lnRef>
-          <a:fillRef idx="0">
-            <a:schemeClr val="dk1"/>
-          </a:fillRef>
-          <a:effectRef idx="0">
-            <a:schemeClr val="dk1"/>
-          </a:effectRef>
-          <a:fontRef idx="minor">
-            <a:schemeClr val="tx1"/>
-          </a:fontRef>
-        </p:style>
-      </p:cxnSp>
     </p:spTree>
     <p:extLst>
       <p:ext uri="{BB962C8B-B14F-4D97-AF65-F5344CB8AC3E}">
@@ -4080,7 +3888,7 @@
           </p:nvPr>
         </p:nvPicPr>
         <p:blipFill>
-          <a:blip r:embed="rId2">
+          <a:blip r:embed="rId3">
             <a:extLst>
               <a:ext uri="{28A0092B-C50C-407E-A947-70E740481C1C}">
                 <a14:useLocalDpi xmlns:a14="http://schemas.microsoft.com/office/drawing/2010/main" val="0"/>
@@ -4163,7 +3971,7 @@
         <p:spPr>
           <a:xfrm>
             <a:off x="6254750" y="830580"/>
-            <a:ext cx="4836160" cy="646331"/>
+            <a:ext cx="4836160" cy="369332"/>
           </a:xfrm>
           <a:prstGeom prst="rect">
             <a:avLst/>
@@ -4178,23 +3986,7 @@
           <a:p>
             <a:r>
               <a:rPr lang="en-CA" dirty="0"/>
-              <a:t>Simple example signal $$\</a:t>
-            </a:r>
-            <a:r>
-              <a:rPr lang="en-CA" dirty="0" err="1"/>
-              <a:t>frac</a:t>
-            </a:r>
-            <a:r>
-              <a:rPr lang="en-CA" dirty="0"/>
-              <a:t>{1}{2} \sin(2 \pi 10 t) + \</a:t>
-            </a:r>
-            <a:r>
-              <a:rPr lang="en-CA" dirty="0" err="1"/>
-              <a:t>frac</a:t>
-            </a:r>
-            <a:r>
-              <a:rPr lang="en-CA" dirty="0"/>
-              <a:t>{4}{5} \sin(2 \pi 25 t)$$</a:t>
+              <a:t>Simple example signal</a:t>
             </a:r>
           </a:p>
         </p:txBody>
@@ -4214,7 +4006,7 @@
           <p:nvPr/>
         </p:nvPicPr>
         <p:blipFill>
-          <a:blip r:embed="rId3">
+          <a:blip r:embed="rId4">
             <a:extLst>
               <a:ext uri="{28A0092B-C50C-407E-A947-70E740481C1C}">
                 <a14:useLocalDpi xmlns:a14="http://schemas.microsoft.com/office/drawing/2010/main" val="0"/>
@@ -4229,6 +4021,46 @@
           <a:xfrm>
             <a:off x="711200" y="3047464"/>
             <a:ext cx="4701457" cy="3369378"/>
+          </a:xfrm>
+          <a:prstGeom prst="rect">
+            <a:avLst/>
+          </a:prstGeom>
+        </p:spPr>
+      </p:pic>
+      <p:pic>
+        <p:nvPicPr>
+          <p:cNvPr id="5" name="Picture 4">
+            <a:extLst>
+              <a:ext uri="{FF2B5EF4-FFF2-40B4-BE49-F238E27FC236}">
+                <a16:creationId xmlns:a16="http://schemas.microsoft.com/office/drawing/2014/main" id="{E0D07F90-12DC-42F5-BD89-17331E2DFB88}"/>
+              </a:ext>
+            </a:extLst>
+          </p:cNvPr>
+          <p:cNvPicPr>
+            <a:picLocks noChangeAspect="1"/>
+          </p:cNvPicPr>
+          <p:nvPr>
+            <p:custDataLst>
+              <p:tags r:id="rId1"/>
+            </p:custDataLst>
+          </p:nvPr>
+        </p:nvPicPr>
+        <p:blipFill>
+          <a:blip r:embed="rId5">
+            <a:extLst>
+              <a:ext uri="{28A0092B-C50C-407E-A947-70E740481C1C}">
+                <a14:useLocalDpi xmlns:a14="http://schemas.microsoft.com/office/drawing/2010/main" val="0"/>
+              </a:ext>
+            </a:extLst>
+          </a:blip>
+          <a:stretch>
+            <a:fillRect/>
+          </a:stretch>
+        </p:blipFill>
+        <p:spPr>
+          <a:xfrm>
+            <a:off x="6373769" y="1315873"/>
+            <a:ext cx="2678400" cy="471771"/>
           </a:xfrm>
           <a:prstGeom prst="rect">
             <a:avLst/>
@@ -4740,6 +4572,42 @@
           </a:p>
         </p:txBody>
       </p:sp>
+      <p:pic>
+        <p:nvPicPr>
+          <p:cNvPr id="5" name="Picture 4">
+            <a:extLst>
+              <a:ext uri="{FF2B5EF4-FFF2-40B4-BE49-F238E27FC236}">
+                <a16:creationId xmlns:a16="http://schemas.microsoft.com/office/drawing/2014/main" id="{AA32F246-50EC-4764-A120-006288CC2B4F}"/>
+              </a:ext>
+            </a:extLst>
+          </p:cNvPr>
+          <p:cNvPicPr>
+            <a:picLocks noChangeAspect="1"/>
+          </p:cNvPicPr>
+          <p:nvPr/>
+        </p:nvPicPr>
+        <p:blipFill>
+          <a:blip r:embed="rId3">
+            <a:extLst>
+              <a:ext uri="{28A0092B-C50C-407E-A947-70E740481C1C}">
+                <a14:useLocalDpi xmlns:a14="http://schemas.microsoft.com/office/drawing/2010/main" val="0"/>
+              </a:ext>
+            </a:extLst>
+          </a:blip>
+          <a:stretch>
+            <a:fillRect/>
+          </a:stretch>
+        </p:blipFill>
+        <p:spPr>
+          <a:xfrm>
+            <a:off x="2594725" y="5357738"/>
+            <a:ext cx="7390476" cy="1130159"/>
+          </a:xfrm>
+          <a:prstGeom prst="rect">
+            <a:avLst/>
+          </a:prstGeom>
+        </p:spPr>
+      </p:pic>
     </p:spTree>
     <p:extLst>
       <p:ext uri="{BB962C8B-B14F-4D97-AF65-F5344CB8AC3E}">
@@ -4880,221 +4748,6 @@
 </file>
 
 <file path=ppt/slides/slide16.xml><?xml version="1.0" encoding="utf-8"?>
-<p:sld xmlns:a="http://schemas.openxmlformats.org/drawingml/2006/main" xmlns:r="http://schemas.openxmlformats.org/officeDocument/2006/relationships" xmlns:p="http://schemas.openxmlformats.org/presentationml/2006/main">
-  <p:cSld>
-    <p:spTree>
-      <p:nvGrpSpPr>
-        <p:cNvPr id="1" name=""/>
-        <p:cNvGrpSpPr/>
-        <p:nvPr/>
-      </p:nvGrpSpPr>
-      <p:grpSpPr>
-        <a:xfrm>
-          <a:off x="0" y="0"/>
-          <a:ext cx="0" cy="0"/>
-          <a:chOff x="0" y="0"/>
-          <a:chExt cx="0" cy="0"/>
-        </a:xfrm>
-      </p:grpSpPr>
-      <p:sp>
-        <p:nvSpPr>
-          <p:cNvPr id="2" name="Title 1">
-            <a:extLst>
-              <a:ext uri="{FF2B5EF4-FFF2-40B4-BE49-F238E27FC236}">
-                <a16:creationId xmlns:a16="http://schemas.microsoft.com/office/drawing/2014/main" id="{079DCC7C-AF2F-4297-AC5B-CA1A1D2814FF}"/>
-              </a:ext>
-            </a:extLst>
-          </p:cNvPr>
-          <p:cNvSpPr>
-            <a:spLocks noGrp="1"/>
-          </p:cNvSpPr>
-          <p:nvPr>
-            <p:ph type="title"/>
-          </p:nvPr>
-        </p:nvSpPr>
-        <p:spPr>
-          <a:xfrm>
-            <a:off x="838200" y="365125"/>
-            <a:ext cx="10515600" cy="1325563"/>
-          </a:xfrm>
-        </p:spPr>
-        <p:txBody>
-          <a:bodyPr/>
-          <a:lstStyle/>
-          <a:p>
-            <a:r>
-              <a:rPr lang="en-CA" dirty="0"/>
-              <a:t>Comparison - Summary</a:t>
-            </a:r>
-          </a:p>
-        </p:txBody>
-      </p:sp>
-      <p:sp>
-        <p:nvSpPr>
-          <p:cNvPr id="3" name="Content Placeholder 2">
-            <a:extLst>
-              <a:ext uri="{FF2B5EF4-FFF2-40B4-BE49-F238E27FC236}">
-                <a16:creationId xmlns:a16="http://schemas.microsoft.com/office/drawing/2014/main" id="{3BEC23C5-5292-485A-839B-B1D87C787CA2}"/>
-              </a:ext>
-            </a:extLst>
-          </p:cNvPr>
-          <p:cNvSpPr>
-            <a:spLocks noGrp="1"/>
-          </p:cNvSpPr>
-          <p:nvPr>
-            <p:ph idx="1"/>
-          </p:nvPr>
-        </p:nvSpPr>
-        <p:spPr/>
-        <p:txBody>
-          <a:bodyPr/>
-          <a:lstStyle/>
-          <a:p>
-            <a:r>
-              <a:rPr lang="en-CA" dirty="0"/>
-              <a:t>Between…</a:t>
-            </a:r>
-          </a:p>
-        </p:txBody>
-      </p:sp>
-      <p:sp>
-        <p:nvSpPr>
-          <p:cNvPr id="4" name="AutoShape 2" descr="data:image/png;base64,iVBORw0KGgoAAAANSUhEUgAAAf4AAAFyCAYAAAAUHbiGAAAABHNCSVQICAgIfAhkiAAAAAlwSFlzAAALEgAACxIB0t1+/AAAIABJREFUeJzs3Xd4FMUbwPHvpZBOSKMKJKEMHSIgHQEFG01BigWVKlItYBcs2BUQ5UcRpApItVJEQKTXEOrQIZSEJEB6u7v9/XEHBgxwQBrk/TyPj7myM+/OHffu7M7OmAzDQAghhBCFg1N+ByCEEEKIvCOJXwghhChEJPELIYQQhYgkfiGEEKIQkcQvhBBCFCKS+IUQQohCxCW/AxB3H6WUMzAE6I7tO1YE+BV4T2udkZ+xZaWUmgzM0Vqvyqf62wCTgSjgfq11WpbXrECg1vp8LtR7HOiitd7iwHsbAh8DAdg6CpHAa1rrfTkdVzZ133Qb2PftCa31jhyo/3mgk9a63e2WdRsx1Ad6aq37O/o+pVQ94HWt9ZN5EqS440jiF7nhf4Av0EprnaiU8gRmA98DPfI1siy01n3yOYRuwCSt9ag8rtcATDd6k1LKDfgNeFBrHW5/7mlgqVIqWGtdECcBKYgx3Y7qwD038z6t9TZAkr64Jkn8IkcppUKAp4CSWuskAK11ilLqRaCR/T2+wHdAbWw/1EuBt7TWFqVUGvA10BYoCgzD9iNWEzgDtLOXZwU+Bx4EvOzbL1ZKeWE78KgE+AOJwFNa64NKqTVAHFDF/p7OwDhgCfAt0ATIAI4CL2itk5VSHYH3AGcgAXhFa71VKTUSCAZKAuWBGKCr1vrsVe3hat+fVoAF2Ay8DPQHOgCpSilfrfVwB9s32/K01kn23u5s4DFsPfQR9n2qC2QC7bPE96JS6jvAHfhKa/1DNtV5YjuA87n0hNZ6tlIqHttvR6ZSqifwij2WWOA5bJ/TaKCBfVsT0FtrvUEpNQ3b5xKK7SzQV8A0++M4IBrYrbV+/6r97mVvMyf7+wZqrfUN2uq2vktXleULjAVqAK7AX8Cwm/zOVgXGYPtsnIFvtNY/KKVaAKOAI/by3YABwGHgA6CoUmoK0Nu+/RXtCpy86n0zgXFa65oO/Fv7BGgNlAbGaq3HKqVKAjPscQL8rrV+73ptLe4sco1f5LR7gb2Xkv4lWutorfUS+8NvgBitdU2gHrYfpdfsrxUBzmitawHjsZ0lGAJUw5aE2mcpNklrXQ/oAkxVSgUCDwPntdaNtNYK2AoMtL/fsL9WXWv9rf2xATTGdqq9lr28o0BNpdSlA4QntNa1sR0A/KyUupQImwKdtdZVgQtAv2za4x1sBwe17PvpBHyhtf4C+AX42tGkf73ysuyfm9a6DvAqMAkYY38cCTxvf58JSLbva2vgU6VUtasr0lpfAIYDy5RSR5RSM5RSLwB/aa0zlVK1gU+Bh+zt8wvwNnAftgO/hlrr6tiSyBtZinbXWtfQWr+J7cBrt9a6GrZk2Yireu1KqfuxnSlqprW+176/ixxoq9v9LmU1Gthmf8+9QBC2Ax6H6lFKuQALgDfsZbQAXlNKNbCXcR/wpX3/pgAjtdangHeBf7TWvYCG2bVrNu/L6kb/1mK01k2xHQR/aj/L0wc4orWuCzQDKmX5zou7gCR+kdMs3Ph79TC2Hjb2a/4TgEeyvL7Q/v+j2JLCWftp5WPYeouXXCpjN7AbaK61XgjMUEoNUkqNxfYD65Vlm3+yiScCsCilNiulPgAWaq03YetVr9RaH7fXsxo4h60HbQCrsxzg7Lwqtqz7OkFrbbHvw7ir9vWGp9xvsrysbRdlbxuw9Sb97H8bwET7Pp0FlgMPZFeZ1no0UBwYDJwFXgd2KqWK2rdZprU+bX/vWK11f3vbvauU6q+U+gLoxL+fgQGsy1LFI9gOUNBaR2FLjlmZsJ3BqAhsUErtBD4D/JRSxa7bUv9tj5v6LnHlAUhboJ+9/m1AfWy9c0frqYztrMZUexlrsJ1tqWPf7oTWOsL+d9bv0uXvh9Z6I9du12t9j270b+3nLHW6YTvLsxTopJT6HdvB7Bta68RrlC/uQHKqX+S0rUBVpZR31l6/UqoMtmTTGduBQdYfKmeu/C6mZ/k78zp1WbL87QSYlVL9sfVYxmE77R2H7ZT8JVeciQDQWsfbe6+NsSWzeUqpb+x1X/2D6oTtVC9AWpbnr3XdPLt9dc3mfY66UXmOtp31qjIzlVLv828v+BdgBdDYfnbid+B3pdRb2BJj66vLt/cWy2O7zDIG+BLbZZQDwDNZ3pqc5W8zVx4oZo0ra3wztdZv2OsxAWW11hevs3+X3PJ3KZsYOl+6vGA/6Mh6YHCjepyAi1rrsEtP2E+pX8TWk0/N8t5sv0tKqce4frtm50b/1lIBtNaGUgrApLXeZr9k9yC2g98tSqmO9gMPcRcokD1+pdQDSqlJSqlZSqla+R2PcJy99zcbW8/GB8DeOxwPxGrbyPXl2K5hXkoWfYE/b6G6HvYy7gUUsBZoA0yzX7M+iC2ROWfZ5uofVJP9B/UvYKP92vIMbKfSVwFt7D+CKKVaYRtAtSm7cq4R43Js19NdlFJO2PZ7xQ22uV6Z1yvvRmWZsvz9PIBSqhy2H/iVWusRWusw+38jsI1beFsp1TxLOWWw9TIjgNXAg/YEBrZr8F/Yy/tVaz0R2A48zr+fwdX79DvQyx5LANCRKxOqYd+/7lnq6ePgPt+MrN+lKsDfV8W6HHhFKWVSShUBFgMv3UT5GkizD45EKVUW2AWEXXcr2wHIpQO767Vr1vdldbP/1kxKqU+Bd7XWPwNDgb3YDubEXaJAJn7AQ2vdF9uRbZv8DkbctJeAffx7anYTsAfbQCSwnTYurpTajS2B7Mc2uAn++6N/vVHaDZRS24GpQDd7D/BLbKdktwHzsPWMKl5VJlc9Xortx22PUmortuvMI7XW++37ssge68fYBmolZhPbtWL9CNvteuH2Nrl0q6Mj+3dcKZWY5b9Hb1De1a4VnwG4KaV2YEu8A7XWh6/eWGt9EFsi/lApdUwptReYC/TRWh/SWu/BNpBtmVIqHNu/1X7YTiffb//s/8CWaILtPfWr9/lloIpSKgLbaf4TQErW+LXWK7Cd3v9TKbULWy/38eu02432PztZv0tdtdbxV20zmH8PeCKwfZ8/d7QerXUmtsGcve37sBxbct2YZbvsYt+ArX0Wco12zeZ9V8ftyL+1rLGPBurYt9mK7fLFnKv3Sdy5TAV1WV776OxxwHCtdWx+xyMKFvtI7JJa63P5HYu4dfZLMzu11pvsPdK12OZ7WJ6HMch3SRQqeX6N3z6K9VOtdUv7qcrx2E6rpmO75eeIfUTt59h+ACTpi+wUzCNWcbP2AeOUbdKnIsBPeZn07eS7JAqVPO3xK6WGYztNl6S1bqyUegJoq7XuaT8geFNr3VEpNR0IBM4DS+wjtYUQQghxm/K6x38YeALbBBNguw96GYDWerOyTTWJ1vq5PI5LCCGEKBTydHCf1noRV94m44NtNrRLLPbT/0IIIYTIBfl9H38CWaYDBZy01tndx3tNhmEYJtPNzoEihBBC3NFuOfHld+JfD7QD5ivbKmARN3j/f5hMJmJiZFKp3BYU5CPtnMukjXOftHHukzbOG0FBtz6Lcn4l/ksjChcDrZVS6+2PX8ineIQQQohCIc8Tv33e88b2vw1ss30JIYQQIg/IQDohhBCiEJHEL4QQQhQikviFEEKIQkQSvxBCCFGISOIXQgghChFJ/Pno0KGDTJv2fY6U1b79Q7e1/aBB/UhIiM+RWG7GlCkTWbJElmIQQoi8kt8T+BRqlSpVplKlyjlSVk5MXpgfSzTLrItCCJG37vrE/9Oqw2w9kLPLbNevUpwurSpe8/WTJ0/wySfv4+zsgmEYjBjxEUFBxRk9+nP279+H2ZxJr1798PT04uefF/H++x/z3HPdKVu2LNHRUVSsWJnhw9/mpZd6M3z424SEhLJx43o2bFhHp05dWLjwJ1599fVs6z548ABjxnyJk5MTRYq48frrb2O1WnnvvTcpUaIkUVFneeCBNhw7doSDBzWNGjWhX78BAHzzzVfExMTg7u7OW2+NtMf+JoZhYBgWhgwZTqVKlZk27XvWrVuLxWKmY8fOdOjwBBMmfIvW+4mPj6dixUq89dYIpkyZyJ49EaSlpfLGG++xevVK1q5dQ7FifqSnp9G794tXxD5hwrdERIRjtVrp2vUpWrZ8MOc+NCGEEEAhSPz5Ydu2LVSrVpP+/QcRERFOUlIS+/fvIz4+nsmTp5OYmMi8ebOpW7f+5W2ios7w9dfjCAgI5J13Xmft2jW0a9eRpUt/46WXBvP777/w3HM9CQ4OuWbSB/jss1G8+eZ7VKxYiXXr/mbcuNEMHDiUs2fPMHbseNLS0njyyfYsWbIMNzc3OndudznxP/zwY9Sv35DFixcwc+YP1KtXH1/fYrzzzvvEx0cTHX2BgwcPsHnzRiZPno7FYmHixO9ITk6iaNGijB79HVarlR49uhIbG4PJZCIkJJTBg1/l0KGDbN68gSlTZpKRkcFzz3W7Iu6NG9dz9uwZxo//nvT0dF588QXq12+It7d37nxIQghRSN31ib9Lq4rX7Z3nhrZtOzB79nRefXUw3t5e9Os3gMjIE9SoUQsAHx8fevd+kR07tl3eJjg4lICAQABq1apNZOQJOnfuRq9ez9C9+7PExsZQqZK6Yd1xcbFUrFjJXk4YEyZ8C0Dp0mXw9PTC2dkFf/8AfHxs8zxnPdMeFlYPgOrVa7Bx4zoGDhxKZGQkb775Kp6e7nTr9hyRkSepVq06JpMJFxcXBgwYgtls5sKFC4wc+TYeHp6kpKRgNtsWYSxXrjwAJ04co2pV23Zubm4oVfWKuI8dO4LWBxg0qB8AFouFqKizl/dFCCFEzpDBfbngn3/+pnbtMMaOHU+LFg8wa9Z0goNDOHBgLwBJSUm89trgK65vnzp1kqSkJAB2746gQoWKuLu7ExZWj7Fjv+Shhx51qO7AwCCOHDkMQHj4DsqWtSVeR66l79kTYd9uJxUqVGLnzu0EBATy9dff8uKLLzJp0neUKxeM1gcwDAOz2cwrrwxi06b1nDsXxciRo+jb9yUyMtKzjBew1RsaWoH9+/dhGAYZGRkcOqSvqLtcuWDuvbcu48ZNZPTo72jZ8kFKly7j0D4LIYRw3F3f488PVapUZdSokbi6umKxWBgy5FUqVVJs27aFl17qjcVioWfPvsC/CblIETc++ug9zp8/T61adWjUqCkA7dt35KWXejNs2JsAHD9+7BrX+G3lvP7624we/TmGYeDi4sIbb7yLYRhXJf7s/16xYilTpkzEx6co77wzErPZzIgRb7FkyQKcnODZZ3tSqVJlGjRoTP/+vbBarTz+eGeqVavB9OlTGDz4Rfz9A6hWrQaxsTFX7F9oaEUaNWpC377PU6xYMVxcXHBxcbn8nqZNm7Nz53YGDOhDamoKzZu3xNPTMyc+DiGEEFmY8mMkdw4z7oYlIHv06MqMGfP+8/yBA/tYuPAn3n57ZN4HlcXtLrV54cIF1qz5i8cf70xGRgY9enTlm28mULx4iRyM8s4my5nmPmnj3CdtnDeCgnxu+ZYo6fEXENmdil+4cB6///4LH374WT5ElLOKFSvG/v17+eOPXwAT7dp1lKQvhBD5QHr8wiFyFJ/7pI1zn7Rx7pM2zhu30+OXwX1CCCFEISKJXwghhChEJPELIYQQhYgkfiGEEKIQkcSfz6Kjo1i//h+H3z9q1EgefrglmZmZl5/T+gDNmtVn587t7NixjREj3nKorD/++PXyzH634uzZMwwf/vItb5/TbmbfhRCisJLEn8+2b9/K7t27bmqbwMAgNm1af/nxihVLKVPmHkwm002tdne3rYx3t+2PEELkhrv+Pv5Fh39j57ndOVpmWPGaPFGx7TVfT05O4rPPRpGUlEhsbAxPPPEkHTt2ZtGi+Sxb9jtOTk5UqVKNwYNfYdasaWRkZFCjRi3mzp2Fv38AiYkJfP75GD755APOnj2NxWKla9eneeCB1phMJh58sA0rVy6nWbMWWK1WDh3SVKlS7brL6s6bN5syZcrStGnzbF+fM2cWq1atwNnZhdq1w+jffxBTpkzkzJlTXLwYT0pKIu3bd2LNmr+IjDzJ22+/T0BAANHRUbz22mASEhJo2rQ5PXr0vGYMH3/8PqdPnyI9PZ0nn+zGQw89yvr1/zBt2mQMAypXVgwb9hZr1vzF4sULMJvNmEwmPv74C44cOcz//jeOIkWK0L7943h7+zBlykS8vb3x8fGhQoVKhIXVvVzXqlUr+emnH3FycqJWrTq8+OJABz5ZIURBkpSRjJerpxzU57C7PvHnh9OnT/HAA224//6WxMbGMHBgPzp27MzSpb/y6qtvUqVKVZYsWYBhGDz77AucPHmCpk2bM2/ebFq3fohmzVqwcOE8/Pz8ee+9D0lJSaFnz2eoV8+2ml/VqtVZs2YVaWlp7N69i3vvrcexY0evG1PXrk9f87UjRw6zevVKJkz4AWdnZ95+exgbNqyzL6jjzldffcjixXPYuHE9n302mj/++JW//lpOly5PkZaWyqhRX+Dq6sqAAb1p3LhZtgvrpKQks2vXTiZNmgbAli2bMJvNjBnzBZMnz6BYsWL8+ONMzp2L5tSpSL74Ygxubu588cXHbN68iaCgIDIzMy+vCti9+xNMnDgNPz8/Pvjg3SvqSkhIYOrUSUyZMhM3Nzc+/PA9tm7dTP36DW7ykxRC5Jd/Tm9krl7Mc9W6cV/Je/M7nLvKXZ/4n6jY9rq989zg5+fPTz/NYe3aVXh6emOx2Faqe/PNEcydO4szZ05To0Yt+zr3xhU99XLlggE4ceI49erZEpWnpychISGcPn3q8vuaNbuftWvXsH37Fp57rhcTJ353y/GePHmc6tVr4uzsDEDt2mEcO3YEgMqVqwBQtGhRQkJCAfD29iEjIwOwHYS4ubkBUKVKdSIjT2Sb+D09vRg8+FU++2wUycnJPPTQIyQkxOPj40OxYsUAeOqpZwEoVsyPjz4aiYeHBydP/ruq4aWV/i5evICXlxd+fn4A1KpVh/Pn4y7Xdfp0JBcvXuC11wYDkJKSwpkzp2+5fYQQeWtbdDjz9BJ8XL2p4BuS3+HcdeQafy6YO3c2NWrU5N13P6RlywcuJ/Zff13Ca6+9ybffTuLgQc2ePRE4OTlhtVovb3vplFb58iHs2rUTsPWWjxw5TKlS/65W17r1Qyxb9jvnz8fd9ip25csHs2/fHiwWC4ZhEB6+8/KqfpdcfYByyeHDh8jIyMBsNrN3724qVMh+CeS4uFi03s/HH3/B55+PZvz4byha1JfExCQSEhIAGDv2K8LDdzB16iQ++OATXn/9Hdzc3C7Xe6lt/Pz8SUlJ4eLFiwDs3XvlpZxSpcpQvHgJxowZz7hxE3n88c6XDx6EEAXb3jjN9H1zcXN2Y0CdXgR4+OV3SHedu77Hnx+aNGnGmDFfsHbtGkJCQvH09CQzM5MKFSowYEBvPD29CAoqTvXqNfHy8mLGjKkoVeWK61gdOjzBZ599xEsv9SY9PZ2ePfte7uGaTCbKlQsmPv4i7dp1uLyNyWTCMAy2bt1M7949Lj8/YsRHbNjwT7bX+E0mE6GhFWnV6kH69++FYVipVSuM5s1bcPjwwcsxZR04aPuf7W9vb2/eeONVEhMTePjhRy+fsbhaQEAg58/H0b9/T5ycnHnqqWdxcXHh1VdfZ/jwoTg5OVG5chXq1LmXmjVr06/fC/j5+VG2bHni4mIpVar05fqdnJx4+eXhDBs2GC8vbwzDoGzZcpfjLFasGN26Pc3AgX2wWKyUKlWa1q0fuvUPVAiRJ47GH2fy7hk4m5zoX/sFyvrI0ty5QebqFw4paPNvz5w5jW7dnsbV1ZUPP3yX++5rxEMPPZrfYd2WgtbGdyNp49x3q218Oukso3dMIN2STt+aPajhX4WUA/vxqFARJ/vlRPEvWZ1PFBjr1q1l3rzZ/3n+ySe707x5ixyrx9PTk379nsfNzZ3SpUvzwANtcqxsIUTeikmJ49vw70k1p/JctW7U8K9C9A9TSNi4nhLP98K3abP8DvGuIj1+4RDpKeU+aePcJ22c+262jePTE/h6+3hi087zZKUO3F+mEVE/fE/ixg24h4RS5uXXcPb0zMWI70zS4xdCCHHHSclM4dvw74lNO8+jwQ/akv7UySRu2oh7aChlhkrSzw2S+IUQQuS5dEsG43f9wJnkKO6/pzGPlGtF1JRJJG7ehHtoBVtP38Mjv8O8K0niF0IIkafMVjOTd8/gWMIJ6pcIo1PoY0RP/Z7ELZtwr1CRMkNflaSfiyTxCyGEyDNWw8qMffPYf/4gNQKq8EzlTpyb+j2JWzbjXqEi97z8Kk7ukvRzU4GewEcp1UopNTm/48htP/+8CLPZnGvlt2+fc/ewjxo1kgMH9v/n+Y0b1zNkyEsMGdKffv1eYMWKZTlWZ1adO7e7YmVCIcSdwzAM5h1cwvZzu6jgG0zPqt05N8We9CtWkqSfRwpsj18pVQGoA7jndyy5bdasaTzySO5NK5yT61tca7GML7/8hBkz5uLl5U1KSgrPP9+d++5reHk63tyuXwhR8P12dDnrTm+ijHcp+lXvQdzUqSRt24pHpcqUGfKyJP08UmATv9b6CPC1Umrm7ZQTM38uidu25lBUNj716hP0ZLdrvp6ensaHH44gLi6W4sVLsGvXTpYsWcrOnduZNu17rFYrqampjBjxEbt27SAuLo6RI99m+PC3ee+9NzAMg4yMDF577U28vb0ZNco2b31cXCyNGzejZ8++PPVUJyZPnoGPjw+LFy8gNTWFKlWqERERzvPP977hPpw9e4ZPPvng8nTBQ4cOo2LFSnTt2pGaNWsTGXmSunXrk5ycxL59e6lcuSLDhtkWw5k16wcSExMxDIPXX3+HMmXuwdvbh59+mkOLFg8QHBzC7NkLcHV15cKFC4waNYLk5CQMA955532KFCnCV199SkZGBnFxsfTp059mzVrw7LNdKFeuPC4urrzyynBGjnybzMxMypUrz44d25g7d/Hl+KOjo/jii49JT0/Hzc2N4cPfpnjxErf5yQohcsuqk2tZdmIVQR4BDKj5AvE/TCNp+zY8KivKDH4ZJ/e7vo9XYORL4ldKNQA+1Vq3VEo5AeOBWkA60Nue9O9YP/+8mDJl7uGjjz7j5MnjPPtsVwCOHz/Gu+9+SGBgIDNn/sDq1Svp0aMn06dP5f33P2br1s34+hbjnXfe5/jxY6SlpeLt7U10dBQzZ/6Eq6srL73Um+bNW9C69cOsXLmcxx/vzIoVS/n44y/x8/Pj3nvrORTjd9+NoUuXp2jatDmHDh3k008/5PvvZxAVdZZx4ybi7x/Ao48+wOTJ03n55WC6detIUlISAPfd14j27R9n48b1jB8/llGjvmD06G+ZN+9HRo58m4sXz9OhQyd69uzL9OlTaNasBR06PMGePRHs27cXf39/unV7hrCwuuzZE8GUKRNp1qwFaWlpPP98HypVqsw333zF/fe3pGPHzmzdupmtW7dcjt0wDL77biydO3ejYcPGbNu2hQkTvuW99z7M+Q9TCHHbNp3dxsLDv+FbpCgDa/YkedqsGyb9lDQzf22PpEnNUvgXlYOCnJTniV8pNRx4BkiyP9URKKK1bmw/IPjK/lyOCHqy23V757nh5MnjNGjQCLCttnfpdHdgYCBjxnyBp6cnMTHnqFWrzhXbNWrUhFOnInnzzVdxcXGhR49emEwmqlWrgbv9H0a1ajWIjDzJY491YOTIt6hdOwx/f//L8/g76sSJ49SpY1vqslKlypw7Fw2Ar2+xyz1nDw93ypcPBsDHx4eMjHSAy9tVr16T8ePHkpiYSFTUWfr3H0T//oOIjY3h7beHo1RVIiNP0q6d7eOsUaMWNWrU4ujRI8yYMZXffvsZk8mExWK5HNelFfhOnDjBo4+2B7C305UTTR09epiZM39g9uzpGIaBq6vrTe2/ECJv7IrZy+wDC/By8WRAjefJmD6XpJ3b8VBVbEk/m+l4MzItfLNgFwdPxRPo60GjGiXzIfK7V34M7jsMPMGlVV6gKbAMQGu9Gbiiy6q1fjZPo8sBISEV2LPHtmLc6dOnLq8i9/nnH/P22yN5660RBAYGXT7NbjKZsFot7Ny5nYCAQL7++lt69OjJpEm2pXaPHDmE2WzGYrGwf/9eQkMrUrJkSby9vZkxYypt2978cVL58iGEh+8A4NAhTUBAgD2WG297aTW8Xbt2ULFiZTIzMxgx4i0uXDgPgL9/AP7+ARQp4kpwcDD79+8BIDx8BxMmfMuUKRN4+OHHePfdDwgLq3vF6oROTravZGhoBfbs2XVFfVfGH0z//oMYN24ir7wynAceaH3TbSCEyF0HLxxh6t7ZuDi58GL1HjB7kS3pV6l6zaRvtlj535I9HDwVT/0qxWlQTS7h5bQ87/FrrRcppYKzPOUDJGR5bFFKOWmtrdyh2rbtwMcfj2TgwL6UKFGSIkVsX+42bR5hwIDeBAYGUa5cMHFxsQDUrh3GsGFD+eijzxgx4i2WLFmAxWLhhRf62Es0MXz4yyQkxPPgg20ICQkFoF27xxk79ktGjPgIgB07tmV7jT8+Pv6K1fq6d3+GgQOH8tlnHzF37izMZjNvvPHe5br+9e/fWQfVbd++laVLf8PFxYU333wPf/8Ahgx5jeHDh+Ls7ILFYqFJk2bUr9+QSpWq8Mkn77N8+VKcnJx444132bt3N999N4b58+dSvXoNEhOzfvw2zzzzHB9++B6rVq0kMDAIFxeXK2IZMGAoX375KRkZ6aSnpzN06LCb+oyEELnrZMIpJkZMwzAM+lZ7Grc5v5IcvtOW9AcNzTbpWw2DH/7Yz64jcVQP8adPu2o4OcmA3pyWL3P12xP/HK11I6XUV8AmrfV8+2uRWuuyN1FcgVtsYOfOnaSkpNCkSROOHz9O3759WbFixS2VderUKT766CMmTJjwn9eWLVvGoUOHGDRo0O2GXOD8/fff+Pv7U7NmTTbA78ZoAAAgAElEQVRs2MCkSZOYNm1afoclhHDA6YQo3lv1FUkZyQyt9zy+P/7Fha3b8K1di6pvv4FzNknfMAwmLdnNb+uOUaW8Hx/2a4y7W4Edf14Q3NFz9a8H2gHzlVINgYibLaCgLbrh6enH559/yejRYzGbzQwZMuyWY7xwIYWMDPN/tp848TvCw7fz2Wdj8mT/83pxEy8vf0aO/ABnZ2esVgtDhw4vcJ9zTpMFZHKftHHuM3lm8sGqsSSmJ/FUhY54/LCMCxG78KxWnaB+AzmfkAFk/Ge7n9cd47d1xygT5MVLHWuQmJCKfFLXFhTkc8vb5meP/0f7gD4T/47qB3hBa33wJoqT1fnygPxg5j5p49wnbZy7EjOS+GbXRM4kRtOhfBuq/76b5IhdeFavQekBg3EqUiTb7VZui+THlYcI9HXnrWfrUsz7v2cExJXuuNX5tNbHgcb2vw2gf37EIYQQImekmtMYv2sKZxKjaV26KdV/iyB5d8QNk/7GvVH8uPIQvl5FeK1bHUn6eaAgnOoXQghxB8u0ZDIpYjonE0/zQNkG1Pv9EMl7duNZoyalBwzCyTX7pB9+OJYpv+3H082FV7vWobifLMGbFwr0XP1CCCEKNovVwtS9P3Lw4hHC/KrSZMVJUvbsxqtmresmfX3yAv9bsgcXZxNDn6zNPcW98zjywkt6/EIIIW6J1bDy44GFRMTupapPCA+tjiV+3168atWmVP+BOF1jYq0TUYl8szACq9VgcOdaVLzHN48jL9wk8RcAP/+8iMcea3/Fveo5qX37h/jll+U5UtaoUSPp1KkrVapUveL5jRvXM3fubMAgLS2NTp260qbNwzlSZ1adO7djzpxF15ypr3PndpQsWeryvANFixZl1KgvbqqOhQvn0alT19uOVYi7mWEYLD78O5uithHiUYb2axNI3b8fv/p1Cej54jWTftT5FL7+KZy0dAv9OlSnZmhAHkcuJPEXALI63+3Xn/X10aO/u60pfGfMmCqJX4gbWH5iNasi/6FMkUA6r08l7cABvGrXocrrw4i7mJbtNucT0vhq7k4SUzLp8ZDivqoyK19+uOsT/4ZVRzh64FyOlhlapTiNW1W45uuyOl/+rs6X3S2qCxfOY+3aNaSmplKsWDE+/vhLzpw5zSefvI+zswuGYTBixEcsXfobCQkJfP31Z7zyyus39b0QorD45/RGfj26jEDnonTfaCZDH8SrThilXxxg7+n/N/EnpmTw1bxw4hLSeaJ5KC3CyuR94AIoBIk/P8jqfPm3Op9hGLzyysDLZwaeeqoHDRs2JiEhgTFjxmMymXjllUHs37+XQ4cOUq1aTfr3H0RERDhJSUk891wvFi36SZK+ENewPTqceXoJviYPemyGzIMH8Qq7l9L9XsJ0jcuVqelmxszfxdm4FNrUL8tjjcrncdQiq7s+8TduVeG6vfPcIKvz5d/qfNc61e/i4sLIkW/h4eFJTEw0FouFtm07MHv2dF59dTDe3l706zfgptpQiMLmwPlDTN83Dy+rKz23OWM5fBjvsLqU6tf/mkk/02zh20W7OXY2kaY1S9G1VcUbXrITuUtu58sFsjpffqzO1+aa8R4+fIh//vmb99//hKFDh2EYBlarlX/++ZvatcMYO3Y8LVo8wKxZ0wHIh8kshSjwIhPPMHn3DFzNVnptccZ6+CjedetdN+lbrFYm/rKP/ScuEFYpkOceUZL0C4C7vsefH2R1vvxcne+/Pyply5bFw8ODAQP64OtbjMqVqxAXF0u1ajUYNWokrq6uWCwWhgx5FYDg4BA+/PA93n33g+w/YCEKmbjUC/xv1xQsaan03eoGx0/Ykn6fF6+Z9A3DYPoyzY6DMVQt78eLHarj7CR9zYIgX+bqz2EFbq7+PXsiSE1NoX79hkRGnmTYsCFXDEy7GWfPnmH06C/4/PPR/3lt9eqVHD16hF69+t1uyDeU13Ocb9y4Hj8/P6pUqcbWrZuZNWs6Y8eOz7P684PMI5/7pI1vXnJmCl9vH8/5i1H03OSE26lzeNerT6ne/bJN+kFBPpw7l8BPqw+zfEskwSV9GNY9DA9ZaS9H3XFz9d/tSpcuw8iRbzN16mTMZvNtDRQzmUzZnn7Pujrf3ah06TJ88smVq/MJIfJWpiWTiRHTuXghiufWm3GLuohPg0aU7Nkbk7PzNbf7Y9MJlm+JpFSAJy93qS1Jv4CRHr9wiPSUcp+0ce6TNnac1bAydc9sDkTu4um1aXjFJlG0aXNK9Hge03VO2W87HMf4BbsIKOrGm8/Uxb+oex5GXXhIj18IIUSOMQyDRYd+4+CJcJ5ak4zXxTR8W7aiePdnrpv0t+yPZuIve/HxdOXVbmGS9AsoSfxCCCGu8FfkWrbpv+m6OhHvhAz82jxM4JNdrzsif8/ROCb/ug/3Ii680qUOJf1lpb2CShK/EEKIy7ZFh7Nq5890WZWAd7IZ/7btCOjwxHWT/uFT8Xy7eDdOTibe7dWAkkXd8jBicbPk3gohhBAAHLxwhF83zebJlfF4J5sJeLwTgR07XTfpnzqXxJj5uzCbDfp3qEHNCoF5GLG4FdLjF0IIwemks8xfO5mOf8bhlWYlqEt3/No8dN1tzl1M5at54aSkm+nTthp1KknSvxNI4hdCiELuQtpF5v41nrYrovFINyj+dA+KtWx13W0uJqXz1dydxCdn0P3BSjSqUTKPohW3SxK/EEIUYimZqcxdMY42y05RJNOgxPM98W3a/LrbJKdl8tW8cGIuptG+STCt65XNo2hFTpDEL4QQhVSm1cz85eNo9sdRXC1QsndffBs2vu426RkWxszfxemYZB649x46NA3Jo2hFTpHEL4QQhZDVsPLLsvHU+3UfzoaJUv36U7Tefdfdxmyx8t3i3Rw5nUDD6iXo3rqSLLpzB5LEL4QQhdDK5VOoumQHJkyU7D+AomH1rvt+wzCYvvQAe46dp1aFAHo+WhUnSfp3JEn8QghRyGxcMYuyi9ZjmEwUHzCQYrXq3nCbX9YfZ/2eKEJK+dC/Qw1cnOVu8DuVfHJCCFGIRPz5E37zV2J1MuE/8CUCHEj66yLO8vO6YwT6ujO4c23cilx7gR5R8EniF0KIQuLQikW4zfuDTBcT3gP6UbJm/Rtus/f4eaYvO4CXuwsvd6mNr1eRPIhU5CZJ/EIIUQicXL4E46dfSCtiwqX/C5Sv2fCG20SeS+K7RbsxmWBQp1qUCvDKg0hFbpPEL4QQd7kzS5eQNn8JKe4mMvp0o2qt69+nD3AhMZ0x83eRlmGhd9tqVC5bLA8iFXlBEr8QQtzFon9dTNLCJSR5OBH3fHvqh11/Gl6A1HQzY+bv4kJiOk+2qMB9VUvkQaQir0jiF0KIu5BhGJxbvID4n38mwdOJY0+3pFXdjjfczmyxMn7JHiLPJdEyrAwPNyiXB9GKvCS38wkhxF3GMAxi5s/j4oplXPR2Zl/n+vRo8PQNJ9sxDIOZyzV77ffqPyUT9NyVJPELIcRdxLBaiZk7m4ur/uJ8UWe2ta9O30Y9cTLd+ATvbxuO80/EWcqX9OHFDtVxdpKTwncjSfxCCHGXMKxWomdOI+GftcQWc2btoxUY2LgfRZxvfAvehj1nWfzPMQKKujO0cy3ci0h6uFsVyE9WKdUY6Gt/OERrHZ+f8QghREFnWCxETf2exM0bifZ3YWXrMgxq1A/vIje+BW//8fP88McBPN1cGNqlNr7ebnkQscgvBfU8Th9siX8K0DWfYxFCiALNMJs5O+l/JG7eSFSgK7+1Lk6vBn0I9Ai44banY5L4dvEe+736NSkTKPfq3+0KauJ31lpnAGeBUvkdjBBCFFTWtDTOjB9H0vZtnC3hxpJWfvS4twflit5zw20vJKYzev4uUtPN9Hy0KqqcXx5ELPJbnp/qV0o1AD7VWrdUSjkB44FaQDrQW2t9BEhRShUBSgNReR2jEELcCTJiznHm22/IOH2KM2U8WdzEi241nqR6QJUbbpuWYWbsgl2cT0in0/2hNKxeMg8iFgVBniZ+pdRw4Bkgyf5UR6CI1rqx/YDgK/tzk4CJ9vj65WWMQghxJ0jZv48zE77DmpzMkeqB/FHTxCMV2tCo9I3n37dYrfxvyV5ORidxf53SPNqwfB5ELAqKvO7xHwaeAGbaHzcFlgForTcrperZ/94BvJDHsQkhRIFnGAYXV64gZv48MJnYfn851pVJo0npBjwS/KBD289cfpDdR+OoGRrAM20qy736hUyeXuPXWi8CzFme8gESsjy22E//CyGEuIo1M4PoH74nZt4cnLy9Wd021J7076ObetyhBP7HphOs3XWGciW85V79Qiq/b+dLwJb8L3HSWltvtpCgIJ8bv0ncNmnn3CdtnPvu1DZOj4vjwNdfkHToEB4VQljc2BNtiaF1hWb0qtvNoQl61uw4xcK/jxJYzIMP+jUmwNcjV2K9U9u4sMjvxL8eaAfMV0o1BCJupZCYmMQcDUr8V1CQj7RzLpM2zn13ahunHjnMmfHjsMTH49HgPmZVS+FU+jmal2lMh3JtiYtNvmEZ+uQFxs4Lx8PNhSGdamLNMOdKW9ypbXynuZ2Dq/xK/Ib9/4uB1kqp9fbHcl1fCCGyiF+3lnOzZmBYLHh3eoIpfgeJSjlHi3ua0LlSe4dO75+JTWbcwt0YBgx8vAZlgrzzIHJRUOV54tdaHwca2/82gP55HYMQQhR0htlMzE9zuLjqL5w8vfDt9TwTUv8mOuUcrco244mKbR1K+vFJ6Yz+aRcp6WZ6t61K1WD/3A9eFGj5fapfCCHEVSyJiZyZ8B2p+gBFytyDd58X+O7UQs6lxPJgufvpWOFRh5J+WoaZMQsiiEtI4/FmITSuIfOhCUn8QghRoKSdPMGZ777BHBeHd1hd3J/pwjf7phGTGkeb8i1pH/qwQ0nfYrUy8ee9nIhKpFmtUrRtHJz7wYs7giR+IYQoIBK3biHqh+8xMjII6PA4PNCUseGTiU07z8PlW9E29CGHkr5hGPz45yF2HYmjeog/zz6k5F59cZkkfiGEyGeG1UrckkWc/+M3TG7ulB4wiPQqIYzdOZG4tAs8Gvwgj4a0djh5L9tyktU7T1O2uDcvdayBi7Pcqy/+JYlfCCHykSUlhajvJ5IcsQvXoOKUHjiERH8PxuyYwIX0izwW0ppHQ1o7XN6W/dHMX30EPx83hj5ZGw83+ZkXV5JvhBBC5JOMqLOc/nYsmVFReFarTqm+/TnvlM5Ye9JvF/owDwe3cri8g5EX+f63fXi4OfPyk7Xx83HLxejFnUoSvxBC5IOkiF1ETZ6ANTUVvzYPE9jpSWLSzzN25yQupsfTocIjtCnf0uHyzsYlM25hBIYBLz1ek3uKy736InuS+IUQIg8ZhsGFZX8Qu2gBJmdnSvbqS9FGjYlOPsfYnZOIz0jg8YqP8WC5+x0uMz45g9E/7SI5zUyvx6pSXe7VF9chiV8IIfKINT2d6OlTSdyyGRc/f0oPGIR7cAhRydGM3TmJhIxEOlVsS6tyzR0uMyXNzDcLdhEbn0aHpiE0qSn36ovrk8QvhBB5IDMuljPfjSP95AncK1aidP8BuPgW42xyNGN3TiQxI4knK3WgRdkmDpeZlJrJ1/PCOR6VSNNapWjfJDj3dkDcNSTxCyFELkvRBzj7v++wJCXi2/x+ij/1LCYXF84kRTF250SSMpPpWrkjze9p7HCZiSkZfDU3nJPnkmhaqxTPP1xF7tUXDpHEL4QQucQwDOLXrOLc3B8BKP50D3xbtMRkMnEq8QzjwieTlJlMN/UEzco0dLjc+OQMvpyzk9OxybQMK8PTbSrjJEn/jhB9JoGoU/HUqFsG53yaX0ESvxBC5ALDbObcjzOJX/s3zj4+lOo/EM/KCoDIxNOM2zmZFHMqT1XpRJPSDRwu90JiOl/O3cnZuBQerHcP3R+oJD39O0DCxVQ2/32Uw/tjMJkgVAXh4+ueL7FI4hdCiByWEXOOqMkTSTt6BLdy5Sk9YDCuAQEAnEw4xbjwyaSa03i6Smcala7vcLnnE9L4fM5Ozl1I5ZEG5ejcooIk/QIuPS2T7RtOsnv7KawWg+KlfGjcqkK+JX2QxC+EEDnGMAwSN23g3OyZWNPS8GnQkBI9XsDJzTaRzomESMaFf0+aOY1nq3ahQam6DpcdczGVL+bsJDY+jbaNg3m8WYgk/QLMYrGyd8cZtq0/TnqaGZ+ibjRoEUrFqsXz/XOTxC+EEDnAkpLMuVkzSNyyGSd3d0r26oNPw8aXf+SPxZ/k2/DvSbek06NaV+4rea/DZUdfSOGLOTs5n5BOx2YhtG8Sklu7IW6TYRgcOxjLpjVHib+QShE3Zxq2DKVm3TK4uDjnd3iAJH4hhLhtKQc1Ud9Pwnw+DvcKFSnZuy9Fgopffv1o/Am+C/+edEsGz1frRr2SYQ6XfTYumc/n7CQ+KYMnW1TgkYblc2MXRA6IPpPAhlVHiDoVj5OTiZp1y1C3SXk8PIvkd2hXkMQvhBC3yDCbifv1Z87/8RsA/u06ENC2PSbnf3t2hy8eY/yuKWRazbxQ/SnqlqjtcPmnYpL4cs5OElIy6fZAJdrUL5vj+yBun23g3jEO7z8HQEjlQBq2CKWYv2c+R5Y9SfxCCHELMqKjOTt5AunHj+ESGEip3v3wqFjpivccunCU8RFTMVvN9Kz+NGHFazpc/snoRL6cG05SaibPtqlMy3vvyeldELcpPS2THRtPErHNNnAvqKRt4F7pcsXyO7TrksQvhBA3wTAMEtav49ycWRjp6fg0akzxp57F2cPjivcdvHCE/+2aisWw0rvGM9QOquFwHcfOJvD1vHBS0sw8/0gVmtcundO7IW6DxWJl784zbFtnG7jnXdSNBveHUqla/g/cc4QkfiGEcJAlKYnomdNI2r4NJw8PSvR5kaIN/jvxzoHzh5gQMQ2rYaVPzWepGVjN4ToOn45n9E/hpGVY6NW2Ko1ryNz7BUW2A/dahFKzXsEZuOcISfxCCOGAlAP7iZoyCfOFC3hUqkzJ3n1xDQj8z/v2xx1k4u5pGIZB35o9qBFY1eE69MkLjFkQQWamlX7tq3Nf1RI5uQviNkSfSWDjqiOcPRWPyQQ17i1DvaYFb+CeIyTxCyHEdRhmM7FLFnFh+VIwmQjo+AT+j7bF5PTf6Vb3xO5n8p6ZAPSt9TzVA5TD9ew7fp5vFkZgsRj071iduqr4jTcSuS7hYiqb1x7j8D7bwL3gSgE0bFEBv4CCOXDPEZL4hRDiGjKiznJ20gTST57ANag4Jfu8iEdoaLbv3R27j+93z8RkMtGv1vNU9a/scD17jsYxbtFuDMNgwBM1qVPxv2cSRN66NHBv97ZTWCwGQSW9adyqYoEfuOcISfxCCHEVwzCIX/s3MfN+xMjIoGjTZhTv9jRO7tlPs7orZg9T9szG2eTEi7VeQPlXdLiu8EOxjF+yG5PJxOBOtagRGpBTuyFugcViZd9O24x7aal33sA9R0jiF0KILCyJiURNn0py+E6cPL0o2bMPPvWuPZ/+jnMR/LD3R1ycXHip1gtU8qvgcF3b9Tkm/LwXZ2cTQzrVomqwf07sgrgFhmFw/FAsG1fbBu65FnGmwf0h1Kp3Dy6ud87APUdI4hdCCLvkvXuImjoZS3w8HlWqUrJnH1z9r52Mt0eHM23fXFydXHipdi8qFnN8Kt3N+6KZ/Os+XF2dGNq5FqqcX07sgrgF0WcS2Lj6CGcjLw3cK03dJsF4et15A/ccccPEr5QKBdoClQArcAj4VWt9IpdjE0KIPGHNzCRu0QIu/LkcnJ0J7NQFv4ceznYA3yVbo3Yyfd9c3JzdGFCnF6G+jk+lu373Wab+sR/3Is683KUOFcv45sRuiJt08XwKm/8+xlEdA0BwxQAatgzFL8ArnyPLXddM/Eqp0sBoIBhYhy3hZwKhwE9KqePAq1rrU7kepRBC5JL006c5O3kCGacicS1RklJ9XsQ9OPi622w+u52Z+3/C3cWdgXV6EVy0nMP1rd11hulLD+Dh5sKr3eoQUqrobe6BuFkpSelsW3+CfeFnMAwoXtqHRi0K/ox7OeV6Pf5PgPe11vuye1EpVRv4FHgmNwITQojcZBgG8av/Imb+PIzMTHzvb0FQl+6Xl9C9lg1ntvLjgQV4uLgzqE4fyhV1fCrd1TtOMXPFQbw9XHmtWx3KlfC53d0QNyEj3Uz45kh2bY3EnGnF19+DBs1DCVWBd83APUdcM/FrrZ+73oZa611I0hdC3IHMCQlET5tCcsQunLy9KdW3P95hN14md93pTczRi/By9WRQnb6U9XF8Kt0/t0Yy569DFPV05bXuYdwT5H07uyBuwuWR+htOkJaSiYeXK41bVaBKrVI4O1/7cs7dypFr/A2ApsC3wK/AvcCLWusFuRybEELkuOTdEURN/R5LYgKe1apTsmdvXIrdeGDd2lMbmHdwCd6uXgwO60sZb8en0l266QTz1xzB17sIw7uHUeouv4ZcUBiGweH959iy9hgJF9NwLeLMfc2CqVX/HlyLFN6x7Y7s+TfAcKATkIot8S8CJPELIe4YlqQkDs//kejlKzC5uBDUpTvFHmx93QF8l6yOXMeCQ7/g4+rN4LC+lPYu6XC9v6w/xpJ/juHn48bw7mGUKKBLtd5tTh2/wKY1R4iJSsLJyUTNumWo2+TOnGI3pzmS+J201n8rpWYDC7XWJ5VSuX5To1KqFdBda90nt+sSQty9DKuV+H/+JnbRAqzJyRQpXYaSvfviXs6xUfirTq5l4eHfKFrEhyFhfSnp5dj8+YZhsPifY/y24TiBvu4M6x5GUDGPG28obktsdCKb1hwl8tgFACpWK859zULw9ZO2v8SRxJ+ilHoNeAAYpJQaAiTmZlBKqQpAHSD7abKEEMIBqYcPce7HWaSfPIGTuzvBLzyHa4NmmFwcO83754k1LDnyB75FijIkrC8lvBybP98wDBasOcLSzScpXsyDYd3DCPCVn7PclHAxlS3/HOPQXtuc+vcE+9GwRShBJWUA5dUc+fY/DfQEntBan1dKlQSeys2gtNZHgK+VUjNzsx4hxN3JHH+R2AXzSdi4HoCijZoQ2OlJSlUqS0yMY/2WZcdX8evRZRRz82VIWD+Kezo2f75hGMxbdZgVWyMp6e/JsO5h+Plc/04BcetSUzLYseEke3aexmoxCCzhTcMWoZQNkVkQr+V69/HfDxj2h38Drkqp5sAybPfy39T9+/ZBgp9qrVsqpZyA8UAtIB3orbU+opT6EKgI9NdaX7zpvRFCFGqG2czFVSuJ+2UJ1rQ03MqWo/hTz+JRqdJNlfPHsT/5/dif+LkVY+i9/Qj0cGz+fMMwmLPyECu3n6JUgCfDu4fh6y1JPzdkZlqI2HqK8M0nyUi34OPrzn3NQ+6qOfVzy/V6/MOwJf5SQGVgFWAGWgARQCtHK1FKDcd261+S/amOQBGtdWP7AcFXQEet9bs3uwNCCAGQvG8vMXNmk3H2DE5eXhR/pge+zVs4NHjvEsMw+P3YCpYe/4sAd3+GhPUlwMOxnqPVMJj950FW7zhNmSAvhnULo+hdOuVrfrJarRyIiGLruuOkJGXg7uFCkwcqUj2sNM4uhe/WvFtxvfv42wIopZYDtbTWx+2PSwGzbrKew8ATwKVT902xnTlAa71ZKVXvGjE8e5P1CCEKmcy4WGJ+mkvS9m1gMuF7f0sCH++Es/fN3SdvGAa/HF3GihOrCfQIYEhYX/zdHZs/32oYzFquWRN+hnuCvHmtex2KyujxHHVpEZ1Nfx/jYlwKLq5O1G1cntr3lcXNvfDemncrHGmtcpeSvl0UUOZmKtFaL1JKBWd5ygdIyPLYopRy0lpbb6bcS4KCZPBGXpB2zn3Sxo6zZmRwevHPnFqwCGtGBj5VFKH9euMdGnrd7bJrY8MwmB2xmBUnVlPKuzjvtRxKgKeDSd9q8O38cNaEnyG0tC8f9GtU6E/v5/T3+OSx86z8bR+njl/A5GSibqPyNG9TGZ+iMmDyVjiS+LcopWYBcwEn4Flg9W3Wm4At+V9yy0kfcHiwjrh1QUE+0s65TNrYMYZhkLwrnJi5P5IZG4Ozry8ln30On4aNSTWZSL1OG2bXxoZhsPDwr6yOXEcJz+IMrN0Ha7ILMck3/iysVoMflu5n/e4oypfwYeiTtchIzSAmNeO29/NOlZPf4/OxyWxec5Tjh+MACKkcSIP7Q/AL8CItPZO0mMwcqedOdDsHV44k/r7AQKAftmv+fwL/u+UabdYD7YD5SqmG2MYMCCHEdWVERXFu7mxS9uwGZ2f82jyMf7sOOHvc2j3ahmEw/9DP/H1qAyW9SjC4Tl983Rz7QbVaDab8vp+Ne6MIKeXDK13r4OXuektxiCtlpJvZuu44u7edwjCg1D2+NGwZSklZxTBH3DDxa63TlVLfA/OBS0MlSwMnb6G+S3cJLAZaK6XW2x+/cAtlCSEKCWtaGnG//WJbNtdiwbNqdYK6P41bacfnyv9PmYaVnw7+zD+nN1LaqySDw/riU8SxcQEWq5Upv+1n075oKpQuystd6uAp15lvm2EYHDsYy7qVh0lOTMfXz4PGrSpQvmKAjNTPQY7M1f8W8AZwnn8TN0DIzVRkHyfQ2P63AfS/me2FEIWPYRgkbtlMzPy5WC5exCUggKAu3fG+t+5tJQKrYWXOgUVsOLuFMt6lGFynL95FHJs/32yxMvnXfWw9cI6KZXx5uUttPNwk6d+uxPg0/llxiBNH4nByNlG3SXnubVQOF5dcnyi20HHk29obqKD1/9m78+io6nzf+++aUpV5LAJkIEzZgUAS5kFFUUBRQQZBbJzH4+lu7T7H7vWs9Tz3nHPPveuevt3afXq023ZotRUHZBIFFWcQmUMGkk0CJCQkIfNc897PHxURbSQVMlSG72stVlJVe+/6ZpPKp367foNa19/FCCHE10HyQr8AACAASURBVFwVFdRu+juOkyoGs5m4FbcRd9PN3S6b2x1N13i1aDNf1RwmJTKJH+c8TLglsPnzvT6Nv+wo5Ihax+TkaH6yTkK/t3w+jbzDlRzeW4bXozE2NYZFN6YTGy9rGvSXQH5jy4Gm/i5ECCEAfB0dNGzfQvMnH4OuEz5jJqPW34nFbu/1sTVN45WiNzlYc5RxkSn8KOdBwnoQ+n/eXsjRk3UoKTE8sS4L2whe4a0v1Jxr4bPdJ2ms68AWZmHRjemkZybKZf1+FshvbSmwV1GUj/HPsgegq6r6n/1XlhBipNE1jda9X1C/ZTO+9jYsiaMZdedGwqdN75Pjd3ocvPTlaxysyWV8VCo/zHmQUHNgnQI9Xo1nthWQW1rPlHGxPL42C2uIXIK+Ui6nh68+Pc2J3GoApmSPYf51E7CFSufIgRBI8J/r+vf15/vyVkwI0accp0/5F9MpO4PBaiPh9vXELlkW8GI63TndUs6Lha/R6GxicswEHs26j1BzYGPAPV4ff9xaQN6pBqamxfLjtVlYLRL6V0LXdUpO1PLlR6U4Oj3E2cNZdGM6Y5Klt/5ACqRX/38oijIKmNe1/Zeqqp7v98qEEMOer7OD+s1v0fL5pwBEzluAfd16zDGBTZ7THU3X+KD8U9498wG6rnN75s0ssl+DyRhYcHu8Pn6/JZ+C041MGx/Hj9ZMJ0RC/4o0N3by+fsnOVfejNlsZP51E8iak4zJJNPsDrRAevXfCLwAHMDf2v+LoigPqqr6Tn8XJ4QYvtqOHqH21VfwtTQTkpTMqI13E5au9Nnxm10tvHziDdSmUmKs0dw3dQML03MCnlzG7fHx+7fzKCxrImtiPD9cPQ2L9DDvMa/Xx7GvKji6vxzNp5M6MY5rlk4mKubK5l4QvRfIdbT/A1ytquoZAEVRJuAfhy/BL4ToMW9LM7Wv/Z32I4cxmM3Er1pD3E0399llfYCC+iJeKXqTdk8H0xOmcNeU9URYAhuuB+Dy+Pjd5jyKypvImZTAY6umYZEFYHqssqyJzz84SUujg/CIEK5aMpkJSoJ03guyQF5p5q9DH0BV1dOKosj/mhCiR3Rdp3XfF9S9+TpaZyehk9NJvOc+QsZc+SQ83+XRvOw4tYuPK77AbDCxbvJtXJu8sEdB43R7+d3mPIrPNjNjsj/0zXI5ukc6O9zs//gUJwvPYzDA9NlJzL1mPCEy9HFQCOR/oUJRlJ8Az+O/1P8g/iF+QggREHdtLedffhFHcRFGm41RG+8h+tqeLZnbndrOOl4ofI2KtnMkhtm5P3MjKZE9e1PhcHn57VvHOVnZwizFzqMrMyX0e0DXdY7sL+fDd07gdnmxj47g2psU7KNl8anBJJDgfxD4PfD/4l+k52P88/cLIcRl6T4fTXs+oGH7VnS3m/CsbEbddQ+WuPg+fZ4D1Ud44+RWXD43C8bMYV36bVhNPVsW1+Hy8pu3jlNa2cKcjFE8vGKqhH4PNNS28/n7J6k514olxMTVSyaROTMJo1EuEA82gfTqP68oyi9UVV2vKEoMMEtV1eoBqE0IMYS5Ks5S89KLuMrOYIqMxH7fA0TOmdenn+86vU7eOLmNgzVHsZms3D/1TmaPntHj43Q6vfzmzVxOVbUyb2oiD906BVMfXo0YzjxuH4f3lZF3qBJN05maPYZZV6cRETmylyYezALp1f8LYBawFAgF/oeiKItUVf33/i5OCDH0aB43je/soPH9XeDzEblgIaPW34kpso/XaG+t5MXC16h11DMuMoX7M3+APaznVxI6nR6efiOXM9VtLMgczYO3TJFWaoDKSuvZ+0EJba0uIqNtXLNsMrPnp8ny0oNcIJf6VwBZAKqqViuKsgTIBST4hRDf0nlS5fzLL+KpqcEcF0/iPfcSPi2rT59D13U+qfiCbad24dN9LE29jlsnLMNs7HnHsXaHP/TLa9q4avpo7l8uoR+I9lYne/eUcuZkPUajgRkLUpm1cBwWmeNgSAjklWICwoCv38JZAa3fKhJCDDk+h4P6zW/S8tknYDAQc8NSElavxWgLbHa8QLW523ml6E0KG4qJtERwz9Q7mBp/ZWP/2x0ennr9GGfPt3NN1hjuXZ6BUYaZXZbPq1Fw9ByH9pbhcfsYnRzNtTemE2cPfKikCL5Agv8vwBFFUXbg79W/HPhDv1YlhBgy2nOPUfvqy3ibmggZO5bEex8gdOKkPn8etbGUl05sosXdRkbsZO6ZuoFo65V9fNDa6eapTblU1rVzbc5Y7r5RkdC/DJ9Xozi/mqP7z9Le6sJqM3PdcoWMrNEyJn8ICqRz328URdkHXAN4gI2qqh7r98qEEIOat7WVuk1/p+3QQTCZiF+5itjlt2C09O1CKz7Nx7tnPuSD8k8wGAysmngzN6Quwmi4ss53rR1ufvX6Mc7VdbB4ZhIbl6ZL6H8Pn0+jOK+Go/vLaW91YTYbyZ6bzIz5qYSG9WzUhBg8Av1QbDIQB/wXsAaQ4BdihNJ1nbb9X1L7xmtoHR3YJkwk8d4HsCYl9flzNTgaebFwE2day4m3xXF/5g8YH516xcdranPyy03HqKrv4IZZyfxgyWRpsV6Cz6eh5tdw5MuLAn9OMjnzUwkLl8Af6gLp1f9/gWRgJvAUcL+iKDmqqv5LfxcnhBhcPPV1nH/lJToLCzBYrdg3bCTm+hv6dCKerx2tzeO14s04vE5mjcrmzow1AS+jeylNbS5+/fxBquo7WDo7hQ03TJLQ/w6fT0MtqOHovnLaWl2YzEay5iQzY14KYREyPG+4CKTFfyP+0D+iqmqToihLgXxAgl+IEULXNJo/+pD6rW+ju92EZU4j8Z77sMQn9PlzuX1uNpe8w76qA4QYLWzMWMeCMbN7FdL1zQ5+uekY9S1ObpqXyrrrJkroX8Tn0zhZcJ4jX5bT1uLEZDIwfXYSM+anEi6BP+wEEvy+79y2XuI+IcQw5TpXyfmXXsB5+jTG8HAS776XyPk9m/8+UFXtNbxQ+CrVHedJihjDA5kbGR0+qlfHrGns5FebjtHU5uIHN2ZwQ84YCf0ulwz8WV2BLxPwDFuBBP9bwOtAnKIoPwXuBjb1a1VCiKDTPB4a39tJ43s7/RPxzJ2PfcMPMEdF9flz6brO3qqveLvkHTyal2uTr2L1xJuxmHrXUbCyrp2nXs+ltcPNusUTuXOZIpPLAJr2TeC3Nn8T+DnzU2XGvREgkF79v1AU5SbgLJAC/Juqqjv7vTIhRFDouk7niULqXn8Nd3UV5tg4Rt11DxHZOf3yfJ2eTl4tfpvcunzCzWHcn7mRbHtmr49bXtPG02/k0u7wsHFpOjfMSu6Daoc2TdM4WVjLkX1ltDY7MZoMTJs5lhkLxkngjyCBdO6zAtWqqj6pKMpG4DpFUY7IfP1CDD+O0hLqt76NQy0GIHrx9SSsWYcp9Mo71V2Ox+fhj8dfoKz1LJNixnPf1DuJtcX0+ril51r4zZvHcbq83L88g2uy+27p36FI0zRKCms58mU5LU0OjCYDmTPHMnN+KhFRfTvJkhj8ArnU/3egWFEUG/AfwMvAS8CyfqxLCDGAnGfLadj6Nh35eQCETcsiYfUabOPS+u05dV1nk7qFstazzEmcwT1T77jisfkXKypv4neb8/B4NR5eOZX5U0f3QbVDk6bplJ44z+F9XYFvNDB1xlhmLZDAH8kCCf7xqqquUxTll8DzXZf+D/V3YUKI/ueqqqJh+xbajxwGIDRdIWH17YROntzvz/1J5V4O1BxhXGQKGzNu75PQzz/dwB+25KPrOv+8ehoz0+19UOnQo2k6pUW1HN5XRktjV+DnjGHmgnFERkvgj3QBzdWvKEoCsApYqyjKGPxz9wshhihPXR0N72yjdf+XoOtY08aTsHotYVMzB6THe3FjCVtKdhIVEskjWff0uhMfwBG1jj9vL8BoNPD42iymTej5Sn1D3deBf2RfGc0S+OJ7BBL8vwIOAO+oqpqvKIqKrMwnxJDkbW6i4d13aPn8M/D5CElKJmHVasJzZg7YELe6zgaeL/g7JoORh6ffQ4w1utfH/Kqwhud2FmExG3ni9iwyxsX2QaVDh6bpnCqu5ci+cpoaOjEaDUzJHsPMBalExfRP/wwxdH1v8CuKYlNV1amq6mvAaxc9NFVVVd/F2/R3kUKI3vG1tdG4+12aP/4I3ePBYh9F/KrVRM6Z1y+z7n0fp9fJX/L/RqfXwV0Z65gQPa7Xx/z8eBUv7SrGZjXz0/XZTErq/RuJoULXdU6r9Rzae4am+k4MBsjIGs2sheMk8MX3ulyL/1VFUXYDr6uqemHgq6qqPkVRovCP51+K/yMAIcQg5HM4aPpgN80fvo/mdGKOjSNuxUqiF16Nwdzz9et7Q9M1Xj7xBtUd57ku+SoWjJ3T62N+dKSSVz88SUSohX+9I4dxo69stb6hRtd1yk81cOjzMupr2/2BP300s66SwBfdu9wrfz3wGHBIUZQWoBLwAuOABOC3wO39XqEQosc0l4vmjz+icfe7aB0dmCKjsK9aQ/S112G0BGeRlV1n9nC8vpD02EmsmXRr74/3VTlvfXqKqPAQntyQQ7I9og+qHNx0XaeyrImDX5yhtsrfHpucOYrZV6UREyddr0Rgvjf4uy7n/0FRlD8C2fhX6PMBp4A8VVX1gSlRCBEozeOh5YvPaHz3HXwtLRjDwohfvZbYG5ZitAWvc1dubT7vle0h3hbHg9M2YjKarvhYuq6zfe8ZduwrIzbSys/unMHoERB6VRXNHPz8DNUVLQBMUBKYc/V44uzhQa5MDDWBzNynA7ld/4QQg5Du89G6/0sa3tmGt6EBg9VK3C0riL3xJkxhwQ2Gc+3VvFT0BiGmEB7NupcIy5XXo+s6b31yit0Hz2KPsfGzDTNIGOaXts9XtXLoizNUnGkCYNzEeOZck4Z9hHysIfrewH7IJ4ToU7qm0X74EPU7tuKpqcFgNhOz9Ebilt/SL3Pq91S7p4O/5L2E2+fmoWl3kxQx5oqPpek6r354kk+OnmNMfBhPbphB7DCeZrb+fDuHvjhDWWkDAMlpscy5Jo3RI6jzougfgy74FUW5AbgD/1wBv1RVNS/IJQkx6Oi6TkfecRq2vY2rogJMJqIXXUfcrSuxxMUFuzwAfJqP5wtepcHZyPK0JcwYNf2Kj6VpOi/uKmJffg3J9gie3JBDVHhw+ir0t6b6Dg7tLeNUcR0Ao5OjmXtNGkkjbIii6D8BBb+iKFcD04C/AXNVVf28H2sKVVX1EUVRcvBPCyzBL8RFOouLqN+yGefpU2AwEDl/AfErVxMyqnfL1/a1raXvcrKplKyETG4ev+SKj+P1aTy38wQHi2pJGx3Jv9yRQ0Ro7yf8GWxamhwc3ltGyYnz6DrYR0cyd9F4UsbHyjLCok8FskjPT/AP2RsLvA08qyjK86qq/qo/ClJVdaeiKOHA48DP++M5hBiKHKdKadi2hc6iEwBEzJhF/KrVWJMG36pz+6sO8UnlXsaEJ3JvL+bg93g1/ry9gGMl9UxKjuYnt2cTZht0Fyp7pa3FyZEvyynOq0bXId4ezpxF40mbFC+BL/pFIK+g+4B5wFeqqtYpijIbOIR/Rr+AKIoyD/iFqqqLFUUxAn8CsgAX8JCqqqcURflfwCTgCeAX+Jf/re/RTyPEMOQsK6Nh+5ZvFtDJnEbC6rXY0sYHubJLO91SzuvqFsLMoTw6/T5s5isbTeDy+PjDlnwKzzQyZVwsj6/Nwhpy5aMBBpuOdhdHvzzLieNVaD6dmPgw5lydxsQMuwS+6FeBBL9PVVWXoihf33biH88fEEVRfg7cBbR33bUKCFFVdWHXG4KngVWqqv6Pru1fwj9PwH8pirJNVdW3A30uIYYTV2UFDdu30X7sCOBfQCd+1RrC0pVu9gyeZlcLf81/GZ+u8cC0jdjDrmy+fIfLy28353GyopmsifH8cPU0LObhEfqOTjfHvqqg4Og5fF6NqBgbs69OY/LURIxGCXzR/wIJ/s8URXkaiFAUZRXwCPBxD56jFFgDvNJ1+2pgN4Cqqge6riBcoKrqvT04thDDjru6ioYd22g7fAh0HduEif7AnzJ1ULcEPT4Pz+a9TKu7jbWTbmVKXPoVHafT6eHXbx7ndFUrsxU7j6zMxGwauGmF+4vL6eH4wUryDlficfsIj7Qy+6pxKNNHYxoGP58YOgIJ/p8BDwPHgXuA94A/B/oEqqpuURQl7aK7IoHWi277FEUxqqqqBXrM77LbZTzrQJDz3L8c1TU0vfEWdZ99DppG+MQJpP5gA7GzBm4BnSul6zp/PPAS5W0VLEqbx/qZN19RzS3tLv73K0c4XdXK4lnJPHHHjD4PxYH+PXY5vRz44jT7Pz2Fy+klPNLKDTdPYeb8VMyW4XEV47vkb8XgFsgEPj5FUV4Ddl1091jg7BU+Zyv+8P9ar0IfoK6urfuNRK/Y7ZFynvuJp6GBxnd30LpvL3rXinnxt60mYsZMfAYD9fXt3R8kyD4++zmflx9gXGQKa8atvKKam9tdPPV6LlX1HVybM5aNSybT2NjRp3UO5O+xx+Oj8Og5jn11FqfDiy3UzILFE8icmYTFYqKpuXNA6hho8rdiYPTmzVUgvfqfwt/ib/zOQ1fas2gfsAJ4S1GU+chwPTFC+ZfI3UnrF5+he72EJo0l+paVRM6eO6Ar5vVWUeNJtpS+S1RIJI9k3YPF1POhdg0tTn71+jFqmxwsmZ3MnTdMHvRXOb6P0+Gh8Og58o6cw9npIcRqYu41aUyfnUyIdXiNSBBDUyC/hauAJFVVe9vs+Hpu/63AUkVR9nXdvr+XxxViSPG2ttK0612aP/24a4lcO/ErVjHh1qXUNw6tVmBtZz0vFLyKyWDk4en3EGPt+axytU2d/GrTMRpaXdyyYBxrFk0YkqHf2uwg71AlRXnVeD0aIVYTMxemkjM3Batt+M07IIauQIL/OGDjm175PaaqahmwsOt7Hf+qf0KMKL72dpo+2E3TRx+iu1yY4+KIu/WbJXINpqH1ea/T6+Qv+S/R6XVwV8Y6JkSP6/Exqhs6+OWmY7S0u1m9aAIrFqb1faH9rK6mjdyDFZwqqkXXITzSytxrkpmSPUZa+GJQCuS38hWgRFGUAr4Zxqerqnp9/5UlxPDh6+ykec8HNH34PprDgSk6hri164i+5lqMlqHZEtR0jZdOvEFNx3muS76KBWPn9PgYFbXtPPX6Mdo6PWy4fhLL5qb2Q6X94+vlcXMPVFBZ5l88J84eTs68FCZNGSW99MWgFkjw/zf+SXUu7swnS/IK0Q3N6aT54z007t6F1tmBKSIS+/oNRF93PcaQoT3P/Htn9pBXX0h67CTWTLq1x/uX1bTy9Ou5dDi93L0sncUzB9/sg5eiaRqlRXUcP1BBfa3/ImjSuBhy5qWQMj5uSH5EIUaeQIK/WVXVl/u9EiGGCc3tpuXTj2nc9S6+tjaMYeEkrLmdmOuXYLRd2Sx2g8mx2nx2le0h3hbHg9M2YjL27COK0soWfvNWLk63jwdunsLVWVe+Yt9A8bi9FB2vIe9QBW2tLgwGmDTFTs68VFkeVww5gQT/XkVR3sY/nM/TdZ8ubwaE+DbN46H1i89oeHcnvpZmjDYbcStuI3bpjZjCwoJdXp84117Ny0VvEGIK4dGse4mwhPdo/+LyJn67OQ+PV+ORFZnMm5rYT5X2jc4ONwVHzlFw9Bwupxez2ci0mWPJnptCVExosMsT4ooEEvwRQBtwVddtA/5L/RL8QgC610vrl/to2LkDb2MDhpAQYpffQtyNyzFFRAS7vD7T7u7gL3l/w+1z8/C0u0mK6FlLveB0A7/fko+m6Ty2ahqzFHs/Vdp7zY2dHD9YgZpfg8+nYws1M/vqNKbNHEto2ND+mEaIQCbwuW8A6hBiyNE1jbbDB2nYugVPXS0Gi4XYpTcSu/wWzFFRwS6vT/k0H88X/J0GZxM3py0hZ9T0Hu1/rKSOZ7YVAAZ+vHY6WRMT+qfQXjpf1cqxr85y5qR/fbCoGBvZc1NQpo/GMkxn2RMjz/cGv6Io76qqeouiKGcu8bCuquqEfqxLiEGts+gEdZvfxFVeBiYT0YuvJ/6WFZhjYoNdWr94u3QnJ5tPkZ2QyfLxS3q076HiWp7dUYjJZODxtVlMTYvrpyqvjK7rlJ9qIPdABdUVLQDYR0eSMy+FCUoCxiE0mZIQgbhci//hrq/X4b+8fzHp1S9GJFfFWeo2v0lnYQEAkXPnE796DSH2UUGurP98WXWQzyr3MSY8kXum3oHREHgQ7i+o4bl3T2C1mPjJumzSU2L6sdKe8Xk1Sk6cJ/dgBU31/omTUifEkTMvhbGpMdJDXwxb3xv8qqpWdX37a1VV1178mKIoHwE39GdhQgwmnoYGGrZtofWrL0HXCc2Ygv32O7ClpQW7tH51uqWM19WthJlDeXT6fdjMgY9K+Cz3HC/vVgm1mvmXO3KYMHZwfPzhcno5cbyK/EOVdLS7MRoNpE9LJGduCvGjhk+fDCG+z+Uu9W8FcoCx37ncb+bKF+gRYkjxtbfTuGsnzR/tQfd6CUlOwX77OsIypw/7FmGTs5ln819G0zUenHYX9rD4gPfdc7iC1/aUEBFq4ckNOaQmBn/IW0NtO0f3lXP0wFk8bh+WEBPZc5LJmpNMRNTQH2YpRKAud6n/PiAW+B3wY7653O8Favq3LCGCS/O4af5oD43v7UTr7MQcF0/C6jVEzlswpBbQuVJun4dn81+mzd3O2skryIibHPC+u74q561PTxEdHsKTG3JIsgevFe1yeiktOk9xXg211f4V48LCQ5i5IJXMGWNlDn0xIl3uUn8L0AKsHLhyhAguXdNo3f8lDdu34G1s9E++s+4OYq6/AaNlZAzj8vg8PF/wd862VTJv9CwWJ18d0H66rrNjXxnb954hNtLKz++cQWLcwM9foOs6VWebKc6r4bRah9erYTDAuIlxzLtmAjH2MJlSV4xosoKEEPjDorMgn7rNb+I+V4nBbCb2ppuJW34LpvCeTVIzlLl8bp7Ne4niphKmxKVzp7ImoI80dF1n82en2PXVWRKibfzszhnYB3iCm/Y2F2p+DcV51bQ2OwGIjg0lI2s0yrTRhEdaZa14IZDgFwJn2RnqNr+Jo7gIDAaiFl5F/G1rsMQH/pn2cODwOnnm+AucailjesJUHpx2FxZj938idF1n054S9hypJDEujJ9tyCFugD4z9/k0ykoaKM6vpuJ0I7oOZrOR9GmJTMkaw5iU6GHfF0OInpLgFyOWu7aWhq2baTt0EICwaVnY167DmpIS5MoGXoenkz/kPsfZtkpmjcrm3qkbApqDX9N1Xnlf5bPcKpISwnlyQw7REdZ+r7exroOivGpOFpzH6fDPJD5qTCRTsscwMWMUVpv8aRPi+8irQ4w43rZWGt/ZQfNnn4DPhzVtPPbb1xOWMSXYpQVFm7ud3+f+lXPt1cwfPZuNU24PaKy+T9N44d1i9hfWkJoYwb/ekUNkP05n63Z5KS2qpeh49YWOerZQC1lzksnIGk18EDsRCjGUSPCLEUNzuWj68H2adr+H5nRisdtJWH07EbPnjIie+pfS7Grhd8ee5XxnHYuSFrIufWVAoe/1aTz7zgkOF9cyYWwUP12fTXg/9JDXdZ3qihaK8qo5XfxNR73UiXFkTB9D2uR46agnRA9J8IthT/f5aNn7BQ07tuFracYUEYn9zrXEXLsYg3nkvgQaHI387tiz1DsbWZJ6Lasm3hzQ5+Eer8aftxdwrKSe9ORonliXTai1b89je5uLkwU1FOfV0NLkAPzz5mdkjUGZlijj7oXohZH7V08Me7qu05F7lPq3N+OuqcYQEkLcrSuIvfFmTKEje0nV8511/O7YszS7Wrh5/FJuTlsSUOi7PD7+uCWfgjONTE2L5cdrsrCG9M3iNT6fRnlpA8V51Zy9uKNeZiIZWaNlGl0h+ogEvxiWHCUl1L39Js7SEjAaiV50HfErV2GOGTxzxQdLVXsNv8t9ljZ3O6sm3szScdcFtJ/T7eV3m/MoPttM1sR4frh6GhZz70Jf13XqatooLapFLTiPs/ObjnoZWaOZNCVROuoJ0cfkFSWGDV3T6MjPo+n9XThOqgCEz5iJfc3thIwZG+TqBoezrZX8Ifc5OrydrE9fxbXJCwPar9Pp5b/fOk7puRZmKXYeXZmJ+Qo/W+/scFNxppGK041UnGm60CvfFmoma3ZXRz2ZM1+IfiPBL4Y8zeOh7cBXNH2wC3eVf22psMxpxN96G6GTA59qdrg73VLGH3NfwOVzsTFjHQvHzglov3aHh1+/kUtZTRvzpyby4K1TMPWgM6SmaZw/18rZrrCvq2m/8Fh4RAgZWaMZNzGecRPjMZmlo54Q/U2CXwxZvs4OWj77lKY9H+JraQaTicgFC4lbtnxEjsW/HLWxlD/n/w2v5uW+zDuZnZgT0H6tHW6eej2Xyrp2rs4aw303ZWA0dv85e3ur80LQV5Y14Xb5ADAaDSSNiyFlQhyp4+OIs4fL5/ZCDDAJfjHkeBobaP7wA1q++AzN6cRosxG77CZilizFEjeyZtsLRGFDMX/Nfxld13lo2t1k2zMD2q+pzcVTrx+juqGTxTOT2Lg0HeP3hLTPq1Fd2cLZ041UnGmksa7jwmOR0TYmT00kZUIcSakxhPTxCAAhRM/IK1AMGa6KChrff88/057PhykmhoRbVhJ97bWYwkbOfPo9kVubzwuFr2E0GHg06z6mxisB7dfQ4uRXm45R2+zgxrkprF886R9a5q3NDs6ebuTsqUbOnW3C69EAMJmN/hZ917/o2FBp1QsxiEjwi0FN13UcxUU07n6PzsICAELGjiV22XIi583HaJFlVb/PoZpjvFz0Bhajmcey7mdy7MSA9jvf2MmvXj9GY6uLFQvTWHXNeAwGAx6Pj6qzzVScbuTs6cYLF2iADwAAH5ZJREFU4+sBYuLDSB0fR8qEOMamRGO29M0QPyFE35PgF4OS7vPRdvgQTe/vwnW2HIDQdIXYm5YTPi1rxM60F6h9VQfYVLwFm9nGD7MfYHz0uID2q6xt56k3cmntcLNm0XiuSh9F3qFKzp5upLqiGZ9PB8ASYiJtcjypE+JJGR9L1ACvxCeEuHIS/GJQ0ZxOWvZ+TtOH7+NtaACDgYjZc4i7cTm28ROCXd6Q8EnFXjaX7CDCEs6Pch4iJTIpoP1OVTbz5zePY3P7mD0mmqbcGl7/vPzC4/GjwkmdEEfK+DhGJ0fLVLlCDFES/GJQ8LY00/zRHpo//QStswNDSAjRi68ndulNhIwaFezyhoz3yz5mx+ndRIVE8viMRxgTnnjJ7XRdp6PNxfmqVs6fa6WsrImmug78b62MtFW3YbWZmZhhvxD24ZH9v+qeEKL/SfCLoHLXVNP4/i7a9n+J7vViiogkfuUqYhbfgCkyMtjlDRm6rrPzzAfsLvuIWGsMj894hFFhCRce97h91NW0+YO+qpXaqlY62t3f7A840RmXFse0zEQSx0YSExcmnfKEGIYk+EVQOEpKaHz/PTpyjwFgsY8idtlNRC28CqNVWpY9oes6W0p38nHFFySExvPj7IcxOawUl1ZzvrqN2nOtNNS1o+vf7BMWEcL49AS8FhMfFdXgNBh4bM10siYmfP8TCSGGBQl+MWB0TaM99xhN7+/CeaoUANv4CcTeuJyImbOkw94V0HSNTQXbySspZYIrhwkobP/qBG6X98I2JrORxKQoEsdE+b+OjSI80spXhed5/t0iLGYjj9+exZRxsUH8SYQQA0WCX/Q7XdNoP3yI+h1b8dTUABCelU3sTTcTOjldLif3gM+n0VjXwfmqVmrOtVBaVoXeEUsa/ul3a2gjOjaUtEnxjBobSeLYKOJHRfxDR7xPj53jlfdVQq1mfro+m4lJ0cH4cYQQQTDogl9RlFnAjwAD8HNVVWuDXJK4Qrqu05F/nIatb+OqqACTiairriH2xpuwjg2sp/lI5HH7aG1x0NrspK3ZSWuz//uv7/N5tQvb+kw6elw7M9PTSU72h31oWMhlj7/7wFne/KSUyDAL/3pHDqmJ0pdCiJFk0AU/YAV+AiwDFgDbg1uOuBKdxUXUb33bf0nfYCBy3gLiV64iJPHSvcxHEk3z96hva7ko1JsddHZ4aKxvx9HhueR+IVYTsfFhJCSGU6wXUMIJUkaP4rHs+7GZbd0+r67rbN97hh37yoiNtPLkhhzGxMuMh0KMNIMu+FVV/VJRlAXAk8D6YNcjesZ55jT1W9+m80Qh4F8WN2HVGqxJyUGubGC5nN5/aKm3dd1ua3Giafo/7GM0GoiIshKfFkFUjI2omNBvfbXaLLh8bp7Ne4niphKmxKXzyPR7CDFdvoUP/tB/4+NSPjhUgT3GxpMbZmCXSXeEGJEGJPgVRZkH/EJV1cWKohiBPwFZgAt4SFXVU4qi/CcwGfg1cBhYDvw78MRA1Ch6x3WukvptW+g4dhSAsKmZxK9aS+iE4TXpjq7reNw+HJ1uHB0eHJ1uOjvcXa33b1rwLqf3kvvbwiwkjI7wh3n0t8M9bXw8DY0dl9wPwOF18szxFzjVUkZWQiYPTNuIxdj9S1jTdF75QOWz3CrGxIfx5IYZxMqYfCFGrH4PfkVRfg7cBXy9CPcqIERV1YVdbwieBlapqvpvXdsvBl4A3MBf+rs+0Tvu8+dp2LGNtoNfga5jmziJhNVrCcuYEuzSAubzaTg7PXR2uHF0er4V6t/c7vq+w31h2tpLMZmNREXbGJ0URVRMKJHfCncblpDvf8kZLzMTXru7gz8ef46zbeeYNSqbe6duwGTsfj58n6bx/LtFfFV4ntTECP7ljhyiuukDIIQY3gaixV8KrAFe6bp9NbAbQFXVA4qizL54Y1VVPwE+GYC6RC94Ghtp3LmDln1fgM+HNSWV+NVrCJ+e3W+99HVdR9f9Xy++zYX7Ab7Zxunwfn+IX3Tf97XOL2YyGwkLsxA/KoLQsBBCwy3+r2EWQsNDugLeRlh4SJ///E3OZv6Q+xw1nbUsHDOHOzPWYjR0P/TR49X48/YCjpXUMzEpip+uyybMJosaCTHS9Xvwq6q6RVGUtIvuigRaL7rtUxTFqKqqxhWy26VX8kCw2yPxtLRQuXkL1bvex+fxYho7joQVt2FTpuJwemkpa8Hh+KZ1fCFsu0LW59X8gQ3o2qWDXNe6Hr846L+/kX1lDBAWHkJUTCjhESGER1gJj7R+8/13bltCTAMy7PC7v8s1bbX89qs/U9fZyK3KEu7OXhNQHU63l//z4kGOldSTNSmB/++BeYRaB12XnqCQvxf9T87x4BaMvwSt+MP/a70KfYC6urbeVTTCaZqGy+nF6fDgcnhxOj04HV5cDg9Op/8+zeOl4fQ5HM1teAxWPKnr8Rm6Wo8ftcBH+y/7HGaLEVuoBZPZiMGAP7y6vhq4+PY/PobB8M39fLONwXDRY3x9+5vHrDaLv0V+cQu966st1ILR2H2AejWNllZHt9v1Bbs98lu/y+faq/l97l9pc7ezYsKN3Dj2eurr2y9zBL9Op5ffbj5OSWULOZMSeGxVJu2tDrrfc/j77jkWfU/O8cDozZurYAT/PmAF8JaiKPOBvCDUMKiVFtWiFtR8q0V88fdaVwtY07q+6vq3Wsff2u/CVx1du+j7i7a93GfW32bBaInCZjUREx2BNdSCLdSCLdSM1fadr6EWbDYL1lAzNps/8EXgzrSU86fjL9DpdbAu/TauS74qoP3aHR6efiOX8po25k4ZxUO3TsUsq+gJIS4ykMH/dbpsBZYqirKv6/b9A1jDkHCuvImzpxov+ZjBAAaj4UKr1t9qNWA0+h80ft0CNvpby0aTAYPhm1b21/f7j+G/z2wx/UNoWy1GfKdVnIf3YWptJNRmJuH664hfulTm0u9nxY0l/CX/Jbyal3um3MG8MbMC2q+53cXTr+dyrr6Dq7PGcN9NGQFd1RBCjCyGrz9fHcL04XZZSdd1vB4Ng/Hry9bfvtTdr8/t89G6/0sa3tmGt6EBg9VK7NJlTL5zHU2OXn0iI7pht0ey58R+Xih4FYAHpm0k2z4toH3rWxw89XoutU0OlsxKZsOSyRhlKuR/IJeh+5+c44Fht0de8QtcevsMQgaDAUtI90O1+pKuabQfPUz9ti14amowmM3ELL2RuOW3YI6KwhwRDg55Mfenz858xXMFf8dsNPPo9HvJiJsc0H7nGzv51evHaGx1cevCcay+ZoKsfyCE+F4S/COcfz79vK759M+C0Uj0ouuIu3Ullri4YJc3YnxasY+3SrYTag7lh9kPMD56XED7Vda289QbubR2uLn9uoncPD+w/YQQI5cE/wil6zqdRSdo2L71ovn05xO/crXMpz+AdF1nd9nH7DzzPjG2KP4560GSIsYEtO+Z6lZ+/UYuHU4vG5emc8OskTUtshDiykjwj0CdxUU0bN+Ko+QkAOE5M/zz6SenBLmykUXXdbaU7uTjii+Is8XyH9f/BJMzsPnz1bNN/HZzHi6PjwdvmcJV0wN7syCEEBL8I0inWuwP/JMqAOFZ2cSvXI0tLS24hY1Amq6xqfhtvqw+RGLYKH6c8xCjI0dR5+y+H0XB6Qb+sCUfn6bz2G3TmJ0xagAqFkIMFxL8I0DnSZWGHdtwFBcBED49i/iVq7CNH14L6AwVXs3L3068zrHaPFIik/hh9oNEhkQEtO8RtZY/by/EaDTw47XTyZqY0M/VCiGGGwn+YcxRWkLD9m10FvmXyA3LnEb8basJnTAxyJWNXC6fm7/mv0xR40kmxYznn7LuI9Qc2OX9L/KqeGmXisVi5Im1WWSMi+3naoUQw5EE/zDkOFVKw45tdBYWAF1L5N62mtCJk4Jc2cjW6XHwTN6LnG4pIzM+g4em3U2IqftFc3RdZ/veM+zYV0a4zcxP1mUzMSl6ACoWQgxHEvzDiOP0aRp2bKWzIB+A0IwpJNy2mtDJ6UGuTLS52/lD7nNUtlcxa1Q290y9A7Ox+5ef16fxt13FfFlQgz3Gxk/X5zA6LmwAKhZCDFcS/MOAs6yMhh1b6cg7DkCokkH8basJS1eCXJkAaHQ28fvcv1LbWc9VY+exQVkd0LK6nU4vf9yaT1F5E+PHRPHE7VlEhYcMQMVCiOFMgn8Ic54tp2H7VjqO5wIQmq4Qv3IVYRlTglyZ+Nr5zjp+f+yvNLmaWZp6HbdNXB7QrHqNrU5+89ZxztV1MGNyAo+szMRqGdjZHIUQw5ME/xDkqjhL/Y5tdBw7CoBt0mT/Jf2MKTJV6yBS0VbFH3Ofo83Tzm0TlrMsbXFA+50938Z/v3Wc5nY3N8xM5s4lk2WxHSFEn5HgH0JclRU07NhG+9EjANgmTvK38KdmSuAPMqeay3gm7wUcXid3pK9iUfLCgPYrONPAn7YW4HT7WL94EjfOTZH/WyFEn5LgHwJc5yr9gX/kMAC28ROIv20VYZnTJRQGoaKGkzyb/xJe3ce9Uzcwd/TMgPbbc7CcP7yVh8Fg4LFV05gjE/MIIfqBBP8g5qqqovGdbbQdPgS6jjVtPPErVxE+PUsCf5A6VpvPi4WvYTAYeGT6PUxPmNrtPt8drvfjtVmkp8QMQLVCiJFIgn8Q8jTUU79lM20HD/gDP3Uc8betJjwrWwJ/ENtfdYhXizcTYrLwT1n3kR7b/bwJXp/GS7uK2VdQQ2JcGI+vnc6Y+PABqFYIMVJJ8A9CtZtepSP3GNaUVH8LP2eGBP4g93HFF7xd8g7h5jD+OecB0qJSu92n0+nlT9vyOVHWxPgxkfzPRxfidXoGoFohxEgmwT8I2W+/g5jFNxA2ZSoGY/fjvUXw6LrOe2c+5L2yPUSHRPKjnIcZGzG62/0aW53891vHqazrIGdSAo+uzCQ20kadBL8Qop9J8A9CIaNHEzK6+/AQweXTfLxxciv7qg4Sb4vj8RkPkxAa3+1+Z8+38dvNeTS1ubh+ZhI/WJIuw/WEEANGgl+IK+DwOni+4FWKGk+SHDGWx7LvJ8ba/fz5hWca+ePWfBmuJ4QIGgl+IXqo0dnEM8dfpKqjhmnxGdyfuRGb2drtfl/kVfHybhWDwcA/3ZbJ3CmJA1CtEEJ8mwS/ED1wtrWSZ/JepNXdxqKkhdw+eQUm4+Wn0pXhekKIwUSCX4gA5dUV8mLha3g0L2snr2Bx8tXdXqb3+jRe2l3MvvwaEqJt/HR9tgzXE0IElQS/EAH4pGIvb5e8g9lo5uHpd5Ntn9btPg6Xf3W9r4frPX57NtGyup4QIsgk+IW4DE3X2FzyDp9V7iMyJILHsu5nXFRKt/v5h+vlUVnXfmG4njVEVtcTQgSfBL8Q38Plc/Ni4avk1xcxJjyRx7IeID40ttv9Kmrb+e+3jtPU5mLxzCQ2ynA9IcQgIsEvxCW0uFp5Ju9FKtrOkRE7mYem30WoObTb/WS4nhBisJPgF+I7zrVX88zxF2lyNbNgzBzuVNZ023MfYG9eNS/tLsZgQIbrCSEGLQl+IS5S1HCS5wpewelzsXLCTSwbt7jbFruu6+zYV8b2vWdkuJ4QYtCT4Beiy75zB3j95FaMBiP3Z/6A2Yk53e7j8Wq88r7K3vxqGa4nhBgSJPjFiKfpGjtO7ebDs58Sbgnj0en3MTEmrdv9KuvaeXbHCSrr2kkbHckT62S4nhBi8JPgFyOa2+fh5aI3OFabx6jQBB7LfoBRYQmX3UfTdT46XMlbn57C69NYlD2WO2+YLMP1hBBDwqAMfkVREoGdqqrOCXYtYvhqc7fzl7yXONNazsTo8TySdQ8Rlstfpm9qc/HCe0UUnmkkItTC/cszmZFuH6CKhRCi9wZl8AM/A8qCXYQYvmo6annm+AvUOxuZnZjDXVPWYzFe/uVwRK3lb7uK6XB6mT4hngduziA6ovvFeYQQYjAZdMGvKMpjwN+Bfw12LWJ4Kmk6xbP5L9PpdbA87QZuGb/ssj33HS4vm/aUsDe/GovZyF3L0lk8I0nG5wshhqQBCX5FUeYBv1BVdbGiKEbgT0AW4AIeUlX1lKIo/wlMBkZ1PTZXUZS1qqq+PRA1ipHhQPURXi3ejI7OXVPWs2DM7MtuX1rZwl93FlLX7GRcYiQPr5jK2ATptS+EGLr6PfgVRfk5cBfQ3nXXKiBEVdWFXW8IngZWqar6b9/Z72UJfdFXdF3nvTMf8l7ZHkLNNh6edg9K3KTv3d7r03hnXxk795eBDjfPH8eqa8ZjNhkHrGYhhOgPA9HiLwXWAK903b4a2A2gquoBRVEu2eRSVfWeAahNjAAezctrxZs5WHOUeFss/5z9AKPDv39WvfONnTz7zgnOVLcSH2XloVunoqR2P0e/EEIMBf0e/KqqblEUJe2iuyKB1otu+xRFMaqqqvV3LWLk6fR08mz+y5Q0n2ZcVAr/lHUfUSGRl9xW13U+P17Fpo9KcHs0FmQmsnGpQpht0HWFEUKIKxaMv2it+MP/a70Ofbv90n/IRd8aauf5fHsdvzn0DFVt55mXPIMfzbsPq/nSE+y0tLv4/Zu5HCisITzUwhN3zGDRjOQBrnjoneOhSM5x/5NzPLgFI/j3ASuAtxRFmQ/k9faAdXVtvS5KXJ7dHjmkzvOZlnL+nPc32j0d3JC6iFUTb6a1yYW/P+m35Z2q54X3imntcJORGsNDt04lLso24D/vUDvHQ5Gc4/4n53hg9ObN1UAGv971dSuwVFGUfV237x/AGsQw59G87Cn/lN1lH6Ghs0FZzTVJCy65rcvj461PSvn46DlMRgPrF09i2dwUjDJMTwgxjA1I8KuqWgYs7PpeBx4biOcVI0tJ0yk2qVs431lHdEgkd01Zz9R45ZLblte08ew7hVQ3dJKUEM7DK6aSmiiXJ4UQw5/0WhJDXru7g62n3uWr6sMYMHBt8kJWTLiRUHPoP2yraTq7DpSz7Ysz+DSdJbOTuf3aiYRYZJ59IcTIIMEvhixd1zlQc4QtpTvp8HSSHDGWOzPWkBaVesnt65sdPLfzBCcrW4iOCOHBW6YwbXz8AFcthBDBJcEvhqTzHbVsUrdQ0nyaEKOFNZNu5brkqzAZ/7Hlrus6XxWe5+8fqjhcPmal27l3eQYRoZYgVC6EEMElwS+GFI/Pwwfln/BB+Sd4dR/TE6awPn0VcbZLT7DT4fTwyvsqB4tqsYaYeODmKVw1fbTMsy+EGLEk+MWQcbKplE3qFmo764mxRrMu/TayEzK/N8SLypt4bucJmtpcTEyK4uFbpzIqNmyAqxZCiMFFgl8Mem3udraWvsuBmiMYMLA4+WpunbAMm9l2ye1bO928t7+cDw9VYDAYWHXNeG5ZMA6TUebZF0IICX4xaOm6zv7qw2wrfZcObycpkUncqaxhXFTKJbc/V9fOh4cr2F94Ho9XY1RsKI+syGTC2KgBrlwIIQYvCX4xKNV0nGeTuoXS5jNYTSHcPnkli5IW/EPnPU3XKTjdyIeHzlJY1gSAPcbGktkpLMoaizVEhukJIcTFJPjFoOL2eXi//GM+LP8Un+4j2z6NdZNXEmuL+dZ2Lo+P/QU1fHi4guqGTgCUlBiWzUkhe1ICRqN03hNCiEuR4BeDRnFjCa+rW6hzNBBrjWF9+m1k2TO/tU1Tm4uPj1by6bFzdDi9mIwGFmSOZtmcFMaNlpn3hBCiOxL8Iuja3O28XfIOh84fw4CB61Ou4Zbxy7CZrRe2Katp5cNDFRwsqsWn6USEWrh14Tiun5lMTIT1MkcXQghxMQl+ETSarrG/+hDbSt+j0+tgXGQKd2asISUyyf+4pnOspJ4PD53lZGULAGMTwlk6O5kFmaNlml0hhLgCEvwiKKraa9ikbuF0Sxk2k5V16bexKGkBRoMRh8vL3rxq9hypoK7ZCcC08XEsm5NC5vg4mXxHCCF6QYJfDCi3z8Ousj3sOfsZmq4xwz6d29NXEmONpr7ZwZ4jlXyRV4XD5cNiNrIoeyxL56SQlBAe7NKFEGJYkOAXA8KjeTnRUMyWkp3UOxuJtcZwh7KKafFTKD3XwquH8jl6sg5dh+iIEG6aN47rcsYSGRYS7NKFEGJYkeAX/abV3UZhfTEFDUUUNZ7E5XNjNBhZknoty1JvIL+0mf/97mHOVLcBkJoYwbI5KcydkojZJLPsCSFEf5DgF31G13Uq26soqC8iv6GI8taKC4/ZQ+OZljCF7NgZnCzx8W/vH6GpzYUBmDE5gWVzUkhPiZHP74UQop9J8ItecfvcqE2l5NcXUdhQTLPL3/veaDCSHjORydHpxGgpdLRYKVfbeFo9hdujYQ0xsWRWMjfMTiZRFs4RQogBI8EveqzR2URB1yX8k02leDQvAKGmUNKsUwh1jaWzLpayQjfH293A2Qv7xkdZueHqFBZljyHMZgnSTyCEECOXBL/olqZrnKw/zRenjlBQX8S5juoLj9l8MRhbR9FWE4ejLZpGvr5U305clJWsifEk2yNItoeTbI9gbEK4TKcrhBBBJMEvLsnhdZBbU8SR6kJOtZfg1v3j6XXNiNaagK95FFqzHYc7FFuIifH2CJInhpM8KoJkewRJ9nDCpUUvhBCDjgS/wOvTqGns5ERVBYWNxZxzn8ZhrgWDDoDutuJrTkZvGYXdnEJKQjTJGREXWvLx0TbplCeEEEOEBP8g5vVpeLz+f26v76LvNTwen//rRY+7vRrersfdXh8ej4bHp+H2aHi832zv9vpwaZ246MBt6MBhrsUQXYsx1L/KHRYwOGKI0VIYHz6ZjKRUsq4fjc2oYzHLNLlCCDGUSfAPQm99WsoHByvwafoV7K2DxYUhxHmJfy4MEU4MFicG4zfHNgFG3UyieQJTYzNYkJrFmOi4bx3Vbo+krq6tdz+YEEKIoJPgH4TsMaGMHxOFxWzEYjYSYjZiMZswmwGzE5/Zgc/kwGPwt9hddODU2nHo7XT62tG59BsGAwaiQiKJtdmJsUYTa40mxhZNUvgYJsVOwGKUXwchhBju5C/9IDQ13Yonto1mVwvNrhaaXC00O1todbf5Q10HvN/ex2gwEh0SRWJEKjHW6IuCPcb/1RpNVEgkJqNcqhdCiJFMgn8Q2nbqPY7XFVy4bTKYiLFGMyE6jVhb9LeCPdYWQ4w1msiQCIwGmeZWCCHE5UnwD0LrJq9k/uhZ/nC3xRBuCZNQF0II0Sck+AehWFsMsbaYYJchhBBiGJJmpBBCCDGCSPALIYQQI4gEvxBCCDGCSPALIYQQI8ig69ynKEo28HvgFPCSqqqfBrciIYQQYvgYjC3+uUA1/ilqCoNcixBCCDGsDMbg3ws8BPwSeDLItQghhBDDyoBc6lcUZR7wC1VVFyuKYgT+BGQBLuAhVVVPKYryn8BkYAf+Fn/zQNUnhBBCjBT9HqyKovwcuAto77prFRCiqurCrjcETwOrVFX9t67tF+D/jN8D/M/+rk8IIYQYSQaiRV0KrAFe6bp9NbAbQFXVA4qizL54Y1VV9wP7B6AuIYQQYsTp98/4VVXdwrfXkosEWi+67eu6/C+EEEKIfhaMz9Bb8Yf/14yqqmq9OJ7Bbo/sfivRa3Ke+5+c4/4n57j/yTke3ILR0t4H3AygKMp8IC8INQghhBAj0kC2+PWur1uBpYqi7Ou6ff8A1iCEEEKMaAZd17vfSgghhBDDgnSqE0IIIUYQCX4hhBBiBJHgF0IIIUaQYTclrqIoC4FHum4+oapqSzDrGc4URbkeuFNV1YeDXctwpCjKDcAdQBjwS1VVZQRMH1MUZRbwI8AA/FxV1doglzQsKYqSCOxUVXVOsGsZjnq6qu1wbPE/jD/4n8f/R1P0A0VRJgI5gC3YtQxjoaqqPgI8BSwLdjHDlBX4CfAusCDItQxLiqIYgJ8BZUEuZTjr0aq2wzH4TaqquvGfhDHBLma4UlX1lKqqvw52HcOZqqo7FUUJBx4H/hbkcoYlVVW/BKbiXwk0N8jlDFf/BPwdcAa7kGGsR6vaDqlL/YGs8gd0KooSAowFaoJX7dAV4HkWvRDgipUJ+F/I/6aqan0Qyx2SAjzHc4DDwHLg34EnglbwEBTg34olXffNVRRlraqqbwev4qEnwHOcQw9WtR0yLf6uVf7+iv/SHFy0yh/w/+Bf5Q/gWeAv+C/5v/Ld44jL68F5FleoB+f4aSAR+C9FUdYOeKFDWA/OcQTwAvAr4NWBrnMoC/Qcq6q6VlXVx4ADEvo904Pf4zL8n/H/X+B33R13KLX4A1rlT1XVo8hsgL3R09UU7x7Y8oaFQH+X7w1OecNCoOf4E/7/9u7epoEgCAPoIBHSAAki20aQ6IKMCqANaIBOcEARRJcR0QAhEhCBLENwZ93ceZn3Qkejz5Y/7fpnIp5WmbB/U98rrpYd718Y+zqetNW2mxO/LX/LkHM+GeeTcT4Z58vKuOcnZe4tf/xNzvlknE/G+WScb5aMey5+W/6WIed8Ms4n43wyzjdLxj19xv/Nlr9lyDmfjPPJOJ+M882ase18AFBIz1f9AMBEih8AClH8AFCI4geAQhQ/ABSi+AGgEMUPAIUofgAoRPEDo7XWzltrH621i53HX1prZ2vNBYyn+IGp3iPiobV2svWYvwCFTih+YKrXiHiMiLu1BwGmU/zAPm4j4nL3yh84fIofmGwYhreIuI7fV/7AgVP8wF6GYdhExCYi7teeBRjveO0BgK7dRMRzRJyuPQgwjhM/MNXPN/i3rvwdIqATR5+ffoUDAFU48QNAIYofAApR/ABQiOIHgEIUPwAUovgBoBDFDwCFKH4AKOQLtDBXtdpBW+cAAAAASUVORK5CYII=">
-            <a:extLst>
-              <a:ext uri="{FF2B5EF4-FFF2-40B4-BE49-F238E27FC236}">
-                <a16:creationId xmlns:a16="http://schemas.microsoft.com/office/drawing/2014/main" id="{A1AEAF1C-618E-4AE8-9A17-200D184EAAA2}"/>
-              </a:ext>
-            </a:extLst>
-          </p:cNvPr>
-          <p:cNvSpPr>
-            <a:spLocks noChangeAspect="1" noChangeArrowheads="1"/>
-          </p:cNvSpPr>
-          <p:nvPr/>
-        </p:nvSpPr>
-        <p:spPr bwMode="auto">
-          <a:xfrm>
-            <a:off x="5943600" y="3276600"/>
-            <a:ext cx="304800" cy="304800"/>
-          </a:xfrm>
-          <a:prstGeom prst="rect">
-            <a:avLst/>
-          </a:prstGeom>
-          <a:noFill/>
-          <a:extLst>
-            <a:ext uri="{909E8E84-426E-40DD-AFC4-6F175D3DCCD1}">
-              <a14:hiddenFill xmlns:a14="http://schemas.microsoft.com/office/drawing/2010/main">
-                <a:solidFill>
-                  <a:srgbClr val="FFFFFF"/>
-                </a:solidFill>
-              </a14:hiddenFill>
-            </a:ext>
-          </a:extLst>
-        </p:spPr>
-        <p:txBody>
-          <a:bodyPr vert="horz" wrap="square" lIns="91440" tIns="45720" rIns="91440" bIns="45720" numCol="1" anchor="t" anchorCtr="0" compatLnSpc="1">
-            <a:prstTxWarp prst="textNoShape">
-              <a:avLst/>
-            </a:prstTxWarp>
-          </a:bodyPr>
-          <a:lstStyle/>
-          <a:p>
-            <a:endParaRPr lang="en-CA"/>
-          </a:p>
-        </p:txBody>
-      </p:sp>
-      <p:pic>
-        <p:nvPicPr>
-          <p:cNvPr id="8" name="Picture 7">
-            <a:extLst>
-              <a:ext uri="{FF2B5EF4-FFF2-40B4-BE49-F238E27FC236}">
-                <a16:creationId xmlns:a16="http://schemas.microsoft.com/office/drawing/2014/main" id="{14AFB3E8-36F1-4C69-A69B-50865952F7AC}"/>
-              </a:ext>
-            </a:extLst>
-          </p:cNvPr>
-          <p:cNvPicPr>
-            <a:picLocks noChangeAspect="1"/>
-          </p:cNvPicPr>
-          <p:nvPr/>
-        </p:nvPicPr>
-        <p:blipFill>
-          <a:blip r:embed="rId2">
-            <a:extLst>
-              <a:ext uri="{28A0092B-C50C-407E-A947-70E740481C1C}">
-                <a14:useLocalDpi xmlns:a14="http://schemas.microsoft.com/office/drawing/2010/main" val="0"/>
-              </a:ext>
-            </a:extLst>
-          </a:blip>
-          <a:stretch>
-            <a:fillRect/>
-          </a:stretch>
-        </p:blipFill>
-        <p:spPr>
-          <a:xfrm>
-            <a:off x="4887047" y="1609571"/>
-            <a:ext cx="6478476" cy="4700071"/>
-          </a:xfrm>
-          <a:prstGeom prst="rect">
-            <a:avLst/>
-          </a:prstGeom>
-        </p:spPr>
-      </p:pic>
-      <p:sp>
-        <p:nvSpPr>
-          <p:cNvPr id="9" name="TextBox 8">
-            <a:extLst>
-              <a:ext uri="{FF2B5EF4-FFF2-40B4-BE49-F238E27FC236}">
-                <a16:creationId xmlns:a16="http://schemas.microsoft.com/office/drawing/2014/main" id="{49DB4B17-3EB2-437E-84B9-4E330D0FC024}"/>
-              </a:ext>
-            </a:extLst>
-          </p:cNvPr>
-          <p:cNvSpPr txBox="1"/>
-          <p:nvPr/>
-        </p:nvSpPr>
-        <p:spPr>
-          <a:xfrm>
-            <a:off x="5372100" y="6176963"/>
-            <a:ext cx="5715000" cy="369332"/>
-          </a:xfrm>
-          <a:prstGeom prst="rect">
-            <a:avLst/>
-          </a:prstGeom>
-          <a:noFill/>
-        </p:spPr>
-        <p:txBody>
-          <a:bodyPr wrap="square" rtlCol="0">
-            <a:spAutoFit/>
-          </a:bodyPr>
-          <a:lstStyle/>
-          <a:p>
-            <a:r>
-              <a:rPr lang="en-CA" dirty="0"/>
-              <a:t>Source: J. </a:t>
-            </a:r>
-            <a:r>
-              <a:rPr lang="en-CA" dirty="0" err="1"/>
-              <a:t>Vanderplas</a:t>
-            </a:r>
-            <a:r>
-              <a:rPr lang="en-CA" dirty="0"/>
-              <a:t> 2015.</a:t>
-            </a:r>
-          </a:p>
-        </p:txBody>
-      </p:sp>
-    </p:spTree>
-    <p:extLst>
-      <p:ext uri="{BB962C8B-B14F-4D97-AF65-F5344CB8AC3E}">
-        <p14:creationId xmlns:p14="http://schemas.microsoft.com/office/powerpoint/2010/main" val="2926353494"/>
-      </p:ext>
-    </p:extLst>
-  </p:cSld>
-  <p:clrMapOvr>
-    <a:masterClrMapping/>
-  </p:clrMapOvr>
-</p:sld>
-</file>
-
-<file path=ppt/slides/slide17.xml><?xml version="1.0" encoding="utf-8"?>
 <p:sld xmlns:a="http://schemas.openxmlformats.org/drawingml/2006/main" xmlns:r="http://schemas.openxmlformats.org/officeDocument/2006/relationships" xmlns:p="http://schemas.openxmlformats.org/presentationml/2006/main">
   <p:cSld>
     <p:spTree>
@@ -6842,6 +6495,25 @@
   <p:tag name="LATEXADDIN" val="\documentclass{article}&#10;\usepackage{amsmath}&#10;\pagestyle{empty}&#10;\begin{document}&#10;&#10;$$ \begin{aligned} S(\omega) &amp;= \frac{1}{N} \left\| \sum_{j=1}^{N} x(t_j) e^{-i \omega t_j} \right\|^2 \\ &amp;= \frac{1}{N} \left( \left( \sum_{j=1}^{N} x_j \cos(\omega t_j) \right)^2 + \left( \sum_{j=1}^{N} x_j \sin(\omega t_j) \right)^2 \right) \end{aligned} $$&#10;&#10;&#10;&#10;\end{document}"/>
   <p:tag name="IGUANATEXSIZE" val="28"/>
   <p:tag name="IGUANATEXCURSOR" val="342"/>
+  <p:tag name="TRANSPARENCY" val="True"/>
+  <p:tag name="FILENAME" val=""/>
+  <p:tag name="LATEXENGINEID" val="0"/>
+  <p:tag name="TEMPFOLDER" val="C:\Users\Alex\Documents\University\PHYS 581\temp\"/>
+  <p:tag name="LATEXFORMHEIGHT" val="312"/>
+  <p:tag name="LATEXFORMWIDTH" val="384"/>
+  <p:tag name="LATEXFORMWRAP" val="True"/>
+  <p:tag name="BITMAPVECTOR" val="0"/>
+</p:tagLst>
+</file>
+
+<file path=ppt/tags/tag10.xml><?xml version="1.0" encoding="utf-8"?>
+<p:tagLst xmlns:a="http://schemas.openxmlformats.org/drawingml/2006/main" xmlns:r="http://schemas.openxmlformats.org/officeDocument/2006/relationships" xmlns:p="http://schemas.openxmlformats.org/presentationml/2006/main">
+  <p:tag name="OUTPUTDPI" val="1200"/>
+  <p:tag name="ORIGINALHEIGHT" val="257.9677"/>
+  <p:tag name="ORIGINALWIDTH" val="1464.567"/>
+  <p:tag name="LATEXADDIN" val="\documentclass{article}&#10;\usepackage{amsmath}&#10;\pagestyle{empty}&#10;\begin{document}&#10;&#10;&#10;$$\frac{1}{2} \sin(2 \pi 10 t) + \frac{4}{5} \sin(2 \pi 25 t)$$&#10;&#10;\end{document}"/>
+  <p:tag name="IGUANATEXSIZE" val="18"/>
+  <p:tag name="IGUANATEXCURSOR" val="145"/>
   <p:tag name="TRANSPARENCY" val="True"/>
   <p:tag name="FILENAME" val=""/>
   <p:tag name="LATEXENGINEID" val="0"/>

--- a/Presentation2/The Lomb-Scargle Algorithm-v2.pptx
+++ b/Presentation2/The Lomb-Scargle Algorithm-v2.pptx
@@ -20,8 +20,7 @@
     <p:sldId id="261" r:id="rId14"/>
     <p:sldId id="268" r:id="rId15"/>
     <p:sldId id="271" r:id="rId16"/>
-    <p:sldId id="266" r:id="rId17"/>
-    <p:sldId id="270" r:id="rId18"/>
+    <p:sldId id="270" r:id="rId17"/>
   </p:sldIdLst>
   <p:sldSz cx="12192000" cy="6858000"/>
   <p:notesSz cx="6858000" cy="9144000"/>
@@ -277,7 +276,7 @@
           <a:p>
             <a:fld id="{9EB1C19C-B5D7-48B6-AE04-3DE84387D732}" type="datetimeFigureOut">
               <a:rPr lang="en-CA" smtClean="0"/>
-              <a:t>2018-02-28</a:t>
+              <a:t>2018-03-01</a:t>
             </a:fld>
             <a:endParaRPr lang="en-CA"/>
           </a:p>
@@ -477,7 +476,7 @@
           <a:p>
             <a:fld id="{9EB1C19C-B5D7-48B6-AE04-3DE84387D732}" type="datetimeFigureOut">
               <a:rPr lang="en-CA" smtClean="0"/>
-              <a:t>2018-02-28</a:t>
+              <a:t>2018-03-01</a:t>
             </a:fld>
             <a:endParaRPr lang="en-CA"/>
           </a:p>
@@ -687,7 +686,7 @@
           <a:p>
             <a:fld id="{9EB1C19C-B5D7-48B6-AE04-3DE84387D732}" type="datetimeFigureOut">
               <a:rPr lang="en-CA" smtClean="0"/>
-              <a:t>2018-02-28</a:t>
+              <a:t>2018-03-01</a:t>
             </a:fld>
             <a:endParaRPr lang="en-CA"/>
           </a:p>
@@ -887,7 +886,7 @@
           <a:p>
             <a:fld id="{9EB1C19C-B5D7-48B6-AE04-3DE84387D732}" type="datetimeFigureOut">
               <a:rPr lang="en-CA" smtClean="0"/>
-              <a:t>2018-02-28</a:t>
+              <a:t>2018-03-01</a:t>
             </a:fld>
             <a:endParaRPr lang="en-CA"/>
           </a:p>
@@ -1163,7 +1162,7 @@
           <a:p>
             <a:fld id="{9EB1C19C-B5D7-48B6-AE04-3DE84387D732}" type="datetimeFigureOut">
               <a:rPr lang="en-CA" smtClean="0"/>
-              <a:t>2018-02-28</a:t>
+              <a:t>2018-03-01</a:t>
             </a:fld>
             <a:endParaRPr lang="en-CA"/>
           </a:p>
@@ -1431,7 +1430,7 @@
           <a:p>
             <a:fld id="{9EB1C19C-B5D7-48B6-AE04-3DE84387D732}" type="datetimeFigureOut">
               <a:rPr lang="en-CA" smtClean="0"/>
-              <a:t>2018-02-28</a:t>
+              <a:t>2018-03-01</a:t>
             </a:fld>
             <a:endParaRPr lang="en-CA"/>
           </a:p>
@@ -1846,7 +1845,7 @@
           <a:p>
             <a:fld id="{9EB1C19C-B5D7-48B6-AE04-3DE84387D732}" type="datetimeFigureOut">
               <a:rPr lang="en-CA" smtClean="0"/>
-              <a:t>2018-02-28</a:t>
+              <a:t>2018-03-01</a:t>
             </a:fld>
             <a:endParaRPr lang="en-CA"/>
           </a:p>
@@ -1988,7 +1987,7 @@
           <a:p>
             <a:fld id="{9EB1C19C-B5D7-48B6-AE04-3DE84387D732}" type="datetimeFigureOut">
               <a:rPr lang="en-CA" smtClean="0"/>
-              <a:t>2018-02-28</a:t>
+              <a:t>2018-03-01</a:t>
             </a:fld>
             <a:endParaRPr lang="en-CA"/>
           </a:p>
@@ -2101,7 +2100,7 @@
           <a:p>
             <a:fld id="{9EB1C19C-B5D7-48B6-AE04-3DE84387D732}" type="datetimeFigureOut">
               <a:rPr lang="en-CA" smtClean="0"/>
-              <a:t>2018-02-28</a:t>
+              <a:t>2018-03-01</a:t>
             </a:fld>
             <a:endParaRPr lang="en-CA"/>
           </a:p>
@@ -2414,7 +2413,7 @@
           <a:p>
             <a:fld id="{9EB1C19C-B5D7-48B6-AE04-3DE84387D732}" type="datetimeFigureOut">
               <a:rPr lang="en-CA" smtClean="0"/>
-              <a:t>2018-02-28</a:t>
+              <a:t>2018-03-01</a:t>
             </a:fld>
             <a:endParaRPr lang="en-CA"/>
           </a:p>
@@ -2703,7 +2702,7 @@
           <a:p>
             <a:fld id="{9EB1C19C-B5D7-48B6-AE04-3DE84387D732}" type="datetimeFigureOut">
               <a:rPr lang="en-CA" smtClean="0"/>
-              <a:t>2018-02-28</a:t>
+              <a:t>2018-03-01</a:t>
             </a:fld>
             <a:endParaRPr lang="en-CA"/>
           </a:p>
@@ -2946,7 +2945,7 @@
           <a:p>
             <a:fld id="{9EB1C19C-B5D7-48B6-AE04-3DE84387D732}" type="datetimeFigureOut">
               <a:rPr lang="en-CA" smtClean="0"/>
-              <a:t>2018-02-28</a:t>
+              <a:t>2018-03-01</a:t>
             </a:fld>
             <a:endParaRPr lang="en-CA"/>
           </a:p>
@@ -3770,7 +3769,7 @@
             </a:r>
             <a:r>
               <a:rPr lang="en-CA" dirty="0"/>
-              <a:t> algorithm is much slower than DFT, but faster than FFT, operating at order O(n) instead of O(n</a:t>
+              <a:t> algorithm operating at order O(n) whereas the DFT and FFT operate at order O(n</a:t>
             </a:r>
             <a:r>
               <a:rPr lang="en-CA" baseline="30000" dirty="0"/>
@@ -3778,7 +3777,7 @@
             </a:r>
             <a:r>
               <a:rPr lang="en-CA" dirty="0"/>
-              <a:t>) and O(nlog2(n)) respectively</a:t>
+              <a:t>) and O(nlog2(n)), respectively.</a:t>
             </a:r>
           </a:p>
           <a:p>
@@ -3805,201 +3804,6 @@
           </a:p>
         </p:txBody>
       </p:sp>
-      <p:pic>
-        <p:nvPicPr>
-          <p:cNvPr id="5" name="Picture 4">
-            <a:extLst>
-              <a:ext uri="{FF2B5EF4-FFF2-40B4-BE49-F238E27FC236}">
-                <a16:creationId xmlns:a16="http://schemas.microsoft.com/office/drawing/2014/main" id="{845B7997-5B91-4234-ADAE-75708BDD6664}"/>
-              </a:ext>
-            </a:extLst>
-          </p:cNvPr>
-          <p:cNvPicPr>
-            <a:picLocks noChangeAspect="1"/>
-          </p:cNvPicPr>
-          <p:nvPr/>
-        </p:nvPicPr>
-        <p:blipFill>
-          <a:blip r:embed="rId2">
-            <a:extLst>
-              <a:ext uri="{28A0092B-C50C-407E-A947-70E740481C1C}">
-                <a14:useLocalDpi xmlns:a14="http://schemas.microsoft.com/office/drawing/2010/main" val="0"/>
-              </a:ext>
-            </a:extLst>
-          </a:blip>
-          <a:stretch>
-            <a:fillRect/>
-          </a:stretch>
-        </p:blipFill>
-        <p:spPr>
-          <a:xfrm>
-            <a:off x="902855" y="4466165"/>
-            <a:ext cx="6301509" cy="1323847"/>
-          </a:xfrm>
-          <a:prstGeom prst="rect">
-            <a:avLst/>
-          </a:prstGeom>
-        </p:spPr>
-      </p:pic>
-      <p:sp>
-        <p:nvSpPr>
-          <p:cNvPr id="6" name="TextBox 5">
-            <a:extLst>
-              <a:ext uri="{FF2B5EF4-FFF2-40B4-BE49-F238E27FC236}">
-                <a16:creationId xmlns:a16="http://schemas.microsoft.com/office/drawing/2014/main" id="{A14AFEE4-D7B9-480B-88FC-7724FBFF9206}"/>
-              </a:ext>
-            </a:extLst>
-          </p:cNvPr>
-          <p:cNvSpPr txBox="1"/>
-          <p:nvPr/>
-        </p:nvSpPr>
-        <p:spPr>
-          <a:xfrm>
-            <a:off x="8528716" y="4666423"/>
-            <a:ext cx="1500732" cy="923330"/>
-          </a:xfrm>
-          <a:prstGeom prst="rect">
-            <a:avLst/>
-          </a:prstGeom>
-          <a:noFill/>
-        </p:spPr>
-        <p:txBody>
-          <a:bodyPr wrap="none" rtlCol="0">
-            <a:spAutoFit/>
-          </a:bodyPr>
-          <a:lstStyle/>
-          <a:p>
-            <a:r>
-              <a:rPr lang="en-CA" dirty="0"/>
-              <a:t>FFT</a:t>
-            </a:r>
-          </a:p>
-          <a:p>
-            <a:r>
-              <a:rPr lang="en-CA" dirty="0"/>
-              <a:t>Our algorithm</a:t>
-            </a:r>
-          </a:p>
-          <a:p>
-            <a:r>
-              <a:rPr lang="en-CA" dirty="0" err="1"/>
-              <a:t>astropy</a:t>
-            </a:r>
-            <a:endParaRPr lang="en-CA" dirty="0"/>
-          </a:p>
-        </p:txBody>
-      </p:sp>
-      <p:cxnSp>
-        <p:nvCxnSpPr>
-          <p:cNvPr id="8" name="Straight Connector 7">
-            <a:extLst>
-              <a:ext uri="{FF2B5EF4-FFF2-40B4-BE49-F238E27FC236}">
-                <a16:creationId xmlns:a16="http://schemas.microsoft.com/office/drawing/2014/main" id="{49FC06AB-E0E7-411A-9280-21130D751374}"/>
-              </a:ext>
-            </a:extLst>
-          </p:cNvPr>
-          <p:cNvCxnSpPr/>
-          <p:nvPr/>
-        </p:nvCxnSpPr>
-        <p:spPr>
-          <a:xfrm flipH="1">
-            <a:off x="7080308" y="4874004"/>
-            <a:ext cx="1448408" cy="444616"/>
-          </a:xfrm>
-          <a:prstGeom prst="line">
-            <a:avLst/>
-          </a:prstGeom>
-        </p:spPr>
-        <p:style>
-          <a:lnRef idx="1">
-            <a:schemeClr val="dk1"/>
-          </a:lnRef>
-          <a:fillRef idx="0">
-            <a:schemeClr val="dk1"/>
-          </a:fillRef>
-          <a:effectRef idx="0">
-            <a:schemeClr val="dk1"/>
-          </a:effectRef>
-          <a:fontRef idx="minor">
-            <a:schemeClr val="tx1"/>
-          </a:fontRef>
-        </p:style>
-      </p:cxnSp>
-      <p:cxnSp>
-        <p:nvCxnSpPr>
-          <p:cNvPr id="10" name="Straight Connector 9">
-            <a:extLst>
-              <a:ext uri="{FF2B5EF4-FFF2-40B4-BE49-F238E27FC236}">
-                <a16:creationId xmlns:a16="http://schemas.microsoft.com/office/drawing/2014/main" id="{DDACECF9-67CE-4A25-A19D-13656C25A2CD}"/>
-              </a:ext>
-            </a:extLst>
-          </p:cNvPr>
-          <p:cNvCxnSpPr>
-            <a:cxnSpLocks/>
-            <a:stCxn id="6" idx="1"/>
-          </p:cNvCxnSpPr>
-          <p:nvPr/>
-        </p:nvCxnSpPr>
-        <p:spPr>
-          <a:xfrm flipH="1">
-            <a:off x="7080308" y="5128088"/>
-            <a:ext cx="1448408" cy="354369"/>
-          </a:xfrm>
-          <a:prstGeom prst="line">
-            <a:avLst/>
-          </a:prstGeom>
-        </p:spPr>
-        <p:style>
-          <a:lnRef idx="1">
-            <a:schemeClr val="dk1"/>
-          </a:lnRef>
-          <a:fillRef idx="0">
-            <a:schemeClr val="dk1"/>
-          </a:fillRef>
-          <a:effectRef idx="0">
-            <a:schemeClr val="dk1"/>
-          </a:effectRef>
-          <a:fontRef idx="minor">
-            <a:schemeClr val="tx1"/>
-          </a:fontRef>
-        </p:style>
-      </p:cxnSp>
-      <p:cxnSp>
-        <p:nvCxnSpPr>
-          <p:cNvPr id="12" name="Straight Connector 11">
-            <a:extLst>
-              <a:ext uri="{FF2B5EF4-FFF2-40B4-BE49-F238E27FC236}">
-                <a16:creationId xmlns:a16="http://schemas.microsoft.com/office/drawing/2014/main" id="{AF4B48C1-B770-49CC-B712-85B0E04DF545}"/>
-              </a:ext>
-            </a:extLst>
-          </p:cNvPr>
-          <p:cNvCxnSpPr/>
-          <p:nvPr/>
-        </p:nvCxnSpPr>
-        <p:spPr>
-          <a:xfrm flipH="1">
-            <a:off x="7080308" y="5433069"/>
-            <a:ext cx="1448408" cy="213224"/>
-          </a:xfrm>
-          <a:prstGeom prst="line">
-            <a:avLst/>
-          </a:prstGeom>
-        </p:spPr>
-        <p:style>
-          <a:lnRef idx="1">
-            <a:schemeClr val="dk1"/>
-          </a:lnRef>
-          <a:fillRef idx="0">
-            <a:schemeClr val="dk1"/>
-          </a:fillRef>
-          <a:effectRef idx="0">
-            <a:schemeClr val="dk1"/>
-          </a:effectRef>
-          <a:fontRef idx="minor">
-            <a:schemeClr val="tx1"/>
-          </a:fontRef>
-        </p:style>
-      </p:cxnSp>
     </p:spTree>
     <p:extLst>
       <p:ext uri="{BB962C8B-B14F-4D97-AF65-F5344CB8AC3E}">
@@ -4163,7 +3967,7 @@
         <p:spPr>
           <a:xfrm>
             <a:off x="6254750" y="830580"/>
-            <a:ext cx="4836160" cy="646331"/>
+            <a:ext cx="4836160" cy="461665"/>
           </a:xfrm>
           <a:prstGeom prst="rect">
             <a:avLst/>
@@ -4177,24 +3981,8 @@
           <a:lstStyle/>
           <a:p>
             <a:r>
-              <a:rPr lang="en-CA" dirty="0"/>
-              <a:t>Simple example signal $$\</a:t>
-            </a:r>
-            <a:r>
-              <a:rPr lang="en-CA" dirty="0" err="1"/>
-              <a:t>frac</a:t>
-            </a:r>
-            <a:r>
-              <a:rPr lang="en-CA" dirty="0"/>
-              <a:t>{1}{2} \sin(2 \pi 10 t) + \</a:t>
-            </a:r>
-            <a:r>
-              <a:rPr lang="en-CA" dirty="0" err="1"/>
-              <a:t>frac</a:t>
-            </a:r>
-            <a:r>
-              <a:rPr lang="en-CA" dirty="0"/>
-              <a:t>{4}{5} \sin(2 \pi 25 t)$$</a:t>
+              <a:rPr lang="en-CA" sz="2400" dirty="0"/>
+              <a:t>Simple example signal</a:t>
             </a:r>
           </a:p>
         </p:txBody>
@@ -4229,6 +4017,42 @@
           <a:xfrm>
             <a:off x="711200" y="3047464"/>
             <a:ext cx="4701457" cy="3369378"/>
+          </a:xfrm>
+          <a:prstGeom prst="rect">
+            <a:avLst/>
+          </a:prstGeom>
+        </p:spPr>
+      </p:pic>
+      <p:pic>
+        <p:nvPicPr>
+          <p:cNvPr id="5" name="Picture 4" descr="A screenshot of a cell phone&#10;&#10;Description generated with very high confidence">
+            <a:extLst>
+              <a:ext uri="{FF2B5EF4-FFF2-40B4-BE49-F238E27FC236}">
+                <a16:creationId xmlns:a16="http://schemas.microsoft.com/office/drawing/2014/main" id="{53D15A52-D702-4197-955D-9F43A0144CDD}"/>
+              </a:ext>
+            </a:extLst>
+          </p:cNvPr>
+          <p:cNvPicPr>
+            <a:picLocks noChangeAspect="1"/>
+          </p:cNvPicPr>
+          <p:nvPr/>
+        </p:nvPicPr>
+        <p:blipFill>
+          <a:blip r:embed="rId4">
+            <a:extLst>
+              <a:ext uri="{28A0092B-C50C-407E-A947-70E740481C1C}">
+                <a14:useLocalDpi xmlns:a14="http://schemas.microsoft.com/office/drawing/2010/main" val="0"/>
+              </a:ext>
+            </a:extLst>
+          </a:blip>
+          <a:stretch>
+            <a:fillRect/>
+          </a:stretch>
+        </p:blipFill>
+        <p:spPr>
+          <a:xfrm>
+            <a:off x="6623640" y="1408206"/>
+            <a:ext cx="3432894" cy="907421"/>
           </a:xfrm>
           <a:prstGeom prst="rect">
             <a:avLst/>
@@ -4880,221 +4704,6 @@
 </file>
 
 <file path=ppt/slides/slide16.xml><?xml version="1.0" encoding="utf-8"?>
-<p:sld xmlns:a="http://schemas.openxmlformats.org/drawingml/2006/main" xmlns:r="http://schemas.openxmlformats.org/officeDocument/2006/relationships" xmlns:p="http://schemas.openxmlformats.org/presentationml/2006/main">
-  <p:cSld>
-    <p:spTree>
-      <p:nvGrpSpPr>
-        <p:cNvPr id="1" name=""/>
-        <p:cNvGrpSpPr/>
-        <p:nvPr/>
-      </p:nvGrpSpPr>
-      <p:grpSpPr>
-        <a:xfrm>
-          <a:off x="0" y="0"/>
-          <a:ext cx="0" cy="0"/>
-          <a:chOff x="0" y="0"/>
-          <a:chExt cx="0" cy="0"/>
-        </a:xfrm>
-      </p:grpSpPr>
-      <p:sp>
-        <p:nvSpPr>
-          <p:cNvPr id="2" name="Title 1">
-            <a:extLst>
-              <a:ext uri="{FF2B5EF4-FFF2-40B4-BE49-F238E27FC236}">
-                <a16:creationId xmlns:a16="http://schemas.microsoft.com/office/drawing/2014/main" id="{079DCC7C-AF2F-4297-AC5B-CA1A1D2814FF}"/>
-              </a:ext>
-            </a:extLst>
-          </p:cNvPr>
-          <p:cNvSpPr>
-            <a:spLocks noGrp="1"/>
-          </p:cNvSpPr>
-          <p:nvPr>
-            <p:ph type="title"/>
-          </p:nvPr>
-        </p:nvSpPr>
-        <p:spPr>
-          <a:xfrm>
-            <a:off x="838200" y="365125"/>
-            <a:ext cx="10515600" cy="1325563"/>
-          </a:xfrm>
-        </p:spPr>
-        <p:txBody>
-          <a:bodyPr/>
-          <a:lstStyle/>
-          <a:p>
-            <a:r>
-              <a:rPr lang="en-CA" dirty="0"/>
-              <a:t>Comparison - Summary</a:t>
-            </a:r>
-          </a:p>
-        </p:txBody>
-      </p:sp>
-      <p:sp>
-        <p:nvSpPr>
-          <p:cNvPr id="3" name="Content Placeholder 2">
-            <a:extLst>
-              <a:ext uri="{FF2B5EF4-FFF2-40B4-BE49-F238E27FC236}">
-                <a16:creationId xmlns:a16="http://schemas.microsoft.com/office/drawing/2014/main" id="{3BEC23C5-5292-485A-839B-B1D87C787CA2}"/>
-              </a:ext>
-            </a:extLst>
-          </p:cNvPr>
-          <p:cNvSpPr>
-            <a:spLocks noGrp="1"/>
-          </p:cNvSpPr>
-          <p:nvPr>
-            <p:ph idx="1"/>
-          </p:nvPr>
-        </p:nvSpPr>
-        <p:spPr/>
-        <p:txBody>
-          <a:bodyPr/>
-          <a:lstStyle/>
-          <a:p>
-            <a:r>
-              <a:rPr lang="en-CA" dirty="0"/>
-              <a:t>Between…</a:t>
-            </a:r>
-          </a:p>
-        </p:txBody>
-      </p:sp>
-      <p:sp>
-        <p:nvSpPr>
-          <p:cNvPr id="4" name="AutoShape 2" descr="data:image/png;base64,iVBORw0KGgoAAAANSUhEUgAAAf4AAAFyCAYAAAAUHbiGAAAABHNCSVQICAgIfAhkiAAAAAlwSFlzAAALEgAACxIB0t1+/AAAIABJREFUeJzs3Xd4FMUbwPHvpZBOSKMKJKEMHSIgHQEFG01BigWVKlItYBcs2BUQ5UcRpApItVJEQKTXEOrQIZSEJEB6u7v9/XEHBgxwQBrk/TyPj7myM+/OHffu7M7OmAzDQAghhBCFg1N+ByCEEEKIvCOJXwghhChEJPELIYQQhYgkfiGEEKIQkcQvhBBCFCKS+IUQQohCxCW/AxB3H6WUMzAE6I7tO1YE+BV4T2udkZ+xZaWUmgzM0Vqvyqf62wCTgSjgfq11WpbXrECg1vp8LtR7HOiitd7iwHsbAh8DAdg6CpHAa1rrfTkdVzZ133Qb2PftCa31jhyo/3mgk9a63e2WdRsx1Ad6aq37O/o+pVQ94HWt9ZN5EqS440jiF7nhf4Av0EprnaiU8gRmA98DPfI1siy01n3yOYRuwCSt9ag8rtcATDd6k1LKDfgNeFBrHW5/7mlgqVIqWGtdECcBKYgx3Y7qwD038z6t9TZAkr64Jkn8IkcppUKAp4CSWuskAK11ilLqRaCR/T2+wHdAbWw/1EuBt7TWFqVUGvA10BYoCgzD9iNWEzgDtLOXZwU+Bx4EvOzbL1ZKeWE78KgE+AOJwFNa64NKqTVAHFDF/p7OwDhgCfAt0ATIAI4CL2itk5VSHYH3AGcgAXhFa71VKTUSCAZKAuWBGKCr1vrsVe3hat+fVoAF2Ay8DPQHOgCpSilfrfVwB9s32/K01kn23u5s4DFsPfQR9n2qC2QC7bPE96JS6jvAHfhKa/1DNtV5YjuA87n0hNZ6tlIqHttvR6ZSqifwij2WWOA5bJ/TaKCBfVsT0FtrvUEpNQ3b5xKK7SzQV8A0++M4IBrYrbV+/6r97mVvMyf7+wZqrfUN2uq2vktXleULjAVqAK7AX8Cwm/zOVgXGYPtsnIFvtNY/KKVaAKOAI/by3YABwGHgA6CoUmoK0Nu+/RXtCpy86n0zgXFa65oO/Fv7BGgNlAbGaq3HKqVKAjPscQL8rrV+73ptLe4sco1f5LR7gb2Xkv4lWutorfUS+8NvgBitdU2gHrYfpdfsrxUBzmitawHjsZ0lGAJUw5aE2mcpNklrXQ/oAkxVSgUCDwPntdaNtNYK2AoMtL/fsL9WXWv9rf2xATTGdqq9lr28o0BNpdSlA4QntNa1sR0A/KyUupQImwKdtdZVgQtAv2za4x1sBwe17PvpBHyhtf4C+AX42tGkf73ysuyfm9a6DvAqMAkYY38cCTxvf58JSLbva2vgU6VUtasr0lpfAIYDy5RSR5RSM5RSLwB/aa0zlVK1gU+Bh+zt8wvwNnAftgO/hlrr6tiSyBtZinbXWtfQWr+J7cBrt9a6GrZk2Yireu1KqfuxnSlqprW+176/ixxoq9v9LmU1Gthmf8+9QBC2Ax6H6lFKuQALgDfsZbQAXlNKNbCXcR/wpX3/pgAjtdangHeBf7TWvYCG2bVrNu/L6kb/1mK01k2xHQR/aj/L0wc4orWuCzQDKmX5zou7gCR+kdMs3Ph79TC2Hjb2a/4TgEeyvL7Q/v+j2JLCWftp5WPYeouXXCpjN7AbaK61XgjMUEoNUkqNxfYD65Vlm3+yiScCsCilNiulPgAWaq03YetVr9RaH7fXsxo4h60HbQCrsxzg7Lwqtqz7OkFrbbHvw7ir9vWGp9xvsrysbRdlbxuw9Sb97H8bwET7Pp0FlgMPZFeZ1no0UBwYDJwFXgd2KqWK2rdZprU+bX/vWK11f3vbvauU6q+U+gLoxL+fgQGsy1LFI9gOUNBaR2FLjlmZsJ3BqAhsUErtBD4D/JRSxa7bUv9tj5v6LnHlAUhboJ+9/m1AfWy9c0frqYztrMZUexlrsJ1tqWPf7oTWOsL+d9bv0uXvh9Z6I9du12t9j270b+3nLHW6YTvLsxTopJT6HdvB7Bta68RrlC/uQHKqX+S0rUBVpZR31l6/UqoMtmTTGduBQdYfKmeu/C6mZ/k78zp1WbL87QSYlVL9sfVYxmE77R2H7ZT8JVeciQDQWsfbe6+NsSWzeUqpb+x1X/2D6oTtVC9AWpbnr3XdPLt9dc3mfY66UXmOtp31qjIzlVLv828v+BdgBdDYfnbid+B3pdRb2BJj66vLt/cWy2O7zDIG+BLbZZQDwDNZ3pqc5W8zVx4oZo0ra3wztdZv2OsxAWW11hevs3+X3PJ3KZsYOl+6vGA/6Mh6YHCjepyAi1rrsEtP2E+pX8TWk0/N8t5sv0tKqce4frtm50b/1lIBtNaGUgrApLXeZr9k9yC2g98tSqmO9gMPcRcokD1+pdQDSqlJSqlZSqla+R2PcJy99zcbW8/GB8DeOxwPxGrbyPXl2K5hXkoWfYE/b6G6HvYy7gUUsBZoA0yzX7M+iC2ROWfZ5uofVJP9B/UvYKP92vIMbKfSVwFt7D+CKKVaYRtAtSm7cq4R43Js19NdlFJO2PZ7xQ22uV6Z1yvvRmWZsvz9PIBSqhy2H/iVWusRWusw+38jsI1beFsp1TxLOWWw9TIjgNXAg/YEBrZr8F/Yy/tVaz0R2A48zr+fwdX79DvQyx5LANCRKxOqYd+/7lnq6ePgPt+MrN+lKsDfV8W6HHhFKWVSShUBFgMv3UT5GkizD45EKVUW2AWEXXcr2wHIpQO767Vr1vdldbP/1kxKqU+Bd7XWPwNDgb3YDubEXaJAJn7AQ2vdF9uRbZv8DkbctJeAffx7anYTsAfbQCSwnTYurpTajS2B7Mc2uAn++6N/vVHaDZRS24GpQDd7D/BLbKdktwHzsPWMKl5VJlc9Xortx22PUmortuvMI7XW++37ssge68fYBmolZhPbtWL9CNvteuH2Nrl0q6Mj+3dcKZWY5b9Hb1De1a4VnwG4KaV2YEu8A7XWh6/eWGt9EFsi/lApdUwptReYC/TRWh/SWu/BNpBtmVIqHNu/1X7YTiffb//s/8CWaILtPfWr9/lloIpSKgLbaf4TQErW+LXWK7Cd3v9TKbULWy/38eu02432PztZv0tdtdbxV20zmH8PeCKwfZ8/d7QerXUmtsGcve37sBxbct2YZbvsYt+ArX0Wco12zeZ9V8ftyL+1rLGPBurYt9mK7fLFnKv3Sdy5TAV1WV776OxxwHCtdWx+xyMKFvtI7JJa63P5HYu4dfZLMzu11pvsPdK12OZ7WJ6HMch3SRQqeX6N3z6K9VOtdUv7qcrx2E6rpmO75eeIfUTt59h+ACTpi+wUzCNWcbP2AeOUbdKnIsBPeZn07eS7JAqVPO3xK6WGYztNl6S1bqyUegJoq7XuaT8geFNr3VEpNR0IBM4DS+wjtYUQQghxm/K6x38YeALbBBNguw96GYDWerOyTTWJ1vq5PI5LCCGEKBTydHCf1noRV94m44NtNrRLLPbT/0IIIYTIBfl9H38CWaYDBZy01tndx3tNhmEYJtPNzoEihBBC3NFuOfHld+JfD7QD5ivbKmARN3j/f5hMJmJiZFKp3BYU5CPtnMukjXOftHHukzbOG0FBtz6Lcn4l/ksjChcDrZVS6+2PX8ineIQQQohCIc8Tv33e88b2vw1ss30JIYQQIg/IQDohhBCiEJHEL4QQQhQikviFEEKIQkQSvxBCCFGISOIXQgghChFJ/Pno0KGDTJv2fY6U1b79Q7e1/aBB/UhIiM+RWG7GlCkTWbJElmIQQoi8kt8T+BRqlSpVplKlyjlSVk5MXpgfSzTLrItCCJG37vrE/9Oqw2w9kLPLbNevUpwurSpe8/WTJ0/wySfv4+zsgmEYjBjxEUFBxRk9+nP279+H2ZxJr1798PT04uefF/H++x/z3HPdKVu2LNHRUVSsWJnhw9/mpZd6M3z424SEhLJx43o2bFhHp05dWLjwJ1599fVs6z548ABjxnyJk5MTRYq48frrb2O1WnnvvTcpUaIkUVFneeCBNhw7doSDBzWNGjWhX78BAHzzzVfExMTg7u7OW2+NtMf+JoZhYBgWhgwZTqVKlZk27XvWrVuLxWKmY8fOdOjwBBMmfIvW+4mPj6dixUq89dYIpkyZyJ49EaSlpfLGG++xevVK1q5dQ7FifqSnp9G794tXxD5hwrdERIRjtVrp2vUpWrZ8MOc+NCGEEEAhSPz5Ydu2LVSrVpP+/QcRERFOUlIS+/fvIz4+nsmTp5OYmMi8ebOpW7f+5W2ios7w9dfjCAgI5J13Xmft2jW0a9eRpUt/46WXBvP777/w3HM9CQ4OuWbSB/jss1G8+eZ7VKxYiXXr/mbcuNEMHDiUs2fPMHbseNLS0njyyfYsWbIMNzc3OndudznxP/zwY9Sv35DFixcwc+YP1KtXH1/fYrzzzvvEx0cTHX2BgwcPsHnzRiZPno7FYmHixO9ITk6iaNGijB79HVarlR49uhIbG4PJZCIkJJTBg1/l0KGDbN68gSlTZpKRkcFzz3W7Iu6NG9dz9uwZxo//nvT0dF588QXq12+It7d37nxIQghRSN31ib9Lq4rX7Z3nhrZtOzB79nRefXUw3t5e9Os3gMjIE9SoUQsAHx8fevd+kR07tl3eJjg4lICAQABq1apNZOQJOnfuRq9ez9C9+7PExsZQqZK6Yd1xcbFUrFjJXk4YEyZ8C0Dp0mXw9PTC2dkFf/8AfHxs8zxnPdMeFlYPgOrVa7Bx4zoGDhxKZGQkb775Kp6e7nTr9hyRkSepVq06JpMJFxcXBgwYgtls5sKFC4wc+TYeHp6kpKRgNtsWYSxXrjwAJ04co2pV23Zubm4oVfWKuI8dO4LWBxg0qB8AFouFqKizl/dFCCFEzpDBfbngn3/+pnbtMMaOHU+LFg8wa9Z0goNDOHBgLwBJSUm89trgK65vnzp1kqSkJAB2746gQoWKuLu7ExZWj7Fjv+Shhx51qO7AwCCOHDkMQHj4DsqWtSVeR66l79kTYd9uJxUqVGLnzu0EBATy9dff8uKLLzJp0neUKxeM1gcwDAOz2cwrrwxi06b1nDsXxciRo+jb9yUyMtKzjBew1RsaWoH9+/dhGAYZGRkcOqSvqLtcuWDuvbcu48ZNZPTo72jZ8kFKly7j0D4LIYRw3F3f488PVapUZdSokbi6umKxWBgy5FUqVVJs27aFl17qjcVioWfPvsC/CblIETc++ug9zp8/T61adWjUqCkA7dt35KWXejNs2JsAHD9+7BrX+G3lvP7624we/TmGYeDi4sIbb7yLYRhXJf7s/16xYilTpkzEx6co77wzErPZzIgRb7FkyQKcnODZZ3tSqVJlGjRoTP/+vbBarTz+eGeqVavB9OlTGDz4Rfz9A6hWrQaxsTFX7F9oaEUaNWpC377PU6xYMVxcXHBxcbn8nqZNm7Nz53YGDOhDamoKzZu3xNPTMyc+DiGEEFmY8mMkdw4z7oYlIHv06MqMGfP+8/yBA/tYuPAn3n57ZN4HlcXtLrV54cIF1qz5i8cf70xGRgY9enTlm28mULx4iRyM8s4my5nmPmnj3CdtnDeCgnxu+ZYo6fEXENmdil+4cB6///4LH374WT5ElLOKFSvG/v17+eOPXwAT7dp1lKQvhBD5QHr8wiFyFJ/7pI1zn7Rx7pM2zhu30+OXwX1CCCFEISKJXwghhChEJPELIYQQhYgkfiGEEKIQkcSfz6Kjo1i//h+H3z9q1EgefrglmZmZl5/T+gDNmtVn587t7NixjREj3nKorD/++PXyzH634uzZMwwf/vItb5/TbmbfhRCisJLEn8+2b9/K7t27bmqbwMAgNm1af/nxihVLKVPmHkwm002tdne3rYx3t+2PEELkhrv+Pv5Fh39j57ndOVpmWPGaPFGx7TVfT05O4rPPRpGUlEhsbAxPPPEkHTt2ZtGi+Sxb9jtOTk5UqVKNwYNfYdasaWRkZFCjRi3mzp2Fv38AiYkJfP75GD755APOnj2NxWKla9eneeCB1phMJh58sA0rVy6nWbMWWK1WDh3SVKlS7brL6s6bN5syZcrStGnzbF+fM2cWq1atwNnZhdq1w+jffxBTpkzkzJlTXLwYT0pKIu3bd2LNmr+IjDzJ22+/T0BAANHRUbz22mASEhJo2rQ5PXr0vGYMH3/8PqdPnyI9PZ0nn+zGQw89yvr1/zBt2mQMAypXVgwb9hZr1vzF4sULMJvNmEwmPv74C44cOcz//jeOIkWK0L7943h7+zBlykS8vb3x8fGhQoVKhIXVvVzXqlUr+emnH3FycqJWrTq8+OJABz5ZIURBkpSRjJerpxzU57C7PvHnh9OnT/HAA224//6WxMbGMHBgPzp27MzSpb/y6qtvUqVKVZYsWYBhGDz77AucPHmCpk2bM2/ebFq3fohmzVqwcOE8/Pz8ee+9D0lJSaFnz2eoV8+2ml/VqtVZs2YVaWlp7N69i3vvrcexY0evG1PXrk9f87UjRw6zevVKJkz4AWdnZ95+exgbNqyzL6jjzldffcjixXPYuHE9n302mj/++JW//lpOly5PkZaWyqhRX+Dq6sqAAb1p3LhZtgvrpKQks2vXTiZNmgbAli2bMJvNjBnzBZMnz6BYsWL8+ONMzp2L5tSpSL74Ygxubu588cXHbN68iaCgIDIzMy+vCti9+xNMnDgNPz8/Pvjg3SvqSkhIYOrUSUyZMhM3Nzc+/PA9tm7dTP36DW7ykxRC5Jd/Tm9krl7Mc9W6cV/Je/M7nLvKXZ/4n6jY9rq989zg5+fPTz/NYe3aVXh6emOx2Faqe/PNEcydO4szZ05To0Yt+zr3xhU99XLlggE4ceI49erZEpWnpychISGcPn3q8vuaNbuftWvXsH37Fp57rhcTJ353y/GePHmc6tVr4uzsDEDt2mEcO3YEgMqVqwBQtGhRQkJCAfD29iEjIwOwHYS4ubkBUKVKdSIjT2Sb+D09vRg8+FU++2wUycnJPPTQIyQkxOPj40OxYsUAeOqpZwEoVsyPjz4aiYeHBydP/ruq4aWV/i5evICXlxd+fn4A1KpVh/Pn4y7Xdfp0JBcvXuC11wYDkJKSwpkzp2+5fYQQeWtbdDjz9BJ8XL2p4BuS3+HcdeQafy6YO3c2NWrU5N13P6RlywcuJ/Zff13Ca6+9ybffTuLgQc2ePRE4OTlhtVovb3vplFb58iHs2rUTsPWWjxw5TKlS/65W17r1Qyxb9jvnz8fd9ip25csHs2/fHiwWC4ZhEB6+8/KqfpdcfYByyeHDh8jIyMBsNrN3724qVMh+CeS4uFi03s/HH3/B55+PZvz4byha1JfExCQSEhIAGDv2K8LDdzB16iQ++OATXn/9Hdzc3C7Xe6lt/Pz8SUlJ4eLFiwDs3XvlpZxSpcpQvHgJxowZz7hxE3n88c6XDx6EEAXb3jjN9H1zcXN2Y0CdXgR4+OV3SHedu77Hnx+aNGnGmDFfsHbtGkJCQvH09CQzM5MKFSowYEBvPD29CAoqTvXqNfHy8mLGjKkoVeWK61gdOjzBZ599xEsv9SY9PZ2ePfte7uGaTCbKlQsmPv4i7dp1uLyNyWTCMAy2bt1M7949Lj8/YsRHbNjwT7bX+E0mE6GhFWnV6kH69++FYVipVSuM5s1bcPjwwcsxZR04aPuf7W9vb2/eeONVEhMTePjhRy+fsbhaQEAg58/H0b9/T5ycnHnqqWdxcXHh1VdfZ/jwoTg5OVG5chXq1LmXmjVr06/fC/j5+VG2bHni4mIpVar05fqdnJx4+eXhDBs2GC8vbwzDoGzZcpfjLFasGN26Pc3AgX2wWKyUKlWa1q0fuvUPVAiRJ47GH2fy7hk4m5zoX/sFyvrI0ty5QebqFw4paPNvz5w5jW7dnsbV1ZUPP3yX++5rxEMPPZrfYd2WgtbGdyNp49x3q218Oukso3dMIN2STt+aPajhX4WUA/vxqFARJ/vlRPEvWZ1PFBjr1q1l3rzZ/3n+ySe707x5ixyrx9PTk379nsfNzZ3SpUvzwANtcqxsIUTeikmJ49vw70k1p/JctW7U8K9C9A9TSNi4nhLP98K3abP8DvGuIj1+4RDpKeU+aePcJ22c+262jePTE/h6+3hi087zZKUO3F+mEVE/fE/ixg24h4RS5uXXcPb0zMWI70zS4xdCCHHHSclM4dvw74lNO8+jwQ/akv7UySRu2oh7aChlhkrSzw2S+IUQQuS5dEsG43f9wJnkKO6/pzGPlGtF1JRJJG7ehHtoBVtP38Mjv8O8K0niF0IIkafMVjOTd8/gWMIJ6pcIo1PoY0RP/Z7ELZtwr1CRMkNflaSfiyTxCyGEyDNWw8qMffPYf/4gNQKq8EzlTpyb+j2JWzbjXqEi97z8Kk7ukvRzU4GewEcp1UopNTm/48htP/+8CLPZnGvlt2+fc/ewjxo1kgMH9v/n+Y0b1zNkyEsMGdKffv1eYMWKZTlWZ1adO7e7YmVCIcSdwzAM5h1cwvZzu6jgG0zPqt05N8We9CtWkqSfRwpsj18pVQGoA7jndyy5bdasaTzySO5NK5yT61tca7GML7/8hBkz5uLl5U1KSgrPP9+d++5reHk63tyuXwhR8P12dDnrTm+ijHcp+lXvQdzUqSRt24pHpcqUGfKyJP08UmATv9b6CPC1Umrm7ZQTM38uidu25lBUNj716hP0ZLdrvp6ensaHH44gLi6W4sVLsGvXTpYsWcrOnduZNu17rFYrqampjBjxEbt27SAuLo6RI99m+PC3ee+9NzAMg4yMDF577U28vb0ZNco2b31cXCyNGzejZ8++PPVUJyZPnoGPjw+LFy8gNTWFKlWqERERzvPP977hPpw9e4ZPPvng8nTBQ4cOo2LFSnTt2pGaNWsTGXmSunXrk5ycxL59e6lcuSLDhtkWw5k16wcSExMxDIPXX3+HMmXuwdvbh59+mkOLFg8QHBzC7NkLcHV15cKFC4waNYLk5CQMA955532KFCnCV199SkZGBnFxsfTp059mzVrw7LNdKFeuPC4urrzyynBGjnybzMxMypUrz44d25g7d/Hl+KOjo/jii49JT0/Hzc2N4cPfpnjxErf5yQohcsuqk2tZdmIVQR4BDKj5AvE/TCNp+zY8KivKDH4ZJ/e7vo9XYORL4ldKNQA+1Vq3VEo5AeOBWkA60Nue9O9YP/+8mDJl7uGjjz7j5MnjPPtsVwCOHz/Gu+9+SGBgIDNn/sDq1Svp0aMn06dP5f33P2br1s34+hbjnXfe5/jxY6SlpeLt7U10dBQzZ/6Eq6srL73Um+bNW9C69cOsXLmcxx/vzIoVS/n44y/x8/Pj3nvrORTjd9+NoUuXp2jatDmHDh3k008/5PvvZxAVdZZx4ybi7x/Ao48+wOTJ03n55WC6detIUlISAPfd14j27R9n48b1jB8/llGjvmD06G+ZN+9HRo58m4sXz9OhQyd69uzL9OlTaNasBR06PMGePRHs27cXf39/unV7hrCwuuzZE8GUKRNp1qwFaWlpPP98HypVqsw333zF/fe3pGPHzmzdupmtW7dcjt0wDL77biydO3ejYcPGbNu2hQkTvuW99z7M+Q9TCHHbNp3dxsLDv+FbpCgDa/YkedqsGyb9lDQzf22PpEnNUvgXlYOCnJTniV8pNRx4BkiyP9URKKK1bmw/IPjK/lyOCHqy23V757nh5MnjNGjQCLCttnfpdHdgYCBjxnyBp6cnMTHnqFWrzhXbNWrUhFOnInnzzVdxcXGhR49emEwmqlWrgbv9H0a1ajWIjDzJY491YOTIt6hdOwx/f//L8/g76sSJ49SpY1vqslKlypw7Fw2Ar2+xyz1nDw93ypcPBsDHx4eMjHSAy9tVr16T8ePHkpiYSFTUWfr3H0T//oOIjY3h7beHo1RVIiNP0q6d7eOsUaMWNWrU4ujRI8yYMZXffvsZk8mExWK5HNelFfhOnDjBo4+2B7C305UTTR09epiZM39g9uzpGIaBq6vrTe2/ECJv7IrZy+wDC/By8WRAjefJmD6XpJ3b8VBVbEk/m+l4MzItfLNgFwdPxRPo60GjGiXzIfK7V34M7jsMPMGlVV6gKbAMQGu9Gbiiy6q1fjZPo8sBISEV2LPHtmLc6dOnLq8i9/nnH/P22yN5660RBAYGXT7NbjKZsFot7Ny5nYCAQL7++lt69OjJpEm2pXaPHDmE2WzGYrGwf/9eQkMrUrJkSby9vZkxYypt2978cVL58iGEh+8A4NAhTUBAgD2WG297aTW8Xbt2ULFiZTIzMxgx4i0uXDgPgL9/AP7+ARQp4kpwcDD79+8BIDx8BxMmfMuUKRN4+OHHePfdDwgLq3vF6oROTravZGhoBfbs2XVFfVfGH0z//oMYN24ir7wynAceaH3TbSCEyF0HLxxh6t7ZuDi58GL1HjB7kS3pV6l6zaRvtlj535I9HDwVT/0qxWlQTS7h5bQ87/FrrRcppYKzPOUDJGR5bFFKOWmtrdyh2rbtwMcfj2TgwL6UKFGSIkVsX+42bR5hwIDeBAYGUa5cMHFxsQDUrh3GsGFD+eijzxgx4i2WLFmAxWLhhRf62Es0MXz4yyQkxPPgg20ICQkFoF27xxk79ktGjPgIgB07tmV7jT8+Pv6K1fq6d3+GgQOH8tlnHzF37izMZjNvvPHe5br+9e/fWQfVbd++laVLf8PFxYU333wPf/8Ahgx5jeHDh+Ls7ILFYqFJk2bUr9+QSpWq8Mkn77N8+VKcnJx444132bt3N999N4b58+dSvXoNEhOzfvw2zzzzHB9++B6rVq0kMDAIFxeXK2IZMGAoX375KRkZ6aSnpzN06LCb+oyEELnrZMIpJkZMwzAM+lZ7Grc5v5IcvtOW9AcNzTbpWw2DH/7Yz64jcVQP8adPu2o4OcmA3pyWL3P12xP/HK11I6XUV8AmrfV8+2uRWuuyN1FcgVtsYOfOnaSkpNCkSROOHz9O3759WbFixS2VderUKT766CMmTJjwn9eWLVvGoUOHGDRo0O2GXOD8/fff+Pv7U7NmTTbA78ZoAAAgAElEQVRs2MCkSZOYNm1afoclhHDA6YQo3lv1FUkZyQyt9zy+P/7Fha3b8K1di6pvv4FzNknfMAwmLdnNb+uOUaW8Hx/2a4y7W4Edf14Q3NFz9a8H2gHzlVINgYibLaCgLbrh6enH559/yejRYzGbzQwZMuyWY7xwIYWMDPN/tp848TvCw7fz2Wdj8mT/83pxEy8vf0aO/ABnZ2esVgtDhw4vcJ9zTpMFZHKftHHuM3lm8sGqsSSmJ/FUhY54/LCMCxG78KxWnaB+AzmfkAFk/Ge7n9cd47d1xygT5MVLHWuQmJCKfFLXFhTkc8vb5meP/0f7gD4T/47qB3hBa33wJoqT1fnygPxg5j5p49wnbZy7EjOS+GbXRM4kRtOhfBuq/76b5IhdeFavQekBg3EqUiTb7VZui+THlYcI9HXnrWfrUsz7v2cExJXuuNX5tNbHgcb2vw2gf37EIYQQImekmtMYv2sKZxKjaV26KdV/iyB5d8QNk/7GvVH8uPIQvl5FeK1bHUn6eaAgnOoXQghxB8u0ZDIpYjonE0/zQNkG1Pv9EMl7duNZoyalBwzCyTX7pB9+OJYpv+3H082FV7vWobifLMGbFwr0XP1CCCEKNovVwtS9P3Lw4hHC/KrSZMVJUvbsxqtmresmfX3yAv9bsgcXZxNDn6zNPcW98zjywkt6/EIIIW6J1bDy44GFRMTupapPCA+tjiV+3168atWmVP+BOF1jYq0TUYl8szACq9VgcOdaVLzHN48jL9wk8RcAP/+8iMcea3/Fveo5qX37h/jll+U5UtaoUSPp1KkrVapUveL5jRvXM3fubMAgLS2NTp260qbNwzlSZ1adO7djzpxF15ypr3PndpQsWeryvANFixZl1KgvbqqOhQvn0alT19uOVYi7mWEYLD78O5uithHiUYb2axNI3b8fv/p1Cej54jWTftT5FL7+KZy0dAv9OlSnZmhAHkcuJPEXALI63+3Xn/X10aO/u60pfGfMmCqJX4gbWH5iNasi/6FMkUA6r08l7cABvGrXocrrw4i7mJbtNucT0vhq7k4SUzLp8ZDivqoyK19+uOsT/4ZVRzh64FyOlhlapTiNW1W45uuyOl/+rs6X3S2qCxfOY+3aNaSmplKsWDE+/vhLzpw5zSefvI+zswuGYTBixEcsXfobCQkJfP31Z7zyyus39b0QorD45/RGfj26jEDnonTfaCZDH8SrThilXxxg7+n/N/EnpmTw1bxw4hLSeaJ5KC3CyuR94AIoBIk/P8jqfPm3Op9hGLzyysDLZwaeeqoHDRs2JiEhgTFjxmMymXjllUHs37+XQ4cOUq1aTfr3H0RERDhJSUk891wvFi36SZK+ENewPTqceXoJviYPemyGzIMH8Qq7l9L9XsJ0jcuVqelmxszfxdm4FNrUL8tjjcrncdQiq7s+8TduVeG6vfPcIKvz5d/qfNc61e/i4sLIkW/h4eFJTEw0FouFtm07MHv2dF59dTDe3l706zfgptpQiMLmwPlDTN83Dy+rKz23OWM5fBjvsLqU6tf/mkk/02zh20W7OXY2kaY1S9G1VcUbXrITuUtu58sFsjpffqzO1+aa8R4+fIh//vmb99//hKFDh2EYBlarlX/++ZvatcMYO3Y8LVo8wKxZ0wHIh8kshSjwIhPPMHn3DFzNVnptccZ6+CjedetdN+lbrFYm/rKP/ScuEFYpkOceUZL0C4C7vsefH2R1vvxcne+/Pyply5bFw8ODAQP64OtbjMqVqxAXF0u1ajUYNWokrq6uWCwWhgx5FYDg4BA+/PA93n33g+w/YCEKmbjUC/xv1xQsaan03eoGx0/Ykn6fF6+Z9A3DYPoyzY6DMVQt78eLHarj7CR9zYIgX+bqz2EFbq7+PXsiSE1NoX79hkRGnmTYsCFXDEy7GWfPnmH06C/4/PPR/3lt9eqVHD16hF69+t1uyDeU13Ocb9y4Hj8/P6pUqcbWrZuZNWs6Y8eOz7P684PMI5/7pI1vXnJmCl9vH8/5i1H03OSE26lzeNerT6ne/bJN+kFBPpw7l8BPqw+zfEskwSV9GNY9DA9ZaS9H3XFz9d/tSpcuw8iRbzN16mTMZvNtDRQzmUzZnn7Pujrf3ah06TJ88smVq/MJIfJWpiWTiRHTuXghiufWm3GLuohPg0aU7Nkbk7PzNbf7Y9MJlm+JpFSAJy93qS1Jv4CRHr9wiPSUcp+0ce6TNnac1bAydc9sDkTu4um1aXjFJlG0aXNK9Hge03VO2W87HMf4BbsIKOrGm8/Uxb+oex5GXXhIj18IIUSOMQyDRYd+4+CJcJ5ak4zXxTR8W7aiePdnrpv0t+yPZuIve/HxdOXVbmGS9AsoSfxCCCGu8FfkWrbpv+m6OhHvhAz82jxM4JNdrzsif8/ROCb/ug/3Ii680qUOJf1lpb2CShK/EEKIy7ZFh7Nq5890WZWAd7IZ/7btCOjwxHWT/uFT8Xy7eDdOTibe7dWAkkXd8jBicbPk3gohhBAAHLxwhF83zebJlfF4J5sJeLwTgR07XTfpnzqXxJj5uzCbDfp3qEHNCoF5GLG4FdLjF0IIwemks8xfO5mOf8bhlWYlqEt3/No8dN1tzl1M5at54aSkm+nTthp1KknSvxNI4hdCiELuQtpF5v41nrYrovFINyj+dA+KtWx13W0uJqXz1dydxCdn0P3BSjSqUTKPohW3SxK/EEIUYimZqcxdMY42y05RJNOgxPM98W3a/LrbJKdl8tW8cGIuptG+STCt65XNo2hFTpDEL4QQhVSm1cz85eNo9sdRXC1QsndffBs2vu426RkWxszfxemYZB649x46NA3Jo2hFTpHEL4QQhZDVsPLLsvHU+3UfzoaJUv36U7Tefdfdxmyx8t3i3Rw5nUDD6iXo3rqSLLpzB5LEL4QQhdDK5VOoumQHJkyU7D+AomH1rvt+wzCYvvQAe46dp1aFAHo+WhUnSfp3JEn8QghRyGxcMYuyi9ZjmEwUHzCQYrXq3nCbX9YfZ/2eKEJK+dC/Qw1cnOVu8DuVfHJCCFGIRPz5E37zV2J1MuE/8CUCHEj66yLO8vO6YwT6ujO4c23cilx7gR5R8EniF0KIQuLQikW4zfuDTBcT3gP6UbJm/Rtus/f4eaYvO4CXuwsvd6mNr1eRPIhU5CZJ/EIIUQicXL4E46dfSCtiwqX/C5Sv2fCG20SeS+K7RbsxmWBQp1qUCvDKg0hFbpPEL4QQd7kzS5eQNn8JKe4mMvp0o2qt69+nD3AhMZ0x83eRlmGhd9tqVC5bLA8iFXlBEr8QQtzFon9dTNLCJSR5OBH3fHvqh11/Gl6A1HQzY+bv4kJiOk+2qMB9VUvkQaQir0jiF0KIu5BhGJxbvID4n38mwdOJY0+3pFXdjjfczmyxMn7JHiLPJdEyrAwPNyiXB9GKvCS38wkhxF3GMAxi5s/j4oplXPR2Zl/n+vRo8PQNJ9sxDIOZyzV77ffqPyUT9NyVJPELIcRdxLBaiZk7m4ur/uJ8UWe2ta9O30Y9cTLd+ATvbxuO80/EWcqX9OHFDtVxdpKTwncjSfxCCHGXMKxWomdOI+GftcQWc2btoxUY2LgfRZxvfAvehj1nWfzPMQKKujO0cy3ci0h6uFsVyE9WKdUY6Gt/OERrHZ+f8QghREFnWCxETf2exM0bifZ3YWXrMgxq1A/vIje+BW//8fP88McBPN1cGNqlNr7ebnkQscgvBfU8Th9siX8K0DWfYxFCiALNMJs5O+l/JG7eSFSgK7+1Lk6vBn0I9Ai44banY5L4dvEe+736NSkTKPfq3+0KauJ31lpnAGeBUvkdjBBCFFTWtDTOjB9H0vZtnC3hxpJWfvS4twflit5zw20vJKYzev4uUtPN9Hy0KqqcXx5ELPJbnp/qV0o1AD7VWrdUSjkB44FaQDrQW2t9BEhRShUBSgNReR2jEELcCTJiznHm22/IOH2KM2U8WdzEi241nqR6QJUbbpuWYWbsgl2cT0in0/2hNKxeMg8iFgVBniZ+pdRw4Bkgyf5UR6CI1rqx/YDgK/tzk4CJ9vj65WWMQghxJ0jZv48zE77DmpzMkeqB/FHTxCMV2tCo9I3n37dYrfxvyV5ORidxf53SPNqwfB5ELAqKvO7xHwaeAGbaHzcFlgForTcrperZ/94BvJDHsQkhRIFnGAYXV64gZv48MJnYfn851pVJo0npBjwS/KBD289cfpDdR+OoGRrAM20qy736hUyeXuPXWi8CzFme8gESsjy22E//CyGEuIo1M4PoH74nZt4cnLy9Wd021J7076ObetyhBP7HphOs3XWGciW85V79Qiq/b+dLwJb8L3HSWltvtpCgIJ8bv0ncNmnn3CdtnPvu1DZOj4vjwNdfkHToEB4VQljc2BNtiaF1hWb0qtvNoQl61uw4xcK/jxJYzIMP+jUmwNcjV2K9U9u4sMjvxL8eaAfMV0o1BCJupZCYmMQcDUr8V1CQj7RzLpM2zn13ahunHjnMmfHjsMTH49HgPmZVS+FU+jmal2lMh3JtiYtNvmEZ+uQFxs4Lx8PNhSGdamLNMOdKW9ypbXynuZ2Dq/xK/Ib9/4uB1kqp9fbHcl1fCCGyiF+3lnOzZmBYLHh3eoIpfgeJSjlHi3ua0LlSe4dO75+JTWbcwt0YBgx8vAZlgrzzIHJRUOV54tdaHwca2/82gP55HYMQQhR0htlMzE9zuLjqL5w8vfDt9TwTUv8mOuUcrco244mKbR1K+vFJ6Yz+aRcp6WZ6t61K1WD/3A9eFGj5fapfCCHEVSyJiZyZ8B2p+gBFytyDd58X+O7UQs6lxPJgufvpWOFRh5J+WoaZMQsiiEtI4/FmITSuIfOhCUn8QghRoKSdPMGZ777BHBeHd1hd3J/pwjf7phGTGkeb8i1pH/qwQ0nfYrUy8ee9nIhKpFmtUrRtHJz7wYs7giR+IYQoIBK3biHqh+8xMjII6PA4PNCUseGTiU07z8PlW9E29CGHkr5hGPz45yF2HYmjeog/zz6k5F59cZkkfiGEyGeG1UrckkWc/+M3TG7ulB4wiPQqIYzdOZG4tAs8Gvwgj4a0djh5L9tyktU7T1O2uDcvdayBi7Pcqy/+JYlfCCHykSUlhajvJ5IcsQvXoOKUHjiERH8PxuyYwIX0izwW0ppHQ1o7XN6W/dHMX30EPx83hj5ZGw83+ZkXV5JvhBBC5JOMqLOc/nYsmVFReFarTqm+/TnvlM5Ye9JvF/owDwe3cri8g5EX+f63fXi4OfPyk7Xx83HLxejFnUoSvxBC5IOkiF1ETZ6ANTUVvzYPE9jpSWLSzzN25yQupsfTocIjtCnf0uHyzsYlM25hBIYBLz1ek3uKy736InuS+IUQIg8ZhsGFZX8Qu2gBJmdnSvbqS9FGjYlOPsfYnZOIz0jg8YqP8WC5+x0uMz45g9E/7SI5zUyvx6pSXe7VF9chiV8IIfKINT2d6OlTSdyyGRc/f0oPGIR7cAhRydGM3TmJhIxEOlVsS6tyzR0uMyXNzDcLdhEbn0aHpiE0qSn36ovrk8QvhBB5IDMuljPfjSP95AncK1aidP8BuPgW42xyNGN3TiQxI4knK3WgRdkmDpeZlJrJ1/PCOR6VSNNapWjfJDj3dkDcNSTxCyFELkvRBzj7v++wJCXi2/x+ij/1LCYXF84kRTF250SSMpPpWrkjze9p7HCZiSkZfDU3nJPnkmhaqxTPP1xF7tUXDpHEL4QQucQwDOLXrOLc3B8BKP50D3xbtMRkMnEq8QzjwieTlJlMN/UEzco0dLjc+OQMvpyzk9OxybQMK8PTbSrjJEn/jhB9JoGoU/HUqFsG53yaX0ESvxBC5ALDbObcjzOJX/s3zj4+lOo/EM/KCoDIxNOM2zmZFHMqT1XpRJPSDRwu90JiOl/O3cnZuBQerHcP3R+oJD39O0DCxVQ2/32Uw/tjMJkgVAXh4+ueL7FI4hdCiByWEXOOqMkTSTt6BLdy5Sk9YDCuAQEAnEw4xbjwyaSa03i6Smcala7vcLnnE9L4fM5Ozl1I5ZEG5ejcooIk/QIuPS2T7RtOsnv7KawWg+KlfGjcqkK+JX2QxC+EEDnGMAwSN23g3OyZWNPS8GnQkBI9XsDJzTaRzomESMaFf0+aOY1nq3ahQam6DpcdczGVL+bsJDY+jbaNg3m8WYgk/QLMYrGyd8cZtq0/TnqaGZ+ibjRoEUrFqsXz/XOTxC+EEDnAkpLMuVkzSNyyGSd3d0r26oNPw8aXf+SPxZ/k2/DvSbek06NaV+4rea/DZUdfSOGLOTs5n5BOx2YhtG8Sklu7IW6TYRgcOxjLpjVHib+QShE3Zxq2DKVm3TK4uDjnd3iAJH4hhLhtKQc1Ud9Pwnw+DvcKFSnZuy9Fgopffv1o/Am+C/+edEsGz1frRr2SYQ6XfTYumc/n7CQ+KYMnW1TgkYblc2MXRA6IPpPAhlVHiDoVj5OTiZp1y1C3SXk8PIvkd2hXkMQvhBC3yDCbifv1Z87/8RsA/u06ENC2PSbnf3t2hy8eY/yuKWRazbxQ/SnqlqjtcPmnYpL4cs5OElIy6fZAJdrUL5vj+yBun23g3jEO7z8HQEjlQBq2CKWYv2c+R5Y9SfxCCHELMqKjOTt5AunHj+ESGEip3v3wqFjpivccunCU8RFTMVvN9Kz+NGHFazpc/snoRL6cG05SaibPtqlMy3vvyeldELcpPS2THRtPErHNNnAvqKRt4F7pcsXyO7TrksQvhBA3wTAMEtav49ycWRjp6fg0akzxp57F2cPjivcdvHCE/+2aisWw0rvGM9QOquFwHcfOJvD1vHBS0sw8/0gVmtcundO7IW6DxWJl784zbFtnG7jnXdSNBveHUqla/g/cc4QkfiGEcJAlKYnomdNI2r4NJw8PSvR5kaIN/jvxzoHzh5gQMQ2rYaVPzWepGVjN4ToOn45n9E/hpGVY6NW2Ko1ryNz7BUW2A/dahFKzXsEZuOcISfxCCOGAlAP7iZoyCfOFC3hUqkzJ3n1xDQj8z/v2xx1k4u5pGIZB35o9qBFY1eE69MkLjFkQQWamlX7tq3Nf1RI5uQviNkSfSWDjqiOcPRWPyQQ17i1DvaYFb+CeIyTxCyHEdRhmM7FLFnFh+VIwmQjo+AT+j7bF5PTf6Vb3xO5n8p6ZAPSt9TzVA5TD9ew7fp5vFkZgsRj071iduqr4jTcSuS7hYiqb1x7j8D7bwL3gSgE0bFEBv4CCOXDPEZL4hRDiGjKiznJ20gTST57ANag4Jfu8iEdoaLbv3R27j+93z8RkMtGv1vNU9a/scD17jsYxbtFuDMNgwBM1qVPxv2cSRN66NHBv97ZTWCwGQSW9adyqYoEfuOcISfxCCHEVwzCIX/s3MfN+xMjIoGjTZhTv9jRO7tlPs7orZg9T9szG2eTEi7VeQPlXdLiu8EOxjF+yG5PJxOBOtagRGpBTuyFugcViZd9O24x7aal33sA9R0jiF0KILCyJiURNn0py+E6cPL0o2bMPPvWuPZ/+jnMR/LD3R1ycXHip1gtU8qvgcF3b9Tkm/LwXZ2cTQzrVomqwf07sgrgFhmFw/FAsG1fbBu65FnGmwf0h1Kp3Dy6ud87APUdI4hdCCLvkvXuImjoZS3w8HlWqUrJnH1z9r52Mt0eHM23fXFydXHipdi8qFnN8Kt3N+6KZ/Os+XF2dGNq5FqqcX07sgrgF0WcS2Lj6CGcjLw3cK03dJsF4et15A/ccccPEr5QKBdoClQArcAj4VWt9IpdjE0KIPGHNzCRu0QIu/LkcnJ0J7NQFv4ceznYA3yVbo3Yyfd9c3JzdGFCnF6G+jk+lu373Wab+sR/3Is683KUOFcv45sRuiJt08XwKm/8+xlEdA0BwxQAatgzFL8ArnyPLXddM/Eqp0sBoIBhYhy3hZwKhwE9KqePAq1rrU7kepRBC5JL006c5O3kCGacicS1RklJ9XsQ9OPi622w+u52Z+3/C3cWdgXV6EVy0nMP1rd11hulLD+Dh5sKr3eoQUqrobe6BuFkpSelsW3+CfeFnMAwoXtqHRi0K/ox7OeV6Pf5PgPe11vuye1EpVRv4FHgmNwITQojcZBgG8av/Imb+PIzMTHzvb0FQl+6Xl9C9lg1ntvLjgQV4uLgzqE4fyhV1fCrd1TtOMXPFQbw9XHmtWx3KlfC53d0QNyEj3Uz45kh2bY3EnGnF19+DBs1DCVWBd83APUdcM/FrrZ+73oZa611I0hdC3IHMCQlET5tCcsQunLy9KdW3P95hN14md93pTczRi/By9WRQnb6U9XF8Kt0/t0Yy569DFPV05bXuYdwT5H07uyBuwuWR+htOkJaSiYeXK41bVaBKrVI4O1/7cs7dypFr/A2ApsC3wK/AvcCLWusFuRybEELkuOTdEURN/R5LYgKe1apTsmdvXIrdeGDd2lMbmHdwCd6uXgwO60sZb8en0l266QTz1xzB17sIw7uHUeouv4ZcUBiGweH959iy9hgJF9NwLeLMfc2CqVX/HlyLFN6x7Y7s+TfAcKATkIot8S8CJPELIe4YlqQkDs//kejlKzC5uBDUpTvFHmx93QF8l6yOXMeCQ7/g4+rN4LC+lPYu6XC9v6w/xpJ/juHn48bw7mGUKKBLtd5tTh2/wKY1R4iJSsLJyUTNumWo2+TOnGI3pzmS+J201n8rpWYDC7XWJ5VSuX5To1KqFdBda90nt+sSQty9DKuV+H/+JnbRAqzJyRQpXYaSvfviXs6xUfirTq5l4eHfKFrEhyFhfSnp5dj8+YZhsPifY/y24TiBvu4M6x5GUDGPG28obktsdCKb1hwl8tgFACpWK859zULw9ZO2v8SRxJ+ilHoNeAAYpJQaAiTmZlBKqQpAHSD7abKEEMIBqYcPce7HWaSfPIGTuzvBLzyHa4NmmFwcO83754k1LDnyB75FijIkrC8lvBybP98wDBasOcLSzScpXsyDYd3DCPCVn7PclHAxlS3/HOPQXtuc+vcE+9GwRShBJWUA5dUc+fY/DfQEntBan1dKlQSeys2gtNZHgK+VUjNzsx4hxN3JHH+R2AXzSdi4HoCijZoQ2OlJSlUqS0yMY/2WZcdX8evRZRRz82VIWD+Kezo2f75hGMxbdZgVWyMp6e/JsO5h+Plc/04BcetSUzLYseEke3aexmoxCCzhTcMWoZQNkVkQr+V69/HfDxj2h38Drkqp5sAybPfy39T9+/ZBgp9qrVsqpZyA8UAtIB3orbU+opT6EKgI9NdaX7zpvRFCFGqG2czFVSuJ+2UJ1rQ03MqWo/hTz+JRqdJNlfPHsT/5/dif+LkVY+i9/Qj0cGz+fMMwmLPyECu3n6JUgCfDu4fh6y1JPzdkZlqI2HqK8M0nyUi34OPrzn3NQ+6qOfVzy/V6/MOwJf5SQGVgFWAGWgARQCtHK1FKDcd261+S/amOQBGtdWP7AcFXQEet9bs3uwNCCAGQvG8vMXNmk3H2DE5eXhR/pge+zVs4NHjvEsMw+P3YCpYe/4sAd3+GhPUlwMOxnqPVMJj950FW7zhNmSAvhnULo+hdOuVrfrJarRyIiGLruuOkJGXg7uFCkwcqUj2sNM4uhe/WvFtxvfv42wIopZYDtbTWx+2PSwGzbrKew8ATwKVT902xnTlAa71ZKVXvGjE8e5P1CCEKmcy4WGJ+mkvS9m1gMuF7f0sCH++Es/fN3SdvGAa/HF3GihOrCfQIYEhYX/zdHZs/32oYzFquWRN+hnuCvHmtex2KyujxHHVpEZ1Nfx/jYlwKLq5O1G1cntr3lcXNvfDemncrHGmtcpeSvl0UUOZmKtFaL1JKBWd5ygdIyPLYopRy0lpbb6bcS4KCZPBGXpB2zn3Sxo6zZmRwevHPnFqwCGtGBj5VFKH9euMdGnrd7bJrY8MwmB2xmBUnVlPKuzjvtRxKgKeDSd9q8O38cNaEnyG0tC8f9GtU6E/v5/T3+OSx86z8bR+njl/A5GSibqPyNG9TGZ+iMmDyVjiS+LcopWYBcwEn4Flg9W3Wm4At+V9yy0kfcHiwjrh1QUE+0s65TNrYMYZhkLwrnJi5P5IZG4Ozry8ln30On4aNSTWZSL1OG2bXxoZhsPDwr6yOXEcJz+IMrN0Ha7ILMck3/iysVoMflu5n/e4oypfwYeiTtchIzSAmNeO29/NOlZPf4/OxyWxec5Tjh+MACKkcSIP7Q/AL8CItPZO0mMwcqedOdDsHV44k/r7AQKAftmv+fwL/u+UabdYD7YD5SqmG2MYMCCHEdWVERXFu7mxS9uwGZ2f82jyMf7sOOHvc2j3ahmEw/9DP/H1qAyW9SjC4Tl983Rz7QbVaDab8vp+Ne6MIKeXDK13r4OXuektxiCtlpJvZuu44u7edwjCg1D2+NGwZSklZxTBH3DDxa63TlVLfA/OBS0MlSwMnb6G+S3cJLAZaK6XW2x+/cAtlCSEKCWtaGnG//WJbNtdiwbNqdYK6P41bacfnyv9PmYaVnw7+zD+nN1LaqySDw/riU8SxcQEWq5Upv+1n075oKpQuystd6uAp15lvm2EYHDsYy7qVh0lOTMfXz4PGrSpQvmKAjNTPQY7M1f8W8AZwnn8TN0DIzVRkHyfQ2P63AfS/me2FEIWPYRgkbtlMzPy5WC5exCUggKAu3fG+t+5tJQKrYWXOgUVsOLuFMt6lGFynL95FHJs/32yxMvnXfWw9cI6KZXx5uUttPNwk6d+uxPg0/llxiBNH4nByNlG3SXnubVQOF5dcnyi20HHk29obqKD1/9m78+io6nzf+++aUpV5LAJkIEzZgUAS5kFFUUBRQQZBbJzH4+lu7T7H7vWs9Tz3nHPPveuevt3afXq023ZotRUHZBIFFWcQmUMGkk0CJCQkIfNc897PHxURbSQVMlSG72stVlJVe+/6ZpPKp367foNa19/FCCHE10HyQr8AACAASURBVFwVFdRu+juOkyoGs5m4FbcRd9PN3S6b2x1N13i1aDNf1RwmJTKJH+c8TLglsPnzvT6Nv+wo5Ihax+TkaH6yTkK/t3w+jbzDlRzeW4bXozE2NYZFN6YTGy9rGvSXQH5jy4Gm/i5ECCEAfB0dNGzfQvMnH4OuEz5jJqPW34nFbu/1sTVN45WiNzlYc5RxkSn8KOdBwnoQ+n/eXsjRk3UoKTE8sS4L2whe4a0v1Jxr4bPdJ2ms68AWZmHRjemkZybKZf1+FshvbSmwV1GUj/HPsgegq6r6n/1XlhBipNE1jda9X1C/ZTO+9jYsiaMZdedGwqdN75Pjd3ocvPTlaxysyWV8VCo/zHmQUHNgnQI9Xo1nthWQW1rPlHGxPL42C2uIXIK+Ui6nh68+Pc2J3GoApmSPYf51E7CFSufIgRBI8J/r+vf15/vyVkwI0accp0/5F9MpO4PBaiPh9vXELlkW8GI63TndUs6Lha/R6GxicswEHs26j1BzYGPAPV4ff9xaQN6pBqamxfLjtVlYLRL6V0LXdUpO1PLlR6U4Oj3E2cNZdGM6Y5Klt/5ACqRX/38oijIKmNe1/Zeqqp7v98qEEMOer7OD+s1v0fL5pwBEzluAfd16zDGBTZ7THU3X+KD8U9498wG6rnN75s0ssl+DyRhYcHu8Pn6/JZ+C041MGx/Hj9ZMJ0RC/4o0N3by+fsnOVfejNlsZP51E8iak4zJJNPsDrRAevXfCLwAHMDf2v+LoigPqqr6Tn8XJ4QYvtqOHqH21VfwtTQTkpTMqI13E5au9Nnxm10tvHziDdSmUmKs0dw3dQML03MCnlzG7fHx+7fzKCxrImtiPD9cPQ2L9DDvMa/Xx7GvKji6vxzNp5M6MY5rlk4mKubK5l4QvRfIdbT/A1ytquoZAEVRJuAfhy/BL4ToMW9LM7Wv/Z32I4cxmM3Er1pD3E0399llfYCC+iJeKXqTdk8H0xOmcNeU9URYAhuuB+Dy+Pjd5jyKypvImZTAY6umYZEFYHqssqyJzz84SUujg/CIEK5aMpkJSoJ03guyQF5p5q9DH0BV1dOKosj/mhCiR3Rdp3XfF9S9+TpaZyehk9NJvOc+QsZc+SQ83+XRvOw4tYuPK77AbDCxbvJtXJu8sEdB43R7+d3mPIrPNjNjsj/0zXI5ukc6O9zs//gUJwvPYzDA9NlJzL1mPCEy9HFQCOR/oUJRlJ8Az+O/1P8g/iF+QggREHdtLedffhFHcRFGm41RG+8h+tqeLZnbndrOOl4ofI2KtnMkhtm5P3MjKZE9e1PhcHn57VvHOVnZwizFzqMrMyX0e0DXdY7sL+fDd07gdnmxj47g2psU7KNl8anBJJDgfxD4PfD/4l+k52P88/cLIcRl6T4fTXs+oGH7VnS3m/CsbEbddQ+WuPg+fZ4D1Ud44+RWXD43C8bMYV36bVhNPVsW1+Hy8pu3jlNa2cKcjFE8vGKqhH4PNNS28/n7J6k514olxMTVSyaROTMJo1EuEA82gfTqP68oyi9UVV2vKEoMMEtV1eoBqE0IMYS5Ks5S89KLuMrOYIqMxH7fA0TOmdenn+86vU7eOLmNgzVHsZms3D/1TmaPntHj43Q6vfzmzVxOVbUyb2oiD906BVMfXo0YzjxuH4f3lZF3qBJN05maPYZZV6cRETmylyYezALp1f8LYBawFAgF/oeiKItUVf33/i5OCDH0aB43je/soPH9XeDzEblgIaPW34kpso/XaG+t5MXC16h11DMuMoX7M3+APaznVxI6nR6efiOXM9VtLMgczYO3TJFWaoDKSuvZ+0EJba0uIqNtXLNsMrPnp8ny0oNcIJf6VwBZAKqqViuKsgTIBST4hRDf0nlS5fzLL+KpqcEcF0/iPfcSPi2rT59D13U+qfiCbad24dN9LE29jlsnLMNs7HnHsXaHP/TLa9q4avpo7l8uoR+I9lYne/eUcuZkPUajgRkLUpm1cBwWmeNgSAjklWICwoCv38JZAa3fKhJCDDk+h4P6zW/S8tknYDAQc8NSElavxWgLbHa8QLW523ml6E0KG4qJtERwz9Q7mBp/ZWP/2x0ennr9GGfPt3NN1hjuXZ6BUYaZXZbPq1Fw9ByH9pbhcfsYnRzNtTemE2cPfKikCL5Agv8vwBFFUXbg79W/HPhDv1YlhBgy2nOPUfvqy3ibmggZO5bEex8gdOKkPn8etbGUl05sosXdRkbsZO6ZuoFo65V9fNDa6eapTblU1rVzbc5Y7r5RkdC/DJ9Xozi/mqP7z9Le6sJqM3PdcoWMrNEyJn8ICqRz328URdkHXAN4gI2qqh7r98qEEIOat7WVuk1/p+3QQTCZiF+5itjlt2C09O1CKz7Nx7tnPuSD8k8wGAysmngzN6Quwmi4ss53rR1ufvX6Mc7VdbB4ZhIbl6ZL6H8Pn0+jOK+Go/vLaW91YTYbyZ6bzIz5qYSG9WzUhBg8Av1QbDIQB/wXsAaQ4BdihNJ1nbb9X1L7xmtoHR3YJkwk8d4HsCYl9flzNTgaebFwE2day4m3xXF/5g8YH516xcdranPyy03HqKrv4IZZyfxgyWRpsV6Cz6eh5tdw5MuLAn9OMjnzUwkLl8Af6gLp1f9/gWRgJvAUcL+iKDmqqv5LfxcnhBhcPPV1nH/lJToLCzBYrdg3bCTm+hv6dCKerx2tzeO14s04vE5mjcrmzow1AS+jeylNbS5+/fxBquo7WDo7hQ03TJLQ/w6fT0MtqOHovnLaWl2YzEay5iQzY14KYREyPG+4CKTFfyP+0D+iqmqToihLgXxAgl+IEULXNJo/+pD6rW+ju92EZU4j8Z77sMQn9PlzuX1uNpe8w76qA4QYLWzMWMeCMbN7FdL1zQ5+uekY9S1ObpqXyrrrJkroX8Tn0zhZcJ4jX5bT1uLEZDIwfXYSM+anEi6BP+wEEvy+79y2XuI+IcQw5TpXyfmXXsB5+jTG8HAS776XyPk9m/8+UFXtNbxQ+CrVHedJihjDA5kbGR0+qlfHrGns5FebjtHU5uIHN2ZwQ84YCf0ulwz8WV2BLxPwDFuBBP9bwOtAnKIoPwXuBjb1a1VCiKDTPB4a39tJ43s7/RPxzJ2PfcMPMEdF9flz6brO3qqveLvkHTyal2uTr2L1xJuxmHrXUbCyrp2nXs+ltcPNusUTuXOZIpPLAJr2TeC3Nn8T+DnzU2XGvREgkF79v1AU5SbgLJAC/Juqqjv7vTIhRFDouk7niULqXn8Nd3UV5tg4Rt11DxHZOf3yfJ2eTl4tfpvcunzCzWHcn7mRbHtmr49bXtPG02/k0u7wsHFpOjfMSu6Daoc2TdM4WVjLkX1ltDY7MZoMTJs5lhkLxkngjyCBdO6zAtWqqj6pKMpG4DpFUY7IfP1CDD+O0hLqt76NQy0GIHrx9SSsWYcp9Mo71V2Ox+fhj8dfoKz1LJNixnPf1DuJtcX0+ril51r4zZvHcbq83L88g2uy+27p36FI0zRKCms58mU5LU0OjCYDmTPHMnN+KhFRfTvJkhj8ArnU/3egWFEUG/AfwMvAS8CyfqxLCDGAnGfLadj6Nh35eQCETcsiYfUabOPS+u05dV1nk7qFstazzEmcwT1T77jisfkXKypv4neb8/B4NR5eOZX5U0f3QbVDk6bplJ44z+F9XYFvNDB1xlhmLZDAH8kCCf7xqqquUxTll8DzXZf+D/V3YUKI/ueqqqJh+xbajxwGIDRdIWH17YROntzvz/1J5V4O1BxhXGQKGzNu75PQzz/dwB+25KPrOv+8ehoz0+19UOnQo2k6pUW1HN5XRktjV+DnjGHmgnFERkvgj3QBzdWvKEoCsApYqyjKGPxz9wshhihPXR0N72yjdf+XoOtY08aTsHotYVMzB6THe3FjCVtKdhIVEskjWff0uhMfwBG1jj9vL8BoNPD42iymTej5Sn1D3deBf2RfGc0S+OJ7BBL8vwIOAO+oqpqvKIqKrMwnxJDkbW6i4d13aPn8M/D5CElKJmHVasJzZg7YELe6zgaeL/g7JoORh6ffQ4w1utfH/Kqwhud2FmExG3ni9iwyxsX2QaVDh6bpnCqu5ci+cpoaOjEaDUzJHsPMBalExfRP/wwxdH1v8CuKYlNV1amq6mvAaxc9NFVVVd/F2/R3kUKI3vG1tdG4+12aP/4I3ePBYh9F/KrVRM6Z1y+z7n0fp9fJX/L/RqfXwV0Z65gQPa7Xx/z8eBUv7SrGZjXz0/XZTErq/RuJoULXdU6r9Rzae4am+k4MBsjIGs2sheMk8MX3ulyL/1VFUXYDr6uqemHgq6qqPkVRovCP51+K/yMAIcQg5HM4aPpgN80fvo/mdGKOjSNuxUqiF16Nwdzz9et7Q9M1Xj7xBtUd57ku+SoWjJ3T62N+dKSSVz88SUSohX+9I4dxo69stb6hRtd1yk81cOjzMupr2/2BP300s66SwBfdu9wrfz3wGHBIUZQWoBLwAuOABOC3wO39XqEQosc0l4vmjz+icfe7aB0dmCKjsK9aQ/S112G0BGeRlV1n9nC8vpD02EmsmXRr74/3VTlvfXqKqPAQntyQQ7I9og+qHNx0XaeyrImDX5yhtsrfHpucOYrZV6UREyddr0Rgvjf4uy7n/0FRlD8C2fhX6PMBp4A8VVX1gSlRCBEozeOh5YvPaHz3HXwtLRjDwohfvZbYG5ZitAWvc1dubT7vle0h3hbHg9M2YjKarvhYuq6zfe8ZduwrIzbSys/unMHoERB6VRXNHPz8DNUVLQBMUBKYc/V44uzhQa5MDDWBzNynA7ld/4QQg5Du89G6/0sa3tmGt6EBg9VK3C0riL3xJkxhwQ2Gc+3VvFT0BiGmEB7NupcIy5XXo+s6b31yit0Hz2KPsfGzDTNIGOaXts9XtXLoizNUnGkCYNzEeOZck4Z9hHysIfrewH7IJ4ToU7qm0X74EPU7tuKpqcFgNhOz9Ebilt/SL3Pq91S7p4O/5L2E2+fmoWl3kxQx5oqPpek6r354kk+OnmNMfBhPbphB7DCeZrb+fDuHvjhDWWkDAMlpscy5Jo3RI6jzougfgy74FUW5AbgD/1wBv1RVNS/IJQkx6Oi6TkfecRq2vY2rogJMJqIXXUfcrSuxxMUFuzwAfJqP5wtepcHZyPK0JcwYNf2Kj6VpOi/uKmJffg3J9gie3JBDVHhw+ir0t6b6Dg7tLeNUcR0Ao5OjmXtNGkkjbIii6D8BBb+iKFcD04C/AXNVVf28H2sKVVX1EUVRcvBPCyzBL8RFOouLqN+yGefpU2AwEDl/AfErVxMyqnfL1/a1raXvcrKplKyETG4ev+SKj+P1aTy38wQHi2pJGx3Jv9yRQ0Ro7yf8GWxamhwc3ltGyYnz6DrYR0cyd9F4UsbHyjLCok8FskjPT/AP2RsLvA08qyjK86qq/qo/ClJVdaeiKOHA48DP++M5hBiKHKdKadi2hc6iEwBEzJhF/KrVWJMG36pz+6sO8UnlXsaEJ3JvL+bg93g1/ry9gGMl9UxKjuYnt2cTZht0Fyp7pa3FyZEvyynOq0bXId4ezpxF40mbFC+BL/pFIK+g+4B5wFeqqtYpijIbOIR/Rr+AKIoyD/iFqqqLFUUxAn8CsgAX8JCqqqcURflfwCTgCeAX+Jf/re/RTyPEMOQsK6Nh+5ZvFtDJnEbC6rXY0sYHubJLO91SzuvqFsLMoTw6/T5s5isbTeDy+PjDlnwKzzQyZVwsj6/Nwhpy5aMBBpuOdhdHvzzLieNVaD6dmPgw5lydxsQMuwS+6FeBBL9PVVWXoihf33biH88fEEVRfg7cBbR33bUKCFFVdWHXG4KngVWqqv6Pru1fwj9PwH8pirJNVdW3A30uIYYTV2UFDdu30X7sCOBfQCd+1RrC0pVu9gyeZlcLf81/GZ+u8cC0jdjDrmy+fIfLy28353GyopmsifH8cPU0LObhEfqOTjfHvqqg4Og5fF6NqBgbs69OY/LURIxGCXzR/wIJ/s8URXkaiFAUZRXwCPBxD56jFFgDvNJ1+2pgN4Cqqge6riBcoKrqvT04thDDjru6ioYd22g7fAh0HduEif7AnzJ1ULcEPT4Pz+a9TKu7jbWTbmVKXPoVHafT6eHXbx7ndFUrsxU7j6zMxGwauGmF+4vL6eH4wUryDlficfsIj7Qy+6pxKNNHYxoGP58YOgIJ/p8BDwPHgXuA94A/B/oEqqpuURQl7aK7IoHWi277FEUxqqqqBXrM77LbZTzrQJDz3L8c1TU0vfEWdZ99DppG+MQJpP5gA7GzBm4BnSul6zp/PPAS5W0VLEqbx/qZN19RzS3tLv73K0c4XdXK4lnJPHHHjD4PxYH+PXY5vRz44jT7Pz2Fy+klPNLKDTdPYeb8VMyW4XEV47vkb8XgFsgEPj5FUV4Ddl1091jg7BU+Zyv+8P9ar0IfoK6urfuNRK/Y7ZFynvuJp6GBxnd30LpvL3rXinnxt60mYsZMfAYD9fXt3R8kyD4++zmflx9gXGQKa8atvKKam9tdPPV6LlX1HVybM5aNSybT2NjRp3UO5O+xx+Oj8Og5jn11FqfDiy3UzILFE8icmYTFYqKpuXNA6hho8rdiYPTmzVUgvfqfwt/ib/zOQ1fas2gfsAJ4S1GU+chwPTFC+ZfI3UnrF5+he72EJo0l+paVRM6eO6Ar5vVWUeNJtpS+S1RIJI9k3YPF1POhdg0tTn71+jFqmxwsmZ3MnTdMHvRXOb6P0+Gh8Og58o6cw9npIcRqYu41aUyfnUyIdXiNSBBDUyC/hauAJFVVe9vs+Hpu/63AUkVR9nXdvr+XxxViSPG2ttK0612aP/24a4lcO/ErVjHh1qXUNw6tVmBtZz0vFLyKyWDk4en3EGPt+axytU2d/GrTMRpaXdyyYBxrFk0YkqHf2uwg71AlRXnVeD0aIVYTMxemkjM3Batt+M07IIauQIL/OGDjm175PaaqahmwsOt7Hf+qf0KMKL72dpo+2E3TRx+iu1yY4+KIu/WbJXINpqH1ea/T6+Qv+S/R6XVwV8Y6JkSP6/Exqhs6+OWmY7S0u1m9aAIrFqb1faH9rK6mjdyDFZwqqkXXITzSytxrkpmSPUZa+GJQCuS38hWgRFGUAr4Zxqerqnp9/5UlxPDh6+ykec8HNH34PprDgSk6hri164i+5lqMlqHZEtR0jZdOvEFNx3muS76KBWPn9PgYFbXtPPX6Mdo6PWy4fhLL5qb2Q6X94+vlcXMPVFBZ5l88J84eTs68FCZNGSW99MWgFkjw/zf+SXUu7swnS/IK0Q3N6aT54z007t6F1tmBKSIS+/oNRF93PcaQoT3P/Htn9pBXX0h67CTWTLq1x/uX1bTy9Ou5dDi93L0sncUzB9/sg5eiaRqlRXUcP1BBfa3/ImjSuBhy5qWQMj5uSH5EIUaeQIK/WVXVl/u9EiGGCc3tpuXTj2nc9S6+tjaMYeEkrLmdmOuXYLRd2Sx2g8mx2nx2le0h3hbHg9M2YjL27COK0soWfvNWLk63jwdunsLVWVe+Yt9A8bi9FB2vIe9QBW2tLgwGmDTFTs68VFkeVww5gQT/XkVR3sY/nM/TdZ8ubwaE+DbN46H1i89oeHcnvpZmjDYbcStuI3bpjZjCwoJdXp84117Ny0VvEGIK4dGse4mwhPdo/+LyJn67OQ+PV+ORFZnMm5rYT5X2jc4ONwVHzlFw9Bwupxez2ci0mWPJnptCVExosMsT4ooEEvwRQBtwVddtA/5L/RL8QgC610vrl/to2LkDb2MDhpAQYpffQtyNyzFFRAS7vD7T7u7gL3l/w+1z8/C0u0mK6FlLveB0A7/fko+m6Ty2ahqzFHs/Vdp7zY2dHD9YgZpfg8+nYws1M/vqNKbNHEto2ND+mEaIQCbwuW8A6hBiyNE1jbbDB2nYugVPXS0Gi4XYpTcSu/wWzFFRwS6vT/k0H88X/J0GZxM3py0hZ9T0Hu1/rKSOZ7YVAAZ+vHY6WRMT+qfQXjpf1cqxr85y5qR/fbCoGBvZc1NQpo/GMkxn2RMjz/cGv6Io76qqeouiKGcu8bCuquqEfqxLiEGts+gEdZvfxFVeBiYT0YuvJ/6WFZhjYoNdWr94u3QnJ5tPkZ2QyfLxS3q076HiWp7dUYjJZODxtVlMTYvrpyqvjK7rlJ9qIPdABdUVLQDYR0eSMy+FCUoCxiE0mZIQgbhci//hrq/X4b+8fzHp1S9GJFfFWeo2v0lnYQEAkXPnE796DSH2UUGurP98WXWQzyr3MSY8kXum3oHREHgQ7i+o4bl3T2C1mPjJumzSU2L6sdKe8Xk1Sk6cJ/dgBU31/omTUifEkTMvhbGpMdJDXwxb3xv8qqpWdX37a1VV1178mKIoHwE39GdhQgwmnoYGGrZtofWrL0HXCc2Ygv32O7ClpQW7tH51uqWM19WthJlDeXT6fdjMgY9K+Cz3HC/vVgm1mvmXO3KYMHZwfPzhcno5cbyK/EOVdLS7MRoNpE9LJGduCvGjhk+fDCG+z+Uu9W8FcoCx37ncb+bKF+gRYkjxtbfTuGsnzR/tQfd6CUlOwX77OsIypw/7FmGTs5ln819G0zUenHYX9rD4gPfdc7iC1/aUEBFq4ckNOaQmBn/IW0NtO0f3lXP0wFk8bh+WEBPZc5LJmpNMRNTQH2YpRKAud6n/PiAW+B3wY7653O8Favq3LCGCS/O4af5oD43v7UTr7MQcF0/C6jVEzlswpBbQuVJun4dn81+mzd3O2skryIibHPC+u74q561PTxEdHsKTG3JIsgevFe1yeiktOk9xXg211f4V48LCQ5i5IJXMGWNlDn0xIl3uUn8L0AKsHLhyhAguXdNo3f8lDdu34G1s9E++s+4OYq6/AaNlZAzj8vg8PF/wd862VTJv9CwWJ18d0H66rrNjXxnb954hNtLKz++cQWLcwM9foOs6VWebKc6r4bRah9erYTDAuIlxzLtmAjH2MJlSV4xosoKEEPjDorMgn7rNb+I+V4nBbCb2ppuJW34LpvCeTVIzlLl8bp7Ne4niphKmxKVzp7ImoI80dF1n82en2PXVWRKibfzszhnYB3iCm/Y2F2p+DcV51bQ2OwGIjg0lI2s0yrTRhEdaZa14IZDgFwJn2RnqNr+Jo7gIDAaiFl5F/G1rsMQH/pn2cODwOnnm+AucailjesJUHpx2FxZj938idF1n054S9hypJDEujJ9tyCFugD4z9/k0ykoaKM6vpuJ0I7oOZrOR9GmJTMkaw5iU6GHfF0OInpLgFyOWu7aWhq2baTt0EICwaVnY167DmpIS5MoGXoenkz/kPsfZtkpmjcrm3qkbApqDX9N1Xnlf5bPcKpISwnlyQw7REdZ+r7exroOivGpOFpzH6fDPJD5qTCRTsscwMWMUVpv8aRPi+8irQ4w43rZWGt/ZQfNnn4DPhzVtPPbb1xOWMSXYpQVFm7ud3+f+lXPt1cwfPZuNU24PaKy+T9N44d1i9hfWkJoYwb/ekUNkP05n63Z5KS2qpeh49YWOerZQC1lzksnIGk18EDsRCjGUSPCLEUNzuWj68H2adr+H5nRisdtJWH07EbPnjIie+pfS7Grhd8ee5XxnHYuSFrIufWVAoe/1aTz7zgkOF9cyYWwUP12fTXg/9JDXdZ3qihaK8qo5XfxNR73UiXFkTB9D2uR46agnRA9J8IthT/f5aNn7BQ07tuFracYUEYn9zrXEXLsYg3nkvgQaHI387tiz1DsbWZJ6Lasm3hzQ5+Eer8aftxdwrKSe9ORonliXTai1b89je5uLkwU1FOfV0NLkAPzz5mdkjUGZlijj7oXohZH7V08Me7qu05F7lPq3N+OuqcYQEkLcrSuIvfFmTKEje0nV8511/O7YszS7Wrh5/FJuTlsSUOi7PD7+uCWfgjONTE2L5cdrsrCG9M3iNT6fRnlpA8V51Zy9uKNeZiIZWaNlGl0h+ogEvxiWHCUl1L39Js7SEjAaiV50HfErV2GOGTxzxQdLVXsNv8t9ljZ3O6sm3szScdcFtJ/T7eV3m/MoPttM1sR4frh6GhZz70Jf13XqatooLapFLTiPs/ObjnoZWaOZNCVROuoJ0cfkFSWGDV3T6MjPo+n9XThOqgCEz5iJfc3thIwZG+TqBoezrZX8Ifc5OrydrE9fxbXJCwPar9Pp5b/fOk7puRZmKXYeXZmJ+Qo/W+/scFNxppGK041UnGm60CvfFmoma3ZXRz2ZM1+IfiPBL4Y8zeOh7cBXNH2wC3eVf22psMxpxN96G6GTA59qdrg73VLGH3NfwOVzsTFjHQvHzglov3aHh1+/kUtZTRvzpyby4K1TMPWgM6SmaZw/18rZrrCvq2m/8Fh4RAgZWaMZNzGecRPjMZmlo54Q/U2CXwxZvs4OWj77lKY9H+JraQaTicgFC4lbtnxEjsW/HLWxlD/n/w2v5uW+zDuZnZgT0H6tHW6eej2Xyrp2rs4aw303ZWA0dv85e3ur80LQV5Y14Xb5ADAaDSSNiyFlQhyp4+OIs4fL5/ZCDDAJfjHkeBobaP7wA1q++AzN6cRosxG77CZilizFEjeyZtsLRGFDMX/Nfxld13lo2t1k2zMD2q+pzcVTrx+juqGTxTOT2Lg0HeP3hLTPq1Fd2cLZ041UnGmksa7jwmOR0TYmT00kZUIcSakxhPTxCAAhRM/IK1AMGa6KChrff88/057PhykmhoRbVhJ97bWYwkbOfPo9kVubzwuFr2E0GHg06z6mxisB7dfQ4uRXm45R2+zgxrkprF886R9a5q3NDs6ebuTsqUbOnW3C69EAMJmN/hZ917/o2FBp1QsxiEjwi0FN13UcxUU07n6PzsICAELGjiV22XIi583HaJFlVb/PoZpjvFz0Bhajmcey7mdy7MSA9jvf2MmvXj9GY6uLFQvTWHXNeAwGAx6Pj6qzzVScbuTs6cYLF2iADwAAH5ZJREFU4+sBYuLDSB0fR8qEOMamRGO29M0QPyFE35PgF4OS7vPRdvgQTe/vwnW2HIDQdIXYm5YTPi1rxM60F6h9VQfYVLwFm9nGD7MfYHz0uID2q6xt56k3cmntcLNm0XiuSh9F3qFKzp5upLqiGZ9PB8ASYiJtcjypE+JJGR9L1ACvxCeEuHIS/GJQ0ZxOWvZ+TtOH7+NtaACDgYjZc4i7cTm28ROCXd6Q8EnFXjaX7CDCEs6Pch4iJTIpoP1OVTbz5zePY3P7mD0mmqbcGl7/vPzC4/GjwkmdEEfK+DhGJ0fLVLlCDFES/GJQ8LY00/zRHpo//QStswNDSAjRi68ndulNhIwaFezyhoz3yz5mx+ndRIVE8viMRxgTnnjJ7XRdp6PNxfmqVs6fa6WsrImmug78b62MtFW3YbWZmZhhvxD24ZH9v+qeEKL/SfCLoHLXVNP4/i7a9n+J7vViiogkfuUqYhbfgCkyMtjlDRm6rrPzzAfsLvuIWGsMj894hFFhCRce97h91NW0+YO+qpXaqlY62t3f7A840RmXFse0zEQSx0YSExcmnfKEGIYk+EVQOEpKaHz/PTpyjwFgsY8idtlNRC28CqNVWpY9oes6W0p38nHFFySExvPj7IcxOawUl1ZzvrqN2nOtNNS1o+vf7BMWEcL49AS8FhMfFdXgNBh4bM10siYmfP8TCSGGBQl+MWB0TaM99xhN7+/CeaoUANv4CcTeuJyImbOkw94V0HSNTQXbySspZYIrhwkobP/qBG6X98I2JrORxKQoEsdE+b+OjSI80spXhed5/t0iLGYjj9+exZRxsUH8SYQQA0WCX/Q7XdNoP3yI+h1b8dTUABCelU3sTTcTOjldLif3gM+n0VjXwfmqVmrOtVBaVoXeEUsa/ul3a2gjOjaUtEnxjBobSeLYKOJHRfxDR7xPj53jlfdVQq1mfro+m4lJ0cH4cYQQQTDogl9RlFnAjwAD8HNVVWuDXJK4Qrqu05F/nIatb+OqqACTiairriH2xpuwjg2sp/lI5HH7aG1x0NrspK3ZSWuz//uv7/N5tQvb+kw6elw7M9PTSU72h31oWMhlj7/7wFne/KSUyDAL/3pHDqmJ0pdCiJFk0AU/YAV+AiwDFgDbg1uOuBKdxUXUb33bf0nfYCBy3gLiV64iJPHSvcxHEk3z96hva7ko1JsddHZ4aKxvx9HhueR+IVYTsfFhJCSGU6wXUMIJUkaP4rHs+7GZbd0+r67rbN97hh37yoiNtPLkhhzGxMuMh0KMNIMu+FVV/VJRlAXAk8D6YNcjesZ55jT1W9+m80Qh4F8WN2HVGqxJyUGubGC5nN5/aKm3dd1ua3Giafo/7GM0GoiIshKfFkFUjI2omNBvfbXaLLh8bp7Ne4niphKmxKXzyPR7CDFdvoUP/tB/4+NSPjhUgT3GxpMbZmCXSXeEGJEGJPgVRZkH/EJV1cWKohiBPwFZgAt4SFXVU4qi/CcwGfg1cBhYDvw78MRA1Ch6x3WukvptW+g4dhSAsKmZxK9aS+iE4TXpjq7reNw+HJ1uHB0eHJ1uOjvcXa33b1rwLqf3kvvbwiwkjI7wh3n0t8M9bXw8DY0dl9wPwOF18szxFzjVUkZWQiYPTNuIxdj9S1jTdF75QOWz3CrGxIfx5IYZxMqYfCFGrH4PfkVRfg7cBXy9CPcqIERV1YVdbwieBlapqvpvXdsvBl4A3MBf+rs+0Tvu8+dp2LGNtoNfga5jmziJhNVrCcuYEuzSAubzaTg7PXR2uHF0er4V6t/c7vq+w31h2tpLMZmNREXbGJ0URVRMKJHfCncblpDvf8kZLzMTXru7gz8ef46zbeeYNSqbe6duwGTsfj58n6bx/LtFfFV4ntTECP7ljhyiuukDIIQY3gaixV8KrAFe6bp9NbAbQFXVA4qizL54Y1VVPwE+GYC6RC94Ghtp3LmDln1fgM+HNSWV+NVrCJ+e3W+99HVdR9f9Xy++zYX7Ab7Zxunwfn+IX3Tf97XOL2YyGwkLsxA/KoLQsBBCwy3+r2EWQsNDugLeRlh4SJ///E3OZv6Q+xw1nbUsHDOHOzPWYjR0P/TR49X48/YCjpXUMzEpip+uyybMJosaCTHS9Xvwq6q6RVGUtIvuigRaL7rtUxTFqKqqxhWy26VX8kCw2yPxtLRQuXkL1bvex+fxYho7joQVt2FTpuJwemkpa8Hh+KZ1fCFsu0LW59X8gQ3o2qWDXNe6Hr846L+/kX1lDBAWHkJUTCjhESGER1gJj7R+8/13bltCTAMy7PC7v8s1bbX89qs/U9fZyK3KEu7OXhNQHU63l//z4kGOldSTNSmB/++BeYRaB12XnqCQvxf9T87x4BaMvwSt+MP/a70KfYC6urbeVTTCaZqGy+nF6fDgcnhxOj04HV5cDg9Op/8+zeOl4fQ5HM1teAxWPKnr8Rm6Wo8ftcBH+y/7HGaLEVuoBZPZiMGAP7y6vhq4+PY/PobB8M39fLONwXDRY3x9+5vHrDaLv0V+cQu966st1ILR2H2AejWNllZHt9v1Bbs98lu/y+faq/l97l9pc7ezYsKN3Dj2eurr2y9zBL9Op5ffbj5OSWULOZMSeGxVJu2tDrrfc/j77jkWfU/O8cDozZurYAT/PmAF8JaiKPOBvCDUMKiVFtWiFtR8q0V88fdaVwtY07q+6vq3Wsff2u/CVx1du+j7i7a93GfW32bBaInCZjUREx2BNdSCLdSCLdSM1fadr6EWbDYL1lAzNps/8EXgzrSU86fjL9DpdbAu/TauS74qoP3aHR6efiOX8po25k4ZxUO3TsUsq+gJIS4ykMH/dbpsBZYqirKv6/b9A1jDkHCuvImzpxov+ZjBAAaj4UKr1t9qNWA0+h80ft0CNvpby0aTAYPhm1b21/f7j+G/z2wx/UNoWy1GfKdVnIf3YWptJNRmJuH664hfulTm0u9nxY0l/CX/Jbyal3um3MG8MbMC2q+53cXTr+dyrr6Dq7PGcN9NGQFd1RBCjCyGrz9fHcL04XZZSdd1vB4Ng/Hry9bfvtTdr8/t89G6/0sa3tmGt6EBg9VK7NJlTL5zHU2OXn0iI7pht0ey58R+Xih4FYAHpm0k2z4toH3rWxw89XoutU0OlsxKZsOSyRhlKuR/IJeh+5+c44Fht0de8QtcevsMQgaDAUtI90O1+pKuabQfPUz9ti14amowmM3ELL2RuOW3YI6KwhwRDg55Mfenz858xXMFf8dsNPPo9HvJiJsc0H7nGzv51evHaGx1cevCcay+ZoKsfyCE+F4S/COcfz79vK759M+C0Uj0ouuIu3Ullri4YJc3YnxasY+3SrYTag7lh9kPMD56XED7Vda289QbubR2uLn9uoncPD+w/YQQI5cE/wil6zqdRSdo2L71ovn05xO/crXMpz+AdF1nd9nH7DzzPjG2KP4560GSIsYEtO+Z6lZ+/UYuHU4vG5emc8OskTUtshDiykjwj0CdxUU0bN+Ko+QkAOE5M/zz6SenBLmykUXXdbaU7uTjii+Is8XyH9f/BJMzsPnz1bNN/HZzHi6PjwdvmcJV0wN7syCEEBL8I0inWuwP/JMqAOFZ2cSvXI0tLS24hY1Amq6xqfhtvqw+RGLYKH6c8xCjI0dR5+y+H0XB6Qb+sCUfn6bz2G3TmJ0xagAqFkIMFxL8I0DnSZWGHdtwFBcBED49i/iVq7CNH14L6AwVXs3L3068zrHaPFIik/hh9oNEhkQEtO8RtZY/by/EaDTw47XTyZqY0M/VCiGGGwn+YcxRWkLD9m10FvmXyA3LnEb8basJnTAxyJWNXC6fm7/mv0xR40kmxYznn7LuI9Qc2OX9L/KqeGmXisVi5Im1WWSMi+3naoUQw5EE/zDkOFVKw45tdBYWAF1L5N62mtCJk4Jc2cjW6XHwTN6LnG4pIzM+g4em3U2IqftFc3RdZ/veM+zYV0a4zcxP1mUzMSl6ACoWQgxHEvzDiOP0aRp2bKWzIB+A0IwpJNy2mtDJ6UGuTLS52/lD7nNUtlcxa1Q290y9A7Ox+5ef16fxt13FfFlQgz3Gxk/X5zA6LmwAKhZCDFcS/MOAs6yMhh1b6cg7DkCokkH8basJS1eCXJkAaHQ28fvcv1LbWc9VY+exQVkd0LK6nU4vf9yaT1F5E+PHRPHE7VlEhYcMQMVCiOFMgn8Ic54tp2H7VjqO5wIQmq4Qv3IVYRlTglyZ+Nr5zjp+f+yvNLmaWZp6HbdNXB7QrHqNrU5+89ZxztV1MGNyAo+szMRqGdjZHIUQw5ME/xDkqjhL/Y5tdBw7CoBt0mT/Jf2MKTJV6yBS0VbFH3Ofo83Tzm0TlrMsbXFA+50938Z/v3Wc5nY3N8xM5s4lk2WxHSFEn5HgH0JclRU07NhG+9EjANgmTvK38KdmSuAPMqeay3gm7wUcXid3pK9iUfLCgPYrONPAn7YW4HT7WL94EjfOTZH/WyFEn5LgHwJc5yr9gX/kMAC28ROIv20VYZnTJRQGoaKGkzyb/xJe3ce9Uzcwd/TMgPbbc7CcP7yVh8Fg4LFV05gjE/MIIfqBBP8g5qqqovGdbbQdPgS6jjVtPPErVxE+PUsCf5A6VpvPi4WvYTAYeGT6PUxPmNrtPt8drvfjtVmkp8QMQLVCiJFIgn8Q8jTUU79lM20HD/gDP3Uc8betJjwrWwJ/ENtfdYhXizcTYrLwT1n3kR7b/bwJXp/GS7uK2VdQQ2JcGI+vnc6Y+PABqFYIMVJJ8A9CtZtepSP3GNaUVH8LP2eGBP4g93HFF7xd8g7h5jD+OecB0qJSu92n0+nlT9vyOVHWxPgxkfzPRxfidXoGoFohxEgmwT8I2W+/g5jFNxA2ZSoGY/fjvUXw6LrOe2c+5L2yPUSHRPKjnIcZGzG62/0aW53891vHqazrIGdSAo+uzCQ20kadBL8Qop9J8A9CIaNHEzK6+/AQweXTfLxxciv7qg4Sb4vj8RkPkxAa3+1+Z8+38dvNeTS1ubh+ZhI/WJIuw/WEEANGgl+IK+DwOni+4FWKGk+SHDGWx7LvJ8ba/fz5hWca+ePWfBmuJ4QIGgl+IXqo0dnEM8dfpKqjhmnxGdyfuRGb2drtfl/kVfHybhWDwcA/3ZbJ3CmJA1CtEEJ8mwS/ED1wtrWSZ/JepNXdxqKkhdw+eQUm4+Wn0pXhekKIwUSCX4gA5dUV8mLha3g0L2snr2Bx8tXdXqb3+jRe2l3MvvwaEqJt/HR9tgzXE0IElQS/EAH4pGIvb5e8g9lo5uHpd5Ntn9btPg6Xf3W9r4frPX57NtGyup4QIsgk+IW4DE3X2FzyDp9V7iMyJILHsu5nXFRKt/v5h+vlUVnXfmG4njVEVtcTQgSfBL8Q38Plc/Ni4avk1xcxJjyRx7IeID40ttv9Kmrb+e+3jtPU5mLxzCQ2ynA9IcQgIsEvxCW0uFp5Ju9FKtrOkRE7mYem30WoObTb/WS4nhBisJPgF+I7zrVX88zxF2lyNbNgzBzuVNZ023MfYG9eNS/tLsZgQIbrCSEGLQl+IS5S1HCS5wpewelzsXLCTSwbt7jbFruu6+zYV8b2vWdkuJ4QYtCT4Beiy75zB3j95FaMBiP3Z/6A2Yk53e7j8Wq88r7K3vxqGa4nhBgSJPjFiKfpGjtO7ebDs58Sbgnj0en3MTEmrdv9KuvaeXbHCSrr2kkbHckT62S4nhBi8JPgFyOa2+fh5aI3OFabx6jQBB7LfoBRYQmX3UfTdT46XMlbn57C69NYlD2WO2+YLMP1hBBDwqAMfkVREoGdqqrOCXYtYvhqc7fzl7yXONNazsTo8TySdQ8Rlstfpm9qc/HCe0UUnmkkItTC/cszmZFuH6CKhRCi9wZl8AM/A8qCXYQYvmo6annm+AvUOxuZnZjDXVPWYzFe/uVwRK3lb7uK6XB6mT4hngduziA6ovvFeYQQYjAZdMGvKMpjwN+Bfw12LWJ4Kmk6xbP5L9PpdbA87QZuGb/ssj33HS4vm/aUsDe/GovZyF3L0lk8I0nG5wshhqQBCX5FUeYBv1BVdbGiKEbgT0AW4AIeUlX1lKIo/wlMBkZ1PTZXUZS1qqq+PRA1ipHhQPURXi3ejI7OXVPWs2DM7MtuX1rZwl93FlLX7GRcYiQPr5jK2ATptS+EGLr6PfgVRfk5cBfQ3nXXKiBEVdWFXW8IngZWqar6b9/Z72UJfdFXdF3nvTMf8l7ZHkLNNh6edg9K3KTv3d7r03hnXxk795eBDjfPH8eqa8ZjNhkHrGYhhOgPA9HiLwXWAK903b4a2A2gquoBRVEu2eRSVfWeAahNjAAezctrxZs5WHOUeFss/5z9AKPDv39WvfONnTz7zgnOVLcSH2XloVunoqR2P0e/EEIMBf0e/KqqblEUJe2iuyKB1otu+xRFMaqqqvV3LWLk6fR08mz+y5Q0n2ZcVAr/lHUfUSGRl9xW13U+P17Fpo9KcHs0FmQmsnGpQpht0HWFEUKIKxaMv2it+MP/a70Ofbv90n/IRd8aauf5fHsdvzn0DFVt55mXPIMfzbsPq/nSE+y0tLv4/Zu5HCisITzUwhN3zGDRjOQBrnjoneOhSM5x/5NzPLgFI/j3ASuAtxRFmQ/k9faAdXVtvS5KXJ7dHjmkzvOZlnL+nPc32j0d3JC6iFUTb6a1yYW/P+m35Z2q54X3imntcJORGsNDt04lLso24D/vUDvHQ5Gc4/4n53hg9ObN1UAGv971dSuwVFGUfV237x/AGsQw59G87Cn/lN1lH6Ghs0FZzTVJCy65rcvj461PSvn46DlMRgPrF09i2dwUjDJMTwgxjA1I8KuqWgYs7PpeBx4biOcVI0tJ0yk2qVs431lHdEgkd01Zz9R45ZLblte08ew7hVQ3dJKUEM7DK6aSmiiXJ4UQw5/0WhJDXru7g62n3uWr6sMYMHBt8kJWTLiRUHPoP2yraTq7DpSz7Ysz+DSdJbOTuf3aiYRYZJ59IcTIIMEvhixd1zlQc4QtpTvp8HSSHDGWOzPWkBaVesnt65sdPLfzBCcrW4iOCOHBW6YwbXz8AFcthBDBJcEvhqTzHbVsUrdQ0nyaEKOFNZNu5brkqzAZ/7Hlrus6XxWe5+8fqjhcPmal27l3eQYRoZYgVC6EEMElwS+GFI/Pwwfln/BB+Sd4dR/TE6awPn0VcbZLT7DT4fTwyvsqB4tqsYaYeODmKVw1fbTMsy+EGLEk+MWQcbKplE3qFmo764mxRrMu/TayEzK/N8SLypt4bucJmtpcTEyK4uFbpzIqNmyAqxZCiMFFgl8Mem3udraWvsuBmiMYMLA4+WpunbAMm9l2ye1bO928t7+cDw9VYDAYWHXNeG5ZMA6TUebZF0IICX4xaOm6zv7qw2wrfZcObycpkUncqaxhXFTKJbc/V9fOh4cr2F94Ho9XY1RsKI+syGTC2KgBrlwIIQYvCX4xKNV0nGeTuoXS5jNYTSHcPnkli5IW/EPnPU3XKTjdyIeHzlJY1gSAPcbGktkpLMoaizVEhukJIcTFJPjFoOL2eXi//GM+LP8Un+4j2z6NdZNXEmuL+dZ2Lo+P/QU1fHi4guqGTgCUlBiWzUkhe1ICRqN03hNCiEuR4BeDRnFjCa+rW6hzNBBrjWF9+m1k2TO/tU1Tm4uPj1by6bFzdDi9mIwGFmSOZtmcFMaNlpn3hBCiOxL8Iuja3O28XfIOh84fw4CB61Ou4Zbxy7CZrRe2Katp5cNDFRwsqsWn6USEWrh14Tiun5lMTIT1MkcXQghxMQl+ETSarrG/+hDbSt+j0+tgXGQKd2asISUyyf+4pnOspJ4PD53lZGULAGMTwlk6O5kFmaNlml0hhLgCEvwiKKraa9ikbuF0Sxk2k5V16bexKGkBRoMRh8vL3rxq9hypoK7ZCcC08XEsm5NC5vg4mXxHCCF6QYJfDCi3z8Ousj3sOfsZmq4xwz6d29NXEmONpr7ZwZ4jlXyRV4XD5cNiNrIoeyxL56SQlBAe7NKFEGJYkOAXA8KjeTnRUMyWkp3UOxuJtcZwh7KKafFTKD3XwquH8jl6sg5dh+iIEG6aN47rcsYSGRYS7NKFEGJYkeAX/abV3UZhfTEFDUUUNZ7E5XNjNBhZknoty1JvIL+0mf/97mHOVLcBkJoYwbI5KcydkojZJLPsCSFEf5DgF31G13Uq26soqC8iv6GI8taKC4/ZQ+OZljCF7NgZnCzx8W/vH6GpzYUBmDE5gWVzUkhPiZHP74UQop9J8ItecfvcqE2l5NcXUdhQTLPL3/veaDCSHjORydHpxGgpdLRYKVfbeFo9hdujYQ0xsWRWMjfMTiZRFs4RQogBI8EveqzR2URB1yX8k02leDQvAKGmUNKsUwh1jaWzLpayQjfH293A2Qv7xkdZueHqFBZljyHMZgnSTyCEECOXBL/olqZrnKw/zRenjlBQX8S5juoLj9l8MRhbR9FWE4ejLZpGvr5U305clJWsifEk2yNItoeTbI9gbEK4TKcrhBBBJMEvLsnhdZBbU8SR6kJOtZfg1v3j6XXNiNaagK95FFqzHYc7FFuIifH2CJInhpM8KoJkewRJ9nDCpUUvhBCDjgS/wOvTqGns5ERVBYWNxZxzn8ZhrgWDDoDutuJrTkZvGYXdnEJKQjTJGREXWvLx0TbplCeEEEOEBP8g5vVpeLz+f26v76LvNTwen//rRY+7vRrersfdXh8ej4bHp+H2aHi832zv9vpwaZ246MBt6MBhrsUQXYsx1L/KHRYwOGKI0VIYHz6ZjKRUsq4fjc2oYzHLNLlCCDGUSfAPQm99WsoHByvwafoV7K2DxYUhxHmJfy4MEU4MFicG4zfHNgFG3UyieQJTYzNYkJrFmOi4bx3Vbo+krq6tdz+YEEKIoJPgH4TsMaGMHxOFxWzEYjYSYjZiMZswmwGzE5/Zgc/kwGPwt9hddODU2nHo7XT62tG59BsGAwaiQiKJtdmJsUYTa40mxhZNUvgYJsVOwGKUXwchhBju5C/9IDQ13Yonto1mVwvNrhaaXC00O1todbf5Q10HvN/ex2gwEh0SRWJEKjHW6IuCPcb/1RpNVEgkJqNcqhdCiJFMgn8Q2nbqPY7XFVy4bTKYiLFGMyE6jVhb9LeCPdYWQ4w1msiQCIwGmeZWCCHE5UnwD0LrJq9k/uhZ/nC3xRBuCZNQF0II0Sck+AehWFsMsbaYYJchhBBiGJJmpBBCCDGCSPALIYQQI4gEvxBCCDGCSPALIYQQI8ig69ynKEo28HvgFPCSqqqfBrciIYQQYvgYjC3+uUA1/ilqCoNcixBCCDGsDMbg3ws8BPwSeDLItQghhBDDyoBc6lcUZR7wC1VVFyuKYgT+BGQBLuAhVVVPKYryn8BkYAf+Fn/zQNUnhBBCjBT9HqyKovwcuAto77prFRCiqurCrjcETwOrVFX9t67tF+D/jN8D/M/+rk8IIYQYSQaiRV0KrAFe6bp9NbAbQFXVA4qizL54Y1VV9wP7B6AuIYQQYsTp98/4VVXdwrfXkosEWi+67eu6/C+EEEKIfhaMz9Bb8Yf/14yqqmq9OJ7Bbo/sfivRa3Ke+5+c4/4n57j/yTke3ILR0t4H3AygKMp8IC8INQghhBAj0kC2+PWur1uBpYqi7Ou6ff8A1iCEEEKMaAZd17vfSgghhBDDgnSqE0IIIUYQCX4hhBBiBJHgF0IIIUaQYTclrqIoC4FHum4+oapqSzDrGc4URbkeuFNV1YeDXctwpCjKDcAdQBjwS1VVZQRMH1MUZRbwI8AA/FxV1doglzQsKYqSCOxUVXVOsGsZjnq6qu1wbPE/jD/4n8f/R1P0A0VRJgI5gC3YtQxjoaqqPgI8BSwLdjHDlBX4CfAusCDItQxLiqIYgJ8BZUEuZTjr0aq2wzH4TaqquvGfhDHBLma4UlX1lKqqvw52HcOZqqo7FUUJBx4H/hbkcoYlVVW/BKbiXwk0N8jlDFf/BPwdcAa7kGGsR6vaDqlL/YGs8gd0KooSAowFaoJX7dAV4HkWvRDgipUJ+F/I/6aqan0Qyx2SAjzHc4DDwHLg34EnglbwEBTg34olXffNVRRlraqqbwev4qEnwHOcQw9WtR0yLf6uVf7+iv/SHFy0yh/w/+Bf5Q/gWeAv+C/5v/Ld44jL68F5FleoB+f4aSAR+C9FUdYOeKFDWA/OcQTwAvAr4NWBrnMoC/Qcq6q6VlXVx4ADEvo904Pf4zL8n/H/X+B33R13KLX4A1rlT1XVo8hsgL3R09UU7x7Y8oaFQH+X7w1OecNCoOf4E/7/9u7epoEgCAPoIBHSAAki20aQ6IKMCqANaIBOcEARRJcR0QAhEhCBLENwZ93ceZn3Qkejz5Y/7fpnIp5WmbB/U98rrpYd718Y+zqetNW2mxO/LX/LkHM+GeeTcT4Z58vKuOcnZe4tf/xNzvlknE/G+WScb5aMey5+W/6WIed8Ms4n43wyzjdLxj19xv/Nlr9lyDmfjPPJOJ+M882ase18AFBIz1f9AMBEih8AClH8AFCI4geAQhQ/ABSi+AGgEMUPAIUofgAoRPEDo7XWzltrH621i53HX1prZ2vNBYyn+IGp3iPiobV2svWYvwCFTih+YKrXiHiMiLu1BwGmU/zAPm4j4nL3yh84fIofmGwYhreIuI7fV/7AgVP8wF6GYdhExCYi7teeBRjveO0BgK7dRMRzRJyuPQgwjhM/MNXPN/i3rvwdIqATR5+ffoUDAFU48QNAIYofAApR/ABQiOIHgEIUPwAUovgBoBDFDwCFKH4AKOQLtDBXtdpBW+cAAAAASUVORK5CYII=">
-            <a:extLst>
-              <a:ext uri="{FF2B5EF4-FFF2-40B4-BE49-F238E27FC236}">
-                <a16:creationId xmlns:a16="http://schemas.microsoft.com/office/drawing/2014/main" id="{A1AEAF1C-618E-4AE8-9A17-200D184EAAA2}"/>
-              </a:ext>
-            </a:extLst>
-          </p:cNvPr>
-          <p:cNvSpPr>
-            <a:spLocks noChangeAspect="1" noChangeArrowheads="1"/>
-          </p:cNvSpPr>
-          <p:nvPr/>
-        </p:nvSpPr>
-        <p:spPr bwMode="auto">
-          <a:xfrm>
-            <a:off x="5943600" y="3276600"/>
-            <a:ext cx="304800" cy="304800"/>
-          </a:xfrm>
-          <a:prstGeom prst="rect">
-            <a:avLst/>
-          </a:prstGeom>
-          <a:noFill/>
-          <a:extLst>
-            <a:ext uri="{909E8E84-426E-40DD-AFC4-6F175D3DCCD1}">
-              <a14:hiddenFill xmlns:a14="http://schemas.microsoft.com/office/drawing/2010/main">
-                <a:solidFill>
-                  <a:srgbClr val="FFFFFF"/>
-                </a:solidFill>
-              </a14:hiddenFill>
-            </a:ext>
-          </a:extLst>
-        </p:spPr>
-        <p:txBody>
-          <a:bodyPr vert="horz" wrap="square" lIns="91440" tIns="45720" rIns="91440" bIns="45720" numCol="1" anchor="t" anchorCtr="0" compatLnSpc="1">
-            <a:prstTxWarp prst="textNoShape">
-              <a:avLst/>
-            </a:prstTxWarp>
-          </a:bodyPr>
-          <a:lstStyle/>
-          <a:p>
-            <a:endParaRPr lang="en-CA"/>
-          </a:p>
-        </p:txBody>
-      </p:sp>
-      <p:pic>
-        <p:nvPicPr>
-          <p:cNvPr id="8" name="Picture 7">
-            <a:extLst>
-              <a:ext uri="{FF2B5EF4-FFF2-40B4-BE49-F238E27FC236}">
-                <a16:creationId xmlns:a16="http://schemas.microsoft.com/office/drawing/2014/main" id="{14AFB3E8-36F1-4C69-A69B-50865952F7AC}"/>
-              </a:ext>
-            </a:extLst>
-          </p:cNvPr>
-          <p:cNvPicPr>
-            <a:picLocks noChangeAspect="1"/>
-          </p:cNvPicPr>
-          <p:nvPr/>
-        </p:nvPicPr>
-        <p:blipFill>
-          <a:blip r:embed="rId2">
-            <a:extLst>
-              <a:ext uri="{28A0092B-C50C-407E-A947-70E740481C1C}">
-                <a14:useLocalDpi xmlns:a14="http://schemas.microsoft.com/office/drawing/2010/main" val="0"/>
-              </a:ext>
-            </a:extLst>
-          </a:blip>
-          <a:stretch>
-            <a:fillRect/>
-          </a:stretch>
-        </p:blipFill>
-        <p:spPr>
-          <a:xfrm>
-            <a:off x="4887047" y="1609571"/>
-            <a:ext cx="6478476" cy="4700071"/>
-          </a:xfrm>
-          <a:prstGeom prst="rect">
-            <a:avLst/>
-          </a:prstGeom>
-        </p:spPr>
-      </p:pic>
-      <p:sp>
-        <p:nvSpPr>
-          <p:cNvPr id="9" name="TextBox 8">
-            <a:extLst>
-              <a:ext uri="{FF2B5EF4-FFF2-40B4-BE49-F238E27FC236}">
-                <a16:creationId xmlns:a16="http://schemas.microsoft.com/office/drawing/2014/main" id="{49DB4B17-3EB2-437E-84B9-4E330D0FC024}"/>
-              </a:ext>
-            </a:extLst>
-          </p:cNvPr>
-          <p:cNvSpPr txBox="1"/>
-          <p:nvPr/>
-        </p:nvSpPr>
-        <p:spPr>
-          <a:xfrm>
-            <a:off x="5372100" y="6176963"/>
-            <a:ext cx="5715000" cy="369332"/>
-          </a:xfrm>
-          <a:prstGeom prst="rect">
-            <a:avLst/>
-          </a:prstGeom>
-          <a:noFill/>
-        </p:spPr>
-        <p:txBody>
-          <a:bodyPr wrap="square" rtlCol="0">
-            <a:spAutoFit/>
-          </a:bodyPr>
-          <a:lstStyle/>
-          <a:p>
-            <a:r>
-              <a:rPr lang="en-CA" dirty="0"/>
-              <a:t>Source: J. </a:t>
-            </a:r>
-            <a:r>
-              <a:rPr lang="en-CA" dirty="0" err="1"/>
-              <a:t>Vanderplas</a:t>
-            </a:r>
-            <a:r>
-              <a:rPr lang="en-CA" dirty="0"/>
-              <a:t> 2015.</a:t>
-            </a:r>
-          </a:p>
-        </p:txBody>
-      </p:sp>
-    </p:spTree>
-    <p:extLst>
-      <p:ext uri="{BB962C8B-B14F-4D97-AF65-F5344CB8AC3E}">
-        <p14:creationId xmlns:p14="http://schemas.microsoft.com/office/powerpoint/2010/main" val="2926353494"/>
-      </p:ext>
-    </p:extLst>
-  </p:cSld>
-  <p:clrMapOvr>
-    <a:masterClrMapping/>
-  </p:clrMapOvr>
-</p:sld>
-</file>
-
-<file path=ppt/slides/slide17.xml><?xml version="1.0" encoding="utf-8"?>
 <p:sld xmlns:a="http://schemas.openxmlformats.org/drawingml/2006/main" xmlns:r="http://schemas.openxmlformats.org/officeDocument/2006/relationships" xmlns:p="http://schemas.openxmlformats.org/presentationml/2006/main">
   <p:cSld>
     <p:spTree>
